--- a/MB_Training_Images.pptx
+++ b/MB_Training_Images.pptx
@@ -8,6 +8,10 @@
     <p:sldId id="256" r:id="rId2"/>
     <p:sldId id="257" r:id="rId3"/>
     <p:sldId id="258" r:id="rId4"/>
+    <p:sldId id="262" r:id="rId5"/>
+    <p:sldId id="259" r:id="rId6"/>
+    <p:sldId id="260" r:id="rId7"/>
+    <p:sldId id="261" r:id="rId8"/>
   </p:sldIdLst>
   <p:sldSz cx="12192000" cy="6858000"/>
   <p:notesSz cx="6858000" cy="9144000"/>
@@ -106,6 +110,11 @@
       </a:defRPr>
     </a:lvl9pPr>
   </p:defaultTextStyle>
+  <p:extLst>
+    <p:ext uri="{EFAFB233-063F-42B5-8137-9DF3F51BA10A}">
+      <p15:sldGuideLst xmlns:p15="http://schemas.microsoft.com/office/powerpoint/2012/main"/>
+    </p:ext>
+  </p:extLst>
 </p:presentation>
 </file>
 
@@ -256,7 +265,7 @@
           <a:p>
             <a:fld id="{7EAE8DEA-61CA-412C-9D6E-50DA161E193E}" type="datetimeFigureOut">
               <a:rPr lang="en-US" smtClean="0"/>
-              <a:t>8/8/2022</a:t>
+              <a:t>8/10/2022</a:t>
             </a:fld>
             <a:endParaRPr lang="en-US"/>
           </a:p>
@@ -454,7 +463,7 @@
           <a:p>
             <a:fld id="{7EAE8DEA-61CA-412C-9D6E-50DA161E193E}" type="datetimeFigureOut">
               <a:rPr lang="en-US" smtClean="0"/>
-              <a:t>8/8/2022</a:t>
+              <a:t>8/10/2022</a:t>
             </a:fld>
             <a:endParaRPr lang="en-US"/>
           </a:p>
@@ -662,7 +671,7 @@
           <a:p>
             <a:fld id="{7EAE8DEA-61CA-412C-9D6E-50DA161E193E}" type="datetimeFigureOut">
               <a:rPr lang="en-US" smtClean="0"/>
-              <a:t>8/8/2022</a:t>
+              <a:t>8/10/2022</a:t>
             </a:fld>
             <a:endParaRPr lang="en-US"/>
           </a:p>
@@ -860,7 +869,7 @@
           <a:p>
             <a:fld id="{7EAE8DEA-61CA-412C-9D6E-50DA161E193E}" type="datetimeFigureOut">
               <a:rPr lang="en-US" smtClean="0"/>
-              <a:t>8/8/2022</a:t>
+              <a:t>8/10/2022</a:t>
             </a:fld>
             <a:endParaRPr lang="en-US"/>
           </a:p>
@@ -1135,7 +1144,7 @@
           <a:p>
             <a:fld id="{7EAE8DEA-61CA-412C-9D6E-50DA161E193E}" type="datetimeFigureOut">
               <a:rPr lang="en-US" smtClean="0"/>
-              <a:t>8/8/2022</a:t>
+              <a:t>8/10/2022</a:t>
             </a:fld>
             <a:endParaRPr lang="en-US"/>
           </a:p>
@@ -1400,7 +1409,7 @@
           <a:p>
             <a:fld id="{7EAE8DEA-61CA-412C-9D6E-50DA161E193E}" type="datetimeFigureOut">
               <a:rPr lang="en-US" smtClean="0"/>
-              <a:t>8/8/2022</a:t>
+              <a:t>8/10/2022</a:t>
             </a:fld>
             <a:endParaRPr lang="en-US"/>
           </a:p>
@@ -1812,7 +1821,7 @@
           <a:p>
             <a:fld id="{7EAE8DEA-61CA-412C-9D6E-50DA161E193E}" type="datetimeFigureOut">
               <a:rPr lang="en-US" smtClean="0"/>
-              <a:t>8/8/2022</a:t>
+              <a:t>8/10/2022</a:t>
             </a:fld>
             <a:endParaRPr lang="en-US"/>
           </a:p>
@@ -1953,7 +1962,7 @@
           <a:p>
             <a:fld id="{7EAE8DEA-61CA-412C-9D6E-50DA161E193E}" type="datetimeFigureOut">
               <a:rPr lang="en-US" smtClean="0"/>
-              <a:t>8/8/2022</a:t>
+              <a:t>8/10/2022</a:t>
             </a:fld>
             <a:endParaRPr lang="en-US"/>
           </a:p>
@@ -2066,7 +2075,7 @@
           <a:p>
             <a:fld id="{7EAE8DEA-61CA-412C-9D6E-50DA161E193E}" type="datetimeFigureOut">
               <a:rPr lang="en-US" smtClean="0"/>
-              <a:t>8/8/2022</a:t>
+              <a:t>8/10/2022</a:t>
             </a:fld>
             <a:endParaRPr lang="en-US"/>
           </a:p>
@@ -2377,7 +2386,7 @@
           <a:p>
             <a:fld id="{7EAE8DEA-61CA-412C-9D6E-50DA161E193E}" type="datetimeFigureOut">
               <a:rPr lang="en-US" smtClean="0"/>
-              <a:t>8/8/2022</a:t>
+              <a:t>8/10/2022</a:t>
             </a:fld>
             <a:endParaRPr lang="en-US"/>
           </a:p>
@@ -2665,7 +2674,7 @@
           <a:p>
             <a:fld id="{7EAE8DEA-61CA-412C-9D6E-50DA161E193E}" type="datetimeFigureOut">
               <a:rPr lang="en-US" smtClean="0"/>
-              <a:t>8/8/2022</a:t>
+              <a:t>8/10/2022</a:t>
             </a:fld>
             <a:endParaRPr lang="en-US"/>
           </a:p>
@@ -2906,7 +2915,7 @@
           <a:p>
             <a:fld id="{7EAE8DEA-61CA-412C-9D6E-50DA161E193E}" type="datetimeFigureOut">
               <a:rPr lang="en-US" smtClean="0"/>
-              <a:t>8/8/2022</a:t>
+              <a:t>8/10/2022</a:t>
             </a:fld>
             <a:endParaRPr lang="en-US"/>
           </a:p>
@@ -6823,6 +6832,3012 @@
 </p:sld>
 </file>
 
+<file path=ppt/slides/slide4.xml><?xml version="1.0" encoding="utf-8"?>
+<p:sld xmlns:a="http://schemas.openxmlformats.org/drawingml/2006/main" xmlns:r="http://schemas.openxmlformats.org/officeDocument/2006/relationships" xmlns:p="http://schemas.openxmlformats.org/presentationml/2006/main">
+  <p:cSld>
+    <p:spTree>
+      <p:nvGrpSpPr>
+        <p:cNvPr id="1" name=""/>
+        <p:cNvGrpSpPr/>
+        <p:nvPr/>
+      </p:nvGrpSpPr>
+      <p:grpSpPr>
+        <a:xfrm>
+          <a:off x="0" y="0"/>
+          <a:ext cx="0" cy="0"/>
+          <a:chOff x="0" y="0"/>
+          <a:chExt cx="0" cy="0"/>
+        </a:xfrm>
+      </p:grpSpPr>
+      <p:sp>
+        <p:nvSpPr>
+          <p:cNvPr id="2" name="TextBox 1">
+            <a:extLst>
+              <a:ext uri="{FF2B5EF4-FFF2-40B4-BE49-F238E27FC236}">
+                <a16:creationId xmlns:a16="http://schemas.microsoft.com/office/drawing/2014/main" id="{02BA999E-83E0-27F8-5F9A-3FF737981C00}"/>
+              </a:ext>
+            </a:extLst>
+          </p:cNvPr>
+          <p:cNvSpPr txBox="1"/>
+          <p:nvPr/>
+        </p:nvSpPr>
+        <p:spPr>
+          <a:xfrm>
+            <a:off x="298580" y="177282"/>
+            <a:ext cx="7725747" cy="369332"/>
+          </a:xfrm>
+          <a:prstGeom prst="rect">
+            <a:avLst/>
+          </a:prstGeom>
+          <a:noFill/>
+        </p:spPr>
+        <p:txBody>
+          <a:bodyPr wrap="square" rtlCol="0">
+            <a:spAutoFit/>
+          </a:bodyPr>
+          <a:lstStyle/>
+          <a:p>
+            <a:r>
+              <a:rPr lang="en-IN" b="1" dirty="0"/>
+              <a:t>Inheritance</a:t>
+            </a:r>
+            <a:endParaRPr lang="en-US" b="1" dirty="0"/>
+          </a:p>
+        </p:txBody>
+      </p:sp>
+      <p:sp>
+        <p:nvSpPr>
+          <p:cNvPr id="4" name="Rectangle 3">
+            <a:extLst>
+              <a:ext uri="{FF2B5EF4-FFF2-40B4-BE49-F238E27FC236}">
+                <a16:creationId xmlns:a16="http://schemas.microsoft.com/office/drawing/2014/main" id="{CFECEFBC-A598-D2F8-0002-B6D8F82AD569}"/>
+              </a:ext>
+            </a:extLst>
+          </p:cNvPr>
+          <p:cNvSpPr/>
+          <p:nvPr/>
+        </p:nvSpPr>
+        <p:spPr>
+          <a:xfrm>
+            <a:off x="429208" y="811763"/>
+            <a:ext cx="2537927" cy="1203649"/>
+          </a:xfrm>
+          <a:prstGeom prst="rect">
+            <a:avLst/>
+          </a:prstGeom>
+        </p:spPr>
+        <p:style>
+          <a:lnRef idx="2">
+            <a:schemeClr val="accent6"/>
+          </a:lnRef>
+          <a:fillRef idx="1">
+            <a:schemeClr val="lt1"/>
+          </a:fillRef>
+          <a:effectRef idx="0">
+            <a:schemeClr val="accent6"/>
+          </a:effectRef>
+          <a:fontRef idx="minor">
+            <a:schemeClr val="dk1"/>
+          </a:fontRef>
+        </p:style>
+        <p:txBody>
+          <a:bodyPr rtlCol="0" anchor="ctr"/>
+          <a:lstStyle/>
+          <a:p>
+            <a:pPr algn="ctr"/>
+            <a:endParaRPr lang="en-US"/>
+          </a:p>
+        </p:txBody>
+      </p:sp>
+      <p:sp>
+        <p:nvSpPr>
+          <p:cNvPr id="5" name="Rectangle 4">
+            <a:extLst>
+              <a:ext uri="{FF2B5EF4-FFF2-40B4-BE49-F238E27FC236}">
+                <a16:creationId xmlns:a16="http://schemas.microsoft.com/office/drawing/2014/main" id="{00589178-8117-4A99-36DF-CAE4F772B516}"/>
+              </a:ext>
+            </a:extLst>
+          </p:cNvPr>
+          <p:cNvSpPr/>
+          <p:nvPr/>
+        </p:nvSpPr>
+        <p:spPr>
+          <a:xfrm>
+            <a:off x="429208" y="1181095"/>
+            <a:ext cx="2537927" cy="69207"/>
+          </a:xfrm>
+          <a:prstGeom prst="rect">
+            <a:avLst/>
+          </a:prstGeom>
+        </p:spPr>
+        <p:style>
+          <a:lnRef idx="2">
+            <a:schemeClr val="accent1">
+              <a:shade val="50000"/>
+            </a:schemeClr>
+          </a:lnRef>
+          <a:fillRef idx="1">
+            <a:schemeClr val="accent1"/>
+          </a:fillRef>
+          <a:effectRef idx="0">
+            <a:schemeClr val="accent1"/>
+          </a:effectRef>
+          <a:fontRef idx="minor">
+            <a:schemeClr val="lt1"/>
+          </a:fontRef>
+        </p:style>
+        <p:txBody>
+          <a:bodyPr rtlCol="0" anchor="ctr"/>
+          <a:lstStyle/>
+          <a:p>
+            <a:pPr algn="ctr"/>
+            <a:endParaRPr lang="en-US"/>
+          </a:p>
+        </p:txBody>
+      </p:sp>
+      <p:sp>
+        <p:nvSpPr>
+          <p:cNvPr id="6" name="TextBox 5">
+            <a:extLst>
+              <a:ext uri="{FF2B5EF4-FFF2-40B4-BE49-F238E27FC236}">
+                <a16:creationId xmlns:a16="http://schemas.microsoft.com/office/drawing/2014/main" id="{F6C4A697-907D-B77D-CE8D-69C2B12CBA3D}"/>
+              </a:ext>
+            </a:extLst>
+          </p:cNvPr>
+          <p:cNvSpPr txBox="1"/>
+          <p:nvPr/>
+        </p:nvSpPr>
+        <p:spPr>
+          <a:xfrm>
+            <a:off x="429208" y="1399592"/>
+            <a:ext cx="2472612" cy="369332"/>
+          </a:xfrm>
+          <a:prstGeom prst="rect">
+            <a:avLst/>
+          </a:prstGeom>
+          <a:noFill/>
+        </p:spPr>
+        <p:txBody>
+          <a:bodyPr wrap="square" rtlCol="0">
+            <a:spAutoFit/>
+          </a:bodyPr>
+          <a:lstStyle/>
+          <a:p>
+            <a:r>
+              <a:rPr lang="en-IN" dirty="0"/>
+              <a:t>+</a:t>
+            </a:r>
+            <a:r>
+              <a:rPr lang="en-IN" dirty="0" err="1"/>
+              <a:t>PrintMessage</a:t>
+            </a:r>
+            <a:r>
+              <a:rPr lang="en-IN" dirty="0"/>
+              <a:t>()</a:t>
+            </a:r>
+            <a:endParaRPr lang="en-US" dirty="0"/>
+          </a:p>
+        </p:txBody>
+      </p:sp>
+      <p:sp>
+        <p:nvSpPr>
+          <p:cNvPr id="7" name="TextBox 6">
+            <a:extLst>
+              <a:ext uri="{FF2B5EF4-FFF2-40B4-BE49-F238E27FC236}">
+                <a16:creationId xmlns:a16="http://schemas.microsoft.com/office/drawing/2014/main" id="{DB4F9AC3-B072-CAED-A8D5-F3AAA8F6113D}"/>
+              </a:ext>
+            </a:extLst>
+          </p:cNvPr>
+          <p:cNvSpPr txBox="1"/>
+          <p:nvPr/>
+        </p:nvSpPr>
+        <p:spPr>
+          <a:xfrm>
+            <a:off x="830424" y="811763"/>
+            <a:ext cx="1810139" cy="369332"/>
+          </a:xfrm>
+          <a:prstGeom prst="rect">
+            <a:avLst/>
+          </a:prstGeom>
+          <a:noFill/>
+        </p:spPr>
+        <p:txBody>
+          <a:bodyPr wrap="square" rtlCol="0">
+            <a:spAutoFit/>
+          </a:bodyPr>
+          <a:lstStyle/>
+          <a:p>
+            <a:pPr algn="ctr"/>
+            <a:r>
+              <a:rPr lang="en-IN" b="1" dirty="0"/>
+              <a:t>Base</a:t>
+            </a:r>
+            <a:endParaRPr lang="en-US" b="1" dirty="0"/>
+          </a:p>
+        </p:txBody>
+      </p:sp>
+      <p:sp>
+        <p:nvSpPr>
+          <p:cNvPr id="8" name="Rectangle 7">
+            <a:extLst>
+              <a:ext uri="{FF2B5EF4-FFF2-40B4-BE49-F238E27FC236}">
+                <a16:creationId xmlns:a16="http://schemas.microsoft.com/office/drawing/2014/main" id="{3DECFD80-694A-3FC0-799C-479DD45B17CE}"/>
+              </a:ext>
+            </a:extLst>
+          </p:cNvPr>
+          <p:cNvSpPr/>
+          <p:nvPr/>
+        </p:nvSpPr>
+        <p:spPr>
+          <a:xfrm>
+            <a:off x="401216" y="2827175"/>
+            <a:ext cx="2537927" cy="1203649"/>
+          </a:xfrm>
+          <a:prstGeom prst="rect">
+            <a:avLst/>
+          </a:prstGeom>
+        </p:spPr>
+        <p:style>
+          <a:lnRef idx="2">
+            <a:schemeClr val="accent6"/>
+          </a:lnRef>
+          <a:fillRef idx="1">
+            <a:schemeClr val="lt1"/>
+          </a:fillRef>
+          <a:effectRef idx="0">
+            <a:schemeClr val="accent6"/>
+          </a:effectRef>
+          <a:fontRef idx="minor">
+            <a:schemeClr val="dk1"/>
+          </a:fontRef>
+        </p:style>
+        <p:txBody>
+          <a:bodyPr rtlCol="0" anchor="ctr"/>
+          <a:lstStyle/>
+          <a:p>
+            <a:pPr algn="ctr"/>
+            <a:endParaRPr lang="en-US"/>
+          </a:p>
+        </p:txBody>
+      </p:sp>
+      <p:sp>
+        <p:nvSpPr>
+          <p:cNvPr id="9" name="Rectangle 8">
+            <a:extLst>
+              <a:ext uri="{FF2B5EF4-FFF2-40B4-BE49-F238E27FC236}">
+                <a16:creationId xmlns:a16="http://schemas.microsoft.com/office/drawing/2014/main" id="{51397472-CFAC-590A-DC38-8CEAA1E171E1}"/>
+              </a:ext>
+            </a:extLst>
+          </p:cNvPr>
+          <p:cNvSpPr/>
+          <p:nvPr/>
+        </p:nvSpPr>
+        <p:spPr>
+          <a:xfrm>
+            <a:off x="401216" y="3196507"/>
+            <a:ext cx="2537927" cy="69207"/>
+          </a:xfrm>
+          <a:prstGeom prst="rect">
+            <a:avLst/>
+          </a:prstGeom>
+        </p:spPr>
+        <p:style>
+          <a:lnRef idx="2">
+            <a:schemeClr val="accent1">
+              <a:shade val="50000"/>
+            </a:schemeClr>
+          </a:lnRef>
+          <a:fillRef idx="1">
+            <a:schemeClr val="accent1"/>
+          </a:fillRef>
+          <a:effectRef idx="0">
+            <a:schemeClr val="accent1"/>
+          </a:effectRef>
+          <a:fontRef idx="minor">
+            <a:schemeClr val="lt1"/>
+          </a:fontRef>
+        </p:style>
+        <p:txBody>
+          <a:bodyPr rtlCol="0" anchor="ctr"/>
+          <a:lstStyle/>
+          <a:p>
+            <a:pPr algn="ctr"/>
+            <a:endParaRPr lang="en-US"/>
+          </a:p>
+        </p:txBody>
+      </p:sp>
+      <p:sp>
+        <p:nvSpPr>
+          <p:cNvPr id="10" name="TextBox 9">
+            <a:extLst>
+              <a:ext uri="{FF2B5EF4-FFF2-40B4-BE49-F238E27FC236}">
+                <a16:creationId xmlns:a16="http://schemas.microsoft.com/office/drawing/2014/main" id="{36B5F5D9-28C1-CE88-1688-86B87CB08D38}"/>
+              </a:ext>
+            </a:extLst>
+          </p:cNvPr>
+          <p:cNvSpPr txBox="1"/>
+          <p:nvPr/>
+        </p:nvSpPr>
+        <p:spPr>
+          <a:xfrm>
+            <a:off x="401216" y="3415004"/>
+            <a:ext cx="2472612" cy="369332"/>
+          </a:xfrm>
+          <a:prstGeom prst="rect">
+            <a:avLst/>
+          </a:prstGeom>
+          <a:noFill/>
+        </p:spPr>
+        <p:txBody>
+          <a:bodyPr wrap="square" rtlCol="0">
+            <a:spAutoFit/>
+          </a:bodyPr>
+          <a:lstStyle/>
+          <a:p>
+            <a:r>
+              <a:rPr lang="en-IN" dirty="0"/>
+              <a:t>+</a:t>
+            </a:r>
+            <a:r>
+              <a:rPr lang="en-IN" dirty="0" err="1"/>
+              <a:t>ShowMessage</a:t>
+            </a:r>
+            <a:r>
+              <a:rPr lang="en-IN" dirty="0"/>
+              <a:t>(</a:t>
+            </a:r>
+            <a:r>
+              <a:rPr lang="en-IN" dirty="0" err="1"/>
+              <a:t>msg</a:t>
+            </a:r>
+            <a:r>
+              <a:rPr lang="en-IN" dirty="0"/>
+              <a:t>)</a:t>
+            </a:r>
+            <a:endParaRPr lang="en-US" dirty="0"/>
+          </a:p>
+        </p:txBody>
+      </p:sp>
+      <p:sp>
+        <p:nvSpPr>
+          <p:cNvPr id="11" name="TextBox 10">
+            <a:extLst>
+              <a:ext uri="{FF2B5EF4-FFF2-40B4-BE49-F238E27FC236}">
+                <a16:creationId xmlns:a16="http://schemas.microsoft.com/office/drawing/2014/main" id="{7F1299DA-D9C4-68AE-497C-7D1FCFA62ED1}"/>
+              </a:ext>
+            </a:extLst>
+          </p:cNvPr>
+          <p:cNvSpPr txBox="1"/>
+          <p:nvPr/>
+        </p:nvSpPr>
+        <p:spPr>
+          <a:xfrm>
+            <a:off x="802432" y="2827175"/>
+            <a:ext cx="1810139" cy="369332"/>
+          </a:xfrm>
+          <a:prstGeom prst="rect">
+            <a:avLst/>
+          </a:prstGeom>
+          <a:noFill/>
+        </p:spPr>
+        <p:txBody>
+          <a:bodyPr wrap="square" rtlCol="0">
+            <a:spAutoFit/>
+          </a:bodyPr>
+          <a:lstStyle/>
+          <a:p>
+            <a:pPr algn="ctr"/>
+            <a:r>
+              <a:rPr lang="en-IN" b="1" dirty="0"/>
+              <a:t>Derive</a:t>
+            </a:r>
+            <a:endParaRPr lang="en-US" b="1" dirty="0"/>
+          </a:p>
+        </p:txBody>
+      </p:sp>
+      <p:cxnSp>
+        <p:nvCxnSpPr>
+          <p:cNvPr id="13" name="Connector: Elbow 12">
+            <a:extLst>
+              <a:ext uri="{FF2B5EF4-FFF2-40B4-BE49-F238E27FC236}">
+                <a16:creationId xmlns:a16="http://schemas.microsoft.com/office/drawing/2014/main" id="{BABEAE79-1AA1-81BE-5A76-03A82EDA7B50}"/>
+              </a:ext>
+            </a:extLst>
+          </p:cNvPr>
+          <p:cNvCxnSpPr>
+            <a:stCxn id="11" idx="0"/>
+            <a:endCxn id="4" idx="2"/>
+          </p:cNvCxnSpPr>
+          <p:nvPr/>
+        </p:nvCxnSpPr>
+        <p:spPr>
+          <a:xfrm rot="16200000" flipV="1">
+            <a:off x="1296956" y="2416629"/>
+            <a:ext cx="811763" cy="9330"/>
+          </a:xfrm>
+          <a:prstGeom prst="bentConnector3">
+            <a:avLst/>
+          </a:prstGeom>
+          <a:ln>
+            <a:tailEnd type="triangle"/>
+          </a:ln>
+        </p:spPr>
+        <p:style>
+          <a:lnRef idx="1">
+            <a:schemeClr val="accent1"/>
+          </a:lnRef>
+          <a:fillRef idx="0">
+            <a:schemeClr val="accent1"/>
+          </a:fillRef>
+          <a:effectRef idx="0">
+            <a:schemeClr val="accent1"/>
+          </a:effectRef>
+          <a:fontRef idx="minor">
+            <a:schemeClr val="tx1"/>
+          </a:fontRef>
+        </p:style>
+      </p:cxnSp>
+      <p:sp>
+        <p:nvSpPr>
+          <p:cNvPr id="14" name="TextBox 13">
+            <a:extLst>
+              <a:ext uri="{FF2B5EF4-FFF2-40B4-BE49-F238E27FC236}">
+                <a16:creationId xmlns:a16="http://schemas.microsoft.com/office/drawing/2014/main" id="{3D57E790-4A7C-44B5-926B-2B355E69CCB3}"/>
+              </a:ext>
+            </a:extLst>
+          </p:cNvPr>
+          <p:cNvSpPr txBox="1"/>
+          <p:nvPr/>
+        </p:nvSpPr>
+        <p:spPr>
+          <a:xfrm>
+            <a:off x="5673012" y="1035698"/>
+            <a:ext cx="2631233" cy="369332"/>
+          </a:xfrm>
+          <a:prstGeom prst="rect">
+            <a:avLst/>
+          </a:prstGeom>
+          <a:noFill/>
+        </p:spPr>
+        <p:txBody>
+          <a:bodyPr wrap="square" rtlCol="0">
+            <a:spAutoFit/>
+          </a:bodyPr>
+          <a:lstStyle/>
+          <a:p>
+            <a:r>
+              <a:rPr lang="en-IN" dirty="0"/>
+              <a:t>Derive d = new Derive();</a:t>
+            </a:r>
+            <a:endParaRPr lang="en-US" dirty="0"/>
+          </a:p>
+        </p:txBody>
+      </p:sp>
+      <p:cxnSp>
+        <p:nvCxnSpPr>
+          <p:cNvPr id="16" name="Connector: Elbow 15">
+            <a:extLst>
+              <a:ext uri="{FF2B5EF4-FFF2-40B4-BE49-F238E27FC236}">
+                <a16:creationId xmlns:a16="http://schemas.microsoft.com/office/drawing/2014/main" id="{115B3D7A-525C-A4D5-3DF9-B1EF0C85CE5D}"/>
+              </a:ext>
+            </a:extLst>
+          </p:cNvPr>
+          <p:cNvCxnSpPr>
+            <a:stCxn id="14" idx="2"/>
+            <a:endCxn id="8" idx="3"/>
+          </p:cNvCxnSpPr>
+          <p:nvPr/>
+        </p:nvCxnSpPr>
+        <p:spPr>
+          <a:xfrm rot="5400000">
+            <a:off x="3951901" y="392272"/>
+            <a:ext cx="2023970" cy="4049486"/>
+          </a:xfrm>
+          <a:prstGeom prst="bentConnector2">
+            <a:avLst/>
+          </a:prstGeom>
+          <a:ln>
+            <a:tailEnd type="triangle"/>
+          </a:ln>
+        </p:spPr>
+        <p:style>
+          <a:lnRef idx="1">
+            <a:schemeClr val="accent1"/>
+          </a:lnRef>
+          <a:fillRef idx="0">
+            <a:schemeClr val="accent1"/>
+          </a:fillRef>
+          <a:effectRef idx="0">
+            <a:schemeClr val="accent1"/>
+          </a:effectRef>
+          <a:fontRef idx="minor">
+            <a:schemeClr val="tx1"/>
+          </a:fontRef>
+        </p:style>
+      </p:cxnSp>
+      <p:sp>
+        <p:nvSpPr>
+          <p:cNvPr id="17" name="TextBox 16">
+            <a:extLst>
+              <a:ext uri="{FF2B5EF4-FFF2-40B4-BE49-F238E27FC236}">
+                <a16:creationId xmlns:a16="http://schemas.microsoft.com/office/drawing/2014/main" id="{E8DA7EA3-C27D-EFE0-8B41-568DF96275DA}"/>
+              </a:ext>
+            </a:extLst>
+          </p:cNvPr>
+          <p:cNvSpPr txBox="1"/>
+          <p:nvPr/>
+        </p:nvSpPr>
+        <p:spPr>
+          <a:xfrm>
+            <a:off x="4077478" y="3657600"/>
+            <a:ext cx="3247053" cy="646331"/>
+          </a:xfrm>
+          <a:prstGeom prst="rect">
+            <a:avLst/>
+          </a:prstGeom>
+          <a:noFill/>
+        </p:spPr>
+        <p:txBody>
+          <a:bodyPr wrap="square" rtlCol="0">
+            <a:spAutoFit/>
+          </a:bodyPr>
+          <a:lstStyle/>
+          <a:p>
+            <a:r>
+              <a:rPr lang="en-IN" dirty="0"/>
+              <a:t>Search and Access All Public Members of the Own Class</a:t>
+            </a:r>
+            <a:endParaRPr lang="en-US" dirty="0"/>
+          </a:p>
+        </p:txBody>
+      </p:sp>
+      <p:cxnSp>
+        <p:nvCxnSpPr>
+          <p:cNvPr id="19" name="Connector: Elbow 18">
+            <a:extLst>
+              <a:ext uri="{FF2B5EF4-FFF2-40B4-BE49-F238E27FC236}">
+                <a16:creationId xmlns:a16="http://schemas.microsoft.com/office/drawing/2014/main" id="{B1A8D566-39B6-BAB4-259E-CACE9F95D084}"/>
+              </a:ext>
+            </a:extLst>
+          </p:cNvPr>
+          <p:cNvCxnSpPr>
+            <a:endCxn id="4" idx="3"/>
+          </p:cNvCxnSpPr>
+          <p:nvPr/>
+        </p:nvCxnSpPr>
+        <p:spPr>
+          <a:xfrm rot="5400000" flipH="1" flipV="1">
+            <a:off x="1966427" y="2414296"/>
+            <a:ext cx="2001416" cy="12700"/>
+          </a:xfrm>
+          <a:prstGeom prst="bentConnector4">
+            <a:avLst>
+              <a:gd name="adj1" fmla="val 34965"/>
+              <a:gd name="adj2" fmla="val -1700000"/>
+            </a:avLst>
+          </a:prstGeom>
+          <a:ln>
+            <a:tailEnd type="triangle"/>
+          </a:ln>
+        </p:spPr>
+        <p:style>
+          <a:lnRef idx="1">
+            <a:schemeClr val="accent1"/>
+          </a:lnRef>
+          <a:fillRef idx="0">
+            <a:schemeClr val="accent1"/>
+          </a:fillRef>
+          <a:effectRef idx="0">
+            <a:schemeClr val="accent1"/>
+          </a:effectRef>
+          <a:fontRef idx="minor">
+            <a:schemeClr val="tx1"/>
+          </a:fontRef>
+        </p:style>
+      </p:cxnSp>
+      <p:sp>
+        <p:nvSpPr>
+          <p:cNvPr id="20" name="TextBox 19">
+            <a:extLst>
+              <a:ext uri="{FF2B5EF4-FFF2-40B4-BE49-F238E27FC236}">
+                <a16:creationId xmlns:a16="http://schemas.microsoft.com/office/drawing/2014/main" id="{93D76644-0947-5C27-ABEB-DFC8E21E1DED}"/>
+              </a:ext>
+            </a:extLst>
+          </p:cNvPr>
+          <p:cNvSpPr txBox="1"/>
+          <p:nvPr/>
+        </p:nvSpPr>
+        <p:spPr>
+          <a:xfrm>
+            <a:off x="3038801" y="1940280"/>
+            <a:ext cx="3247053" cy="646331"/>
+          </a:xfrm>
+          <a:prstGeom prst="rect">
+            <a:avLst/>
+          </a:prstGeom>
+          <a:noFill/>
+        </p:spPr>
+        <p:txBody>
+          <a:bodyPr wrap="square" rtlCol="0">
+            <a:spAutoFit/>
+          </a:bodyPr>
+          <a:lstStyle/>
+          <a:p>
+            <a:r>
+              <a:rPr lang="en-IN" dirty="0"/>
+              <a:t>Search and Access All Public Members of the Base Class</a:t>
+            </a:r>
+            <a:endParaRPr lang="en-US" dirty="0"/>
+          </a:p>
+        </p:txBody>
+      </p:sp>
+    </p:spTree>
+    <p:extLst>
+      <p:ext uri="{BB962C8B-B14F-4D97-AF65-F5344CB8AC3E}">
+        <p14:creationId xmlns:p14="http://schemas.microsoft.com/office/powerpoint/2010/main" val="426542297"/>
+      </p:ext>
+    </p:extLst>
+  </p:cSld>
+  <p:clrMapOvr>
+    <a:masterClrMapping/>
+  </p:clrMapOvr>
+</p:sld>
+</file>
+
+<file path=ppt/slides/slide5.xml><?xml version="1.0" encoding="utf-8"?>
+<p:sld xmlns:a="http://schemas.openxmlformats.org/drawingml/2006/main" xmlns:r="http://schemas.openxmlformats.org/officeDocument/2006/relationships" xmlns:p="http://schemas.openxmlformats.org/presentationml/2006/main">
+  <p:cSld>
+    <p:spTree>
+      <p:nvGrpSpPr>
+        <p:cNvPr id="1" name=""/>
+        <p:cNvGrpSpPr/>
+        <p:nvPr/>
+      </p:nvGrpSpPr>
+      <p:grpSpPr>
+        <a:xfrm>
+          <a:off x="0" y="0"/>
+          <a:ext cx="0" cy="0"/>
+          <a:chOff x="0" y="0"/>
+          <a:chExt cx="0" cy="0"/>
+        </a:xfrm>
+      </p:grpSpPr>
+      <p:sp>
+        <p:nvSpPr>
+          <p:cNvPr id="2" name="Rectangle 1">
+            <a:extLst>
+              <a:ext uri="{FF2B5EF4-FFF2-40B4-BE49-F238E27FC236}">
+                <a16:creationId xmlns:a16="http://schemas.microsoft.com/office/drawing/2014/main" id="{649AADD4-826B-9CF2-837E-E7E52A1B8CDD}"/>
+              </a:ext>
+            </a:extLst>
+          </p:cNvPr>
+          <p:cNvSpPr/>
+          <p:nvPr/>
+        </p:nvSpPr>
+        <p:spPr>
+          <a:xfrm>
+            <a:off x="391885" y="312575"/>
+            <a:ext cx="3470988" cy="3531637"/>
+          </a:xfrm>
+          <a:prstGeom prst="rect">
+            <a:avLst/>
+          </a:prstGeom>
+        </p:spPr>
+        <p:style>
+          <a:lnRef idx="2">
+            <a:schemeClr val="accent6"/>
+          </a:lnRef>
+          <a:fillRef idx="1">
+            <a:schemeClr val="lt1"/>
+          </a:fillRef>
+          <a:effectRef idx="0">
+            <a:schemeClr val="accent6"/>
+          </a:effectRef>
+          <a:fontRef idx="minor">
+            <a:schemeClr val="dk1"/>
+          </a:fontRef>
+        </p:style>
+        <p:txBody>
+          <a:bodyPr rtlCol="0" anchor="ctr"/>
+          <a:lstStyle/>
+          <a:p>
+            <a:pPr algn="ctr"/>
+            <a:endParaRPr lang="en-US"/>
+          </a:p>
+        </p:txBody>
+      </p:sp>
+      <p:sp>
+        <p:nvSpPr>
+          <p:cNvPr id="3" name="Rectangle 2">
+            <a:extLst>
+              <a:ext uri="{FF2B5EF4-FFF2-40B4-BE49-F238E27FC236}">
+                <a16:creationId xmlns:a16="http://schemas.microsoft.com/office/drawing/2014/main" id="{53B55487-2745-D494-621A-925844FB550C}"/>
+              </a:ext>
+            </a:extLst>
+          </p:cNvPr>
+          <p:cNvSpPr/>
+          <p:nvPr/>
+        </p:nvSpPr>
+        <p:spPr>
+          <a:xfrm>
+            <a:off x="391885" y="783771"/>
+            <a:ext cx="3470988" cy="177282"/>
+          </a:xfrm>
+          <a:prstGeom prst="rect">
+            <a:avLst/>
+          </a:prstGeom>
+        </p:spPr>
+        <p:style>
+          <a:lnRef idx="2">
+            <a:schemeClr val="accent1">
+              <a:shade val="50000"/>
+            </a:schemeClr>
+          </a:lnRef>
+          <a:fillRef idx="1">
+            <a:schemeClr val="accent1"/>
+          </a:fillRef>
+          <a:effectRef idx="0">
+            <a:schemeClr val="accent1"/>
+          </a:effectRef>
+          <a:fontRef idx="minor">
+            <a:schemeClr val="lt1"/>
+          </a:fontRef>
+        </p:style>
+        <p:txBody>
+          <a:bodyPr rtlCol="0" anchor="ctr"/>
+          <a:lstStyle/>
+          <a:p>
+            <a:pPr algn="ctr"/>
+            <a:endParaRPr lang="en-US"/>
+          </a:p>
+        </p:txBody>
+      </p:sp>
+      <p:sp>
+        <p:nvSpPr>
+          <p:cNvPr id="4" name="TextBox 3">
+            <a:extLst>
+              <a:ext uri="{FF2B5EF4-FFF2-40B4-BE49-F238E27FC236}">
+                <a16:creationId xmlns:a16="http://schemas.microsoft.com/office/drawing/2014/main" id="{D47BE2D2-6D2D-3FED-462B-021F2F9B2EFD}"/>
+              </a:ext>
+            </a:extLst>
+          </p:cNvPr>
+          <p:cNvSpPr txBox="1"/>
+          <p:nvPr/>
+        </p:nvSpPr>
+        <p:spPr>
+          <a:xfrm>
+            <a:off x="606490" y="391886"/>
+            <a:ext cx="2883159" cy="369332"/>
+          </a:xfrm>
+          <a:prstGeom prst="rect">
+            <a:avLst/>
+          </a:prstGeom>
+          <a:noFill/>
+        </p:spPr>
+        <p:txBody>
+          <a:bodyPr wrap="square" rtlCol="0">
+            <a:spAutoFit/>
+          </a:bodyPr>
+          <a:lstStyle/>
+          <a:p>
+            <a:pPr algn="ctr"/>
+            <a:r>
+              <a:rPr lang="en-IN" b="1" dirty="0"/>
+              <a:t>Staff</a:t>
+            </a:r>
+            <a:endParaRPr lang="en-US" b="1" dirty="0"/>
+          </a:p>
+        </p:txBody>
+      </p:sp>
+      <p:sp>
+        <p:nvSpPr>
+          <p:cNvPr id="5" name="TextBox 4">
+            <a:extLst>
+              <a:ext uri="{FF2B5EF4-FFF2-40B4-BE49-F238E27FC236}">
+                <a16:creationId xmlns:a16="http://schemas.microsoft.com/office/drawing/2014/main" id="{BD87BFFD-BCA7-91A4-FF9E-427C908CCFFA}"/>
+              </a:ext>
+            </a:extLst>
+          </p:cNvPr>
+          <p:cNvSpPr txBox="1"/>
+          <p:nvPr/>
+        </p:nvSpPr>
+        <p:spPr>
+          <a:xfrm>
+            <a:off x="606490" y="1119673"/>
+            <a:ext cx="3135086" cy="2585323"/>
+          </a:xfrm>
+          <a:prstGeom prst="rect">
+            <a:avLst/>
+          </a:prstGeom>
+          <a:noFill/>
+        </p:spPr>
+        <p:txBody>
+          <a:bodyPr wrap="square" rtlCol="0">
+            <a:spAutoFit/>
+          </a:bodyPr>
+          <a:lstStyle/>
+          <a:p>
+            <a:r>
+              <a:rPr lang="en-IN" dirty="0"/>
+              <a:t>+ </a:t>
+            </a:r>
+            <a:r>
+              <a:rPr lang="en-IN" dirty="0" err="1">
+                <a:highlight>
+                  <a:srgbClr val="FFFF00"/>
+                </a:highlight>
+              </a:rPr>
+              <a:t>StaffId</a:t>
+            </a:r>
+            <a:endParaRPr lang="en-IN" dirty="0">
+              <a:highlight>
+                <a:srgbClr val="FFFF00"/>
+              </a:highlight>
+            </a:endParaRPr>
+          </a:p>
+          <a:p>
+            <a:r>
+              <a:rPr lang="en-IN" dirty="0"/>
+              <a:t>+ </a:t>
+            </a:r>
+            <a:r>
+              <a:rPr lang="en-IN" dirty="0" err="1">
+                <a:highlight>
+                  <a:srgbClr val="FFFF00"/>
+                </a:highlight>
+              </a:rPr>
+              <a:t>StaffName</a:t>
+            </a:r>
+            <a:endParaRPr lang="en-IN" dirty="0">
+              <a:highlight>
+                <a:srgbClr val="FFFF00"/>
+              </a:highlight>
+            </a:endParaRPr>
+          </a:p>
+          <a:p>
+            <a:r>
+              <a:rPr lang="en-IN" dirty="0"/>
+              <a:t>+ </a:t>
+            </a:r>
+            <a:r>
+              <a:rPr lang="en-IN" dirty="0" err="1"/>
+              <a:t>StaffCategory</a:t>
+            </a:r>
+            <a:endParaRPr lang="en-IN" dirty="0"/>
+          </a:p>
+          <a:p>
+            <a:r>
+              <a:rPr lang="en-IN" dirty="0"/>
+              <a:t>+ Income</a:t>
+            </a:r>
+          </a:p>
+          <a:p>
+            <a:r>
+              <a:rPr lang="en-IN" dirty="0"/>
+              <a:t>+ Fees</a:t>
+            </a:r>
+          </a:p>
+          <a:p>
+            <a:r>
+              <a:rPr lang="en-IN" dirty="0"/>
+              <a:t>+ DeptName</a:t>
+            </a:r>
+          </a:p>
+          <a:p>
+            <a:r>
+              <a:rPr lang="en-IN" dirty="0"/>
+              <a:t>+ </a:t>
+            </a:r>
+            <a:r>
+              <a:rPr lang="en-IN" dirty="0">
+                <a:highlight>
+                  <a:srgbClr val="FFFF00"/>
+                </a:highlight>
+              </a:rPr>
+              <a:t>Address</a:t>
+            </a:r>
+          </a:p>
+          <a:p>
+            <a:r>
+              <a:rPr lang="en-IN" dirty="0"/>
+              <a:t>+ Ward</a:t>
+            </a:r>
+          </a:p>
+          <a:p>
+            <a:r>
+              <a:rPr lang="en-IN" dirty="0"/>
+              <a:t>+ Room</a:t>
+            </a:r>
+            <a:endParaRPr lang="en-US" dirty="0"/>
+          </a:p>
+        </p:txBody>
+      </p:sp>
+      <p:cxnSp>
+        <p:nvCxnSpPr>
+          <p:cNvPr id="7" name="Straight Arrow Connector 6">
+            <a:extLst>
+              <a:ext uri="{FF2B5EF4-FFF2-40B4-BE49-F238E27FC236}">
+                <a16:creationId xmlns:a16="http://schemas.microsoft.com/office/drawing/2014/main" id="{E63BCE9C-FF79-FFE3-B24D-605932C26027}"/>
+              </a:ext>
+            </a:extLst>
+          </p:cNvPr>
+          <p:cNvCxnSpPr/>
+          <p:nvPr/>
+        </p:nvCxnSpPr>
+        <p:spPr>
+          <a:xfrm flipV="1">
+            <a:off x="2211355" y="369333"/>
+            <a:ext cx="3181739" cy="1506120"/>
+          </a:xfrm>
+          <a:prstGeom prst="straightConnector1">
+            <a:avLst/>
+          </a:prstGeom>
+          <a:ln>
+            <a:tailEnd type="triangle"/>
+          </a:ln>
+        </p:spPr>
+        <p:style>
+          <a:lnRef idx="1">
+            <a:schemeClr val="accent1"/>
+          </a:lnRef>
+          <a:fillRef idx="0">
+            <a:schemeClr val="accent1"/>
+          </a:fillRef>
+          <a:effectRef idx="0">
+            <a:schemeClr val="accent1"/>
+          </a:effectRef>
+          <a:fontRef idx="minor">
+            <a:schemeClr val="tx1"/>
+          </a:fontRef>
+        </p:style>
+      </p:cxnSp>
+      <p:sp>
+        <p:nvSpPr>
+          <p:cNvPr id="8" name="TextBox 7">
+            <a:extLst>
+              <a:ext uri="{FF2B5EF4-FFF2-40B4-BE49-F238E27FC236}">
+                <a16:creationId xmlns:a16="http://schemas.microsoft.com/office/drawing/2014/main" id="{EB1EF0AF-DBCE-4AF3-E9A6-F54C1D048D02}"/>
+              </a:ext>
+            </a:extLst>
+          </p:cNvPr>
+          <p:cNvSpPr txBox="1"/>
+          <p:nvPr/>
+        </p:nvSpPr>
+        <p:spPr>
+          <a:xfrm>
+            <a:off x="5393094" y="102637"/>
+            <a:ext cx="5402424" cy="369332"/>
+          </a:xfrm>
+          <a:prstGeom prst="rect">
+            <a:avLst/>
+          </a:prstGeom>
+          <a:noFill/>
+        </p:spPr>
+        <p:txBody>
+          <a:bodyPr wrap="square" rtlCol="0">
+            <a:spAutoFit/>
+          </a:bodyPr>
+          <a:lstStyle/>
+          <a:p>
+            <a:r>
+              <a:rPr lang="en-IN" dirty="0"/>
+              <a:t>Repeated values: Doctor, Nurse, Technician, Driver, etc.</a:t>
+            </a:r>
+            <a:endParaRPr lang="en-US" dirty="0"/>
+          </a:p>
+        </p:txBody>
+      </p:sp>
+      <p:cxnSp>
+        <p:nvCxnSpPr>
+          <p:cNvPr id="10" name="Straight Arrow Connector 9">
+            <a:extLst>
+              <a:ext uri="{FF2B5EF4-FFF2-40B4-BE49-F238E27FC236}">
+                <a16:creationId xmlns:a16="http://schemas.microsoft.com/office/drawing/2014/main" id="{8F9AA7CC-5E84-85CC-C119-A5917D53DB74}"/>
+              </a:ext>
+            </a:extLst>
+          </p:cNvPr>
+          <p:cNvCxnSpPr/>
+          <p:nvPr/>
+        </p:nvCxnSpPr>
+        <p:spPr>
+          <a:xfrm flipV="1">
+            <a:off x="1996751" y="1875453"/>
+            <a:ext cx="3396343" cy="802433"/>
+          </a:xfrm>
+          <a:prstGeom prst="straightConnector1">
+            <a:avLst/>
+          </a:prstGeom>
+          <a:ln>
+            <a:tailEnd type="triangle"/>
+          </a:ln>
+        </p:spPr>
+        <p:style>
+          <a:lnRef idx="1">
+            <a:schemeClr val="accent1"/>
+          </a:lnRef>
+          <a:fillRef idx="0">
+            <a:schemeClr val="accent1"/>
+          </a:fillRef>
+          <a:effectRef idx="0">
+            <a:schemeClr val="accent1"/>
+          </a:effectRef>
+          <a:fontRef idx="minor">
+            <a:schemeClr val="tx1"/>
+          </a:fontRef>
+        </p:style>
+      </p:cxnSp>
+      <p:sp>
+        <p:nvSpPr>
+          <p:cNvPr id="11" name="TextBox 10">
+            <a:extLst>
+              <a:ext uri="{FF2B5EF4-FFF2-40B4-BE49-F238E27FC236}">
+                <a16:creationId xmlns:a16="http://schemas.microsoft.com/office/drawing/2014/main" id="{1AD00C28-80CC-A734-6F89-28291CAF8206}"/>
+              </a:ext>
+            </a:extLst>
+          </p:cNvPr>
+          <p:cNvSpPr txBox="1"/>
+          <p:nvPr/>
+        </p:nvSpPr>
+        <p:spPr>
+          <a:xfrm>
+            <a:off x="5393094" y="1516998"/>
+            <a:ext cx="4917233" cy="369332"/>
+          </a:xfrm>
+          <a:prstGeom prst="rect">
+            <a:avLst/>
+          </a:prstGeom>
+          <a:noFill/>
+        </p:spPr>
+        <p:txBody>
+          <a:bodyPr wrap="square" rtlCol="0">
+            <a:spAutoFit/>
+          </a:bodyPr>
+          <a:lstStyle/>
+          <a:p>
+            <a:r>
+              <a:rPr lang="en-IN" dirty="0"/>
+              <a:t>Independent to the Staff</a:t>
+            </a:r>
+            <a:endParaRPr lang="en-US" dirty="0"/>
+          </a:p>
+        </p:txBody>
+      </p:sp>
+      <p:sp>
+        <p:nvSpPr>
+          <p:cNvPr id="12" name="Right Brace 11">
+            <a:extLst>
+              <a:ext uri="{FF2B5EF4-FFF2-40B4-BE49-F238E27FC236}">
+                <a16:creationId xmlns:a16="http://schemas.microsoft.com/office/drawing/2014/main" id="{EF2E7314-99F4-EB76-4ACB-5BA906EF18C7}"/>
+              </a:ext>
+            </a:extLst>
+          </p:cNvPr>
+          <p:cNvSpPr/>
+          <p:nvPr/>
+        </p:nvSpPr>
+        <p:spPr>
+          <a:xfrm>
+            <a:off x="1567543" y="3191069"/>
+            <a:ext cx="317240" cy="382555"/>
+          </a:xfrm>
+          <a:prstGeom prst="rightBrace">
+            <a:avLst/>
+          </a:prstGeom>
+          <a:ln w="76200"/>
+        </p:spPr>
+        <p:style>
+          <a:lnRef idx="1">
+            <a:schemeClr val="accent1"/>
+          </a:lnRef>
+          <a:fillRef idx="0">
+            <a:schemeClr val="accent1"/>
+          </a:fillRef>
+          <a:effectRef idx="0">
+            <a:schemeClr val="accent1"/>
+          </a:effectRef>
+          <a:fontRef idx="minor">
+            <a:schemeClr val="tx1"/>
+          </a:fontRef>
+        </p:style>
+        <p:txBody>
+          <a:bodyPr rtlCol="0" anchor="ctr"/>
+          <a:lstStyle/>
+          <a:p>
+            <a:pPr algn="ctr"/>
+            <a:r>
+              <a:rPr lang="en-IN" dirty="0"/>
+              <a:t> </a:t>
+            </a:r>
+            <a:endParaRPr lang="en-US" dirty="0"/>
+          </a:p>
+        </p:txBody>
+      </p:sp>
+      <p:cxnSp>
+        <p:nvCxnSpPr>
+          <p:cNvPr id="14" name="Connector: Elbow 13">
+            <a:extLst>
+              <a:ext uri="{FF2B5EF4-FFF2-40B4-BE49-F238E27FC236}">
+                <a16:creationId xmlns:a16="http://schemas.microsoft.com/office/drawing/2014/main" id="{CB4F8932-F7A1-957D-22BD-ACBEA890D52F}"/>
+              </a:ext>
+            </a:extLst>
+          </p:cNvPr>
+          <p:cNvCxnSpPr>
+            <a:stCxn id="12" idx="1"/>
+            <a:endCxn id="11" idx="2"/>
+          </p:cNvCxnSpPr>
+          <p:nvPr/>
+        </p:nvCxnSpPr>
+        <p:spPr>
+          <a:xfrm rot="10800000" flipH="1">
+            <a:off x="1884783" y="1886331"/>
+            <a:ext cx="5966928" cy="1496017"/>
+          </a:xfrm>
+          <a:prstGeom prst="bentConnector4">
+            <a:avLst>
+              <a:gd name="adj1" fmla="val -3831"/>
+              <a:gd name="adj2" fmla="val 56393"/>
+            </a:avLst>
+          </a:prstGeom>
+          <a:ln>
+            <a:tailEnd type="triangle"/>
+          </a:ln>
+        </p:spPr>
+        <p:style>
+          <a:lnRef idx="1">
+            <a:schemeClr val="accent1"/>
+          </a:lnRef>
+          <a:fillRef idx="0">
+            <a:schemeClr val="accent1"/>
+          </a:fillRef>
+          <a:effectRef idx="0">
+            <a:schemeClr val="accent1"/>
+          </a:effectRef>
+          <a:fontRef idx="minor">
+            <a:schemeClr val="tx1"/>
+          </a:fontRef>
+        </p:style>
+      </p:cxnSp>
+    </p:spTree>
+    <p:extLst>
+      <p:ext uri="{BB962C8B-B14F-4D97-AF65-F5344CB8AC3E}">
+        <p14:creationId xmlns:p14="http://schemas.microsoft.com/office/powerpoint/2010/main" val="1720517322"/>
+      </p:ext>
+    </p:extLst>
+  </p:cSld>
+  <p:clrMapOvr>
+    <a:masterClrMapping/>
+  </p:clrMapOvr>
+</p:sld>
+</file>
+
+<file path=ppt/slides/slide6.xml><?xml version="1.0" encoding="utf-8"?>
+<p:sld xmlns:a="http://schemas.openxmlformats.org/drawingml/2006/main" xmlns:r="http://schemas.openxmlformats.org/officeDocument/2006/relationships" xmlns:p="http://schemas.openxmlformats.org/presentationml/2006/main">
+  <p:cSld>
+    <p:spTree>
+      <p:nvGrpSpPr>
+        <p:cNvPr id="1" name=""/>
+        <p:cNvGrpSpPr/>
+        <p:nvPr/>
+      </p:nvGrpSpPr>
+      <p:grpSpPr>
+        <a:xfrm>
+          <a:off x="0" y="0"/>
+          <a:ext cx="0" cy="0"/>
+          <a:chOff x="0" y="0"/>
+          <a:chExt cx="0" cy="0"/>
+        </a:xfrm>
+      </p:grpSpPr>
+      <p:sp>
+        <p:nvSpPr>
+          <p:cNvPr id="2" name="Rectangle 1">
+            <a:extLst>
+              <a:ext uri="{FF2B5EF4-FFF2-40B4-BE49-F238E27FC236}">
+                <a16:creationId xmlns:a16="http://schemas.microsoft.com/office/drawing/2014/main" id="{8D565AB3-799C-9ACF-2B91-A6B6835A9CAD}"/>
+              </a:ext>
+            </a:extLst>
+          </p:cNvPr>
+          <p:cNvSpPr/>
+          <p:nvPr/>
+        </p:nvSpPr>
+        <p:spPr>
+          <a:xfrm>
+            <a:off x="186612" y="0"/>
+            <a:ext cx="11812555" cy="457200"/>
+          </a:xfrm>
+          <a:prstGeom prst="rect">
+            <a:avLst/>
+          </a:prstGeom>
+        </p:spPr>
+        <p:style>
+          <a:lnRef idx="2">
+            <a:schemeClr val="accent1">
+              <a:shade val="50000"/>
+            </a:schemeClr>
+          </a:lnRef>
+          <a:fillRef idx="1">
+            <a:schemeClr val="accent1"/>
+          </a:fillRef>
+          <a:effectRef idx="0">
+            <a:schemeClr val="accent1"/>
+          </a:effectRef>
+          <a:fontRef idx="minor">
+            <a:schemeClr val="lt1"/>
+          </a:fontRef>
+        </p:style>
+        <p:txBody>
+          <a:bodyPr rtlCol="0" anchor="ctr"/>
+          <a:lstStyle/>
+          <a:p>
+            <a:pPr algn="ctr"/>
+            <a:r>
+              <a:rPr lang="en-IN" dirty="0"/>
+              <a:t>Possible Derivation for the Staff to define specific Classes </a:t>
+            </a:r>
+          </a:p>
+        </p:txBody>
+      </p:sp>
+      <p:sp>
+        <p:nvSpPr>
+          <p:cNvPr id="4" name="TextBox 3">
+            <a:extLst>
+              <a:ext uri="{FF2B5EF4-FFF2-40B4-BE49-F238E27FC236}">
+                <a16:creationId xmlns:a16="http://schemas.microsoft.com/office/drawing/2014/main" id="{9ECAFB1F-18A7-5CB9-40B9-27376FB84678}"/>
+              </a:ext>
+            </a:extLst>
+          </p:cNvPr>
+          <p:cNvSpPr txBox="1"/>
+          <p:nvPr/>
+        </p:nvSpPr>
+        <p:spPr>
+          <a:xfrm>
+            <a:off x="186612" y="606490"/>
+            <a:ext cx="2659225" cy="2308324"/>
+          </a:xfrm>
+          <a:prstGeom prst="rect">
+            <a:avLst/>
+          </a:prstGeom>
+        </p:spPr>
+        <p:style>
+          <a:lnRef idx="2">
+            <a:schemeClr val="accent2"/>
+          </a:lnRef>
+          <a:fillRef idx="1">
+            <a:schemeClr val="lt1"/>
+          </a:fillRef>
+          <a:effectRef idx="0">
+            <a:schemeClr val="accent2"/>
+          </a:effectRef>
+          <a:fontRef idx="minor">
+            <a:schemeClr val="dk1"/>
+          </a:fontRef>
+        </p:style>
+        <p:txBody>
+          <a:bodyPr wrap="square" rtlCol="0">
+            <a:spAutoFit/>
+          </a:bodyPr>
+          <a:lstStyle/>
+          <a:p>
+            <a:pPr algn="ctr"/>
+            <a:r>
+              <a:rPr lang="en-IN" dirty="0"/>
+              <a:t>Staff</a:t>
+            </a:r>
+          </a:p>
+          <a:p>
+            <a:r>
+              <a:rPr lang="en-IN" dirty="0"/>
+              <a:t>+</a:t>
+            </a:r>
+            <a:r>
+              <a:rPr lang="en-IN" dirty="0" err="1"/>
+              <a:t>StaffId</a:t>
+            </a:r>
+            <a:endParaRPr lang="en-IN" dirty="0"/>
+          </a:p>
+          <a:p>
+            <a:r>
+              <a:rPr lang="en-IN" dirty="0"/>
+              <a:t>+</a:t>
+            </a:r>
+            <a:r>
+              <a:rPr lang="en-IN" dirty="0" err="1"/>
+              <a:t>StaffName</a:t>
+            </a:r>
+            <a:endParaRPr lang="en-IN" dirty="0"/>
+          </a:p>
+          <a:p>
+            <a:r>
+              <a:rPr lang="en-IN" dirty="0"/>
+              <a:t>+Address</a:t>
+            </a:r>
+          </a:p>
+          <a:p>
+            <a:r>
+              <a:rPr lang="en-IN" dirty="0"/>
+              <a:t>+Gender</a:t>
+            </a:r>
+          </a:p>
+          <a:p>
+            <a:r>
+              <a:rPr lang="en-IN" dirty="0"/>
+              <a:t>+</a:t>
+            </a:r>
+            <a:r>
+              <a:rPr lang="en-IN" dirty="0" err="1"/>
+              <a:t>DateOfBirth</a:t>
+            </a:r>
+            <a:endParaRPr lang="en-IN" dirty="0"/>
+          </a:p>
+          <a:p>
+            <a:r>
+              <a:rPr lang="en-IN" dirty="0"/>
+              <a:t>+</a:t>
+            </a:r>
+            <a:r>
+              <a:rPr lang="en-IN" dirty="0" err="1"/>
+              <a:t>BasicPay</a:t>
+            </a:r>
+            <a:endParaRPr lang="en-IN" dirty="0"/>
+          </a:p>
+          <a:p>
+            <a:r>
+              <a:rPr lang="en-IN" dirty="0"/>
+              <a:t>+</a:t>
+            </a:r>
+            <a:r>
+              <a:rPr lang="en-IN" dirty="0" err="1"/>
+              <a:t>DeptNo</a:t>
+            </a:r>
+            <a:endParaRPr lang="en-US" dirty="0"/>
+          </a:p>
+        </p:txBody>
+      </p:sp>
+      <p:sp>
+        <p:nvSpPr>
+          <p:cNvPr id="5" name="Rectangle 4">
+            <a:extLst>
+              <a:ext uri="{FF2B5EF4-FFF2-40B4-BE49-F238E27FC236}">
+                <a16:creationId xmlns:a16="http://schemas.microsoft.com/office/drawing/2014/main" id="{65CA9D4E-DD11-990C-FADF-608F586F8AD4}"/>
+              </a:ext>
+            </a:extLst>
+          </p:cNvPr>
+          <p:cNvSpPr/>
+          <p:nvPr/>
+        </p:nvSpPr>
+        <p:spPr>
+          <a:xfrm>
+            <a:off x="186612" y="923731"/>
+            <a:ext cx="2659225" cy="45719"/>
+          </a:xfrm>
+          <a:prstGeom prst="rect">
+            <a:avLst/>
+          </a:prstGeom>
+        </p:spPr>
+        <p:style>
+          <a:lnRef idx="2">
+            <a:schemeClr val="accent1">
+              <a:shade val="50000"/>
+            </a:schemeClr>
+          </a:lnRef>
+          <a:fillRef idx="1">
+            <a:schemeClr val="accent1"/>
+          </a:fillRef>
+          <a:effectRef idx="0">
+            <a:schemeClr val="accent1"/>
+          </a:effectRef>
+          <a:fontRef idx="minor">
+            <a:schemeClr val="lt1"/>
+          </a:fontRef>
+        </p:style>
+        <p:txBody>
+          <a:bodyPr rtlCol="0" anchor="ctr"/>
+          <a:lstStyle/>
+          <a:p>
+            <a:pPr algn="ctr"/>
+            <a:endParaRPr lang="en-US"/>
+          </a:p>
+        </p:txBody>
+      </p:sp>
+      <p:sp>
+        <p:nvSpPr>
+          <p:cNvPr id="6" name="TextBox 5">
+            <a:extLst>
+              <a:ext uri="{FF2B5EF4-FFF2-40B4-BE49-F238E27FC236}">
+                <a16:creationId xmlns:a16="http://schemas.microsoft.com/office/drawing/2014/main" id="{F37B9359-990C-6AE7-8B4D-B420CBA72251}"/>
+              </a:ext>
+            </a:extLst>
+          </p:cNvPr>
+          <p:cNvSpPr txBox="1"/>
+          <p:nvPr/>
+        </p:nvSpPr>
+        <p:spPr>
+          <a:xfrm>
+            <a:off x="186612" y="3498980"/>
+            <a:ext cx="3107094" cy="2308324"/>
+          </a:xfrm>
+          <a:prstGeom prst="rect">
+            <a:avLst/>
+          </a:prstGeom>
+        </p:spPr>
+        <p:style>
+          <a:lnRef idx="2">
+            <a:schemeClr val="dk1"/>
+          </a:lnRef>
+          <a:fillRef idx="1">
+            <a:schemeClr val="lt1"/>
+          </a:fillRef>
+          <a:effectRef idx="0">
+            <a:schemeClr val="dk1"/>
+          </a:effectRef>
+          <a:fontRef idx="minor">
+            <a:schemeClr val="dk1"/>
+          </a:fontRef>
+        </p:style>
+        <p:txBody>
+          <a:bodyPr wrap="square" rtlCol="0">
+            <a:spAutoFit/>
+          </a:bodyPr>
+          <a:lstStyle/>
+          <a:p>
+            <a:pPr algn="ctr"/>
+            <a:r>
+              <a:rPr lang="en-IN" dirty="0"/>
+              <a:t>Doctor</a:t>
+            </a:r>
+          </a:p>
+          <a:p>
+            <a:endParaRPr lang="en-US" dirty="0"/>
+          </a:p>
+          <a:p>
+            <a:r>
+              <a:rPr lang="en-US" dirty="0"/>
+              <a:t>+Education</a:t>
+            </a:r>
+          </a:p>
+          <a:p>
+            <a:r>
+              <a:rPr lang="en-US" dirty="0"/>
+              <a:t>+Specialization</a:t>
+            </a:r>
+          </a:p>
+          <a:p>
+            <a:r>
+              <a:rPr lang="en-US" dirty="0"/>
+              <a:t>+</a:t>
+            </a:r>
+            <a:r>
+              <a:rPr lang="en-US" dirty="0" err="1"/>
+              <a:t>VisitingDays</a:t>
+            </a:r>
+            <a:endParaRPr lang="en-US" dirty="0"/>
+          </a:p>
+          <a:p>
+            <a:r>
+              <a:rPr lang="en-US" dirty="0"/>
+              <a:t>+</a:t>
+            </a:r>
+            <a:r>
+              <a:rPr lang="en-US" dirty="0" err="1"/>
+              <a:t>VisitingHours</a:t>
+            </a:r>
+            <a:endParaRPr lang="en-US" dirty="0"/>
+          </a:p>
+          <a:p>
+            <a:r>
+              <a:rPr lang="en-US" dirty="0"/>
+              <a:t>+Fees</a:t>
+            </a:r>
+          </a:p>
+          <a:p>
+            <a:r>
+              <a:rPr lang="en-US" dirty="0"/>
+              <a:t>+</a:t>
+            </a:r>
+            <a:r>
+              <a:rPr lang="en-US" dirty="0" err="1"/>
+              <a:t>MaxPatieintsPerDay</a:t>
+            </a:r>
+            <a:endParaRPr lang="en-US" dirty="0"/>
+          </a:p>
+        </p:txBody>
+      </p:sp>
+      <p:cxnSp>
+        <p:nvCxnSpPr>
+          <p:cNvPr id="10" name="Connector: Elbow 9">
+            <a:extLst>
+              <a:ext uri="{FF2B5EF4-FFF2-40B4-BE49-F238E27FC236}">
+                <a16:creationId xmlns:a16="http://schemas.microsoft.com/office/drawing/2014/main" id="{5A253A9E-F1C6-7110-31A8-A764747CAFEC}"/>
+              </a:ext>
+            </a:extLst>
+          </p:cNvPr>
+          <p:cNvCxnSpPr>
+            <a:cxnSpLocks/>
+            <a:stCxn id="6" idx="0"/>
+            <a:endCxn id="4" idx="2"/>
+          </p:cNvCxnSpPr>
+          <p:nvPr/>
+        </p:nvCxnSpPr>
+        <p:spPr>
+          <a:xfrm rot="16200000" flipV="1">
+            <a:off x="1327285" y="3086106"/>
+            <a:ext cx="601814" cy="223934"/>
+          </a:xfrm>
+          <a:prstGeom prst="bentConnector3">
+            <a:avLst/>
+          </a:prstGeom>
+          <a:ln>
+            <a:tailEnd type="triangle"/>
+          </a:ln>
+        </p:spPr>
+        <p:style>
+          <a:lnRef idx="1">
+            <a:schemeClr val="accent1"/>
+          </a:lnRef>
+          <a:fillRef idx="0">
+            <a:schemeClr val="accent1"/>
+          </a:fillRef>
+          <a:effectRef idx="0">
+            <a:schemeClr val="accent1"/>
+          </a:effectRef>
+          <a:fontRef idx="minor">
+            <a:schemeClr val="tx1"/>
+          </a:fontRef>
+        </p:style>
+      </p:cxnSp>
+      <p:sp>
+        <p:nvSpPr>
+          <p:cNvPr id="11" name="Rectangle 10">
+            <a:extLst>
+              <a:ext uri="{FF2B5EF4-FFF2-40B4-BE49-F238E27FC236}">
+                <a16:creationId xmlns:a16="http://schemas.microsoft.com/office/drawing/2014/main" id="{63ABD1F9-3B5F-9094-20C4-EE625AE97BDB}"/>
+              </a:ext>
+            </a:extLst>
+          </p:cNvPr>
+          <p:cNvSpPr/>
+          <p:nvPr/>
+        </p:nvSpPr>
+        <p:spPr>
+          <a:xfrm>
+            <a:off x="186612" y="3825551"/>
+            <a:ext cx="3107094" cy="45719"/>
+          </a:xfrm>
+          <a:prstGeom prst="rect">
+            <a:avLst/>
+          </a:prstGeom>
+        </p:spPr>
+        <p:style>
+          <a:lnRef idx="2">
+            <a:schemeClr val="accent1">
+              <a:shade val="50000"/>
+            </a:schemeClr>
+          </a:lnRef>
+          <a:fillRef idx="1">
+            <a:schemeClr val="accent1"/>
+          </a:fillRef>
+          <a:effectRef idx="0">
+            <a:schemeClr val="accent1"/>
+          </a:effectRef>
+          <a:fontRef idx="minor">
+            <a:schemeClr val="lt1"/>
+          </a:fontRef>
+        </p:style>
+        <p:txBody>
+          <a:bodyPr rtlCol="0" anchor="ctr"/>
+          <a:lstStyle/>
+          <a:p>
+            <a:pPr algn="ctr"/>
+            <a:endParaRPr lang="en-US"/>
+          </a:p>
+        </p:txBody>
+      </p:sp>
+      <p:sp>
+        <p:nvSpPr>
+          <p:cNvPr id="12" name="Right Brace 11">
+            <a:extLst>
+              <a:ext uri="{FF2B5EF4-FFF2-40B4-BE49-F238E27FC236}">
+                <a16:creationId xmlns:a16="http://schemas.microsoft.com/office/drawing/2014/main" id="{EB76D5CB-E131-0122-6A77-989580DD4054}"/>
+              </a:ext>
+            </a:extLst>
+          </p:cNvPr>
+          <p:cNvSpPr/>
+          <p:nvPr/>
+        </p:nvSpPr>
+        <p:spPr>
+          <a:xfrm>
+            <a:off x="3452327" y="3498980"/>
+            <a:ext cx="615820" cy="2333587"/>
+          </a:xfrm>
+          <a:prstGeom prst="rightBrace">
+            <a:avLst/>
+          </a:prstGeom>
+          <a:ln w="28575"/>
+        </p:spPr>
+        <p:style>
+          <a:lnRef idx="1">
+            <a:schemeClr val="accent1"/>
+          </a:lnRef>
+          <a:fillRef idx="0">
+            <a:schemeClr val="accent1"/>
+          </a:fillRef>
+          <a:effectRef idx="0">
+            <a:schemeClr val="accent1"/>
+          </a:effectRef>
+          <a:fontRef idx="minor">
+            <a:schemeClr val="tx1"/>
+          </a:fontRef>
+        </p:style>
+        <p:txBody>
+          <a:bodyPr rtlCol="0" anchor="ctr"/>
+          <a:lstStyle/>
+          <a:p>
+            <a:pPr algn="ctr"/>
+            <a:endParaRPr lang="en-US"/>
+          </a:p>
+        </p:txBody>
+      </p:sp>
+      <p:sp>
+        <p:nvSpPr>
+          <p:cNvPr id="13" name="TextBox 12">
+            <a:extLst>
+              <a:ext uri="{FF2B5EF4-FFF2-40B4-BE49-F238E27FC236}">
+                <a16:creationId xmlns:a16="http://schemas.microsoft.com/office/drawing/2014/main" id="{E12D8914-4E22-7D7E-4470-58F671468B87}"/>
+              </a:ext>
+            </a:extLst>
+          </p:cNvPr>
+          <p:cNvSpPr txBox="1"/>
+          <p:nvPr/>
+        </p:nvSpPr>
+        <p:spPr>
+          <a:xfrm>
+            <a:off x="186612" y="5990253"/>
+            <a:ext cx="3265715" cy="369332"/>
+          </a:xfrm>
+          <a:prstGeom prst="rect">
+            <a:avLst/>
+          </a:prstGeom>
+          <a:noFill/>
+        </p:spPr>
+        <p:txBody>
+          <a:bodyPr wrap="square" rtlCol="0">
+            <a:spAutoFit/>
+          </a:bodyPr>
+          <a:lstStyle/>
+          <a:p>
+            <a:r>
+              <a:rPr lang="en-IN" b="1" dirty="0"/>
+              <a:t>Doctor is-a Staff</a:t>
+            </a:r>
+            <a:endParaRPr lang="en-US" b="1" dirty="0"/>
+          </a:p>
+        </p:txBody>
+      </p:sp>
+      <p:sp>
+        <p:nvSpPr>
+          <p:cNvPr id="14" name="TextBox 13">
+            <a:extLst>
+              <a:ext uri="{FF2B5EF4-FFF2-40B4-BE49-F238E27FC236}">
+                <a16:creationId xmlns:a16="http://schemas.microsoft.com/office/drawing/2014/main" id="{E741545A-D715-6F8D-3600-BA05C86EEB40}"/>
+              </a:ext>
+            </a:extLst>
+          </p:cNvPr>
+          <p:cNvSpPr txBox="1"/>
+          <p:nvPr/>
+        </p:nvSpPr>
+        <p:spPr>
+          <a:xfrm>
+            <a:off x="5620138" y="3498980"/>
+            <a:ext cx="3107094" cy="2031325"/>
+          </a:xfrm>
+          <a:prstGeom prst="rect">
+            <a:avLst/>
+          </a:prstGeom>
+        </p:spPr>
+        <p:style>
+          <a:lnRef idx="2">
+            <a:schemeClr val="dk1"/>
+          </a:lnRef>
+          <a:fillRef idx="1">
+            <a:schemeClr val="lt1"/>
+          </a:fillRef>
+          <a:effectRef idx="0">
+            <a:schemeClr val="dk1"/>
+          </a:effectRef>
+          <a:fontRef idx="minor">
+            <a:schemeClr val="dk1"/>
+          </a:fontRef>
+        </p:style>
+        <p:txBody>
+          <a:bodyPr wrap="square" rtlCol="0">
+            <a:spAutoFit/>
+          </a:bodyPr>
+          <a:lstStyle/>
+          <a:p>
+            <a:pPr algn="ctr"/>
+            <a:r>
+              <a:rPr lang="en-IN" dirty="0"/>
+              <a:t>Nurse</a:t>
+            </a:r>
+          </a:p>
+          <a:p>
+            <a:endParaRPr lang="en-US" dirty="0"/>
+          </a:p>
+          <a:p>
+            <a:r>
+              <a:rPr lang="en-US" dirty="0"/>
+              <a:t>+Ward</a:t>
+            </a:r>
+          </a:p>
+          <a:p>
+            <a:r>
+              <a:rPr lang="en-US" dirty="0"/>
+              <a:t>+</a:t>
+            </a:r>
+            <a:r>
+              <a:rPr lang="en-US" dirty="0" err="1"/>
+              <a:t>Experties</a:t>
+            </a:r>
+            <a:endParaRPr lang="en-US" dirty="0"/>
+          </a:p>
+          <a:p>
+            <a:r>
+              <a:rPr lang="en-US" dirty="0"/>
+              <a:t>+</a:t>
+            </a:r>
+            <a:r>
+              <a:rPr lang="en-US" dirty="0" err="1"/>
+              <a:t>DuetyTimings</a:t>
+            </a:r>
+            <a:endParaRPr lang="en-US" dirty="0"/>
+          </a:p>
+          <a:p>
+            <a:r>
+              <a:rPr lang="en-US" dirty="0"/>
+              <a:t>+Allowances</a:t>
+            </a:r>
+          </a:p>
+          <a:p>
+            <a:r>
+              <a:rPr lang="en-US" dirty="0"/>
+              <a:t>+</a:t>
+            </a:r>
+            <a:r>
+              <a:rPr lang="en-US" dirty="0" err="1"/>
+              <a:t>MinPatieintsPerDay</a:t>
+            </a:r>
+            <a:endParaRPr lang="en-US" dirty="0"/>
+          </a:p>
+        </p:txBody>
+      </p:sp>
+      <p:sp>
+        <p:nvSpPr>
+          <p:cNvPr id="15" name="Rectangle 14">
+            <a:extLst>
+              <a:ext uri="{FF2B5EF4-FFF2-40B4-BE49-F238E27FC236}">
+                <a16:creationId xmlns:a16="http://schemas.microsoft.com/office/drawing/2014/main" id="{4685BFAD-464E-96AD-7DB8-4DC9DFC1FD42}"/>
+              </a:ext>
+            </a:extLst>
+          </p:cNvPr>
+          <p:cNvSpPr/>
+          <p:nvPr/>
+        </p:nvSpPr>
+        <p:spPr>
+          <a:xfrm>
+            <a:off x="5620138" y="3825551"/>
+            <a:ext cx="3107094" cy="45719"/>
+          </a:xfrm>
+          <a:prstGeom prst="rect">
+            <a:avLst/>
+          </a:prstGeom>
+        </p:spPr>
+        <p:style>
+          <a:lnRef idx="2">
+            <a:schemeClr val="accent1">
+              <a:shade val="50000"/>
+            </a:schemeClr>
+          </a:lnRef>
+          <a:fillRef idx="1">
+            <a:schemeClr val="accent1"/>
+          </a:fillRef>
+          <a:effectRef idx="0">
+            <a:schemeClr val="accent1"/>
+          </a:effectRef>
+          <a:fontRef idx="minor">
+            <a:schemeClr val="lt1"/>
+          </a:fontRef>
+        </p:style>
+        <p:txBody>
+          <a:bodyPr rtlCol="0" anchor="ctr"/>
+          <a:lstStyle/>
+          <a:p>
+            <a:pPr algn="ctr"/>
+            <a:endParaRPr lang="en-US"/>
+          </a:p>
+        </p:txBody>
+      </p:sp>
+      <p:cxnSp>
+        <p:nvCxnSpPr>
+          <p:cNvPr id="17" name="Connector: Elbow 16">
+            <a:extLst>
+              <a:ext uri="{FF2B5EF4-FFF2-40B4-BE49-F238E27FC236}">
+                <a16:creationId xmlns:a16="http://schemas.microsoft.com/office/drawing/2014/main" id="{D3A5E7A4-7ED3-A96F-E042-F5F1A8E503E9}"/>
+              </a:ext>
+            </a:extLst>
+          </p:cNvPr>
+          <p:cNvCxnSpPr>
+            <a:cxnSpLocks/>
+            <a:stCxn id="14" idx="0"/>
+            <a:endCxn id="4" idx="2"/>
+          </p:cNvCxnSpPr>
+          <p:nvPr/>
+        </p:nvCxnSpPr>
+        <p:spPr>
+          <a:xfrm rot="16200000" flipV="1">
+            <a:off x="4044048" y="369343"/>
+            <a:ext cx="601814" cy="5657460"/>
+          </a:xfrm>
+          <a:prstGeom prst="bentConnector3">
+            <a:avLst/>
+          </a:prstGeom>
+          <a:ln>
+            <a:tailEnd type="triangle"/>
+          </a:ln>
+        </p:spPr>
+        <p:style>
+          <a:lnRef idx="1">
+            <a:schemeClr val="accent1"/>
+          </a:lnRef>
+          <a:fillRef idx="0">
+            <a:schemeClr val="accent1"/>
+          </a:fillRef>
+          <a:effectRef idx="0">
+            <a:schemeClr val="accent1"/>
+          </a:effectRef>
+          <a:fontRef idx="minor">
+            <a:schemeClr val="tx1"/>
+          </a:fontRef>
+        </p:style>
+      </p:cxnSp>
+      <p:sp>
+        <p:nvSpPr>
+          <p:cNvPr id="18" name="TextBox 17">
+            <a:extLst>
+              <a:ext uri="{FF2B5EF4-FFF2-40B4-BE49-F238E27FC236}">
+                <a16:creationId xmlns:a16="http://schemas.microsoft.com/office/drawing/2014/main" id="{CA9C05C7-F4DB-61EA-B09D-4D631906BA9D}"/>
+              </a:ext>
+            </a:extLst>
+          </p:cNvPr>
+          <p:cNvSpPr txBox="1"/>
+          <p:nvPr/>
+        </p:nvSpPr>
+        <p:spPr>
+          <a:xfrm>
+            <a:off x="5505061" y="5807304"/>
+            <a:ext cx="3377682" cy="369332"/>
+          </a:xfrm>
+          <a:prstGeom prst="rect">
+            <a:avLst/>
+          </a:prstGeom>
+          <a:noFill/>
+        </p:spPr>
+        <p:txBody>
+          <a:bodyPr wrap="square" rtlCol="0">
+            <a:spAutoFit/>
+          </a:bodyPr>
+          <a:lstStyle/>
+          <a:p>
+            <a:r>
+              <a:rPr lang="en-IN" b="1" dirty="0"/>
+              <a:t>Nurse is-a Staff</a:t>
+            </a:r>
+            <a:endParaRPr lang="en-US" b="1" dirty="0"/>
+          </a:p>
+        </p:txBody>
+      </p:sp>
+      <p:sp>
+        <p:nvSpPr>
+          <p:cNvPr id="19" name="TextBox 18">
+            <a:extLst>
+              <a:ext uri="{FF2B5EF4-FFF2-40B4-BE49-F238E27FC236}">
+                <a16:creationId xmlns:a16="http://schemas.microsoft.com/office/drawing/2014/main" id="{218FDA33-38FB-F479-E590-1D9F6D202BA9}"/>
+              </a:ext>
+            </a:extLst>
+          </p:cNvPr>
+          <p:cNvSpPr txBox="1"/>
+          <p:nvPr/>
+        </p:nvSpPr>
+        <p:spPr>
+          <a:xfrm>
+            <a:off x="8111412" y="615821"/>
+            <a:ext cx="3107094" cy="1477328"/>
+          </a:xfrm>
+          <a:prstGeom prst="rect">
+            <a:avLst/>
+          </a:prstGeom>
+        </p:spPr>
+        <p:style>
+          <a:lnRef idx="2">
+            <a:schemeClr val="dk1"/>
+          </a:lnRef>
+          <a:fillRef idx="1">
+            <a:schemeClr val="lt1"/>
+          </a:fillRef>
+          <a:effectRef idx="0">
+            <a:schemeClr val="dk1"/>
+          </a:effectRef>
+          <a:fontRef idx="minor">
+            <a:schemeClr val="dk1"/>
+          </a:fontRef>
+        </p:style>
+        <p:txBody>
+          <a:bodyPr wrap="square" rtlCol="0">
+            <a:spAutoFit/>
+          </a:bodyPr>
+          <a:lstStyle/>
+          <a:p>
+            <a:pPr algn="ctr"/>
+            <a:r>
+              <a:rPr lang="en-IN" dirty="0"/>
+              <a:t>Department</a:t>
+            </a:r>
+          </a:p>
+          <a:p>
+            <a:endParaRPr lang="en-US" dirty="0"/>
+          </a:p>
+          <a:p>
+            <a:r>
+              <a:rPr lang="en-US" dirty="0"/>
+              <a:t>+</a:t>
+            </a:r>
+            <a:r>
+              <a:rPr lang="en-US" dirty="0" err="1"/>
+              <a:t>DeptNo</a:t>
+            </a:r>
+            <a:endParaRPr lang="en-US" dirty="0"/>
+          </a:p>
+          <a:p>
+            <a:r>
+              <a:rPr lang="en-US" dirty="0"/>
+              <a:t>+DeptName</a:t>
+            </a:r>
+          </a:p>
+          <a:p>
+            <a:r>
+              <a:rPr lang="en-US" dirty="0"/>
+              <a:t>+Capacity</a:t>
+            </a:r>
+          </a:p>
+        </p:txBody>
+      </p:sp>
+      <p:sp>
+        <p:nvSpPr>
+          <p:cNvPr id="20" name="Rectangle 19">
+            <a:extLst>
+              <a:ext uri="{FF2B5EF4-FFF2-40B4-BE49-F238E27FC236}">
+                <a16:creationId xmlns:a16="http://schemas.microsoft.com/office/drawing/2014/main" id="{753ACC46-B8F8-8425-74DC-10B818562CC5}"/>
+              </a:ext>
+            </a:extLst>
+          </p:cNvPr>
+          <p:cNvSpPr/>
+          <p:nvPr/>
+        </p:nvSpPr>
+        <p:spPr>
+          <a:xfrm>
+            <a:off x="8111412" y="942392"/>
+            <a:ext cx="3107094" cy="45719"/>
+          </a:xfrm>
+          <a:prstGeom prst="rect">
+            <a:avLst/>
+          </a:prstGeom>
+        </p:spPr>
+        <p:style>
+          <a:lnRef idx="2">
+            <a:schemeClr val="accent1">
+              <a:shade val="50000"/>
+            </a:schemeClr>
+          </a:lnRef>
+          <a:fillRef idx="1">
+            <a:schemeClr val="accent1"/>
+          </a:fillRef>
+          <a:effectRef idx="0">
+            <a:schemeClr val="accent1"/>
+          </a:effectRef>
+          <a:fontRef idx="minor">
+            <a:schemeClr val="lt1"/>
+          </a:fontRef>
+        </p:style>
+        <p:txBody>
+          <a:bodyPr rtlCol="0" anchor="ctr"/>
+          <a:lstStyle/>
+          <a:p>
+            <a:pPr algn="ctr"/>
+            <a:endParaRPr lang="en-US"/>
+          </a:p>
+        </p:txBody>
+      </p:sp>
+      <p:sp>
+        <p:nvSpPr>
+          <p:cNvPr id="21" name="Arrow: Left 20">
+            <a:extLst>
+              <a:ext uri="{FF2B5EF4-FFF2-40B4-BE49-F238E27FC236}">
+                <a16:creationId xmlns:a16="http://schemas.microsoft.com/office/drawing/2014/main" id="{55C85463-37D8-962D-8A64-0C7222378349}"/>
+              </a:ext>
+            </a:extLst>
+          </p:cNvPr>
+          <p:cNvSpPr/>
+          <p:nvPr/>
+        </p:nvSpPr>
+        <p:spPr>
+          <a:xfrm>
+            <a:off x="2845837" y="1152399"/>
+            <a:ext cx="5265575" cy="410547"/>
+          </a:xfrm>
+          <a:prstGeom prst="leftArrow">
+            <a:avLst/>
+          </a:prstGeom>
+        </p:spPr>
+        <p:style>
+          <a:lnRef idx="2">
+            <a:schemeClr val="accent1">
+              <a:shade val="50000"/>
+            </a:schemeClr>
+          </a:lnRef>
+          <a:fillRef idx="1">
+            <a:schemeClr val="accent1"/>
+          </a:fillRef>
+          <a:effectRef idx="0">
+            <a:schemeClr val="accent1"/>
+          </a:effectRef>
+          <a:fontRef idx="minor">
+            <a:schemeClr val="lt1"/>
+          </a:fontRef>
+        </p:style>
+        <p:txBody>
+          <a:bodyPr rtlCol="0" anchor="ctr"/>
+          <a:lstStyle/>
+          <a:p>
+            <a:pPr algn="ctr"/>
+            <a:r>
+              <a:rPr lang="en-IN" b="1" dirty="0"/>
+              <a:t>Department Has Staffs and Staff has-a department</a:t>
+            </a:r>
+            <a:endParaRPr lang="en-US" b="1" dirty="0"/>
+          </a:p>
+        </p:txBody>
+      </p:sp>
+      <p:sp>
+        <p:nvSpPr>
+          <p:cNvPr id="22" name="TextBox 21">
+            <a:extLst>
+              <a:ext uri="{FF2B5EF4-FFF2-40B4-BE49-F238E27FC236}">
+                <a16:creationId xmlns:a16="http://schemas.microsoft.com/office/drawing/2014/main" id="{FC22CBCC-EF32-57AB-9AB4-D1AAC635E61B}"/>
+              </a:ext>
+            </a:extLst>
+          </p:cNvPr>
+          <p:cNvSpPr txBox="1"/>
+          <p:nvPr/>
+        </p:nvSpPr>
+        <p:spPr>
+          <a:xfrm>
+            <a:off x="4068147" y="1609599"/>
+            <a:ext cx="3032449" cy="369332"/>
+          </a:xfrm>
+          <a:prstGeom prst="rect">
+            <a:avLst/>
+          </a:prstGeom>
+          <a:noFill/>
+        </p:spPr>
+        <p:txBody>
+          <a:bodyPr wrap="square" rtlCol="0">
+            <a:spAutoFit/>
+          </a:bodyPr>
+          <a:lstStyle/>
+          <a:p>
+            <a:pPr algn="ctr"/>
+            <a:r>
+              <a:rPr lang="en-IN" b="1" dirty="0"/>
+              <a:t>Relationship of ‘has-</a:t>
+            </a:r>
+            <a:r>
+              <a:rPr lang="en-IN" b="1" dirty="0" err="1"/>
+              <a:t>a’</a:t>
+            </a:r>
+            <a:endParaRPr lang="en-US" b="1" dirty="0"/>
+          </a:p>
+        </p:txBody>
+      </p:sp>
+      <p:sp>
+        <p:nvSpPr>
+          <p:cNvPr id="23" name="TextBox 22">
+            <a:extLst>
+              <a:ext uri="{FF2B5EF4-FFF2-40B4-BE49-F238E27FC236}">
+                <a16:creationId xmlns:a16="http://schemas.microsoft.com/office/drawing/2014/main" id="{3509D18A-9D89-E357-E3BD-CA2B0BF356CB}"/>
+              </a:ext>
+            </a:extLst>
+          </p:cNvPr>
+          <p:cNvSpPr txBox="1"/>
+          <p:nvPr/>
+        </p:nvSpPr>
+        <p:spPr>
+          <a:xfrm>
+            <a:off x="8005665" y="2250835"/>
+            <a:ext cx="3480319" cy="646331"/>
+          </a:xfrm>
+          <a:prstGeom prst="rect">
+            <a:avLst/>
+          </a:prstGeom>
+          <a:noFill/>
+        </p:spPr>
+        <p:txBody>
+          <a:bodyPr wrap="square" rtlCol="0">
+            <a:spAutoFit/>
+          </a:bodyPr>
+          <a:lstStyle/>
+          <a:p>
+            <a:r>
+              <a:rPr lang="en-IN" dirty="0"/>
+              <a:t>One-Dept-with-Many-Staffs</a:t>
+            </a:r>
+          </a:p>
+          <a:p>
+            <a:r>
+              <a:rPr lang="en-IN" dirty="0"/>
+              <a:t>One-Staff-One-Dept</a:t>
+            </a:r>
+            <a:endParaRPr lang="en-US" dirty="0"/>
+          </a:p>
+        </p:txBody>
+      </p:sp>
+    </p:spTree>
+    <p:extLst>
+      <p:ext uri="{BB962C8B-B14F-4D97-AF65-F5344CB8AC3E}">
+        <p14:creationId xmlns:p14="http://schemas.microsoft.com/office/powerpoint/2010/main" val="3576350275"/>
+      </p:ext>
+    </p:extLst>
+  </p:cSld>
+  <p:clrMapOvr>
+    <a:masterClrMapping/>
+  </p:clrMapOvr>
+</p:sld>
+</file>
+
+<file path=ppt/slides/slide7.xml><?xml version="1.0" encoding="utf-8"?>
+<p:sld xmlns:a="http://schemas.openxmlformats.org/drawingml/2006/main" xmlns:r="http://schemas.openxmlformats.org/officeDocument/2006/relationships" xmlns:p="http://schemas.openxmlformats.org/presentationml/2006/main">
+  <p:cSld>
+    <p:spTree>
+      <p:nvGrpSpPr>
+        <p:cNvPr id="1" name=""/>
+        <p:cNvGrpSpPr/>
+        <p:nvPr/>
+      </p:nvGrpSpPr>
+      <p:grpSpPr>
+        <a:xfrm>
+          <a:off x="0" y="0"/>
+          <a:ext cx="0" cy="0"/>
+          <a:chOff x="0" y="0"/>
+          <a:chExt cx="0" cy="0"/>
+        </a:xfrm>
+      </p:grpSpPr>
+      <p:sp>
+        <p:nvSpPr>
+          <p:cNvPr id="2" name="Rectangle 1">
+            <a:extLst>
+              <a:ext uri="{FF2B5EF4-FFF2-40B4-BE49-F238E27FC236}">
+                <a16:creationId xmlns:a16="http://schemas.microsoft.com/office/drawing/2014/main" id="{92D41743-B4AD-9F4E-1DC8-4984C67C4304}"/>
+              </a:ext>
+            </a:extLst>
+          </p:cNvPr>
+          <p:cNvSpPr/>
+          <p:nvPr/>
+        </p:nvSpPr>
+        <p:spPr>
+          <a:xfrm>
+            <a:off x="363894" y="335902"/>
+            <a:ext cx="5732106" cy="2323322"/>
+          </a:xfrm>
+          <a:prstGeom prst="rect">
+            <a:avLst/>
+          </a:prstGeom>
+        </p:spPr>
+        <p:style>
+          <a:lnRef idx="2">
+            <a:schemeClr val="accent6"/>
+          </a:lnRef>
+          <a:fillRef idx="1">
+            <a:schemeClr val="lt1"/>
+          </a:fillRef>
+          <a:effectRef idx="0">
+            <a:schemeClr val="accent6"/>
+          </a:effectRef>
+          <a:fontRef idx="minor">
+            <a:schemeClr val="dk1"/>
+          </a:fontRef>
+        </p:style>
+        <p:txBody>
+          <a:bodyPr rtlCol="0" anchor="ctr"/>
+          <a:lstStyle/>
+          <a:p>
+            <a:pPr algn="ctr"/>
+            <a:endParaRPr lang="en-US"/>
+          </a:p>
+        </p:txBody>
+      </p:sp>
+      <p:sp>
+        <p:nvSpPr>
+          <p:cNvPr id="3" name="Rectangle 2">
+            <a:extLst>
+              <a:ext uri="{FF2B5EF4-FFF2-40B4-BE49-F238E27FC236}">
+                <a16:creationId xmlns:a16="http://schemas.microsoft.com/office/drawing/2014/main" id="{2925C860-E948-782A-59BE-B6728E41F34C}"/>
+              </a:ext>
+            </a:extLst>
+          </p:cNvPr>
+          <p:cNvSpPr/>
+          <p:nvPr/>
+        </p:nvSpPr>
+        <p:spPr>
+          <a:xfrm>
+            <a:off x="363894" y="906003"/>
+            <a:ext cx="5732106" cy="45719"/>
+          </a:xfrm>
+          <a:prstGeom prst="rect">
+            <a:avLst/>
+          </a:prstGeom>
+        </p:spPr>
+        <p:style>
+          <a:lnRef idx="2">
+            <a:schemeClr val="accent1">
+              <a:shade val="50000"/>
+            </a:schemeClr>
+          </a:lnRef>
+          <a:fillRef idx="1">
+            <a:schemeClr val="accent1"/>
+          </a:fillRef>
+          <a:effectRef idx="0">
+            <a:schemeClr val="accent1"/>
+          </a:effectRef>
+          <a:fontRef idx="minor">
+            <a:schemeClr val="lt1"/>
+          </a:fontRef>
+        </p:style>
+        <p:txBody>
+          <a:bodyPr rtlCol="0" anchor="ctr"/>
+          <a:lstStyle/>
+          <a:p>
+            <a:pPr algn="ctr"/>
+            <a:endParaRPr lang="en-US"/>
+          </a:p>
+        </p:txBody>
+      </p:sp>
+      <p:sp>
+        <p:nvSpPr>
+          <p:cNvPr id="4" name="TextBox 3">
+            <a:extLst>
+              <a:ext uri="{FF2B5EF4-FFF2-40B4-BE49-F238E27FC236}">
+                <a16:creationId xmlns:a16="http://schemas.microsoft.com/office/drawing/2014/main" id="{091CA4C9-4285-1F48-C3B4-728181F8518E}"/>
+              </a:ext>
+            </a:extLst>
+          </p:cNvPr>
+          <p:cNvSpPr txBox="1"/>
+          <p:nvPr/>
+        </p:nvSpPr>
+        <p:spPr>
+          <a:xfrm>
+            <a:off x="1231641" y="410547"/>
+            <a:ext cx="3349690" cy="369332"/>
+          </a:xfrm>
+          <a:prstGeom prst="rect">
+            <a:avLst/>
+          </a:prstGeom>
+          <a:noFill/>
+        </p:spPr>
+        <p:txBody>
+          <a:bodyPr wrap="square" rtlCol="0">
+            <a:spAutoFit/>
+          </a:bodyPr>
+          <a:lstStyle/>
+          <a:p>
+            <a:pPr algn="ctr"/>
+            <a:r>
+              <a:rPr lang="en-IN" b="1" dirty="0" err="1"/>
+              <a:t>StaffLogic</a:t>
+            </a:r>
+            <a:endParaRPr lang="en-US" b="1" dirty="0"/>
+          </a:p>
+        </p:txBody>
+      </p:sp>
+      <p:sp>
+        <p:nvSpPr>
+          <p:cNvPr id="5" name="TextBox 4">
+            <a:extLst>
+              <a:ext uri="{FF2B5EF4-FFF2-40B4-BE49-F238E27FC236}">
+                <a16:creationId xmlns:a16="http://schemas.microsoft.com/office/drawing/2014/main" id="{D3BE7B83-B61B-0E6E-BBCC-5DAA6E9E56AD}"/>
+              </a:ext>
+            </a:extLst>
+          </p:cNvPr>
+          <p:cNvSpPr txBox="1"/>
+          <p:nvPr/>
+        </p:nvSpPr>
+        <p:spPr>
+          <a:xfrm>
+            <a:off x="438539" y="1082351"/>
+            <a:ext cx="5542383" cy="1477328"/>
+          </a:xfrm>
+          <a:prstGeom prst="rect">
+            <a:avLst/>
+          </a:prstGeom>
+          <a:noFill/>
+        </p:spPr>
+        <p:txBody>
+          <a:bodyPr wrap="square" rtlCol="0">
+            <a:spAutoFit/>
+          </a:bodyPr>
+          <a:lstStyle/>
+          <a:p>
+            <a:r>
+              <a:rPr lang="en-IN" dirty="0"/>
+              <a:t>+ Register(Staff)</a:t>
+            </a:r>
+          </a:p>
+          <a:p>
+            <a:r>
+              <a:rPr lang="en-IN" dirty="0"/>
+              <a:t>+ Update(Staff)</a:t>
+            </a:r>
+          </a:p>
+          <a:p>
+            <a:r>
+              <a:rPr lang="en-IN" dirty="0"/>
+              <a:t>+ Delete(int  id)</a:t>
+            </a:r>
+          </a:p>
+          <a:p>
+            <a:r>
+              <a:rPr lang="en-IN" dirty="0"/>
+              <a:t>+ </a:t>
+            </a:r>
+            <a:r>
+              <a:rPr lang="en-IN" dirty="0" err="1"/>
+              <a:t>GetAll</a:t>
+            </a:r>
+            <a:r>
+              <a:rPr lang="en-IN" dirty="0"/>
+              <a:t>()</a:t>
+            </a:r>
+          </a:p>
+          <a:p>
+            <a:r>
+              <a:rPr lang="en-IN" dirty="0"/>
+              <a:t>+ </a:t>
+            </a:r>
+            <a:r>
+              <a:rPr lang="en-IN" dirty="0" err="1"/>
+              <a:t>CalculateIncome</a:t>
+            </a:r>
+            <a:r>
+              <a:rPr lang="en-IN" dirty="0"/>
+              <a:t>()</a:t>
+            </a:r>
+            <a:endParaRPr lang="en-US" dirty="0"/>
+          </a:p>
+        </p:txBody>
+      </p:sp>
+      <p:sp>
+        <p:nvSpPr>
+          <p:cNvPr id="6" name="Rectangle 5">
+            <a:extLst>
+              <a:ext uri="{FF2B5EF4-FFF2-40B4-BE49-F238E27FC236}">
+                <a16:creationId xmlns:a16="http://schemas.microsoft.com/office/drawing/2014/main" id="{2852E2E5-50D8-7F19-35C5-49A36B30DCDC}"/>
+              </a:ext>
+            </a:extLst>
+          </p:cNvPr>
+          <p:cNvSpPr/>
+          <p:nvPr/>
+        </p:nvSpPr>
+        <p:spPr>
+          <a:xfrm>
+            <a:off x="382555" y="3628675"/>
+            <a:ext cx="5732106" cy="2323322"/>
+          </a:xfrm>
+          <a:prstGeom prst="rect">
+            <a:avLst/>
+          </a:prstGeom>
+        </p:spPr>
+        <p:style>
+          <a:lnRef idx="2">
+            <a:schemeClr val="accent6"/>
+          </a:lnRef>
+          <a:fillRef idx="1">
+            <a:schemeClr val="lt1"/>
+          </a:fillRef>
+          <a:effectRef idx="0">
+            <a:schemeClr val="accent6"/>
+          </a:effectRef>
+          <a:fontRef idx="minor">
+            <a:schemeClr val="dk1"/>
+          </a:fontRef>
+        </p:style>
+        <p:txBody>
+          <a:bodyPr rtlCol="0" anchor="ctr"/>
+          <a:lstStyle/>
+          <a:p>
+            <a:pPr algn="ctr"/>
+            <a:endParaRPr lang="en-US"/>
+          </a:p>
+        </p:txBody>
+      </p:sp>
+      <p:sp>
+        <p:nvSpPr>
+          <p:cNvPr id="7" name="Rectangle 6">
+            <a:extLst>
+              <a:ext uri="{FF2B5EF4-FFF2-40B4-BE49-F238E27FC236}">
+                <a16:creationId xmlns:a16="http://schemas.microsoft.com/office/drawing/2014/main" id="{28BFF98A-D382-D3B8-E8BE-1A0CA303A013}"/>
+              </a:ext>
+            </a:extLst>
+          </p:cNvPr>
+          <p:cNvSpPr/>
+          <p:nvPr/>
+        </p:nvSpPr>
+        <p:spPr>
+          <a:xfrm>
+            <a:off x="382555" y="4198776"/>
+            <a:ext cx="5732106" cy="45719"/>
+          </a:xfrm>
+          <a:prstGeom prst="rect">
+            <a:avLst/>
+          </a:prstGeom>
+        </p:spPr>
+        <p:style>
+          <a:lnRef idx="2">
+            <a:schemeClr val="accent1">
+              <a:shade val="50000"/>
+            </a:schemeClr>
+          </a:lnRef>
+          <a:fillRef idx="1">
+            <a:schemeClr val="accent1"/>
+          </a:fillRef>
+          <a:effectRef idx="0">
+            <a:schemeClr val="accent1"/>
+          </a:effectRef>
+          <a:fontRef idx="minor">
+            <a:schemeClr val="lt1"/>
+          </a:fontRef>
+        </p:style>
+        <p:txBody>
+          <a:bodyPr rtlCol="0" anchor="ctr"/>
+          <a:lstStyle/>
+          <a:p>
+            <a:pPr algn="ctr"/>
+            <a:endParaRPr lang="en-US"/>
+          </a:p>
+        </p:txBody>
+      </p:sp>
+      <p:sp>
+        <p:nvSpPr>
+          <p:cNvPr id="8" name="TextBox 7">
+            <a:extLst>
+              <a:ext uri="{FF2B5EF4-FFF2-40B4-BE49-F238E27FC236}">
+                <a16:creationId xmlns:a16="http://schemas.microsoft.com/office/drawing/2014/main" id="{765AA61F-277C-0DFB-ADDF-E83681C1B632}"/>
+              </a:ext>
+            </a:extLst>
+          </p:cNvPr>
+          <p:cNvSpPr txBox="1"/>
+          <p:nvPr/>
+        </p:nvSpPr>
+        <p:spPr>
+          <a:xfrm>
+            <a:off x="457200" y="4375124"/>
+            <a:ext cx="5542383" cy="1477328"/>
+          </a:xfrm>
+          <a:prstGeom prst="rect">
+            <a:avLst/>
+          </a:prstGeom>
+          <a:noFill/>
+        </p:spPr>
+        <p:txBody>
+          <a:bodyPr wrap="square" rtlCol="0">
+            <a:spAutoFit/>
+          </a:bodyPr>
+          <a:lstStyle/>
+          <a:p>
+            <a:r>
+              <a:rPr lang="en-IN" dirty="0"/>
+              <a:t>+ Register(Staff)</a:t>
+            </a:r>
+          </a:p>
+          <a:p>
+            <a:r>
+              <a:rPr lang="en-IN" dirty="0"/>
+              <a:t>+ Update(Staff)</a:t>
+            </a:r>
+          </a:p>
+          <a:p>
+            <a:r>
+              <a:rPr lang="en-IN" dirty="0"/>
+              <a:t>+ Delete(int  id)</a:t>
+            </a:r>
+          </a:p>
+          <a:p>
+            <a:r>
+              <a:rPr lang="en-IN" dirty="0"/>
+              <a:t>+ </a:t>
+            </a:r>
+            <a:r>
+              <a:rPr lang="en-IN" dirty="0" err="1"/>
+              <a:t>GetAll</a:t>
+            </a:r>
+            <a:r>
+              <a:rPr lang="en-IN" dirty="0"/>
+              <a:t>()</a:t>
+            </a:r>
+          </a:p>
+          <a:p>
+            <a:r>
+              <a:rPr lang="en-IN" dirty="0"/>
+              <a:t>+ </a:t>
+            </a:r>
+            <a:r>
+              <a:rPr lang="en-IN" dirty="0" err="1"/>
+              <a:t>CalculateIncome</a:t>
+            </a:r>
+            <a:r>
+              <a:rPr lang="en-IN" dirty="0"/>
+              <a:t>()</a:t>
+            </a:r>
+            <a:endParaRPr lang="en-US" dirty="0"/>
+          </a:p>
+        </p:txBody>
+      </p:sp>
+      <p:sp>
+        <p:nvSpPr>
+          <p:cNvPr id="9" name="TextBox 8">
+            <a:extLst>
+              <a:ext uri="{FF2B5EF4-FFF2-40B4-BE49-F238E27FC236}">
+                <a16:creationId xmlns:a16="http://schemas.microsoft.com/office/drawing/2014/main" id="{2A8A4AA0-BEB3-2CEA-CD72-5E23EA156780}"/>
+              </a:ext>
+            </a:extLst>
+          </p:cNvPr>
+          <p:cNvSpPr txBox="1"/>
+          <p:nvPr/>
+        </p:nvSpPr>
+        <p:spPr>
+          <a:xfrm>
+            <a:off x="1231641" y="3729060"/>
+            <a:ext cx="3349690" cy="369332"/>
+          </a:xfrm>
+          <a:prstGeom prst="rect">
+            <a:avLst/>
+          </a:prstGeom>
+          <a:noFill/>
+        </p:spPr>
+        <p:txBody>
+          <a:bodyPr wrap="square" rtlCol="0">
+            <a:spAutoFit/>
+          </a:bodyPr>
+          <a:lstStyle/>
+          <a:p>
+            <a:pPr algn="ctr"/>
+            <a:r>
+              <a:rPr lang="en-IN" b="1" dirty="0" err="1"/>
+              <a:t>DoctorLogic</a:t>
+            </a:r>
+            <a:endParaRPr lang="en-US" b="1" dirty="0"/>
+          </a:p>
+        </p:txBody>
+      </p:sp>
+      <p:sp>
+        <p:nvSpPr>
+          <p:cNvPr id="10" name="Rectangle 9">
+            <a:extLst>
+              <a:ext uri="{FF2B5EF4-FFF2-40B4-BE49-F238E27FC236}">
+                <a16:creationId xmlns:a16="http://schemas.microsoft.com/office/drawing/2014/main" id="{178A9005-4CCC-10F0-A784-C24D48A4D399}"/>
+              </a:ext>
+            </a:extLst>
+          </p:cNvPr>
+          <p:cNvSpPr/>
+          <p:nvPr/>
+        </p:nvSpPr>
+        <p:spPr>
+          <a:xfrm>
+            <a:off x="6347926" y="3628675"/>
+            <a:ext cx="5732106" cy="2323322"/>
+          </a:xfrm>
+          <a:prstGeom prst="rect">
+            <a:avLst/>
+          </a:prstGeom>
+        </p:spPr>
+        <p:style>
+          <a:lnRef idx="2">
+            <a:schemeClr val="accent6"/>
+          </a:lnRef>
+          <a:fillRef idx="1">
+            <a:schemeClr val="lt1"/>
+          </a:fillRef>
+          <a:effectRef idx="0">
+            <a:schemeClr val="accent6"/>
+          </a:effectRef>
+          <a:fontRef idx="minor">
+            <a:schemeClr val="dk1"/>
+          </a:fontRef>
+        </p:style>
+        <p:txBody>
+          <a:bodyPr rtlCol="0" anchor="ctr"/>
+          <a:lstStyle/>
+          <a:p>
+            <a:pPr algn="ctr"/>
+            <a:endParaRPr lang="en-US"/>
+          </a:p>
+        </p:txBody>
+      </p:sp>
+      <p:sp>
+        <p:nvSpPr>
+          <p:cNvPr id="11" name="Rectangle 10">
+            <a:extLst>
+              <a:ext uri="{FF2B5EF4-FFF2-40B4-BE49-F238E27FC236}">
+                <a16:creationId xmlns:a16="http://schemas.microsoft.com/office/drawing/2014/main" id="{D8A048F8-D9B3-9BA3-2924-2FBF0F545B60}"/>
+              </a:ext>
+            </a:extLst>
+          </p:cNvPr>
+          <p:cNvSpPr/>
+          <p:nvPr/>
+        </p:nvSpPr>
+        <p:spPr>
+          <a:xfrm>
+            <a:off x="6347926" y="4198776"/>
+            <a:ext cx="5732106" cy="45719"/>
+          </a:xfrm>
+          <a:prstGeom prst="rect">
+            <a:avLst/>
+          </a:prstGeom>
+        </p:spPr>
+        <p:style>
+          <a:lnRef idx="2">
+            <a:schemeClr val="accent1">
+              <a:shade val="50000"/>
+            </a:schemeClr>
+          </a:lnRef>
+          <a:fillRef idx="1">
+            <a:schemeClr val="accent1"/>
+          </a:fillRef>
+          <a:effectRef idx="0">
+            <a:schemeClr val="accent1"/>
+          </a:effectRef>
+          <a:fontRef idx="minor">
+            <a:schemeClr val="lt1"/>
+          </a:fontRef>
+        </p:style>
+        <p:txBody>
+          <a:bodyPr rtlCol="0" anchor="ctr"/>
+          <a:lstStyle/>
+          <a:p>
+            <a:pPr algn="ctr"/>
+            <a:endParaRPr lang="en-US"/>
+          </a:p>
+        </p:txBody>
+      </p:sp>
+      <p:sp>
+        <p:nvSpPr>
+          <p:cNvPr id="12" name="TextBox 11">
+            <a:extLst>
+              <a:ext uri="{FF2B5EF4-FFF2-40B4-BE49-F238E27FC236}">
+                <a16:creationId xmlns:a16="http://schemas.microsoft.com/office/drawing/2014/main" id="{6D853887-6D36-8501-2D06-6B514E232A2D}"/>
+              </a:ext>
+            </a:extLst>
+          </p:cNvPr>
+          <p:cNvSpPr txBox="1"/>
+          <p:nvPr/>
+        </p:nvSpPr>
+        <p:spPr>
+          <a:xfrm>
+            <a:off x="6422571" y="4375124"/>
+            <a:ext cx="5542383" cy="1477328"/>
+          </a:xfrm>
+          <a:prstGeom prst="rect">
+            <a:avLst/>
+          </a:prstGeom>
+          <a:noFill/>
+        </p:spPr>
+        <p:txBody>
+          <a:bodyPr wrap="square" rtlCol="0">
+            <a:spAutoFit/>
+          </a:bodyPr>
+          <a:lstStyle/>
+          <a:p>
+            <a:r>
+              <a:rPr lang="en-IN" dirty="0"/>
+              <a:t>+ Register(Staff)</a:t>
+            </a:r>
+          </a:p>
+          <a:p>
+            <a:r>
+              <a:rPr lang="en-IN" dirty="0"/>
+              <a:t>+ Update(Staff)</a:t>
+            </a:r>
+          </a:p>
+          <a:p>
+            <a:r>
+              <a:rPr lang="en-IN" dirty="0"/>
+              <a:t>+ Delete(int  id)</a:t>
+            </a:r>
+          </a:p>
+          <a:p>
+            <a:r>
+              <a:rPr lang="en-IN" dirty="0"/>
+              <a:t>+ </a:t>
+            </a:r>
+            <a:r>
+              <a:rPr lang="en-IN" dirty="0" err="1"/>
+              <a:t>GetAll</a:t>
+            </a:r>
+            <a:r>
+              <a:rPr lang="en-IN" dirty="0"/>
+              <a:t>()</a:t>
+            </a:r>
+          </a:p>
+          <a:p>
+            <a:r>
+              <a:rPr lang="en-IN" dirty="0"/>
+              <a:t>+ </a:t>
+            </a:r>
+            <a:r>
+              <a:rPr lang="en-IN" dirty="0" err="1"/>
+              <a:t>CalculateIncome</a:t>
+            </a:r>
+            <a:r>
+              <a:rPr lang="en-IN" dirty="0"/>
+              <a:t>()</a:t>
+            </a:r>
+            <a:endParaRPr lang="en-US" dirty="0"/>
+          </a:p>
+        </p:txBody>
+      </p:sp>
+      <p:sp>
+        <p:nvSpPr>
+          <p:cNvPr id="13" name="TextBox 12">
+            <a:extLst>
+              <a:ext uri="{FF2B5EF4-FFF2-40B4-BE49-F238E27FC236}">
+                <a16:creationId xmlns:a16="http://schemas.microsoft.com/office/drawing/2014/main" id="{52173BAD-BF16-B5EF-3A1E-B6750F9AFEA9}"/>
+              </a:ext>
+            </a:extLst>
+          </p:cNvPr>
+          <p:cNvSpPr txBox="1"/>
+          <p:nvPr/>
+        </p:nvSpPr>
+        <p:spPr>
+          <a:xfrm>
+            <a:off x="7197012" y="3729060"/>
+            <a:ext cx="3349690" cy="369332"/>
+          </a:xfrm>
+          <a:prstGeom prst="rect">
+            <a:avLst/>
+          </a:prstGeom>
+          <a:noFill/>
+        </p:spPr>
+        <p:txBody>
+          <a:bodyPr wrap="square" rtlCol="0">
+            <a:spAutoFit/>
+          </a:bodyPr>
+          <a:lstStyle/>
+          <a:p>
+            <a:pPr algn="ctr"/>
+            <a:r>
+              <a:rPr lang="en-IN" b="1" dirty="0" err="1"/>
+              <a:t>NurseLogic</a:t>
+            </a:r>
+            <a:endParaRPr lang="en-US" b="1" dirty="0"/>
+          </a:p>
+        </p:txBody>
+      </p:sp>
+      <p:cxnSp>
+        <p:nvCxnSpPr>
+          <p:cNvPr id="15" name="Connector: Elbow 14">
+            <a:extLst>
+              <a:ext uri="{FF2B5EF4-FFF2-40B4-BE49-F238E27FC236}">
+                <a16:creationId xmlns:a16="http://schemas.microsoft.com/office/drawing/2014/main" id="{236E201F-EA7F-B159-89CF-AA03CF289414}"/>
+              </a:ext>
+            </a:extLst>
+          </p:cNvPr>
+          <p:cNvCxnSpPr>
+            <a:stCxn id="6" idx="0"/>
+            <a:endCxn id="2" idx="2"/>
+          </p:cNvCxnSpPr>
+          <p:nvPr/>
+        </p:nvCxnSpPr>
+        <p:spPr>
+          <a:xfrm rot="16200000" flipV="1">
+            <a:off x="2754553" y="3134619"/>
+            <a:ext cx="969451" cy="18661"/>
+          </a:xfrm>
+          <a:prstGeom prst="bentConnector3">
+            <a:avLst/>
+          </a:prstGeom>
+          <a:ln>
+            <a:tailEnd type="triangle"/>
+          </a:ln>
+        </p:spPr>
+        <p:style>
+          <a:lnRef idx="1">
+            <a:schemeClr val="accent1"/>
+          </a:lnRef>
+          <a:fillRef idx="0">
+            <a:schemeClr val="accent1"/>
+          </a:fillRef>
+          <a:effectRef idx="0">
+            <a:schemeClr val="accent1"/>
+          </a:effectRef>
+          <a:fontRef idx="minor">
+            <a:schemeClr val="tx1"/>
+          </a:fontRef>
+        </p:style>
+      </p:cxnSp>
+      <p:cxnSp>
+        <p:nvCxnSpPr>
+          <p:cNvPr id="17" name="Connector: Elbow 16">
+            <a:extLst>
+              <a:ext uri="{FF2B5EF4-FFF2-40B4-BE49-F238E27FC236}">
+                <a16:creationId xmlns:a16="http://schemas.microsoft.com/office/drawing/2014/main" id="{5EA2B931-7643-64BD-00CC-B5FD27630638}"/>
+              </a:ext>
+            </a:extLst>
+          </p:cNvPr>
+          <p:cNvCxnSpPr>
+            <a:stCxn id="10" idx="0"/>
+            <a:endCxn id="2" idx="2"/>
+          </p:cNvCxnSpPr>
+          <p:nvPr/>
+        </p:nvCxnSpPr>
+        <p:spPr>
+          <a:xfrm rot="16200000" flipV="1">
+            <a:off x="5737238" y="151934"/>
+            <a:ext cx="969451" cy="5984032"/>
+          </a:xfrm>
+          <a:prstGeom prst="bentConnector3">
+            <a:avLst/>
+          </a:prstGeom>
+          <a:ln>
+            <a:tailEnd type="triangle"/>
+          </a:ln>
+        </p:spPr>
+        <p:style>
+          <a:lnRef idx="1">
+            <a:schemeClr val="accent1"/>
+          </a:lnRef>
+          <a:fillRef idx="0">
+            <a:schemeClr val="accent1"/>
+          </a:fillRef>
+          <a:effectRef idx="0">
+            <a:schemeClr val="accent1"/>
+          </a:effectRef>
+          <a:fontRef idx="minor">
+            <a:schemeClr val="tx1"/>
+          </a:fontRef>
+        </p:style>
+      </p:cxnSp>
+      <p:sp>
+        <p:nvSpPr>
+          <p:cNvPr id="18" name="TextBox 17">
+            <a:extLst>
+              <a:ext uri="{FF2B5EF4-FFF2-40B4-BE49-F238E27FC236}">
+                <a16:creationId xmlns:a16="http://schemas.microsoft.com/office/drawing/2014/main" id="{48072717-ABF0-80F6-4EF1-F88617F3DA06}"/>
+              </a:ext>
+            </a:extLst>
+          </p:cNvPr>
+          <p:cNvSpPr txBox="1"/>
+          <p:nvPr/>
+        </p:nvSpPr>
+        <p:spPr>
+          <a:xfrm>
+            <a:off x="438538" y="6139543"/>
+            <a:ext cx="11753461" cy="369332"/>
+          </a:xfrm>
+          <a:prstGeom prst="rect">
+            <a:avLst/>
+          </a:prstGeom>
+          <a:noFill/>
+        </p:spPr>
+        <p:txBody>
+          <a:bodyPr wrap="square" rtlCol="0">
+            <a:spAutoFit/>
+          </a:bodyPr>
+          <a:lstStyle/>
+          <a:p>
+            <a:r>
+              <a:rPr lang="en-IN" b="1" dirty="0"/>
+              <a:t>Different Collection and Implementation for Doctor as well as Nurse</a:t>
+            </a:r>
+            <a:endParaRPr lang="en-US" b="1" dirty="0"/>
+          </a:p>
+        </p:txBody>
+      </p:sp>
+      <p:sp>
+        <p:nvSpPr>
+          <p:cNvPr id="19" name="TextBox 18">
+            <a:extLst>
+              <a:ext uri="{FF2B5EF4-FFF2-40B4-BE49-F238E27FC236}">
+                <a16:creationId xmlns:a16="http://schemas.microsoft.com/office/drawing/2014/main" id="{A28E1CC1-A81F-6770-376A-AC4D784603AE}"/>
+              </a:ext>
+            </a:extLst>
+          </p:cNvPr>
+          <p:cNvSpPr txBox="1"/>
+          <p:nvPr/>
+        </p:nvSpPr>
+        <p:spPr>
+          <a:xfrm>
+            <a:off x="8266922" y="335902"/>
+            <a:ext cx="2929813" cy="369332"/>
+          </a:xfrm>
+          <a:prstGeom prst="rect">
+            <a:avLst/>
+          </a:prstGeom>
+          <a:noFill/>
+        </p:spPr>
+        <p:txBody>
+          <a:bodyPr wrap="square" rtlCol="0">
+            <a:spAutoFit/>
+          </a:bodyPr>
+          <a:lstStyle/>
+          <a:p>
+            <a:r>
+              <a:rPr lang="en-IN" b="1" dirty="0"/>
+              <a:t>Abstract Class</a:t>
+            </a:r>
+            <a:endParaRPr lang="en-US" b="1" dirty="0"/>
+          </a:p>
+        </p:txBody>
+      </p:sp>
+      <p:cxnSp>
+        <p:nvCxnSpPr>
+          <p:cNvPr id="21" name="Connector: Elbow 20">
+            <a:extLst>
+              <a:ext uri="{FF2B5EF4-FFF2-40B4-BE49-F238E27FC236}">
+                <a16:creationId xmlns:a16="http://schemas.microsoft.com/office/drawing/2014/main" id="{9A29AC1A-ED22-DB7D-F049-70E2D7056D2D}"/>
+              </a:ext>
+            </a:extLst>
+          </p:cNvPr>
+          <p:cNvCxnSpPr>
+            <a:stCxn id="19" idx="1"/>
+            <a:endCxn id="2" idx="3"/>
+          </p:cNvCxnSpPr>
+          <p:nvPr/>
+        </p:nvCxnSpPr>
+        <p:spPr>
+          <a:xfrm rot="10800000" flipV="1">
+            <a:off x="6096000" y="520567"/>
+            <a:ext cx="2170922" cy="976995"/>
+          </a:xfrm>
+          <a:prstGeom prst="bentConnector3">
+            <a:avLst/>
+          </a:prstGeom>
+          <a:ln w="76200">
+            <a:solidFill>
+              <a:srgbClr val="FF0000"/>
+            </a:solidFill>
+            <a:tailEnd type="triangle"/>
+          </a:ln>
+        </p:spPr>
+        <p:style>
+          <a:lnRef idx="1">
+            <a:schemeClr val="accent1"/>
+          </a:lnRef>
+          <a:fillRef idx="0">
+            <a:schemeClr val="accent1"/>
+          </a:fillRef>
+          <a:effectRef idx="0">
+            <a:schemeClr val="accent1"/>
+          </a:effectRef>
+          <a:fontRef idx="minor">
+            <a:schemeClr val="tx1"/>
+          </a:fontRef>
+        </p:style>
+      </p:cxnSp>
+    </p:spTree>
+    <p:extLst>
+      <p:ext uri="{BB962C8B-B14F-4D97-AF65-F5344CB8AC3E}">
+        <p14:creationId xmlns:p14="http://schemas.microsoft.com/office/powerpoint/2010/main" val="168249335"/>
+      </p:ext>
+    </p:extLst>
+  </p:cSld>
+  <p:clrMapOvr>
+    <a:masterClrMapping/>
+  </p:clrMapOvr>
+</p:sld>
+</file>
+
 <file path=ppt/theme/theme1.xml><?xml version="1.0" encoding="utf-8"?>
 <a:theme xmlns:a="http://schemas.openxmlformats.org/drawingml/2006/main" name="Office Theme">
   <a:themeElements>

--- a/MB_Training_Images.pptx
+++ b/MB_Training_Images.pptx
@@ -6990,7 +6990,7 @@
         <p:spPr>
           <a:xfrm>
             <a:off x="429208" y="1399592"/>
-            <a:ext cx="2472612" cy="369332"/>
+            <a:ext cx="2472612" cy="646331"/>
           </a:xfrm>
           <a:prstGeom prst="rect">
             <a:avLst/>
@@ -7013,7 +7013,13 @@
             </a:r>
             <a:r>
               <a:rPr lang="en-IN" dirty="0"/>
-              <a:t>()</a:t>
+              <a:t>();</a:t>
+            </a:r>
+          </a:p>
+          <a:p>
+            <a:r>
+              <a:rPr lang="en-IN" dirty="0"/>
+              <a:t>+ M1();</a:t>
             </a:r>
             <a:endParaRPr lang="en-US" dirty="0"/>
           </a:p>
@@ -7161,7 +7167,7 @@
         <p:spPr>
           <a:xfrm>
             <a:off x="401216" y="3415004"/>
-            <a:ext cx="2472612" cy="369332"/>
+            <a:ext cx="2472612" cy="646331"/>
           </a:xfrm>
           <a:prstGeom prst="rect">
             <a:avLst/>
@@ -7192,7 +7198,13 @@
             </a:r>
             <a:r>
               <a:rPr lang="en-IN" dirty="0"/>
-              <a:t>)</a:t>
+              <a:t>);</a:t>
+            </a:r>
+          </a:p>
+          <a:p>
+            <a:r>
+              <a:rPr lang="en-IN" dirty="0"/>
+              <a:t>+ M1()</a:t>
             </a:r>
             <a:endParaRPr lang="en-US" dirty="0"/>
           </a:p>
@@ -7468,6 +7480,133 @@
               <a:t>Search and Access All Public Members of the Base Class</a:t>
             </a:r>
             <a:endParaRPr lang="en-US" dirty="0"/>
+          </a:p>
+        </p:txBody>
+      </p:sp>
+      <p:sp>
+        <p:nvSpPr>
+          <p:cNvPr id="21" name="Rectangle 20">
+            <a:extLst>
+              <a:ext uri="{FF2B5EF4-FFF2-40B4-BE49-F238E27FC236}">
+                <a16:creationId xmlns:a16="http://schemas.microsoft.com/office/drawing/2014/main" id="{6925F19C-05A3-DD13-05A4-656A5B7AB31A}"/>
+              </a:ext>
+            </a:extLst>
+          </p:cNvPr>
+          <p:cNvSpPr/>
+          <p:nvPr/>
+        </p:nvSpPr>
+        <p:spPr>
+          <a:xfrm>
+            <a:off x="8574833" y="2015412"/>
+            <a:ext cx="3312367" cy="4488025"/>
+          </a:xfrm>
+          <a:prstGeom prst="rect">
+            <a:avLst/>
+          </a:prstGeom>
+        </p:spPr>
+        <p:style>
+          <a:lnRef idx="2">
+            <a:schemeClr val="accent6"/>
+          </a:lnRef>
+          <a:fillRef idx="1">
+            <a:schemeClr val="lt1"/>
+          </a:fillRef>
+          <a:effectRef idx="0">
+            <a:schemeClr val="accent6"/>
+          </a:effectRef>
+          <a:fontRef idx="minor">
+            <a:schemeClr val="dk1"/>
+          </a:fontRef>
+        </p:style>
+        <p:txBody>
+          <a:bodyPr rtlCol="0" anchor="ctr"/>
+          <a:lstStyle/>
+          <a:p>
+            <a:pPr algn="ctr"/>
+            <a:endParaRPr lang="en-US"/>
+          </a:p>
+        </p:txBody>
+      </p:sp>
+      <p:sp>
+        <p:nvSpPr>
+          <p:cNvPr id="22" name="Rectangle 21">
+            <a:extLst>
+              <a:ext uri="{FF2B5EF4-FFF2-40B4-BE49-F238E27FC236}">
+                <a16:creationId xmlns:a16="http://schemas.microsoft.com/office/drawing/2014/main" id="{84C5D749-3A5A-BE8A-C8E7-7007E6B10DA3}"/>
+              </a:ext>
+            </a:extLst>
+          </p:cNvPr>
+          <p:cNvSpPr/>
+          <p:nvPr/>
+        </p:nvSpPr>
+        <p:spPr>
+          <a:xfrm>
+            <a:off x="8574833" y="2444620"/>
+            <a:ext cx="3312367" cy="65315"/>
+          </a:xfrm>
+          <a:prstGeom prst="rect">
+            <a:avLst/>
+          </a:prstGeom>
+        </p:spPr>
+        <p:style>
+          <a:lnRef idx="2">
+            <a:schemeClr val="accent1">
+              <a:shade val="50000"/>
+            </a:schemeClr>
+          </a:lnRef>
+          <a:fillRef idx="1">
+            <a:schemeClr val="accent1"/>
+          </a:fillRef>
+          <a:effectRef idx="0">
+            <a:schemeClr val="accent1"/>
+          </a:effectRef>
+          <a:fontRef idx="minor">
+            <a:schemeClr val="lt1"/>
+          </a:fontRef>
+        </p:style>
+        <p:txBody>
+          <a:bodyPr rtlCol="0" anchor="ctr"/>
+          <a:lstStyle/>
+          <a:p>
+            <a:pPr algn="ctr"/>
+            <a:endParaRPr lang="en-US"/>
+          </a:p>
+        </p:txBody>
+      </p:sp>
+      <p:sp>
+        <p:nvSpPr>
+          <p:cNvPr id="23" name="TextBox 22">
+            <a:extLst>
+              <a:ext uri="{FF2B5EF4-FFF2-40B4-BE49-F238E27FC236}">
+                <a16:creationId xmlns:a16="http://schemas.microsoft.com/office/drawing/2014/main" id="{B20A2789-3777-E7BA-EC02-A38AC429B2CD}"/>
+              </a:ext>
+            </a:extLst>
+          </p:cNvPr>
+          <p:cNvSpPr txBox="1"/>
+          <p:nvPr/>
+        </p:nvSpPr>
+        <p:spPr>
+          <a:xfrm>
+            <a:off x="9050694" y="2045923"/>
+            <a:ext cx="2463282" cy="369332"/>
+          </a:xfrm>
+          <a:prstGeom prst="rect">
+            <a:avLst/>
+          </a:prstGeom>
+          <a:noFill/>
+        </p:spPr>
+        <p:txBody>
+          <a:bodyPr wrap="square" rtlCol="0">
+            <a:spAutoFit/>
+          </a:bodyPr>
+          <a:lstStyle/>
+          <a:p>
+            <a:pPr algn="ctr"/>
+            <a:r>
+              <a:rPr lang="en-IN" b="1" dirty="0"/>
+              <a:t>Code Segment</a:t>
+            </a:r>
+            <a:endParaRPr lang="en-US" b="1" dirty="0"/>
           </a:p>
         </p:txBody>
       </p:sp>

--- a/MB_Training_Images.pptx
+++ b/MB_Training_Images.pptx
@@ -7610,6 +7610,290 @@
           </a:p>
         </p:txBody>
       </p:sp>
+      <p:sp>
+        <p:nvSpPr>
+          <p:cNvPr id="24" name="TextBox 23">
+            <a:extLst>
+              <a:ext uri="{FF2B5EF4-FFF2-40B4-BE49-F238E27FC236}">
+                <a16:creationId xmlns:a16="http://schemas.microsoft.com/office/drawing/2014/main" id="{31A89892-95C2-A7C2-FE8F-000EAAE901CF}"/>
+              </a:ext>
+            </a:extLst>
+          </p:cNvPr>
+          <p:cNvSpPr txBox="1"/>
+          <p:nvPr/>
+        </p:nvSpPr>
+        <p:spPr>
+          <a:xfrm>
+            <a:off x="8668139" y="2836506"/>
+            <a:ext cx="3122645" cy="923330"/>
+          </a:xfrm>
+          <a:prstGeom prst="rect">
+            <a:avLst/>
+          </a:prstGeom>
+          <a:noFill/>
+        </p:spPr>
+        <p:txBody>
+          <a:bodyPr wrap="square" rtlCol="0">
+            <a:spAutoFit/>
+          </a:bodyPr>
+          <a:lstStyle/>
+          <a:p>
+            <a:r>
+              <a:rPr lang="en-IN" dirty="0"/>
+              <a:t>Base:</a:t>
+            </a:r>
+          </a:p>
+          <a:p>
+            <a:r>
+              <a:rPr lang="en-IN" dirty="0" err="1"/>
+              <a:t>PrintMessage</a:t>
+            </a:r>
+            <a:r>
+              <a:rPr lang="en-IN" dirty="0"/>
+              <a:t>()</a:t>
+            </a:r>
+          </a:p>
+          <a:p>
+            <a:r>
+              <a:rPr lang="en-IN" dirty="0"/>
+              <a:t>M1()</a:t>
+            </a:r>
+            <a:endParaRPr lang="en-US" dirty="0"/>
+          </a:p>
+        </p:txBody>
+      </p:sp>
+      <p:sp>
+        <p:nvSpPr>
+          <p:cNvPr id="25" name="TextBox 24">
+            <a:extLst>
+              <a:ext uri="{FF2B5EF4-FFF2-40B4-BE49-F238E27FC236}">
+                <a16:creationId xmlns:a16="http://schemas.microsoft.com/office/drawing/2014/main" id="{2700FCAE-C4BB-0F84-D898-4878B0808FE2}"/>
+              </a:ext>
+            </a:extLst>
+          </p:cNvPr>
+          <p:cNvSpPr txBox="1"/>
+          <p:nvPr/>
+        </p:nvSpPr>
+        <p:spPr>
+          <a:xfrm>
+            <a:off x="8574833" y="4030824"/>
+            <a:ext cx="3122645" cy="923330"/>
+          </a:xfrm>
+          <a:prstGeom prst="rect">
+            <a:avLst/>
+          </a:prstGeom>
+          <a:noFill/>
+        </p:spPr>
+        <p:txBody>
+          <a:bodyPr wrap="square" rtlCol="0">
+            <a:spAutoFit/>
+          </a:bodyPr>
+          <a:lstStyle/>
+          <a:p>
+            <a:r>
+              <a:rPr lang="en-IN" dirty="0"/>
+              <a:t>Derive:</a:t>
+            </a:r>
+          </a:p>
+          <a:p>
+            <a:r>
+              <a:rPr lang="en-IN" dirty="0" err="1"/>
+              <a:t>ShowMessage</a:t>
+            </a:r>
+            <a:r>
+              <a:rPr lang="en-IN" dirty="0"/>
+              <a:t>()</a:t>
+            </a:r>
+          </a:p>
+          <a:p>
+            <a:r>
+              <a:rPr lang="en-IN" dirty="0"/>
+              <a:t>M1()</a:t>
+            </a:r>
+            <a:endParaRPr lang="en-US" dirty="0"/>
+          </a:p>
+        </p:txBody>
+      </p:sp>
+      <p:sp>
+        <p:nvSpPr>
+          <p:cNvPr id="26" name="Oval 25">
+            <a:extLst>
+              <a:ext uri="{FF2B5EF4-FFF2-40B4-BE49-F238E27FC236}">
+                <a16:creationId xmlns:a16="http://schemas.microsoft.com/office/drawing/2014/main" id="{B7A0AF42-DC20-43F6-1DA4-FC22350D7333}"/>
+              </a:ext>
+            </a:extLst>
+          </p:cNvPr>
+          <p:cNvSpPr/>
+          <p:nvPr/>
+        </p:nvSpPr>
+        <p:spPr>
+          <a:xfrm>
+            <a:off x="2873828" y="5085184"/>
+            <a:ext cx="970384" cy="793102"/>
+          </a:xfrm>
+          <a:prstGeom prst="ellipse">
+            <a:avLst/>
+          </a:prstGeom>
+        </p:spPr>
+        <p:style>
+          <a:lnRef idx="2">
+            <a:schemeClr val="accent1">
+              <a:shade val="50000"/>
+            </a:schemeClr>
+          </a:lnRef>
+          <a:fillRef idx="1">
+            <a:schemeClr val="accent1"/>
+          </a:fillRef>
+          <a:effectRef idx="0">
+            <a:schemeClr val="accent1"/>
+          </a:effectRef>
+          <a:fontRef idx="minor">
+            <a:schemeClr val="lt1"/>
+          </a:fontRef>
+        </p:style>
+        <p:txBody>
+          <a:bodyPr rtlCol="0" anchor="ctr"/>
+          <a:lstStyle/>
+          <a:p>
+            <a:pPr algn="ctr"/>
+            <a:r>
+              <a:rPr lang="en-IN" dirty="0"/>
+              <a:t>d</a:t>
+            </a:r>
+            <a:endParaRPr lang="en-US" dirty="0"/>
+          </a:p>
+        </p:txBody>
+      </p:sp>
+      <p:cxnSp>
+        <p:nvCxnSpPr>
+          <p:cNvPr id="28" name="Connector: Elbow 27">
+            <a:extLst>
+              <a:ext uri="{FF2B5EF4-FFF2-40B4-BE49-F238E27FC236}">
+                <a16:creationId xmlns:a16="http://schemas.microsoft.com/office/drawing/2014/main" id="{C4F89597-1B64-92E8-2725-1CCB041C9DCA}"/>
+              </a:ext>
+            </a:extLst>
+          </p:cNvPr>
+          <p:cNvCxnSpPr>
+            <a:cxnSpLocks/>
+            <a:endCxn id="25" idx="1"/>
+          </p:cNvCxnSpPr>
+          <p:nvPr/>
+        </p:nvCxnSpPr>
+        <p:spPr>
+          <a:xfrm flipV="1">
+            <a:off x="3844212" y="4492489"/>
+            <a:ext cx="4730621" cy="1040163"/>
+          </a:xfrm>
+          <a:prstGeom prst="bentConnector3">
+            <a:avLst/>
+          </a:prstGeom>
+          <a:ln>
+            <a:tailEnd type="triangle"/>
+          </a:ln>
+        </p:spPr>
+        <p:style>
+          <a:lnRef idx="1">
+            <a:schemeClr val="accent1"/>
+          </a:lnRef>
+          <a:fillRef idx="0">
+            <a:schemeClr val="accent1"/>
+          </a:fillRef>
+          <a:effectRef idx="0">
+            <a:schemeClr val="accent1"/>
+          </a:effectRef>
+          <a:fontRef idx="minor">
+            <a:schemeClr val="tx1"/>
+          </a:fontRef>
+        </p:style>
+      </p:cxnSp>
+      <p:sp>
+        <p:nvSpPr>
+          <p:cNvPr id="29" name="Arrow: Left-Up 28">
+            <a:extLst>
+              <a:ext uri="{FF2B5EF4-FFF2-40B4-BE49-F238E27FC236}">
+                <a16:creationId xmlns:a16="http://schemas.microsoft.com/office/drawing/2014/main" id="{58672323-0B48-65EB-5411-071B372BFD38}"/>
+              </a:ext>
+            </a:extLst>
+          </p:cNvPr>
+          <p:cNvSpPr/>
+          <p:nvPr/>
+        </p:nvSpPr>
+        <p:spPr>
+          <a:xfrm rot="18827425">
+            <a:off x="10002615" y="3315903"/>
+            <a:ext cx="982954" cy="942303"/>
+          </a:xfrm>
+          <a:prstGeom prst="leftUpArrow">
+            <a:avLst/>
+          </a:prstGeom>
+        </p:spPr>
+        <p:style>
+          <a:lnRef idx="2">
+            <a:schemeClr val="accent1">
+              <a:shade val="50000"/>
+            </a:schemeClr>
+          </a:lnRef>
+          <a:fillRef idx="1">
+            <a:schemeClr val="accent1"/>
+          </a:fillRef>
+          <a:effectRef idx="0">
+            <a:schemeClr val="accent1"/>
+          </a:effectRef>
+          <a:fontRef idx="minor">
+            <a:schemeClr val="lt1"/>
+          </a:fontRef>
+        </p:style>
+        <p:txBody>
+          <a:bodyPr rtlCol="0" anchor="ctr"/>
+          <a:lstStyle/>
+          <a:p>
+            <a:pPr algn="ctr"/>
+            <a:endParaRPr lang="en-US"/>
+          </a:p>
+        </p:txBody>
+      </p:sp>
+      <p:sp>
+        <p:nvSpPr>
+          <p:cNvPr id="31" name="TextBox 30">
+            <a:extLst>
+              <a:ext uri="{FF2B5EF4-FFF2-40B4-BE49-F238E27FC236}">
+                <a16:creationId xmlns:a16="http://schemas.microsoft.com/office/drawing/2014/main" id="{829687AA-C1A3-C693-65D4-4B1ACE1CC3B7}"/>
+              </a:ext>
+            </a:extLst>
+          </p:cNvPr>
+          <p:cNvSpPr txBox="1"/>
+          <p:nvPr/>
+        </p:nvSpPr>
+        <p:spPr>
+          <a:xfrm>
+            <a:off x="11047445" y="3298171"/>
+            <a:ext cx="1017037" cy="646331"/>
+          </a:xfrm>
+          <a:prstGeom prst="rect">
+            <a:avLst/>
+          </a:prstGeom>
+          <a:noFill/>
+        </p:spPr>
+        <p:txBody>
+          <a:bodyPr wrap="square" rtlCol="0">
+            <a:spAutoFit/>
+          </a:bodyPr>
+          <a:lstStyle/>
+          <a:p>
+            <a:r>
+              <a:rPr lang="en-IN" dirty="0"/>
+              <a:t>Deep</a:t>
+            </a:r>
+          </a:p>
+          <a:p>
+            <a:r>
+              <a:rPr lang="en-IN" dirty="0"/>
+              <a:t>Linking</a:t>
+            </a:r>
+            <a:endParaRPr lang="en-US" dirty="0"/>
+          </a:p>
+        </p:txBody>
+      </p:sp>
     </p:spTree>
     <p:extLst>
       <p:ext uri="{BB962C8B-B14F-4D97-AF65-F5344CB8AC3E}">

--- a/MB_Training_Images.pptx
+++ b/MB_Training_Images.pptx
@@ -12,6 +12,8 @@
     <p:sldId id="259" r:id="rId6"/>
     <p:sldId id="260" r:id="rId7"/>
     <p:sldId id="261" r:id="rId8"/>
+    <p:sldId id="263" r:id="rId9"/>
+    <p:sldId id="264" r:id="rId10"/>
   </p:sldIdLst>
   <p:sldSz cx="12192000" cy="6858000"/>
   <p:notesSz cx="6858000" cy="9144000"/>
@@ -265,7 +267,7 @@
           <a:p>
             <a:fld id="{7EAE8DEA-61CA-412C-9D6E-50DA161E193E}" type="datetimeFigureOut">
               <a:rPr lang="en-US" smtClean="0"/>
-              <a:t>8/10/2022</a:t>
+              <a:t>8/11/2022</a:t>
             </a:fld>
             <a:endParaRPr lang="en-US"/>
           </a:p>
@@ -463,7 +465,7 @@
           <a:p>
             <a:fld id="{7EAE8DEA-61CA-412C-9D6E-50DA161E193E}" type="datetimeFigureOut">
               <a:rPr lang="en-US" smtClean="0"/>
-              <a:t>8/10/2022</a:t>
+              <a:t>8/11/2022</a:t>
             </a:fld>
             <a:endParaRPr lang="en-US"/>
           </a:p>
@@ -671,7 +673,7 @@
           <a:p>
             <a:fld id="{7EAE8DEA-61CA-412C-9D6E-50DA161E193E}" type="datetimeFigureOut">
               <a:rPr lang="en-US" smtClean="0"/>
-              <a:t>8/10/2022</a:t>
+              <a:t>8/11/2022</a:t>
             </a:fld>
             <a:endParaRPr lang="en-US"/>
           </a:p>
@@ -869,7 +871,7 @@
           <a:p>
             <a:fld id="{7EAE8DEA-61CA-412C-9D6E-50DA161E193E}" type="datetimeFigureOut">
               <a:rPr lang="en-US" smtClean="0"/>
-              <a:t>8/10/2022</a:t>
+              <a:t>8/11/2022</a:t>
             </a:fld>
             <a:endParaRPr lang="en-US"/>
           </a:p>
@@ -1144,7 +1146,7 @@
           <a:p>
             <a:fld id="{7EAE8DEA-61CA-412C-9D6E-50DA161E193E}" type="datetimeFigureOut">
               <a:rPr lang="en-US" smtClean="0"/>
-              <a:t>8/10/2022</a:t>
+              <a:t>8/11/2022</a:t>
             </a:fld>
             <a:endParaRPr lang="en-US"/>
           </a:p>
@@ -1409,7 +1411,7 @@
           <a:p>
             <a:fld id="{7EAE8DEA-61CA-412C-9D6E-50DA161E193E}" type="datetimeFigureOut">
               <a:rPr lang="en-US" smtClean="0"/>
-              <a:t>8/10/2022</a:t>
+              <a:t>8/11/2022</a:t>
             </a:fld>
             <a:endParaRPr lang="en-US"/>
           </a:p>
@@ -1821,7 +1823,7 @@
           <a:p>
             <a:fld id="{7EAE8DEA-61CA-412C-9D6E-50DA161E193E}" type="datetimeFigureOut">
               <a:rPr lang="en-US" smtClean="0"/>
-              <a:t>8/10/2022</a:t>
+              <a:t>8/11/2022</a:t>
             </a:fld>
             <a:endParaRPr lang="en-US"/>
           </a:p>
@@ -1962,7 +1964,7 @@
           <a:p>
             <a:fld id="{7EAE8DEA-61CA-412C-9D6E-50DA161E193E}" type="datetimeFigureOut">
               <a:rPr lang="en-US" smtClean="0"/>
-              <a:t>8/10/2022</a:t>
+              <a:t>8/11/2022</a:t>
             </a:fld>
             <a:endParaRPr lang="en-US"/>
           </a:p>
@@ -2075,7 +2077,7 @@
           <a:p>
             <a:fld id="{7EAE8DEA-61CA-412C-9D6E-50DA161E193E}" type="datetimeFigureOut">
               <a:rPr lang="en-US" smtClean="0"/>
-              <a:t>8/10/2022</a:t>
+              <a:t>8/11/2022</a:t>
             </a:fld>
             <a:endParaRPr lang="en-US"/>
           </a:p>
@@ -2386,7 +2388,7 @@
           <a:p>
             <a:fld id="{7EAE8DEA-61CA-412C-9D6E-50DA161E193E}" type="datetimeFigureOut">
               <a:rPr lang="en-US" smtClean="0"/>
-              <a:t>8/10/2022</a:t>
+              <a:t>8/11/2022</a:t>
             </a:fld>
             <a:endParaRPr lang="en-US"/>
           </a:p>
@@ -2674,7 +2676,7 @@
           <a:p>
             <a:fld id="{7EAE8DEA-61CA-412C-9D6E-50DA161E193E}" type="datetimeFigureOut">
               <a:rPr lang="en-US" smtClean="0"/>
-              <a:t>8/10/2022</a:t>
+              <a:t>8/11/2022</a:t>
             </a:fld>
             <a:endParaRPr lang="en-US"/>
           </a:p>
@@ -2915,7 +2917,7 @@
           <a:p>
             <a:fld id="{7EAE8DEA-61CA-412C-9D6E-50DA161E193E}" type="datetimeFigureOut">
               <a:rPr lang="en-US" smtClean="0"/>
-              <a:t>8/10/2022</a:t>
+              <a:t>8/11/2022</a:t>
             </a:fld>
             <a:endParaRPr lang="en-US"/>
           </a:p>
@@ -10261,6 +10263,1347 @@
 </p:sld>
 </file>
 
+<file path=ppt/slides/slide8.xml><?xml version="1.0" encoding="utf-8"?>
+<p:sld xmlns:a="http://schemas.openxmlformats.org/drawingml/2006/main" xmlns:r="http://schemas.openxmlformats.org/officeDocument/2006/relationships" xmlns:p="http://schemas.openxmlformats.org/presentationml/2006/main">
+  <p:cSld>
+    <p:spTree>
+      <p:nvGrpSpPr>
+        <p:cNvPr id="1" name=""/>
+        <p:cNvGrpSpPr/>
+        <p:nvPr/>
+      </p:nvGrpSpPr>
+      <p:grpSpPr>
+        <a:xfrm>
+          <a:off x="0" y="0"/>
+          <a:ext cx="0" cy="0"/>
+          <a:chOff x="0" y="0"/>
+          <a:chExt cx="0" cy="0"/>
+        </a:xfrm>
+      </p:grpSpPr>
+      <p:sp>
+        <p:nvSpPr>
+          <p:cNvPr id="2" name="Rectangle 1">
+            <a:extLst>
+              <a:ext uri="{FF2B5EF4-FFF2-40B4-BE49-F238E27FC236}">
+                <a16:creationId xmlns:a16="http://schemas.microsoft.com/office/drawing/2014/main" id="{2941E044-86C3-F252-0845-CF0F834CE86A}"/>
+              </a:ext>
+            </a:extLst>
+          </p:cNvPr>
+          <p:cNvSpPr/>
+          <p:nvPr/>
+        </p:nvSpPr>
+        <p:spPr>
+          <a:xfrm>
+            <a:off x="447869" y="373224"/>
+            <a:ext cx="4973217" cy="6251511"/>
+          </a:xfrm>
+          <a:prstGeom prst="rect">
+            <a:avLst/>
+          </a:prstGeom>
+        </p:spPr>
+        <p:style>
+          <a:lnRef idx="2">
+            <a:schemeClr val="accent6"/>
+          </a:lnRef>
+          <a:fillRef idx="1">
+            <a:schemeClr val="lt1"/>
+          </a:fillRef>
+          <a:effectRef idx="0">
+            <a:schemeClr val="accent6"/>
+          </a:effectRef>
+          <a:fontRef idx="minor">
+            <a:schemeClr val="dk1"/>
+          </a:fontRef>
+        </p:style>
+        <p:txBody>
+          <a:bodyPr rtlCol="0" anchor="ctr"/>
+          <a:lstStyle/>
+          <a:p>
+            <a:pPr algn="ctr"/>
+            <a:endParaRPr lang="en-US"/>
+          </a:p>
+        </p:txBody>
+      </p:sp>
+      <p:sp>
+        <p:nvSpPr>
+          <p:cNvPr id="3" name="Rectangle 2">
+            <a:extLst>
+              <a:ext uri="{FF2B5EF4-FFF2-40B4-BE49-F238E27FC236}">
+                <a16:creationId xmlns:a16="http://schemas.microsoft.com/office/drawing/2014/main" id="{937757F6-8EF3-41D7-770C-00788F3572D3}"/>
+              </a:ext>
+            </a:extLst>
+          </p:cNvPr>
+          <p:cNvSpPr/>
+          <p:nvPr/>
+        </p:nvSpPr>
+        <p:spPr>
+          <a:xfrm>
+            <a:off x="447869" y="1131524"/>
+            <a:ext cx="4973217" cy="158621"/>
+          </a:xfrm>
+          <a:prstGeom prst="rect">
+            <a:avLst/>
+          </a:prstGeom>
+        </p:spPr>
+        <p:style>
+          <a:lnRef idx="2">
+            <a:schemeClr val="accent1">
+              <a:shade val="50000"/>
+            </a:schemeClr>
+          </a:lnRef>
+          <a:fillRef idx="1">
+            <a:schemeClr val="accent1"/>
+          </a:fillRef>
+          <a:effectRef idx="0">
+            <a:schemeClr val="accent1"/>
+          </a:effectRef>
+          <a:fontRef idx="minor">
+            <a:schemeClr val="lt1"/>
+          </a:fontRef>
+        </p:style>
+        <p:txBody>
+          <a:bodyPr rtlCol="0" anchor="ctr"/>
+          <a:lstStyle/>
+          <a:p>
+            <a:pPr algn="ctr"/>
+            <a:endParaRPr lang="en-US"/>
+          </a:p>
+        </p:txBody>
+      </p:sp>
+      <p:sp>
+        <p:nvSpPr>
+          <p:cNvPr id="4" name="TextBox 3">
+            <a:extLst>
+              <a:ext uri="{FF2B5EF4-FFF2-40B4-BE49-F238E27FC236}">
+                <a16:creationId xmlns:a16="http://schemas.microsoft.com/office/drawing/2014/main" id="{B9BEBCBE-5924-F2C7-D894-68AEB1598309}"/>
+              </a:ext>
+            </a:extLst>
+          </p:cNvPr>
+          <p:cNvSpPr txBox="1"/>
+          <p:nvPr/>
+        </p:nvSpPr>
+        <p:spPr>
+          <a:xfrm>
+            <a:off x="531845" y="438539"/>
+            <a:ext cx="4777273" cy="584775"/>
+          </a:xfrm>
+          <a:prstGeom prst="rect">
+            <a:avLst/>
+          </a:prstGeom>
+          <a:noFill/>
+        </p:spPr>
+        <p:txBody>
+          <a:bodyPr wrap="square" rtlCol="0">
+            <a:spAutoFit/>
+          </a:bodyPr>
+          <a:lstStyle/>
+          <a:p>
+            <a:pPr algn="ctr"/>
+            <a:r>
+              <a:rPr lang="en-IN" sz="1600" dirty="0"/>
+              <a:t>Cohesive Class Structure i.e. set of classes doing mostly similar types of operations aka Cohesive System </a:t>
+            </a:r>
+            <a:endParaRPr lang="en-US" sz="1600" dirty="0"/>
+          </a:p>
+        </p:txBody>
+      </p:sp>
+      <p:sp>
+        <p:nvSpPr>
+          <p:cNvPr id="5" name="Rectangle: Rounded Corners 4">
+            <a:extLst>
+              <a:ext uri="{FF2B5EF4-FFF2-40B4-BE49-F238E27FC236}">
+                <a16:creationId xmlns:a16="http://schemas.microsoft.com/office/drawing/2014/main" id="{1ACA8D1C-4237-D7AB-DB4C-9597AB81ABF6}"/>
+              </a:ext>
+            </a:extLst>
+          </p:cNvPr>
+          <p:cNvSpPr/>
+          <p:nvPr/>
+        </p:nvSpPr>
+        <p:spPr>
+          <a:xfrm>
+            <a:off x="699796" y="1595535"/>
+            <a:ext cx="4366726" cy="662473"/>
+          </a:xfrm>
+          <a:prstGeom prst="roundRect">
+            <a:avLst/>
+          </a:prstGeom>
+        </p:spPr>
+        <p:style>
+          <a:lnRef idx="2">
+            <a:schemeClr val="accent3"/>
+          </a:lnRef>
+          <a:fillRef idx="1">
+            <a:schemeClr val="lt1"/>
+          </a:fillRef>
+          <a:effectRef idx="0">
+            <a:schemeClr val="accent3"/>
+          </a:effectRef>
+          <a:fontRef idx="minor">
+            <a:schemeClr val="dk1"/>
+          </a:fontRef>
+        </p:style>
+        <p:txBody>
+          <a:bodyPr rtlCol="0" anchor="ctr"/>
+          <a:lstStyle/>
+          <a:p>
+            <a:pPr algn="ctr"/>
+            <a:r>
+              <a:rPr lang="en-IN" dirty="0" err="1"/>
+              <a:t>StaffLogic</a:t>
+            </a:r>
+            <a:endParaRPr lang="en-IN" dirty="0"/>
+          </a:p>
+          <a:p>
+            <a:pPr algn="ctr"/>
+            <a:r>
+              <a:rPr lang="en-IN" dirty="0"/>
+              <a:t>Abstract Class</a:t>
+            </a:r>
+            <a:endParaRPr lang="en-US" dirty="0"/>
+          </a:p>
+        </p:txBody>
+      </p:sp>
+      <p:sp>
+        <p:nvSpPr>
+          <p:cNvPr id="6" name="Rectangle: Rounded Corners 5">
+            <a:extLst>
+              <a:ext uri="{FF2B5EF4-FFF2-40B4-BE49-F238E27FC236}">
+                <a16:creationId xmlns:a16="http://schemas.microsoft.com/office/drawing/2014/main" id="{506DE0BE-F5ED-A3D7-05A5-2417569DB039}"/>
+              </a:ext>
+            </a:extLst>
+          </p:cNvPr>
+          <p:cNvSpPr/>
+          <p:nvPr/>
+        </p:nvSpPr>
+        <p:spPr>
+          <a:xfrm>
+            <a:off x="699796" y="2766527"/>
+            <a:ext cx="1707502" cy="662473"/>
+          </a:xfrm>
+          <a:prstGeom prst="roundRect">
+            <a:avLst/>
+          </a:prstGeom>
+        </p:spPr>
+        <p:style>
+          <a:lnRef idx="2">
+            <a:schemeClr val="accent3"/>
+          </a:lnRef>
+          <a:fillRef idx="1">
+            <a:schemeClr val="lt1"/>
+          </a:fillRef>
+          <a:effectRef idx="0">
+            <a:schemeClr val="accent3"/>
+          </a:effectRef>
+          <a:fontRef idx="minor">
+            <a:schemeClr val="dk1"/>
+          </a:fontRef>
+        </p:style>
+        <p:txBody>
+          <a:bodyPr rtlCol="0" anchor="ctr"/>
+          <a:lstStyle/>
+          <a:p>
+            <a:pPr algn="ctr"/>
+            <a:r>
+              <a:rPr lang="en-IN" dirty="0" err="1"/>
+              <a:t>DoctorLogic</a:t>
+            </a:r>
+            <a:endParaRPr lang="en-US" dirty="0"/>
+          </a:p>
+        </p:txBody>
+      </p:sp>
+      <p:cxnSp>
+        <p:nvCxnSpPr>
+          <p:cNvPr id="8" name="Connector: Elbow 7">
+            <a:extLst>
+              <a:ext uri="{FF2B5EF4-FFF2-40B4-BE49-F238E27FC236}">
+                <a16:creationId xmlns:a16="http://schemas.microsoft.com/office/drawing/2014/main" id="{6CB58D1A-6402-9B1F-83FD-2277246017C1}"/>
+              </a:ext>
+            </a:extLst>
+          </p:cNvPr>
+          <p:cNvCxnSpPr>
+            <a:stCxn id="5" idx="2"/>
+            <a:endCxn id="6" idx="0"/>
+          </p:cNvCxnSpPr>
+          <p:nvPr/>
+        </p:nvCxnSpPr>
+        <p:spPr>
+          <a:xfrm rot="5400000">
+            <a:off x="1964094" y="1847461"/>
+            <a:ext cx="508519" cy="1329612"/>
+          </a:xfrm>
+          <a:prstGeom prst="bentConnector3">
+            <a:avLst/>
+          </a:prstGeom>
+          <a:ln>
+            <a:tailEnd type="triangle"/>
+          </a:ln>
+        </p:spPr>
+        <p:style>
+          <a:lnRef idx="1">
+            <a:schemeClr val="accent1"/>
+          </a:lnRef>
+          <a:fillRef idx="0">
+            <a:schemeClr val="accent1"/>
+          </a:fillRef>
+          <a:effectRef idx="0">
+            <a:schemeClr val="accent1"/>
+          </a:effectRef>
+          <a:fontRef idx="minor">
+            <a:schemeClr val="tx1"/>
+          </a:fontRef>
+        </p:style>
+      </p:cxnSp>
+      <p:sp>
+        <p:nvSpPr>
+          <p:cNvPr id="9" name="Rectangle: Rounded Corners 8">
+            <a:extLst>
+              <a:ext uri="{FF2B5EF4-FFF2-40B4-BE49-F238E27FC236}">
+                <a16:creationId xmlns:a16="http://schemas.microsoft.com/office/drawing/2014/main" id="{FBD869E1-1A2C-F91A-ADBA-90C92B9B74B0}"/>
+              </a:ext>
+            </a:extLst>
+          </p:cNvPr>
+          <p:cNvSpPr/>
+          <p:nvPr/>
+        </p:nvSpPr>
+        <p:spPr>
+          <a:xfrm>
+            <a:off x="3335694" y="2727999"/>
+            <a:ext cx="1707502" cy="662473"/>
+          </a:xfrm>
+          <a:prstGeom prst="roundRect">
+            <a:avLst/>
+          </a:prstGeom>
+        </p:spPr>
+        <p:style>
+          <a:lnRef idx="2">
+            <a:schemeClr val="accent3"/>
+          </a:lnRef>
+          <a:fillRef idx="1">
+            <a:schemeClr val="lt1"/>
+          </a:fillRef>
+          <a:effectRef idx="0">
+            <a:schemeClr val="accent3"/>
+          </a:effectRef>
+          <a:fontRef idx="minor">
+            <a:schemeClr val="dk1"/>
+          </a:fontRef>
+        </p:style>
+        <p:txBody>
+          <a:bodyPr rtlCol="0" anchor="ctr"/>
+          <a:lstStyle/>
+          <a:p>
+            <a:pPr algn="ctr"/>
+            <a:r>
+              <a:rPr lang="en-IN" dirty="0" err="1"/>
+              <a:t>NurseLogic</a:t>
+            </a:r>
+            <a:endParaRPr lang="en-US" dirty="0"/>
+          </a:p>
+        </p:txBody>
+      </p:sp>
+      <p:cxnSp>
+        <p:nvCxnSpPr>
+          <p:cNvPr id="11" name="Connector: Elbow 10">
+            <a:extLst>
+              <a:ext uri="{FF2B5EF4-FFF2-40B4-BE49-F238E27FC236}">
+                <a16:creationId xmlns:a16="http://schemas.microsoft.com/office/drawing/2014/main" id="{68A2C9AF-C302-B046-6F91-563E4AE0CD2C}"/>
+              </a:ext>
+            </a:extLst>
+          </p:cNvPr>
+          <p:cNvCxnSpPr>
+            <a:stCxn id="5" idx="2"/>
+            <a:endCxn id="9" idx="0"/>
+          </p:cNvCxnSpPr>
+          <p:nvPr/>
+        </p:nvCxnSpPr>
+        <p:spPr>
+          <a:xfrm rot="16200000" flipH="1">
+            <a:off x="3301307" y="1839860"/>
+            <a:ext cx="469991" cy="1306286"/>
+          </a:xfrm>
+          <a:prstGeom prst="bentConnector3">
+            <a:avLst>
+              <a:gd name="adj1" fmla="val 51986"/>
+            </a:avLst>
+          </a:prstGeom>
+          <a:ln>
+            <a:tailEnd type="triangle"/>
+          </a:ln>
+        </p:spPr>
+        <p:style>
+          <a:lnRef idx="1">
+            <a:schemeClr val="accent1"/>
+          </a:lnRef>
+          <a:fillRef idx="0">
+            <a:schemeClr val="accent1"/>
+          </a:fillRef>
+          <a:effectRef idx="0">
+            <a:schemeClr val="accent1"/>
+          </a:effectRef>
+          <a:fontRef idx="minor">
+            <a:schemeClr val="tx1"/>
+          </a:fontRef>
+        </p:style>
+      </p:cxnSp>
+      <p:sp>
+        <p:nvSpPr>
+          <p:cNvPr id="13" name="Rectangle: Rounded Corners 12">
+            <a:extLst>
+              <a:ext uri="{FF2B5EF4-FFF2-40B4-BE49-F238E27FC236}">
+                <a16:creationId xmlns:a16="http://schemas.microsoft.com/office/drawing/2014/main" id="{B9B49E0A-4990-4549-A17E-D4E323DEE4BC}"/>
+              </a:ext>
+            </a:extLst>
+          </p:cNvPr>
+          <p:cNvSpPr/>
+          <p:nvPr/>
+        </p:nvSpPr>
+        <p:spPr>
+          <a:xfrm>
+            <a:off x="699796" y="4599992"/>
+            <a:ext cx="1707502" cy="662473"/>
+          </a:xfrm>
+          <a:prstGeom prst="roundRect">
+            <a:avLst/>
+          </a:prstGeom>
+        </p:spPr>
+        <p:style>
+          <a:lnRef idx="2">
+            <a:schemeClr val="accent3"/>
+          </a:lnRef>
+          <a:fillRef idx="1">
+            <a:schemeClr val="lt1"/>
+          </a:fillRef>
+          <a:effectRef idx="0">
+            <a:schemeClr val="accent3"/>
+          </a:effectRef>
+          <a:fontRef idx="minor">
+            <a:schemeClr val="dk1"/>
+          </a:fontRef>
+        </p:style>
+        <p:txBody>
+          <a:bodyPr rtlCol="0" anchor="ctr"/>
+          <a:lstStyle/>
+          <a:p>
+            <a:pPr algn="ctr"/>
+            <a:r>
+              <a:rPr lang="en-IN" dirty="0" err="1"/>
+              <a:t>TechnicianLogic</a:t>
+            </a:r>
+            <a:endParaRPr lang="en-US" dirty="0"/>
+          </a:p>
+        </p:txBody>
+      </p:sp>
+      <p:sp>
+        <p:nvSpPr>
+          <p:cNvPr id="14" name="Rectangle: Rounded Corners 13">
+            <a:extLst>
+              <a:ext uri="{FF2B5EF4-FFF2-40B4-BE49-F238E27FC236}">
+                <a16:creationId xmlns:a16="http://schemas.microsoft.com/office/drawing/2014/main" id="{E3274A63-935F-EA9A-E680-7BC88F475825}"/>
+              </a:ext>
+            </a:extLst>
+          </p:cNvPr>
+          <p:cNvSpPr/>
+          <p:nvPr/>
+        </p:nvSpPr>
+        <p:spPr>
+          <a:xfrm>
+            <a:off x="3335694" y="4676367"/>
+            <a:ext cx="1707502" cy="662473"/>
+          </a:xfrm>
+          <a:prstGeom prst="roundRect">
+            <a:avLst/>
+          </a:prstGeom>
+        </p:spPr>
+        <p:style>
+          <a:lnRef idx="2">
+            <a:schemeClr val="accent3"/>
+          </a:lnRef>
+          <a:fillRef idx="1">
+            <a:schemeClr val="lt1"/>
+          </a:fillRef>
+          <a:effectRef idx="0">
+            <a:schemeClr val="accent3"/>
+          </a:effectRef>
+          <a:fontRef idx="minor">
+            <a:schemeClr val="dk1"/>
+          </a:fontRef>
+        </p:style>
+        <p:txBody>
+          <a:bodyPr rtlCol="0" anchor="ctr"/>
+          <a:lstStyle/>
+          <a:p>
+            <a:pPr algn="ctr"/>
+            <a:r>
+              <a:rPr lang="en-IN" dirty="0" err="1"/>
+              <a:t>DriverLogic</a:t>
+            </a:r>
+            <a:endParaRPr lang="en-US" dirty="0"/>
+          </a:p>
+        </p:txBody>
+      </p:sp>
+      <p:cxnSp>
+        <p:nvCxnSpPr>
+          <p:cNvPr id="16" name="Connector: Elbow 15">
+            <a:extLst>
+              <a:ext uri="{FF2B5EF4-FFF2-40B4-BE49-F238E27FC236}">
+                <a16:creationId xmlns:a16="http://schemas.microsoft.com/office/drawing/2014/main" id="{9E0D9DA2-314D-7791-6F63-2C2DBA713DDD}"/>
+              </a:ext>
+            </a:extLst>
+          </p:cNvPr>
+          <p:cNvCxnSpPr>
+            <a:cxnSpLocks/>
+            <a:stCxn id="5" idx="2"/>
+            <a:endCxn id="13" idx="1"/>
+          </p:cNvCxnSpPr>
+          <p:nvPr/>
+        </p:nvCxnSpPr>
+        <p:spPr>
+          <a:xfrm rot="5400000">
+            <a:off x="454868" y="2502937"/>
+            <a:ext cx="2673221" cy="2183363"/>
+          </a:xfrm>
+          <a:prstGeom prst="bentConnector4">
+            <a:avLst>
+              <a:gd name="adj1" fmla="val 45201"/>
+              <a:gd name="adj2" fmla="val 110470"/>
+            </a:avLst>
+          </a:prstGeom>
+          <a:ln>
+            <a:tailEnd type="triangle"/>
+          </a:ln>
+        </p:spPr>
+        <p:style>
+          <a:lnRef idx="1">
+            <a:schemeClr val="accent1"/>
+          </a:lnRef>
+          <a:fillRef idx="0">
+            <a:schemeClr val="accent1"/>
+          </a:fillRef>
+          <a:effectRef idx="0">
+            <a:schemeClr val="accent1"/>
+          </a:effectRef>
+          <a:fontRef idx="minor">
+            <a:schemeClr val="tx1"/>
+          </a:fontRef>
+        </p:style>
+      </p:cxnSp>
+      <p:cxnSp>
+        <p:nvCxnSpPr>
+          <p:cNvPr id="19" name="Connector: Elbow 18">
+            <a:extLst>
+              <a:ext uri="{FF2B5EF4-FFF2-40B4-BE49-F238E27FC236}">
+                <a16:creationId xmlns:a16="http://schemas.microsoft.com/office/drawing/2014/main" id="{35434403-0146-915D-24CE-425583F620FD}"/>
+              </a:ext>
+            </a:extLst>
+          </p:cNvPr>
+          <p:cNvCxnSpPr>
+            <a:stCxn id="5" idx="2"/>
+            <a:endCxn id="14" idx="3"/>
+          </p:cNvCxnSpPr>
+          <p:nvPr/>
+        </p:nvCxnSpPr>
+        <p:spPr>
+          <a:xfrm rot="16200000" flipH="1">
+            <a:off x="2588379" y="2552787"/>
+            <a:ext cx="2749596" cy="2160037"/>
+          </a:xfrm>
+          <a:prstGeom prst="bentConnector4">
+            <a:avLst>
+              <a:gd name="adj1" fmla="val 43977"/>
+              <a:gd name="adj2" fmla="val 111663"/>
+            </a:avLst>
+          </a:prstGeom>
+          <a:ln>
+            <a:tailEnd type="triangle"/>
+          </a:ln>
+        </p:spPr>
+        <p:style>
+          <a:lnRef idx="1">
+            <a:schemeClr val="accent1"/>
+          </a:lnRef>
+          <a:fillRef idx="0">
+            <a:schemeClr val="accent1"/>
+          </a:fillRef>
+          <a:effectRef idx="0">
+            <a:schemeClr val="accent1"/>
+          </a:effectRef>
+          <a:fontRef idx="minor">
+            <a:schemeClr val="tx1"/>
+          </a:fontRef>
+        </p:style>
+      </p:cxnSp>
+      <p:sp>
+        <p:nvSpPr>
+          <p:cNvPr id="23" name="Rectangle: Rounded Corners 22">
+            <a:extLst>
+              <a:ext uri="{FF2B5EF4-FFF2-40B4-BE49-F238E27FC236}">
+                <a16:creationId xmlns:a16="http://schemas.microsoft.com/office/drawing/2014/main" id="{34C10ECF-B2C0-80D2-D01E-487D8CE8AB94}"/>
+              </a:ext>
+            </a:extLst>
+          </p:cNvPr>
+          <p:cNvSpPr/>
+          <p:nvPr/>
+        </p:nvSpPr>
+        <p:spPr>
+          <a:xfrm>
+            <a:off x="699796" y="3760236"/>
+            <a:ext cx="2160036" cy="662473"/>
+          </a:xfrm>
+          <a:prstGeom prst="roundRect">
+            <a:avLst/>
+          </a:prstGeom>
+        </p:spPr>
+        <p:style>
+          <a:lnRef idx="2">
+            <a:schemeClr val="accent3"/>
+          </a:lnRef>
+          <a:fillRef idx="1">
+            <a:schemeClr val="lt1"/>
+          </a:fillRef>
+          <a:effectRef idx="0">
+            <a:schemeClr val="accent3"/>
+          </a:effectRef>
+          <a:fontRef idx="minor">
+            <a:schemeClr val="dk1"/>
+          </a:fontRef>
+        </p:style>
+        <p:txBody>
+          <a:bodyPr rtlCol="0" anchor="ctr"/>
+          <a:lstStyle/>
+          <a:p>
+            <a:pPr algn="ctr"/>
+            <a:r>
+              <a:rPr lang="en-IN" dirty="0" err="1"/>
+              <a:t>VisitngDoctorLogic</a:t>
+            </a:r>
+            <a:endParaRPr lang="en-US" dirty="0"/>
+          </a:p>
+        </p:txBody>
+      </p:sp>
+      <p:cxnSp>
+        <p:nvCxnSpPr>
+          <p:cNvPr id="25" name="Straight Arrow Connector 24">
+            <a:extLst>
+              <a:ext uri="{FF2B5EF4-FFF2-40B4-BE49-F238E27FC236}">
+                <a16:creationId xmlns:a16="http://schemas.microsoft.com/office/drawing/2014/main" id="{1F9EBCEE-D82D-B45A-35FC-77D18BC5662D}"/>
+              </a:ext>
+            </a:extLst>
+          </p:cNvPr>
+          <p:cNvCxnSpPr>
+            <a:cxnSpLocks/>
+            <a:stCxn id="6" idx="2"/>
+            <a:endCxn id="23" idx="0"/>
+          </p:cNvCxnSpPr>
+          <p:nvPr/>
+        </p:nvCxnSpPr>
+        <p:spPr>
+          <a:xfrm>
+            <a:off x="1553547" y="3429000"/>
+            <a:ext cx="226267" cy="331236"/>
+          </a:xfrm>
+          <a:prstGeom prst="straightConnector1">
+            <a:avLst/>
+          </a:prstGeom>
+          <a:ln>
+            <a:tailEnd type="triangle"/>
+          </a:ln>
+        </p:spPr>
+        <p:style>
+          <a:lnRef idx="1">
+            <a:schemeClr val="accent1"/>
+          </a:lnRef>
+          <a:fillRef idx="0">
+            <a:schemeClr val="accent1"/>
+          </a:fillRef>
+          <a:effectRef idx="0">
+            <a:schemeClr val="accent1"/>
+          </a:effectRef>
+          <a:fontRef idx="minor">
+            <a:schemeClr val="tx1"/>
+          </a:fontRef>
+        </p:style>
+      </p:cxnSp>
+      <p:sp>
+        <p:nvSpPr>
+          <p:cNvPr id="27" name="Oval 26">
+            <a:extLst>
+              <a:ext uri="{FF2B5EF4-FFF2-40B4-BE49-F238E27FC236}">
+                <a16:creationId xmlns:a16="http://schemas.microsoft.com/office/drawing/2014/main" id="{B5AC4484-1B75-03C3-7A63-AFC66274F77A}"/>
+              </a:ext>
+            </a:extLst>
+          </p:cNvPr>
+          <p:cNvSpPr/>
+          <p:nvPr/>
+        </p:nvSpPr>
+        <p:spPr>
+          <a:xfrm>
+            <a:off x="6904653" y="606490"/>
+            <a:ext cx="2295331" cy="1735494"/>
+          </a:xfrm>
+          <a:prstGeom prst="ellipse">
+            <a:avLst/>
+          </a:prstGeom>
+        </p:spPr>
+        <p:style>
+          <a:lnRef idx="2">
+            <a:schemeClr val="accent6"/>
+          </a:lnRef>
+          <a:fillRef idx="1">
+            <a:schemeClr val="lt1"/>
+          </a:fillRef>
+          <a:effectRef idx="0">
+            <a:schemeClr val="accent6"/>
+          </a:effectRef>
+          <a:fontRef idx="minor">
+            <a:schemeClr val="dk1"/>
+          </a:fontRef>
+        </p:style>
+        <p:txBody>
+          <a:bodyPr rtlCol="0" anchor="ctr"/>
+          <a:lstStyle/>
+          <a:p>
+            <a:pPr algn="ctr"/>
+            <a:endParaRPr lang="en-US"/>
+          </a:p>
+        </p:txBody>
+      </p:sp>
+      <p:sp>
+        <p:nvSpPr>
+          <p:cNvPr id="28" name="TextBox 27">
+            <a:extLst>
+              <a:ext uri="{FF2B5EF4-FFF2-40B4-BE49-F238E27FC236}">
+                <a16:creationId xmlns:a16="http://schemas.microsoft.com/office/drawing/2014/main" id="{14ABAB2A-5525-7000-8017-F76B37FE059C}"/>
+              </a:ext>
+            </a:extLst>
+          </p:cNvPr>
+          <p:cNvSpPr txBox="1"/>
+          <p:nvPr/>
+        </p:nvSpPr>
+        <p:spPr>
+          <a:xfrm>
+            <a:off x="7128588" y="1131524"/>
+            <a:ext cx="1800808" cy="923330"/>
+          </a:xfrm>
+          <a:prstGeom prst="rect">
+            <a:avLst/>
+          </a:prstGeom>
+          <a:noFill/>
+        </p:spPr>
+        <p:txBody>
+          <a:bodyPr wrap="square" rtlCol="0">
+            <a:spAutoFit/>
+          </a:bodyPr>
+          <a:lstStyle/>
+          <a:p>
+            <a:pPr algn="ctr"/>
+            <a:r>
+              <a:rPr lang="en-IN" dirty="0" err="1"/>
+              <a:t>DoctorLogic</a:t>
+            </a:r>
+            <a:r>
+              <a:rPr lang="en-IN" dirty="0"/>
+              <a:t> Instance</a:t>
+            </a:r>
+          </a:p>
+          <a:p>
+            <a:pPr algn="ctr"/>
+            <a:endParaRPr lang="en-US" dirty="0"/>
+          </a:p>
+        </p:txBody>
+      </p:sp>
+      <p:cxnSp>
+        <p:nvCxnSpPr>
+          <p:cNvPr id="30" name="Straight Arrow Connector 29">
+            <a:extLst>
+              <a:ext uri="{FF2B5EF4-FFF2-40B4-BE49-F238E27FC236}">
+                <a16:creationId xmlns:a16="http://schemas.microsoft.com/office/drawing/2014/main" id="{7DDC4417-17E4-DBFC-A461-35CB189A1061}"/>
+              </a:ext>
+            </a:extLst>
+          </p:cNvPr>
+          <p:cNvCxnSpPr>
+            <a:stCxn id="27" idx="2"/>
+            <a:endCxn id="6" idx="3"/>
+          </p:cNvCxnSpPr>
+          <p:nvPr/>
+        </p:nvCxnSpPr>
+        <p:spPr>
+          <a:xfrm flipH="1">
+            <a:off x="2407298" y="1474237"/>
+            <a:ext cx="4497355" cy="1623527"/>
+          </a:xfrm>
+          <a:prstGeom prst="straightConnector1">
+            <a:avLst/>
+          </a:prstGeom>
+          <a:ln>
+            <a:tailEnd type="triangle"/>
+          </a:ln>
+        </p:spPr>
+        <p:style>
+          <a:lnRef idx="1">
+            <a:schemeClr val="accent1"/>
+          </a:lnRef>
+          <a:fillRef idx="0">
+            <a:schemeClr val="accent1"/>
+          </a:fillRef>
+          <a:effectRef idx="0">
+            <a:schemeClr val="accent1"/>
+          </a:effectRef>
+          <a:fontRef idx="minor">
+            <a:schemeClr val="tx1"/>
+          </a:fontRef>
+        </p:style>
+      </p:cxnSp>
+      <p:cxnSp>
+        <p:nvCxnSpPr>
+          <p:cNvPr id="32" name="Straight Arrow Connector 31">
+            <a:extLst>
+              <a:ext uri="{FF2B5EF4-FFF2-40B4-BE49-F238E27FC236}">
+                <a16:creationId xmlns:a16="http://schemas.microsoft.com/office/drawing/2014/main" id="{58A75DDD-6B62-BC6B-1F2C-BE7815A6DF1F}"/>
+              </a:ext>
+            </a:extLst>
+          </p:cNvPr>
+          <p:cNvCxnSpPr>
+            <a:stCxn id="27" idx="2"/>
+            <a:endCxn id="5" idx="3"/>
+          </p:cNvCxnSpPr>
+          <p:nvPr/>
+        </p:nvCxnSpPr>
+        <p:spPr>
+          <a:xfrm flipH="1">
+            <a:off x="5066522" y="1474237"/>
+            <a:ext cx="1838131" cy="452535"/>
+          </a:xfrm>
+          <a:prstGeom prst="straightConnector1">
+            <a:avLst/>
+          </a:prstGeom>
+          <a:ln>
+            <a:tailEnd type="triangle"/>
+          </a:ln>
+        </p:spPr>
+        <p:style>
+          <a:lnRef idx="1">
+            <a:schemeClr val="accent1"/>
+          </a:lnRef>
+          <a:fillRef idx="0">
+            <a:schemeClr val="accent1"/>
+          </a:fillRef>
+          <a:effectRef idx="0">
+            <a:schemeClr val="accent1"/>
+          </a:effectRef>
+          <a:fontRef idx="minor">
+            <a:schemeClr val="tx1"/>
+          </a:fontRef>
+        </p:style>
+      </p:cxnSp>
+      <p:sp>
+        <p:nvSpPr>
+          <p:cNvPr id="33" name="Oval 32">
+            <a:extLst>
+              <a:ext uri="{FF2B5EF4-FFF2-40B4-BE49-F238E27FC236}">
+                <a16:creationId xmlns:a16="http://schemas.microsoft.com/office/drawing/2014/main" id="{68A20D6D-A707-EC3A-A0AD-431F7E885052}"/>
+              </a:ext>
+            </a:extLst>
+          </p:cNvPr>
+          <p:cNvSpPr/>
+          <p:nvPr/>
+        </p:nvSpPr>
+        <p:spPr>
+          <a:xfrm>
+            <a:off x="6770916" y="2656115"/>
+            <a:ext cx="3013786" cy="1735494"/>
+          </a:xfrm>
+          <a:prstGeom prst="ellipse">
+            <a:avLst/>
+          </a:prstGeom>
+        </p:spPr>
+        <p:style>
+          <a:lnRef idx="2">
+            <a:schemeClr val="accent6"/>
+          </a:lnRef>
+          <a:fillRef idx="1">
+            <a:schemeClr val="lt1"/>
+          </a:fillRef>
+          <a:effectRef idx="0">
+            <a:schemeClr val="accent6"/>
+          </a:effectRef>
+          <a:fontRef idx="minor">
+            <a:schemeClr val="dk1"/>
+          </a:fontRef>
+        </p:style>
+        <p:txBody>
+          <a:bodyPr rtlCol="0" anchor="ctr"/>
+          <a:lstStyle/>
+          <a:p>
+            <a:pPr algn="ctr"/>
+            <a:r>
+              <a:rPr lang="en-IN" dirty="0" err="1"/>
+              <a:t>VisitingDoctorLogic</a:t>
+            </a:r>
+            <a:r>
+              <a:rPr lang="en-IN" dirty="0"/>
+              <a:t> Instance</a:t>
+            </a:r>
+            <a:endParaRPr lang="en-US" dirty="0"/>
+          </a:p>
+        </p:txBody>
+      </p:sp>
+      <p:cxnSp>
+        <p:nvCxnSpPr>
+          <p:cNvPr id="35" name="Straight Arrow Connector 34">
+            <a:extLst>
+              <a:ext uri="{FF2B5EF4-FFF2-40B4-BE49-F238E27FC236}">
+                <a16:creationId xmlns:a16="http://schemas.microsoft.com/office/drawing/2014/main" id="{8A660B8E-71BF-CD8C-9B09-B7C8E3E254A8}"/>
+              </a:ext>
+            </a:extLst>
+          </p:cNvPr>
+          <p:cNvCxnSpPr>
+            <a:stCxn id="33" idx="2"/>
+            <a:endCxn id="23" idx="3"/>
+          </p:cNvCxnSpPr>
+          <p:nvPr/>
+        </p:nvCxnSpPr>
+        <p:spPr>
+          <a:xfrm flipH="1">
+            <a:off x="2859832" y="3523862"/>
+            <a:ext cx="3911084" cy="567611"/>
+          </a:xfrm>
+          <a:prstGeom prst="straightConnector1">
+            <a:avLst/>
+          </a:prstGeom>
+          <a:ln>
+            <a:tailEnd type="triangle"/>
+          </a:ln>
+        </p:spPr>
+        <p:style>
+          <a:lnRef idx="1">
+            <a:schemeClr val="accent1"/>
+          </a:lnRef>
+          <a:fillRef idx="0">
+            <a:schemeClr val="accent1"/>
+          </a:fillRef>
+          <a:effectRef idx="0">
+            <a:schemeClr val="accent1"/>
+          </a:effectRef>
+          <a:fontRef idx="minor">
+            <a:schemeClr val="tx1"/>
+          </a:fontRef>
+        </p:style>
+      </p:cxnSp>
+      <p:cxnSp>
+        <p:nvCxnSpPr>
+          <p:cNvPr id="37" name="Straight Arrow Connector 36">
+            <a:extLst>
+              <a:ext uri="{FF2B5EF4-FFF2-40B4-BE49-F238E27FC236}">
+                <a16:creationId xmlns:a16="http://schemas.microsoft.com/office/drawing/2014/main" id="{6E52A855-D59E-7492-A2EE-1EE87EA92242}"/>
+              </a:ext>
+            </a:extLst>
+          </p:cNvPr>
+          <p:cNvCxnSpPr>
+            <a:stCxn id="33" idx="2"/>
+          </p:cNvCxnSpPr>
+          <p:nvPr/>
+        </p:nvCxnSpPr>
+        <p:spPr>
+          <a:xfrm flipH="1" flipV="1">
+            <a:off x="2407298" y="3097764"/>
+            <a:ext cx="4363618" cy="426098"/>
+          </a:xfrm>
+          <a:prstGeom prst="straightConnector1">
+            <a:avLst/>
+          </a:prstGeom>
+          <a:ln>
+            <a:tailEnd type="triangle"/>
+          </a:ln>
+        </p:spPr>
+        <p:style>
+          <a:lnRef idx="1">
+            <a:schemeClr val="accent1"/>
+          </a:lnRef>
+          <a:fillRef idx="0">
+            <a:schemeClr val="accent1"/>
+          </a:fillRef>
+          <a:effectRef idx="0">
+            <a:schemeClr val="accent1"/>
+          </a:effectRef>
+          <a:fontRef idx="minor">
+            <a:schemeClr val="tx1"/>
+          </a:fontRef>
+        </p:style>
+      </p:cxnSp>
+      <p:cxnSp>
+        <p:nvCxnSpPr>
+          <p:cNvPr id="39" name="Straight Arrow Connector 38">
+            <a:extLst>
+              <a:ext uri="{FF2B5EF4-FFF2-40B4-BE49-F238E27FC236}">
+                <a16:creationId xmlns:a16="http://schemas.microsoft.com/office/drawing/2014/main" id="{F424DEB6-9703-4D6D-73B2-33069DB51BDD}"/>
+              </a:ext>
+            </a:extLst>
+          </p:cNvPr>
+          <p:cNvCxnSpPr>
+            <a:stCxn id="33" idx="2"/>
+          </p:cNvCxnSpPr>
+          <p:nvPr/>
+        </p:nvCxnSpPr>
+        <p:spPr>
+          <a:xfrm flipH="1" flipV="1">
+            <a:off x="5063414" y="1926772"/>
+            <a:ext cx="1707502" cy="1597090"/>
+          </a:xfrm>
+          <a:prstGeom prst="straightConnector1">
+            <a:avLst/>
+          </a:prstGeom>
+          <a:ln>
+            <a:tailEnd type="triangle"/>
+          </a:ln>
+        </p:spPr>
+        <p:style>
+          <a:lnRef idx="1">
+            <a:schemeClr val="accent1"/>
+          </a:lnRef>
+          <a:fillRef idx="0">
+            <a:schemeClr val="accent1"/>
+          </a:fillRef>
+          <a:effectRef idx="0">
+            <a:schemeClr val="accent1"/>
+          </a:effectRef>
+          <a:fontRef idx="minor">
+            <a:schemeClr val="tx1"/>
+          </a:fontRef>
+        </p:style>
+      </p:cxnSp>
+      <p:sp>
+        <p:nvSpPr>
+          <p:cNvPr id="40" name="Arrow: Up 39">
+            <a:extLst>
+              <a:ext uri="{FF2B5EF4-FFF2-40B4-BE49-F238E27FC236}">
+                <a16:creationId xmlns:a16="http://schemas.microsoft.com/office/drawing/2014/main" id="{51C9D512-A5A3-41F9-3F5B-CB8FF9FD9F9E}"/>
+              </a:ext>
+            </a:extLst>
+          </p:cNvPr>
+          <p:cNvSpPr/>
+          <p:nvPr/>
+        </p:nvSpPr>
+        <p:spPr>
+          <a:xfrm>
+            <a:off x="10478278" y="755780"/>
+            <a:ext cx="307910" cy="5477069"/>
+          </a:xfrm>
+          <a:prstGeom prst="upArrow">
+            <a:avLst/>
+          </a:prstGeom>
+        </p:spPr>
+        <p:style>
+          <a:lnRef idx="2">
+            <a:schemeClr val="accent1">
+              <a:shade val="50000"/>
+            </a:schemeClr>
+          </a:lnRef>
+          <a:fillRef idx="1">
+            <a:schemeClr val="accent1"/>
+          </a:fillRef>
+          <a:effectRef idx="0">
+            <a:schemeClr val="accent1"/>
+          </a:effectRef>
+          <a:fontRef idx="minor">
+            <a:schemeClr val="lt1"/>
+          </a:fontRef>
+        </p:style>
+        <p:txBody>
+          <a:bodyPr rtlCol="0" anchor="ctr"/>
+          <a:lstStyle/>
+          <a:p>
+            <a:pPr algn="ctr"/>
+            <a:endParaRPr lang="en-US"/>
+          </a:p>
+        </p:txBody>
+      </p:sp>
+      <p:sp>
+        <p:nvSpPr>
+          <p:cNvPr id="41" name="TextBox 40">
+            <a:extLst>
+              <a:ext uri="{FF2B5EF4-FFF2-40B4-BE49-F238E27FC236}">
+                <a16:creationId xmlns:a16="http://schemas.microsoft.com/office/drawing/2014/main" id="{BCCD95EC-F7AE-8A35-4BA7-18BF299C3855}"/>
+              </a:ext>
+            </a:extLst>
+          </p:cNvPr>
+          <p:cNvSpPr txBox="1"/>
+          <p:nvPr/>
+        </p:nvSpPr>
+        <p:spPr>
+          <a:xfrm>
+            <a:off x="5803641" y="5007604"/>
+            <a:ext cx="4296747" cy="1477328"/>
+          </a:xfrm>
+          <a:prstGeom prst="rect">
+            <a:avLst/>
+          </a:prstGeom>
+          <a:noFill/>
+        </p:spPr>
+        <p:txBody>
+          <a:bodyPr wrap="square" rtlCol="0">
+            <a:spAutoFit/>
+          </a:bodyPr>
+          <a:lstStyle/>
+          <a:p>
+            <a:r>
+              <a:rPr lang="en-IN" dirty="0"/>
+              <a:t>In </a:t>
+            </a:r>
+            <a:r>
+              <a:rPr lang="en-IN" b="1" dirty="0"/>
+              <a:t>Highly Cohesive System</a:t>
+            </a:r>
+            <a:r>
+              <a:rPr lang="en-IN" dirty="0"/>
+              <a:t>, the derived class instances navigate to its parent in a hierarchical design with fast speed, so it is recommended to design the super base class as </a:t>
+            </a:r>
+            <a:r>
+              <a:rPr lang="en-IN" b="1" dirty="0"/>
+              <a:t>Abstract Class.</a:t>
+            </a:r>
+            <a:endParaRPr lang="en-US" dirty="0"/>
+          </a:p>
+        </p:txBody>
+      </p:sp>
+    </p:spTree>
+    <p:extLst>
+      <p:ext uri="{BB962C8B-B14F-4D97-AF65-F5344CB8AC3E}">
+        <p14:creationId xmlns:p14="http://schemas.microsoft.com/office/powerpoint/2010/main" val="1330223785"/>
+      </p:ext>
+    </p:extLst>
+  </p:cSld>
+  <p:clrMapOvr>
+    <a:masterClrMapping/>
+  </p:clrMapOvr>
+</p:sld>
+</file>
+
+<file path=ppt/slides/slide9.xml><?xml version="1.0" encoding="utf-8"?>
+<p:sld xmlns:a="http://schemas.openxmlformats.org/drawingml/2006/main" xmlns:r="http://schemas.openxmlformats.org/officeDocument/2006/relationships" xmlns:p="http://schemas.openxmlformats.org/presentationml/2006/main">
+  <p:cSld>
+    <p:spTree>
+      <p:nvGrpSpPr>
+        <p:cNvPr id="1" name=""/>
+        <p:cNvGrpSpPr/>
+        <p:nvPr/>
+      </p:nvGrpSpPr>
+      <p:grpSpPr>
+        <a:xfrm>
+          <a:off x="0" y="0"/>
+          <a:ext cx="0" cy="0"/>
+          <a:chOff x="0" y="0"/>
+          <a:chExt cx="0" cy="0"/>
+        </a:xfrm>
+      </p:grpSpPr>
+      <p:sp>
+        <p:nvSpPr>
+          <p:cNvPr id="2" name="Rectangle: Rounded Corners 1">
+            <a:extLst>
+              <a:ext uri="{FF2B5EF4-FFF2-40B4-BE49-F238E27FC236}">
+                <a16:creationId xmlns:a16="http://schemas.microsoft.com/office/drawing/2014/main" id="{50FCA48C-256E-52E2-0A1C-B153074203DA}"/>
+              </a:ext>
+            </a:extLst>
+          </p:cNvPr>
+          <p:cNvSpPr/>
+          <p:nvPr/>
+        </p:nvSpPr>
+        <p:spPr>
+          <a:xfrm>
+            <a:off x="513184" y="1688841"/>
+            <a:ext cx="3303036" cy="541175"/>
+          </a:xfrm>
+          <a:prstGeom prst="roundRect">
+            <a:avLst/>
+          </a:prstGeom>
+        </p:spPr>
+        <p:style>
+          <a:lnRef idx="2">
+            <a:schemeClr val="accent3"/>
+          </a:lnRef>
+          <a:fillRef idx="1">
+            <a:schemeClr val="lt1"/>
+          </a:fillRef>
+          <a:effectRef idx="0">
+            <a:schemeClr val="accent3"/>
+          </a:effectRef>
+          <a:fontRef idx="minor">
+            <a:schemeClr val="dk1"/>
+          </a:fontRef>
+        </p:style>
+        <p:txBody>
+          <a:bodyPr rtlCol="0" anchor="ctr"/>
+          <a:lstStyle/>
+          <a:p>
+            <a:pPr algn="ctr"/>
+            <a:r>
+              <a:rPr lang="en-IN" b="1" dirty="0"/>
+              <a:t>Tax Calculation for Staff</a:t>
+            </a:r>
+            <a:endParaRPr lang="en-US" b="1" dirty="0"/>
+          </a:p>
+        </p:txBody>
+      </p:sp>
+      <p:sp>
+        <p:nvSpPr>
+          <p:cNvPr id="3" name="Rectangle: Rounded Corners 2">
+            <a:extLst>
+              <a:ext uri="{FF2B5EF4-FFF2-40B4-BE49-F238E27FC236}">
+                <a16:creationId xmlns:a16="http://schemas.microsoft.com/office/drawing/2014/main" id="{857825F5-B09B-5795-9799-1F56D7F68CA9}"/>
+              </a:ext>
+            </a:extLst>
+          </p:cNvPr>
+          <p:cNvSpPr/>
+          <p:nvPr/>
+        </p:nvSpPr>
+        <p:spPr>
+          <a:xfrm>
+            <a:off x="513184" y="2811624"/>
+            <a:ext cx="3303036" cy="541175"/>
+          </a:xfrm>
+          <a:prstGeom prst="roundRect">
+            <a:avLst/>
+          </a:prstGeom>
+        </p:spPr>
+        <p:style>
+          <a:lnRef idx="2">
+            <a:schemeClr val="accent3"/>
+          </a:lnRef>
+          <a:fillRef idx="1">
+            <a:schemeClr val="lt1"/>
+          </a:fillRef>
+          <a:effectRef idx="0">
+            <a:schemeClr val="accent3"/>
+          </a:effectRef>
+          <a:fontRef idx="minor">
+            <a:schemeClr val="dk1"/>
+          </a:fontRef>
+        </p:style>
+        <p:txBody>
+          <a:bodyPr rtlCol="0" anchor="ctr"/>
+          <a:lstStyle/>
+          <a:p>
+            <a:pPr algn="ctr"/>
+            <a:r>
+              <a:rPr lang="en-IN" b="1" dirty="0"/>
+              <a:t>GST Calculation for Consulting Doctors</a:t>
+            </a:r>
+            <a:endParaRPr lang="en-US" b="1" dirty="0"/>
+          </a:p>
+        </p:txBody>
+      </p:sp>
+      <p:sp>
+        <p:nvSpPr>
+          <p:cNvPr id="4" name="Rectangle: Rounded Corners 3">
+            <a:extLst>
+              <a:ext uri="{FF2B5EF4-FFF2-40B4-BE49-F238E27FC236}">
+                <a16:creationId xmlns:a16="http://schemas.microsoft.com/office/drawing/2014/main" id="{8398F0F9-5921-E062-4B6F-3C6D6622A59F}"/>
+              </a:ext>
+            </a:extLst>
+          </p:cNvPr>
+          <p:cNvSpPr/>
+          <p:nvPr/>
+        </p:nvSpPr>
+        <p:spPr>
+          <a:xfrm>
+            <a:off x="7075715" y="1688841"/>
+            <a:ext cx="3303036" cy="541175"/>
+          </a:xfrm>
+          <a:prstGeom prst="roundRect">
+            <a:avLst/>
+          </a:prstGeom>
+        </p:spPr>
+        <p:style>
+          <a:lnRef idx="2">
+            <a:schemeClr val="accent3"/>
+          </a:lnRef>
+          <a:fillRef idx="1">
+            <a:schemeClr val="lt1"/>
+          </a:fillRef>
+          <a:effectRef idx="0">
+            <a:schemeClr val="accent3"/>
+          </a:effectRef>
+          <a:fontRef idx="minor">
+            <a:schemeClr val="dk1"/>
+          </a:fontRef>
+        </p:style>
+        <p:txBody>
+          <a:bodyPr rtlCol="0" anchor="ctr"/>
+          <a:lstStyle/>
+          <a:p>
+            <a:pPr algn="ctr"/>
+            <a:r>
+              <a:rPr lang="en-IN" b="1" dirty="0"/>
+              <a:t>Tax Calculation for Patient Bill</a:t>
+            </a:r>
+            <a:endParaRPr lang="en-US" b="1" dirty="0"/>
+          </a:p>
+        </p:txBody>
+      </p:sp>
+      <p:sp>
+        <p:nvSpPr>
+          <p:cNvPr id="5" name="Rectangle: Rounded Corners 4">
+            <a:extLst>
+              <a:ext uri="{FF2B5EF4-FFF2-40B4-BE49-F238E27FC236}">
+                <a16:creationId xmlns:a16="http://schemas.microsoft.com/office/drawing/2014/main" id="{36B90C2F-AAA2-9D74-2D39-EC2BACEB13D9}"/>
+              </a:ext>
+            </a:extLst>
+          </p:cNvPr>
+          <p:cNvSpPr/>
+          <p:nvPr/>
+        </p:nvSpPr>
+        <p:spPr>
+          <a:xfrm>
+            <a:off x="7075715" y="2811624"/>
+            <a:ext cx="3303036" cy="541175"/>
+          </a:xfrm>
+          <a:prstGeom prst="roundRect">
+            <a:avLst/>
+          </a:prstGeom>
+        </p:spPr>
+        <p:style>
+          <a:lnRef idx="2">
+            <a:schemeClr val="accent3"/>
+          </a:lnRef>
+          <a:fillRef idx="1">
+            <a:schemeClr val="lt1"/>
+          </a:fillRef>
+          <a:effectRef idx="0">
+            <a:schemeClr val="accent3"/>
+          </a:effectRef>
+          <a:fontRef idx="minor">
+            <a:schemeClr val="dk1"/>
+          </a:fontRef>
+        </p:style>
+        <p:txBody>
+          <a:bodyPr rtlCol="0" anchor="ctr"/>
+          <a:lstStyle/>
+          <a:p>
+            <a:pPr algn="ctr"/>
+            <a:r>
+              <a:rPr lang="en-IN" b="1" dirty="0"/>
+              <a:t>GST Calculation for </a:t>
+            </a:r>
+            <a:r>
+              <a:rPr lang="en-IN" b="1"/>
+              <a:t>Patient Bill</a:t>
+            </a:r>
+            <a:endParaRPr lang="en-US" b="1" dirty="0"/>
+          </a:p>
+        </p:txBody>
+      </p:sp>
+    </p:spTree>
+    <p:extLst>
+      <p:ext uri="{BB962C8B-B14F-4D97-AF65-F5344CB8AC3E}">
+        <p14:creationId xmlns:p14="http://schemas.microsoft.com/office/powerpoint/2010/main" val="3313951611"/>
+      </p:ext>
+    </p:extLst>
+  </p:cSld>
+  <p:clrMapOvr>
+    <a:masterClrMapping/>
+  </p:clrMapOvr>
+</p:sld>
+</file>
+
 <file path=ppt/theme/theme1.xml><?xml version="1.0" encoding="utf-8"?>
 <a:theme xmlns:a="http://schemas.openxmlformats.org/drawingml/2006/main" name="Office Theme">
   <a:themeElements>

--- a/MB_Training_Images.pptx
+++ b/MB_Training_Images.pptx
@@ -14,6 +14,9 @@
     <p:sldId id="261" r:id="rId8"/>
     <p:sldId id="263" r:id="rId9"/>
     <p:sldId id="264" r:id="rId10"/>
+    <p:sldId id="265" r:id="rId11"/>
+    <p:sldId id="266" r:id="rId12"/>
+    <p:sldId id="267" r:id="rId13"/>
   </p:sldIdLst>
   <p:sldSz cx="12192000" cy="6858000"/>
   <p:notesSz cx="6858000" cy="9144000"/>
@@ -3783,6 +3786,2551 @@
 </p:sld>
 </file>
 
+<file path=ppt/slides/slide10.xml><?xml version="1.0" encoding="utf-8"?>
+<p:sld xmlns:a="http://schemas.openxmlformats.org/drawingml/2006/main" xmlns:r="http://schemas.openxmlformats.org/officeDocument/2006/relationships" xmlns:p="http://schemas.openxmlformats.org/presentationml/2006/main">
+  <p:cSld>
+    <p:spTree>
+      <p:nvGrpSpPr>
+        <p:cNvPr id="1" name=""/>
+        <p:cNvGrpSpPr/>
+        <p:nvPr/>
+      </p:nvGrpSpPr>
+      <p:grpSpPr>
+        <a:xfrm>
+          <a:off x="0" y="0"/>
+          <a:ext cx="0" cy="0"/>
+          <a:chOff x="0" y="0"/>
+          <a:chExt cx="0" cy="0"/>
+        </a:xfrm>
+      </p:grpSpPr>
+      <p:sp>
+        <p:nvSpPr>
+          <p:cNvPr id="2" name="Rectangle 1">
+            <a:extLst>
+              <a:ext uri="{FF2B5EF4-FFF2-40B4-BE49-F238E27FC236}">
+                <a16:creationId xmlns:a16="http://schemas.microsoft.com/office/drawing/2014/main" id="{F1960949-61A1-CEA6-9812-58A070521A63}"/>
+              </a:ext>
+            </a:extLst>
+          </p:cNvPr>
+          <p:cNvSpPr/>
+          <p:nvPr/>
+        </p:nvSpPr>
+        <p:spPr>
+          <a:xfrm>
+            <a:off x="849086" y="1343608"/>
+            <a:ext cx="3181738" cy="4189445"/>
+          </a:xfrm>
+          <a:prstGeom prst="rect">
+            <a:avLst/>
+          </a:prstGeom>
+        </p:spPr>
+        <p:style>
+          <a:lnRef idx="2">
+            <a:schemeClr val="accent6"/>
+          </a:lnRef>
+          <a:fillRef idx="1">
+            <a:schemeClr val="lt1"/>
+          </a:fillRef>
+          <a:effectRef idx="0">
+            <a:schemeClr val="accent6"/>
+          </a:effectRef>
+          <a:fontRef idx="minor">
+            <a:schemeClr val="dk1"/>
+          </a:fontRef>
+        </p:style>
+        <p:txBody>
+          <a:bodyPr rtlCol="0" anchor="ctr"/>
+          <a:lstStyle/>
+          <a:p>
+            <a:pPr algn="ctr"/>
+            <a:endParaRPr lang="en-US"/>
+          </a:p>
+        </p:txBody>
+      </p:sp>
+      <p:sp>
+        <p:nvSpPr>
+          <p:cNvPr id="3" name="TextBox 2">
+            <a:extLst>
+              <a:ext uri="{FF2B5EF4-FFF2-40B4-BE49-F238E27FC236}">
+                <a16:creationId xmlns:a16="http://schemas.microsoft.com/office/drawing/2014/main" id="{02043DD3-DD47-E4D0-A7FF-F55474C209A5}"/>
+              </a:ext>
+            </a:extLst>
+          </p:cNvPr>
+          <p:cNvSpPr txBox="1"/>
+          <p:nvPr/>
+        </p:nvSpPr>
+        <p:spPr>
+          <a:xfrm>
+            <a:off x="914400" y="1604865"/>
+            <a:ext cx="2892490" cy="369332"/>
+          </a:xfrm>
+          <a:prstGeom prst="rect">
+            <a:avLst/>
+          </a:prstGeom>
+          <a:noFill/>
+        </p:spPr>
+        <p:txBody>
+          <a:bodyPr wrap="square" rtlCol="0">
+            <a:spAutoFit/>
+          </a:bodyPr>
+          <a:lstStyle/>
+          <a:p>
+            <a:pPr algn="ctr"/>
+            <a:r>
+              <a:rPr lang="en-IN" dirty="0"/>
+              <a:t>Object 1</a:t>
+            </a:r>
+            <a:endParaRPr lang="en-US" dirty="0"/>
+          </a:p>
+        </p:txBody>
+      </p:sp>
+      <p:sp>
+        <p:nvSpPr>
+          <p:cNvPr id="4" name="Rectangle 3">
+            <a:extLst>
+              <a:ext uri="{FF2B5EF4-FFF2-40B4-BE49-F238E27FC236}">
+                <a16:creationId xmlns:a16="http://schemas.microsoft.com/office/drawing/2014/main" id="{FC587E37-4925-27FE-D4B0-1FA461FA94A7}"/>
+              </a:ext>
+            </a:extLst>
+          </p:cNvPr>
+          <p:cNvSpPr/>
+          <p:nvPr/>
+        </p:nvSpPr>
+        <p:spPr>
+          <a:xfrm>
+            <a:off x="7952792" y="1334277"/>
+            <a:ext cx="3181738" cy="4189445"/>
+          </a:xfrm>
+          <a:prstGeom prst="rect">
+            <a:avLst/>
+          </a:prstGeom>
+        </p:spPr>
+        <p:style>
+          <a:lnRef idx="2">
+            <a:schemeClr val="accent6"/>
+          </a:lnRef>
+          <a:fillRef idx="1">
+            <a:schemeClr val="lt1"/>
+          </a:fillRef>
+          <a:effectRef idx="0">
+            <a:schemeClr val="accent6"/>
+          </a:effectRef>
+          <a:fontRef idx="minor">
+            <a:schemeClr val="dk1"/>
+          </a:fontRef>
+        </p:style>
+        <p:txBody>
+          <a:bodyPr rtlCol="0" anchor="ctr"/>
+          <a:lstStyle/>
+          <a:p>
+            <a:pPr algn="ctr"/>
+            <a:endParaRPr lang="en-US"/>
+          </a:p>
+        </p:txBody>
+      </p:sp>
+      <p:sp>
+        <p:nvSpPr>
+          <p:cNvPr id="5" name="TextBox 4">
+            <a:extLst>
+              <a:ext uri="{FF2B5EF4-FFF2-40B4-BE49-F238E27FC236}">
+                <a16:creationId xmlns:a16="http://schemas.microsoft.com/office/drawing/2014/main" id="{742A1E14-06DA-2B02-6EB1-B22CBA2EDB90}"/>
+              </a:ext>
+            </a:extLst>
+          </p:cNvPr>
+          <p:cNvSpPr txBox="1"/>
+          <p:nvPr/>
+        </p:nvSpPr>
+        <p:spPr>
+          <a:xfrm>
+            <a:off x="8018106" y="1595534"/>
+            <a:ext cx="2892490" cy="369332"/>
+          </a:xfrm>
+          <a:prstGeom prst="rect">
+            <a:avLst/>
+          </a:prstGeom>
+          <a:noFill/>
+        </p:spPr>
+        <p:txBody>
+          <a:bodyPr wrap="square" rtlCol="0">
+            <a:spAutoFit/>
+          </a:bodyPr>
+          <a:lstStyle/>
+          <a:p>
+            <a:pPr algn="ctr"/>
+            <a:r>
+              <a:rPr lang="en-IN" dirty="0"/>
+              <a:t>Object 2</a:t>
+            </a:r>
+            <a:endParaRPr lang="en-US" dirty="0"/>
+          </a:p>
+        </p:txBody>
+      </p:sp>
+      <p:sp>
+        <p:nvSpPr>
+          <p:cNvPr id="6" name="Rectangle: Rounded Corners 5">
+            <a:extLst>
+              <a:ext uri="{FF2B5EF4-FFF2-40B4-BE49-F238E27FC236}">
+                <a16:creationId xmlns:a16="http://schemas.microsoft.com/office/drawing/2014/main" id="{F4E763D9-BA6A-B2C9-7265-D84B53303AFF}"/>
+              </a:ext>
+            </a:extLst>
+          </p:cNvPr>
+          <p:cNvSpPr/>
+          <p:nvPr/>
+        </p:nvSpPr>
+        <p:spPr>
+          <a:xfrm>
+            <a:off x="8332237" y="2696547"/>
+            <a:ext cx="2491273" cy="1063690"/>
+          </a:xfrm>
+          <a:prstGeom prst="roundRect">
+            <a:avLst/>
+          </a:prstGeom>
+        </p:spPr>
+        <p:style>
+          <a:lnRef idx="2">
+            <a:schemeClr val="accent1">
+              <a:shade val="50000"/>
+            </a:schemeClr>
+          </a:lnRef>
+          <a:fillRef idx="1">
+            <a:schemeClr val="accent1"/>
+          </a:fillRef>
+          <a:effectRef idx="0">
+            <a:schemeClr val="accent1"/>
+          </a:effectRef>
+          <a:fontRef idx="minor">
+            <a:schemeClr val="lt1"/>
+          </a:fontRef>
+        </p:style>
+        <p:txBody>
+          <a:bodyPr rtlCol="0" anchor="ctr"/>
+          <a:lstStyle/>
+          <a:p>
+            <a:pPr algn="ctr"/>
+            <a:r>
+              <a:rPr lang="en-IN" b="1" dirty="0"/>
+              <a:t>Func1(</a:t>
+            </a:r>
+            <a:r>
+              <a:rPr lang="en-IN" b="1" dirty="0" err="1"/>
+              <a:t>x,y</a:t>
+            </a:r>
+            <a:r>
+              <a:rPr lang="en-IN" b="1" dirty="0"/>
+              <a:t>)</a:t>
+            </a:r>
+            <a:endParaRPr lang="en-US" b="1" dirty="0"/>
+          </a:p>
+        </p:txBody>
+      </p:sp>
+      <p:sp>
+        <p:nvSpPr>
+          <p:cNvPr id="7" name="TextBox 6">
+            <a:extLst>
+              <a:ext uri="{FF2B5EF4-FFF2-40B4-BE49-F238E27FC236}">
+                <a16:creationId xmlns:a16="http://schemas.microsoft.com/office/drawing/2014/main" id="{49BAC9E8-EACF-17AE-618D-F07D137B5CA0}"/>
+              </a:ext>
+            </a:extLst>
+          </p:cNvPr>
+          <p:cNvSpPr txBox="1"/>
+          <p:nvPr/>
+        </p:nvSpPr>
+        <p:spPr>
+          <a:xfrm>
+            <a:off x="1184988" y="2565918"/>
+            <a:ext cx="2621902" cy="2308324"/>
+          </a:xfrm>
+          <a:prstGeom prst="rect">
+            <a:avLst/>
+          </a:prstGeom>
+          <a:noFill/>
+        </p:spPr>
+        <p:txBody>
+          <a:bodyPr wrap="square" rtlCol="0">
+            <a:spAutoFit/>
+          </a:bodyPr>
+          <a:lstStyle/>
+          <a:p>
+            <a:r>
+              <a:rPr lang="en-IN" sz="1600" dirty="0"/>
+              <a:t>Obejct2 o2 = new Object2();</a:t>
+            </a:r>
+          </a:p>
+          <a:p>
+            <a:endParaRPr lang="en-IN" sz="1600" dirty="0"/>
+          </a:p>
+          <a:p>
+            <a:r>
+              <a:rPr lang="en-IN" sz="1600" dirty="0"/>
+              <a:t>o2.Func1(10,20) ;</a:t>
+            </a:r>
+          </a:p>
+          <a:p>
+            <a:endParaRPr lang="en-IN" sz="1600" dirty="0"/>
+          </a:p>
+          <a:p>
+            <a:r>
+              <a:rPr lang="en-IN" sz="1600" dirty="0"/>
+              <a:t>….</a:t>
+            </a:r>
+          </a:p>
+          <a:p>
+            <a:r>
+              <a:rPr lang="en-IN" sz="1600" dirty="0"/>
+              <a:t>….</a:t>
+            </a:r>
+          </a:p>
+          <a:p>
+            <a:r>
+              <a:rPr lang="en-IN" sz="1600" dirty="0"/>
+              <a:t>….</a:t>
+            </a:r>
+          </a:p>
+          <a:p>
+            <a:r>
+              <a:rPr lang="en-IN" sz="1600" dirty="0"/>
+              <a:t>…</a:t>
+            </a:r>
+          </a:p>
+          <a:p>
+            <a:r>
+              <a:rPr lang="en-IN" sz="1600" dirty="0"/>
+              <a:t>O1.FUnc1(300,400)</a:t>
+            </a:r>
+            <a:endParaRPr lang="en-US" sz="1600" dirty="0"/>
+          </a:p>
+        </p:txBody>
+      </p:sp>
+      <p:cxnSp>
+        <p:nvCxnSpPr>
+          <p:cNvPr id="9" name="Connector: Curved 8">
+            <a:extLst>
+              <a:ext uri="{FF2B5EF4-FFF2-40B4-BE49-F238E27FC236}">
+                <a16:creationId xmlns:a16="http://schemas.microsoft.com/office/drawing/2014/main" id="{6A959CF5-6FFB-EA7E-F804-FCE827E776AF}"/>
+              </a:ext>
+            </a:extLst>
+          </p:cNvPr>
+          <p:cNvCxnSpPr/>
+          <p:nvPr/>
+        </p:nvCxnSpPr>
+        <p:spPr>
+          <a:xfrm flipV="1">
+            <a:off x="2696547" y="3004457"/>
+            <a:ext cx="5635690" cy="205274"/>
+          </a:xfrm>
+          <a:prstGeom prst="curvedConnector3">
+            <a:avLst/>
+          </a:prstGeom>
+          <a:ln>
+            <a:tailEnd type="triangle"/>
+          </a:ln>
+        </p:spPr>
+        <p:style>
+          <a:lnRef idx="1">
+            <a:schemeClr val="accent1"/>
+          </a:lnRef>
+          <a:fillRef idx="0">
+            <a:schemeClr val="accent1"/>
+          </a:fillRef>
+          <a:effectRef idx="0">
+            <a:schemeClr val="accent1"/>
+          </a:effectRef>
+          <a:fontRef idx="minor">
+            <a:schemeClr val="tx1"/>
+          </a:fontRef>
+        </p:style>
+      </p:cxnSp>
+      <p:sp>
+        <p:nvSpPr>
+          <p:cNvPr id="10" name="TextBox 9">
+            <a:extLst>
+              <a:ext uri="{FF2B5EF4-FFF2-40B4-BE49-F238E27FC236}">
+                <a16:creationId xmlns:a16="http://schemas.microsoft.com/office/drawing/2014/main" id="{33152554-D7F0-B1EB-15E7-79490ABC1ECA}"/>
+              </a:ext>
+            </a:extLst>
+          </p:cNvPr>
+          <p:cNvSpPr txBox="1"/>
+          <p:nvPr/>
+        </p:nvSpPr>
+        <p:spPr>
+          <a:xfrm>
+            <a:off x="4774163" y="1974197"/>
+            <a:ext cx="2435290" cy="1754326"/>
+          </a:xfrm>
+          <a:prstGeom prst="rect">
+            <a:avLst/>
+          </a:prstGeom>
+          <a:noFill/>
+        </p:spPr>
+        <p:txBody>
+          <a:bodyPr wrap="square" rtlCol="0">
+            <a:spAutoFit/>
+          </a:bodyPr>
+          <a:lstStyle/>
+          <a:p>
+            <a:pPr marL="342900" indent="-342900">
+              <a:buAutoNum type="arabicPeriod"/>
+            </a:pPr>
+            <a:r>
+              <a:rPr lang="en-IN" dirty="0"/>
+              <a:t>Look for Func1() in o2.</a:t>
+            </a:r>
+          </a:p>
+          <a:p>
+            <a:pPr marL="342900" indent="-342900">
+              <a:buAutoNum type="arabicPeriod"/>
+            </a:pPr>
+            <a:r>
+              <a:rPr lang="en-IN" dirty="0"/>
+              <a:t>Jump to Func1()</a:t>
+            </a:r>
+          </a:p>
+          <a:p>
+            <a:pPr marL="342900" indent="-342900">
+              <a:buAutoNum type="arabicPeriod"/>
+            </a:pPr>
+            <a:r>
+              <a:rPr lang="en-IN" dirty="0"/>
+              <a:t>Ask o2 to execute it</a:t>
+            </a:r>
+          </a:p>
+          <a:p>
+            <a:pPr marL="342900" indent="-342900">
+              <a:buAutoNum type="arabicPeriod"/>
+            </a:pPr>
+            <a:r>
+              <a:rPr lang="en-IN" dirty="0"/>
+              <a:t>Get Result</a:t>
+            </a:r>
+          </a:p>
+          <a:p>
+            <a:pPr marL="342900" indent="-342900">
+              <a:buAutoNum type="arabicPeriod"/>
+            </a:pPr>
+            <a:endParaRPr lang="en-US" dirty="0"/>
+          </a:p>
+        </p:txBody>
+      </p:sp>
+      <p:cxnSp>
+        <p:nvCxnSpPr>
+          <p:cNvPr id="15" name="Connector: Curved 14">
+            <a:extLst>
+              <a:ext uri="{FF2B5EF4-FFF2-40B4-BE49-F238E27FC236}">
+                <a16:creationId xmlns:a16="http://schemas.microsoft.com/office/drawing/2014/main" id="{598FDF69-3252-C21C-D93E-428037A7D722}"/>
+              </a:ext>
+            </a:extLst>
+          </p:cNvPr>
+          <p:cNvCxnSpPr>
+            <a:stCxn id="6" idx="1"/>
+          </p:cNvCxnSpPr>
+          <p:nvPr/>
+        </p:nvCxnSpPr>
+        <p:spPr>
+          <a:xfrm rot="10800000" flipV="1">
+            <a:off x="2127381" y="3228391"/>
+            <a:ext cx="6204857" cy="168523"/>
+          </a:xfrm>
+          <a:prstGeom prst="curvedConnector3">
+            <a:avLst/>
+          </a:prstGeom>
+          <a:ln>
+            <a:tailEnd type="triangle"/>
+          </a:ln>
+        </p:spPr>
+        <p:style>
+          <a:lnRef idx="1">
+            <a:schemeClr val="accent1"/>
+          </a:lnRef>
+          <a:fillRef idx="0">
+            <a:schemeClr val="accent1"/>
+          </a:fillRef>
+          <a:effectRef idx="0">
+            <a:schemeClr val="accent1"/>
+          </a:effectRef>
+          <a:fontRef idx="minor">
+            <a:schemeClr val="tx1"/>
+          </a:fontRef>
+        </p:style>
+      </p:cxnSp>
+      <p:cxnSp>
+        <p:nvCxnSpPr>
+          <p:cNvPr id="17" name="Connector: Curved 16">
+            <a:extLst>
+              <a:ext uri="{FF2B5EF4-FFF2-40B4-BE49-F238E27FC236}">
+                <a16:creationId xmlns:a16="http://schemas.microsoft.com/office/drawing/2014/main" id="{0AF2EA81-A4B4-A129-03E5-66E9DB44D4F0}"/>
+              </a:ext>
+            </a:extLst>
+          </p:cNvPr>
+          <p:cNvCxnSpPr>
+            <a:endCxn id="6" idx="1"/>
+          </p:cNvCxnSpPr>
+          <p:nvPr/>
+        </p:nvCxnSpPr>
+        <p:spPr>
+          <a:xfrm flipV="1">
+            <a:off x="2985796" y="3228392"/>
+            <a:ext cx="5346441" cy="1492898"/>
+          </a:xfrm>
+          <a:prstGeom prst="curvedConnector3">
+            <a:avLst/>
+          </a:prstGeom>
+          <a:ln>
+            <a:tailEnd type="triangle"/>
+          </a:ln>
+        </p:spPr>
+        <p:style>
+          <a:lnRef idx="1">
+            <a:schemeClr val="accent1"/>
+          </a:lnRef>
+          <a:fillRef idx="0">
+            <a:schemeClr val="accent1"/>
+          </a:fillRef>
+          <a:effectRef idx="0">
+            <a:schemeClr val="accent1"/>
+          </a:effectRef>
+          <a:fontRef idx="minor">
+            <a:schemeClr val="tx1"/>
+          </a:fontRef>
+        </p:style>
+      </p:cxnSp>
+      <p:cxnSp>
+        <p:nvCxnSpPr>
+          <p:cNvPr id="19" name="Connector: Curved 18">
+            <a:extLst>
+              <a:ext uri="{FF2B5EF4-FFF2-40B4-BE49-F238E27FC236}">
+                <a16:creationId xmlns:a16="http://schemas.microsoft.com/office/drawing/2014/main" id="{50A5CAF7-B4AD-4F57-2266-1007EFC7061C}"/>
+              </a:ext>
+            </a:extLst>
+          </p:cNvPr>
+          <p:cNvCxnSpPr>
+            <a:stCxn id="6" idx="1"/>
+          </p:cNvCxnSpPr>
+          <p:nvPr/>
+        </p:nvCxnSpPr>
+        <p:spPr>
+          <a:xfrm rot="10800000" flipV="1">
+            <a:off x="2575249" y="3228392"/>
+            <a:ext cx="5756988" cy="1664510"/>
+          </a:xfrm>
+          <a:prstGeom prst="curvedConnector3">
+            <a:avLst/>
+          </a:prstGeom>
+          <a:ln>
+            <a:tailEnd type="triangle"/>
+          </a:ln>
+        </p:spPr>
+        <p:style>
+          <a:lnRef idx="1">
+            <a:schemeClr val="accent1"/>
+          </a:lnRef>
+          <a:fillRef idx="0">
+            <a:schemeClr val="accent1"/>
+          </a:fillRef>
+          <a:effectRef idx="0">
+            <a:schemeClr val="accent1"/>
+          </a:effectRef>
+          <a:fontRef idx="minor">
+            <a:schemeClr val="tx1"/>
+          </a:fontRef>
+        </p:style>
+      </p:cxnSp>
+    </p:spTree>
+    <p:extLst>
+      <p:ext uri="{BB962C8B-B14F-4D97-AF65-F5344CB8AC3E}">
+        <p14:creationId xmlns:p14="http://schemas.microsoft.com/office/powerpoint/2010/main" val="4144390523"/>
+      </p:ext>
+    </p:extLst>
+  </p:cSld>
+  <p:clrMapOvr>
+    <a:masterClrMapping/>
+  </p:clrMapOvr>
+</p:sld>
+</file>
+
+<file path=ppt/slides/slide11.xml><?xml version="1.0" encoding="utf-8"?>
+<p:sld xmlns:a="http://schemas.openxmlformats.org/drawingml/2006/main" xmlns:r="http://schemas.openxmlformats.org/officeDocument/2006/relationships" xmlns:p="http://schemas.openxmlformats.org/presentationml/2006/main">
+  <p:cSld>
+    <p:spTree>
+      <p:nvGrpSpPr>
+        <p:cNvPr id="1" name=""/>
+        <p:cNvGrpSpPr/>
+        <p:nvPr/>
+      </p:nvGrpSpPr>
+      <p:grpSpPr>
+        <a:xfrm>
+          <a:off x="0" y="0"/>
+          <a:ext cx="0" cy="0"/>
+          <a:chOff x="0" y="0"/>
+          <a:chExt cx="0" cy="0"/>
+        </a:xfrm>
+      </p:grpSpPr>
+      <p:sp>
+        <p:nvSpPr>
+          <p:cNvPr id="2" name="Rectangle 1">
+            <a:extLst>
+              <a:ext uri="{FF2B5EF4-FFF2-40B4-BE49-F238E27FC236}">
+                <a16:creationId xmlns:a16="http://schemas.microsoft.com/office/drawing/2014/main" id="{F1960949-61A1-CEA6-9812-58A070521A63}"/>
+              </a:ext>
+            </a:extLst>
+          </p:cNvPr>
+          <p:cNvSpPr/>
+          <p:nvPr/>
+        </p:nvSpPr>
+        <p:spPr>
+          <a:xfrm>
+            <a:off x="849086" y="1343608"/>
+            <a:ext cx="3181738" cy="4189445"/>
+          </a:xfrm>
+          <a:prstGeom prst="rect">
+            <a:avLst/>
+          </a:prstGeom>
+        </p:spPr>
+        <p:style>
+          <a:lnRef idx="2">
+            <a:schemeClr val="accent6"/>
+          </a:lnRef>
+          <a:fillRef idx="1">
+            <a:schemeClr val="lt1"/>
+          </a:fillRef>
+          <a:effectRef idx="0">
+            <a:schemeClr val="accent6"/>
+          </a:effectRef>
+          <a:fontRef idx="minor">
+            <a:schemeClr val="dk1"/>
+          </a:fontRef>
+        </p:style>
+        <p:txBody>
+          <a:bodyPr rtlCol="0" anchor="ctr"/>
+          <a:lstStyle/>
+          <a:p>
+            <a:pPr algn="ctr"/>
+            <a:endParaRPr lang="en-US"/>
+          </a:p>
+        </p:txBody>
+      </p:sp>
+      <p:sp>
+        <p:nvSpPr>
+          <p:cNvPr id="3" name="TextBox 2">
+            <a:extLst>
+              <a:ext uri="{FF2B5EF4-FFF2-40B4-BE49-F238E27FC236}">
+                <a16:creationId xmlns:a16="http://schemas.microsoft.com/office/drawing/2014/main" id="{02043DD3-DD47-E4D0-A7FF-F55474C209A5}"/>
+              </a:ext>
+            </a:extLst>
+          </p:cNvPr>
+          <p:cNvSpPr txBox="1"/>
+          <p:nvPr/>
+        </p:nvSpPr>
+        <p:spPr>
+          <a:xfrm>
+            <a:off x="914400" y="1604865"/>
+            <a:ext cx="2892490" cy="369332"/>
+          </a:xfrm>
+          <a:prstGeom prst="rect">
+            <a:avLst/>
+          </a:prstGeom>
+          <a:noFill/>
+        </p:spPr>
+        <p:txBody>
+          <a:bodyPr wrap="square" rtlCol="0">
+            <a:spAutoFit/>
+          </a:bodyPr>
+          <a:lstStyle/>
+          <a:p>
+            <a:pPr algn="ctr"/>
+            <a:r>
+              <a:rPr lang="en-IN" dirty="0"/>
+              <a:t>Object 1</a:t>
+            </a:r>
+            <a:endParaRPr lang="en-US" dirty="0"/>
+          </a:p>
+        </p:txBody>
+      </p:sp>
+      <p:sp>
+        <p:nvSpPr>
+          <p:cNvPr id="4" name="Rectangle 3">
+            <a:extLst>
+              <a:ext uri="{FF2B5EF4-FFF2-40B4-BE49-F238E27FC236}">
+                <a16:creationId xmlns:a16="http://schemas.microsoft.com/office/drawing/2014/main" id="{FC587E37-4925-27FE-D4B0-1FA461FA94A7}"/>
+              </a:ext>
+            </a:extLst>
+          </p:cNvPr>
+          <p:cNvSpPr/>
+          <p:nvPr/>
+        </p:nvSpPr>
+        <p:spPr>
+          <a:xfrm>
+            <a:off x="7952792" y="1334277"/>
+            <a:ext cx="3181738" cy="4189445"/>
+          </a:xfrm>
+          <a:prstGeom prst="rect">
+            <a:avLst/>
+          </a:prstGeom>
+        </p:spPr>
+        <p:style>
+          <a:lnRef idx="2">
+            <a:schemeClr val="accent6"/>
+          </a:lnRef>
+          <a:fillRef idx="1">
+            <a:schemeClr val="lt1"/>
+          </a:fillRef>
+          <a:effectRef idx="0">
+            <a:schemeClr val="accent6"/>
+          </a:effectRef>
+          <a:fontRef idx="minor">
+            <a:schemeClr val="dk1"/>
+          </a:fontRef>
+        </p:style>
+        <p:txBody>
+          <a:bodyPr rtlCol="0" anchor="ctr"/>
+          <a:lstStyle/>
+          <a:p>
+            <a:pPr algn="ctr"/>
+            <a:endParaRPr lang="en-US"/>
+          </a:p>
+        </p:txBody>
+      </p:sp>
+      <p:sp>
+        <p:nvSpPr>
+          <p:cNvPr id="5" name="TextBox 4">
+            <a:extLst>
+              <a:ext uri="{FF2B5EF4-FFF2-40B4-BE49-F238E27FC236}">
+                <a16:creationId xmlns:a16="http://schemas.microsoft.com/office/drawing/2014/main" id="{742A1E14-06DA-2B02-6EB1-B22CBA2EDB90}"/>
+              </a:ext>
+            </a:extLst>
+          </p:cNvPr>
+          <p:cNvSpPr txBox="1"/>
+          <p:nvPr/>
+        </p:nvSpPr>
+        <p:spPr>
+          <a:xfrm>
+            <a:off x="8018106" y="1595534"/>
+            <a:ext cx="2892490" cy="369332"/>
+          </a:xfrm>
+          <a:prstGeom prst="rect">
+            <a:avLst/>
+          </a:prstGeom>
+          <a:noFill/>
+        </p:spPr>
+        <p:txBody>
+          <a:bodyPr wrap="square" rtlCol="0">
+            <a:spAutoFit/>
+          </a:bodyPr>
+          <a:lstStyle/>
+          <a:p>
+            <a:pPr algn="ctr"/>
+            <a:r>
+              <a:rPr lang="en-IN" dirty="0"/>
+              <a:t>Object 2</a:t>
+            </a:r>
+            <a:endParaRPr lang="en-US" dirty="0"/>
+          </a:p>
+        </p:txBody>
+      </p:sp>
+      <p:sp>
+        <p:nvSpPr>
+          <p:cNvPr id="6" name="Rectangle: Rounded Corners 5">
+            <a:extLst>
+              <a:ext uri="{FF2B5EF4-FFF2-40B4-BE49-F238E27FC236}">
+                <a16:creationId xmlns:a16="http://schemas.microsoft.com/office/drawing/2014/main" id="{F4E763D9-BA6A-B2C9-7265-D84B53303AFF}"/>
+              </a:ext>
+            </a:extLst>
+          </p:cNvPr>
+          <p:cNvSpPr/>
+          <p:nvPr/>
+        </p:nvSpPr>
+        <p:spPr>
+          <a:xfrm>
+            <a:off x="8332237" y="2696547"/>
+            <a:ext cx="2491273" cy="1063690"/>
+          </a:xfrm>
+          <a:prstGeom prst="roundRect">
+            <a:avLst/>
+          </a:prstGeom>
+        </p:spPr>
+        <p:style>
+          <a:lnRef idx="2">
+            <a:schemeClr val="accent1">
+              <a:shade val="50000"/>
+            </a:schemeClr>
+          </a:lnRef>
+          <a:fillRef idx="1">
+            <a:schemeClr val="accent1"/>
+          </a:fillRef>
+          <a:effectRef idx="0">
+            <a:schemeClr val="accent1"/>
+          </a:effectRef>
+          <a:fontRef idx="minor">
+            <a:schemeClr val="lt1"/>
+          </a:fontRef>
+        </p:style>
+        <p:txBody>
+          <a:bodyPr rtlCol="0" anchor="ctr"/>
+          <a:lstStyle/>
+          <a:p>
+            <a:pPr algn="ctr"/>
+            <a:r>
+              <a:rPr lang="en-IN" b="1" dirty="0"/>
+              <a:t>Func1(</a:t>
+            </a:r>
+            <a:r>
+              <a:rPr lang="en-IN" b="1" dirty="0" err="1"/>
+              <a:t>x,y</a:t>
+            </a:r>
+            <a:r>
+              <a:rPr lang="en-IN" b="1" dirty="0"/>
+              <a:t>)</a:t>
+            </a:r>
+            <a:endParaRPr lang="en-US" b="1" dirty="0"/>
+          </a:p>
+        </p:txBody>
+      </p:sp>
+      <p:sp>
+        <p:nvSpPr>
+          <p:cNvPr id="7" name="TextBox 6">
+            <a:extLst>
+              <a:ext uri="{FF2B5EF4-FFF2-40B4-BE49-F238E27FC236}">
+                <a16:creationId xmlns:a16="http://schemas.microsoft.com/office/drawing/2014/main" id="{49BAC9E8-EACF-17AE-618D-F07D137B5CA0}"/>
+              </a:ext>
+            </a:extLst>
+          </p:cNvPr>
+          <p:cNvSpPr txBox="1"/>
+          <p:nvPr/>
+        </p:nvSpPr>
+        <p:spPr>
+          <a:xfrm>
+            <a:off x="1184988" y="2565918"/>
+            <a:ext cx="2621902" cy="830997"/>
+          </a:xfrm>
+          <a:prstGeom prst="rect">
+            <a:avLst/>
+          </a:prstGeom>
+          <a:noFill/>
+        </p:spPr>
+        <p:txBody>
+          <a:bodyPr wrap="square" rtlCol="0">
+            <a:spAutoFit/>
+          </a:bodyPr>
+          <a:lstStyle/>
+          <a:p>
+            <a:r>
+              <a:rPr lang="en-IN" sz="1600" dirty="0"/>
+              <a:t>Obejct2 o2 = new Object2();</a:t>
+            </a:r>
+          </a:p>
+          <a:p>
+            <a:endParaRPr lang="en-IN" sz="1600" dirty="0"/>
+          </a:p>
+          <a:p>
+            <a:r>
+              <a:rPr lang="en-IN" sz="1600" dirty="0"/>
+              <a:t> </a:t>
+            </a:r>
+            <a:endParaRPr lang="en-US" sz="1600" dirty="0"/>
+          </a:p>
+        </p:txBody>
+      </p:sp>
+      <p:sp>
+        <p:nvSpPr>
+          <p:cNvPr id="8" name="Rectangle: Rounded Corners 7">
+            <a:extLst>
+              <a:ext uri="{FF2B5EF4-FFF2-40B4-BE49-F238E27FC236}">
+                <a16:creationId xmlns:a16="http://schemas.microsoft.com/office/drawing/2014/main" id="{1D0D6302-250C-C656-DDC3-2434679F486A}"/>
+              </a:ext>
+            </a:extLst>
+          </p:cNvPr>
+          <p:cNvSpPr/>
+          <p:nvPr/>
+        </p:nvSpPr>
+        <p:spPr>
+          <a:xfrm>
+            <a:off x="4632649" y="2206689"/>
+            <a:ext cx="2718318" cy="2444621"/>
+          </a:xfrm>
+          <a:prstGeom prst="roundRect">
+            <a:avLst/>
+          </a:prstGeom>
+        </p:spPr>
+        <p:style>
+          <a:lnRef idx="2">
+            <a:schemeClr val="accent2">
+              <a:shade val="50000"/>
+            </a:schemeClr>
+          </a:lnRef>
+          <a:fillRef idx="1">
+            <a:schemeClr val="accent2"/>
+          </a:fillRef>
+          <a:effectRef idx="0">
+            <a:schemeClr val="accent2"/>
+          </a:effectRef>
+          <a:fontRef idx="minor">
+            <a:schemeClr val="lt1"/>
+          </a:fontRef>
+        </p:style>
+        <p:txBody>
+          <a:bodyPr rtlCol="0" anchor="ctr"/>
+          <a:lstStyle/>
+          <a:p>
+            <a:pPr algn="ctr"/>
+            <a:endParaRPr lang="en-US"/>
+          </a:p>
+        </p:txBody>
+      </p:sp>
+      <p:sp>
+        <p:nvSpPr>
+          <p:cNvPr id="11" name="Rectangle 10">
+            <a:extLst>
+              <a:ext uri="{FF2B5EF4-FFF2-40B4-BE49-F238E27FC236}">
+                <a16:creationId xmlns:a16="http://schemas.microsoft.com/office/drawing/2014/main" id="{89C800D1-841E-5362-85D6-8A78EB1D1C51}"/>
+              </a:ext>
+            </a:extLst>
+          </p:cNvPr>
+          <p:cNvSpPr/>
+          <p:nvPr/>
+        </p:nvSpPr>
+        <p:spPr>
+          <a:xfrm>
+            <a:off x="6096000" y="2696547"/>
+            <a:ext cx="1079241" cy="1436914"/>
+          </a:xfrm>
+          <a:prstGeom prst="rect">
+            <a:avLst/>
+          </a:prstGeom>
+        </p:spPr>
+        <p:style>
+          <a:lnRef idx="2">
+            <a:schemeClr val="accent1">
+              <a:shade val="50000"/>
+            </a:schemeClr>
+          </a:lnRef>
+          <a:fillRef idx="1">
+            <a:schemeClr val="accent1"/>
+          </a:fillRef>
+          <a:effectRef idx="0">
+            <a:schemeClr val="accent1"/>
+          </a:effectRef>
+          <a:fontRef idx="minor">
+            <a:schemeClr val="lt1"/>
+          </a:fontRef>
+        </p:style>
+        <p:txBody>
+          <a:bodyPr rtlCol="0" anchor="ctr"/>
+          <a:lstStyle/>
+          <a:p>
+            <a:pPr algn="ctr"/>
+            <a:r>
+              <a:rPr lang="en-IN" b="1" dirty="0"/>
+              <a:t>Address of Func1</a:t>
+            </a:r>
+            <a:endParaRPr lang="en-US" b="1" dirty="0"/>
+          </a:p>
+        </p:txBody>
+      </p:sp>
+      <p:sp>
+        <p:nvSpPr>
+          <p:cNvPr id="12" name="Arrow: Right 11">
+            <a:extLst>
+              <a:ext uri="{FF2B5EF4-FFF2-40B4-BE49-F238E27FC236}">
+                <a16:creationId xmlns:a16="http://schemas.microsoft.com/office/drawing/2014/main" id="{D1D63B08-BF19-BA41-87A8-87027999FCD2}"/>
+              </a:ext>
+            </a:extLst>
+          </p:cNvPr>
+          <p:cNvSpPr/>
+          <p:nvPr/>
+        </p:nvSpPr>
+        <p:spPr>
+          <a:xfrm>
+            <a:off x="7175241" y="2873829"/>
+            <a:ext cx="1156996" cy="298579"/>
+          </a:xfrm>
+          <a:prstGeom prst="rightArrow">
+            <a:avLst/>
+          </a:prstGeom>
+          <a:solidFill>
+            <a:srgbClr val="FF0000"/>
+          </a:solidFill>
+        </p:spPr>
+        <p:style>
+          <a:lnRef idx="2">
+            <a:schemeClr val="accent1">
+              <a:shade val="50000"/>
+            </a:schemeClr>
+          </a:lnRef>
+          <a:fillRef idx="1">
+            <a:schemeClr val="accent1"/>
+          </a:fillRef>
+          <a:effectRef idx="0">
+            <a:schemeClr val="accent1"/>
+          </a:effectRef>
+          <a:fontRef idx="minor">
+            <a:schemeClr val="lt1"/>
+          </a:fontRef>
+        </p:style>
+        <p:txBody>
+          <a:bodyPr rtlCol="0" anchor="ctr"/>
+          <a:lstStyle/>
+          <a:p>
+            <a:pPr algn="ctr"/>
+            <a:r>
+              <a:rPr lang="en-IN" sz="1600" dirty="0"/>
+              <a:t>2 Call</a:t>
+            </a:r>
+            <a:endParaRPr lang="en-US" sz="1600" dirty="0"/>
+          </a:p>
+        </p:txBody>
+      </p:sp>
+      <p:sp>
+        <p:nvSpPr>
+          <p:cNvPr id="13" name="Arrow: Left 12">
+            <a:extLst>
+              <a:ext uri="{FF2B5EF4-FFF2-40B4-BE49-F238E27FC236}">
+                <a16:creationId xmlns:a16="http://schemas.microsoft.com/office/drawing/2014/main" id="{DDDF399A-1B49-9F91-9B13-3974B1C9D528}"/>
+              </a:ext>
+            </a:extLst>
+          </p:cNvPr>
+          <p:cNvSpPr/>
+          <p:nvPr/>
+        </p:nvSpPr>
+        <p:spPr>
+          <a:xfrm>
+            <a:off x="7175241" y="3349690"/>
+            <a:ext cx="1156996" cy="298579"/>
+          </a:xfrm>
+          <a:prstGeom prst="leftArrow">
+            <a:avLst/>
+          </a:prstGeom>
+          <a:solidFill>
+            <a:srgbClr val="FF0000"/>
+          </a:solidFill>
+        </p:spPr>
+        <p:style>
+          <a:lnRef idx="2">
+            <a:schemeClr val="accent1">
+              <a:shade val="50000"/>
+            </a:schemeClr>
+          </a:lnRef>
+          <a:fillRef idx="1">
+            <a:schemeClr val="accent1"/>
+          </a:fillRef>
+          <a:effectRef idx="0">
+            <a:schemeClr val="accent1"/>
+          </a:effectRef>
+          <a:fontRef idx="minor">
+            <a:schemeClr val="lt1"/>
+          </a:fontRef>
+        </p:style>
+        <p:txBody>
+          <a:bodyPr rtlCol="0" anchor="ctr"/>
+          <a:lstStyle/>
+          <a:p>
+            <a:pPr algn="ctr"/>
+            <a:r>
+              <a:rPr lang="en-IN" sz="1600" dirty="0"/>
+              <a:t>3. Result</a:t>
+            </a:r>
+            <a:endParaRPr lang="en-US" sz="1600" dirty="0"/>
+          </a:p>
+        </p:txBody>
+      </p:sp>
+      <p:sp>
+        <p:nvSpPr>
+          <p:cNvPr id="14" name="TextBox 13">
+            <a:extLst>
+              <a:ext uri="{FF2B5EF4-FFF2-40B4-BE49-F238E27FC236}">
+                <a16:creationId xmlns:a16="http://schemas.microsoft.com/office/drawing/2014/main" id="{DB81DD37-9645-BE84-B041-4F2F5A4D3C6B}"/>
+              </a:ext>
+            </a:extLst>
+          </p:cNvPr>
+          <p:cNvSpPr txBox="1"/>
+          <p:nvPr/>
+        </p:nvSpPr>
+        <p:spPr>
+          <a:xfrm>
+            <a:off x="4971661" y="2335187"/>
+            <a:ext cx="1897225" cy="369332"/>
+          </a:xfrm>
+          <a:prstGeom prst="rect">
+            <a:avLst/>
+          </a:prstGeom>
+          <a:noFill/>
+        </p:spPr>
+        <p:txBody>
+          <a:bodyPr wrap="square" rtlCol="0">
+            <a:spAutoFit/>
+          </a:bodyPr>
+          <a:lstStyle/>
+          <a:p>
+            <a:pPr algn="ctr"/>
+            <a:r>
+              <a:rPr lang="en-IN" b="1" dirty="0"/>
+              <a:t>Delegate</a:t>
+            </a:r>
+            <a:endParaRPr lang="en-US" b="1" dirty="0"/>
+          </a:p>
+        </p:txBody>
+      </p:sp>
+      <p:sp>
+        <p:nvSpPr>
+          <p:cNvPr id="16" name="Rectangle: Rounded Corners 15">
+            <a:extLst>
+              <a:ext uri="{FF2B5EF4-FFF2-40B4-BE49-F238E27FC236}">
+                <a16:creationId xmlns:a16="http://schemas.microsoft.com/office/drawing/2014/main" id="{ACE355A3-7C84-FC3D-CDD2-896BB8E323CF}"/>
+              </a:ext>
+            </a:extLst>
+          </p:cNvPr>
+          <p:cNvSpPr/>
+          <p:nvPr/>
+        </p:nvSpPr>
+        <p:spPr>
+          <a:xfrm>
+            <a:off x="4841033" y="3027582"/>
+            <a:ext cx="1079241" cy="790769"/>
+          </a:xfrm>
+          <a:prstGeom prst="roundRect">
+            <a:avLst/>
+          </a:prstGeom>
+        </p:spPr>
+        <p:style>
+          <a:lnRef idx="1">
+            <a:schemeClr val="accent3"/>
+          </a:lnRef>
+          <a:fillRef idx="3">
+            <a:schemeClr val="accent3"/>
+          </a:fillRef>
+          <a:effectRef idx="2">
+            <a:schemeClr val="accent3"/>
+          </a:effectRef>
+          <a:fontRef idx="minor">
+            <a:schemeClr val="lt1"/>
+          </a:fontRef>
+        </p:style>
+        <p:txBody>
+          <a:bodyPr rtlCol="0" anchor="ctr"/>
+          <a:lstStyle/>
+          <a:p>
+            <a:pPr algn="ctr"/>
+            <a:r>
+              <a:rPr lang="en-IN" b="1" dirty="0"/>
+              <a:t>Handler</a:t>
+            </a:r>
+          </a:p>
+          <a:p>
+            <a:pPr algn="ctr"/>
+            <a:r>
+              <a:rPr lang="en-IN" b="1" dirty="0"/>
+              <a:t>Proxy</a:t>
+            </a:r>
+            <a:endParaRPr lang="en-US" b="1" dirty="0"/>
+          </a:p>
+        </p:txBody>
+      </p:sp>
+      <p:sp>
+        <p:nvSpPr>
+          <p:cNvPr id="18" name="Arrow: Left-Right 17">
+            <a:extLst>
+              <a:ext uri="{FF2B5EF4-FFF2-40B4-BE49-F238E27FC236}">
+                <a16:creationId xmlns:a16="http://schemas.microsoft.com/office/drawing/2014/main" id="{4A6F50E4-258D-A389-2F0C-F9D13BF90B7F}"/>
+              </a:ext>
+            </a:extLst>
+          </p:cNvPr>
+          <p:cNvSpPr/>
+          <p:nvPr/>
+        </p:nvSpPr>
+        <p:spPr>
+          <a:xfrm>
+            <a:off x="5920274" y="3256384"/>
+            <a:ext cx="284583" cy="172616"/>
+          </a:xfrm>
+          <a:prstGeom prst="leftRightArrow">
+            <a:avLst/>
+          </a:prstGeom>
+          <a:solidFill>
+            <a:srgbClr val="FF0000"/>
+          </a:solidFill>
+        </p:spPr>
+        <p:style>
+          <a:lnRef idx="2">
+            <a:schemeClr val="accent1">
+              <a:shade val="50000"/>
+            </a:schemeClr>
+          </a:lnRef>
+          <a:fillRef idx="1">
+            <a:schemeClr val="accent1"/>
+          </a:fillRef>
+          <a:effectRef idx="0">
+            <a:schemeClr val="accent1"/>
+          </a:effectRef>
+          <a:fontRef idx="minor">
+            <a:schemeClr val="lt1"/>
+          </a:fontRef>
+        </p:style>
+        <p:txBody>
+          <a:bodyPr rtlCol="0" anchor="ctr"/>
+          <a:lstStyle/>
+          <a:p>
+            <a:pPr algn="ctr"/>
+            <a:endParaRPr lang="en-US"/>
+          </a:p>
+        </p:txBody>
+      </p:sp>
+      <p:sp>
+        <p:nvSpPr>
+          <p:cNvPr id="20" name="Arrow: Right 19">
+            <a:extLst>
+              <a:ext uri="{FF2B5EF4-FFF2-40B4-BE49-F238E27FC236}">
+                <a16:creationId xmlns:a16="http://schemas.microsoft.com/office/drawing/2014/main" id="{65103416-1BBC-66F3-CD06-4D9921B35585}"/>
+              </a:ext>
+            </a:extLst>
+          </p:cNvPr>
+          <p:cNvSpPr/>
+          <p:nvPr/>
+        </p:nvSpPr>
+        <p:spPr>
+          <a:xfrm>
+            <a:off x="2975688" y="2859633"/>
+            <a:ext cx="1828800" cy="620686"/>
+          </a:xfrm>
+          <a:prstGeom prst="rightArrow">
+            <a:avLst/>
+          </a:prstGeom>
+        </p:spPr>
+        <p:style>
+          <a:lnRef idx="2">
+            <a:schemeClr val="accent1">
+              <a:shade val="50000"/>
+            </a:schemeClr>
+          </a:lnRef>
+          <a:fillRef idx="1">
+            <a:schemeClr val="accent1"/>
+          </a:fillRef>
+          <a:effectRef idx="0">
+            <a:schemeClr val="accent1"/>
+          </a:effectRef>
+          <a:fontRef idx="minor">
+            <a:schemeClr val="lt1"/>
+          </a:fontRef>
+        </p:style>
+        <p:txBody>
+          <a:bodyPr rtlCol="0" anchor="ctr"/>
+          <a:lstStyle/>
+          <a:p>
+            <a:pPr algn="ctr"/>
+            <a:r>
+              <a:rPr lang="en-IN" sz="1200" b="1" dirty="0"/>
+              <a:t>1. Subscribe to Proxy</a:t>
+            </a:r>
+            <a:endParaRPr lang="en-US" sz="1200" b="1" dirty="0"/>
+          </a:p>
+        </p:txBody>
+      </p:sp>
+      <p:sp>
+        <p:nvSpPr>
+          <p:cNvPr id="21" name="Arrow: Left 20">
+            <a:extLst>
+              <a:ext uri="{FF2B5EF4-FFF2-40B4-BE49-F238E27FC236}">
+                <a16:creationId xmlns:a16="http://schemas.microsoft.com/office/drawing/2014/main" id="{DA4F32D2-54B0-9612-4887-99C2AFE359F6}"/>
+              </a:ext>
+            </a:extLst>
+          </p:cNvPr>
+          <p:cNvSpPr/>
+          <p:nvPr/>
+        </p:nvSpPr>
+        <p:spPr>
+          <a:xfrm>
+            <a:off x="2866831" y="3342692"/>
+            <a:ext cx="1974202" cy="547972"/>
+          </a:xfrm>
+          <a:prstGeom prst="leftArrow">
+            <a:avLst/>
+          </a:prstGeom>
+        </p:spPr>
+        <p:style>
+          <a:lnRef idx="2">
+            <a:schemeClr val="accent1">
+              <a:shade val="50000"/>
+            </a:schemeClr>
+          </a:lnRef>
+          <a:fillRef idx="1">
+            <a:schemeClr val="accent1"/>
+          </a:fillRef>
+          <a:effectRef idx="0">
+            <a:schemeClr val="accent1"/>
+          </a:effectRef>
+          <a:fontRef idx="minor">
+            <a:schemeClr val="lt1"/>
+          </a:fontRef>
+        </p:style>
+        <p:txBody>
+          <a:bodyPr rtlCol="0" anchor="ctr"/>
+          <a:lstStyle/>
+          <a:p>
+            <a:pPr algn="ctr"/>
+            <a:r>
+              <a:rPr lang="en-IN" dirty="0"/>
+              <a:t>4. Result</a:t>
+            </a:r>
+            <a:endParaRPr lang="en-US" dirty="0"/>
+          </a:p>
+        </p:txBody>
+      </p:sp>
+      <p:sp>
+        <p:nvSpPr>
+          <p:cNvPr id="22" name="TextBox 21">
+            <a:extLst>
+              <a:ext uri="{FF2B5EF4-FFF2-40B4-BE49-F238E27FC236}">
+                <a16:creationId xmlns:a16="http://schemas.microsoft.com/office/drawing/2014/main" id="{B0E9C9D8-A071-38E6-25AE-5E32B9ECE113}"/>
+              </a:ext>
+            </a:extLst>
+          </p:cNvPr>
+          <p:cNvSpPr txBox="1"/>
+          <p:nvPr/>
+        </p:nvSpPr>
+        <p:spPr>
+          <a:xfrm>
+            <a:off x="4433596" y="5075853"/>
+            <a:ext cx="3002902" cy="1200329"/>
+          </a:xfrm>
+          <a:prstGeom prst="rect">
+            <a:avLst/>
+          </a:prstGeom>
+          <a:noFill/>
+        </p:spPr>
+        <p:txBody>
+          <a:bodyPr wrap="square" rtlCol="0">
+            <a:spAutoFit/>
+          </a:bodyPr>
+          <a:lstStyle/>
+          <a:p>
+            <a:r>
+              <a:rPr lang="en-IN" dirty="0"/>
+              <a:t>1. For Object1 the Delegate is a Function</a:t>
+            </a:r>
+          </a:p>
+          <a:p>
+            <a:r>
+              <a:rPr lang="en-IN" dirty="0"/>
+              <a:t>2. For Object2 the Delegate is a caller</a:t>
+            </a:r>
+            <a:endParaRPr lang="en-US" dirty="0"/>
+          </a:p>
+        </p:txBody>
+      </p:sp>
+    </p:spTree>
+    <p:extLst>
+      <p:ext uri="{BB962C8B-B14F-4D97-AF65-F5344CB8AC3E}">
+        <p14:creationId xmlns:p14="http://schemas.microsoft.com/office/powerpoint/2010/main" val="612445788"/>
+      </p:ext>
+    </p:extLst>
+  </p:cSld>
+  <p:clrMapOvr>
+    <a:masterClrMapping/>
+  </p:clrMapOvr>
+</p:sld>
+</file>
+
+<file path=ppt/slides/slide12.xml><?xml version="1.0" encoding="utf-8"?>
+<p:sld xmlns:a="http://schemas.openxmlformats.org/drawingml/2006/main" xmlns:r="http://schemas.openxmlformats.org/officeDocument/2006/relationships" xmlns:p="http://schemas.openxmlformats.org/presentationml/2006/main">
+  <p:cSld>
+    <p:spTree>
+      <p:nvGrpSpPr>
+        <p:cNvPr id="1" name=""/>
+        <p:cNvGrpSpPr/>
+        <p:nvPr/>
+      </p:nvGrpSpPr>
+      <p:grpSpPr>
+        <a:xfrm>
+          <a:off x="0" y="0"/>
+          <a:ext cx="0" cy="0"/>
+          <a:chOff x="0" y="0"/>
+          <a:chExt cx="0" cy="0"/>
+        </a:xfrm>
+      </p:grpSpPr>
+      <p:sp>
+        <p:nvSpPr>
+          <p:cNvPr id="2" name="Rectangle 1">
+            <a:extLst>
+              <a:ext uri="{FF2B5EF4-FFF2-40B4-BE49-F238E27FC236}">
+                <a16:creationId xmlns:a16="http://schemas.microsoft.com/office/drawing/2014/main" id="{79CE5CF4-DA49-FAF2-7BDE-D9A2E5A85FB0}"/>
+              </a:ext>
+            </a:extLst>
+          </p:cNvPr>
+          <p:cNvSpPr/>
+          <p:nvPr/>
+        </p:nvSpPr>
+        <p:spPr>
+          <a:xfrm>
+            <a:off x="8005666" y="615822"/>
+            <a:ext cx="3377682" cy="3424334"/>
+          </a:xfrm>
+          <a:prstGeom prst="rect">
+            <a:avLst/>
+          </a:prstGeom>
+        </p:spPr>
+        <p:style>
+          <a:lnRef idx="2">
+            <a:schemeClr val="accent6"/>
+          </a:lnRef>
+          <a:fillRef idx="1">
+            <a:schemeClr val="lt1"/>
+          </a:fillRef>
+          <a:effectRef idx="0">
+            <a:schemeClr val="accent6"/>
+          </a:effectRef>
+          <a:fontRef idx="minor">
+            <a:schemeClr val="dk1"/>
+          </a:fontRef>
+        </p:style>
+        <p:txBody>
+          <a:bodyPr rtlCol="0" anchor="ctr"/>
+          <a:lstStyle/>
+          <a:p>
+            <a:pPr algn="ctr"/>
+            <a:endParaRPr lang="en-US"/>
+          </a:p>
+        </p:txBody>
+      </p:sp>
+      <p:sp>
+        <p:nvSpPr>
+          <p:cNvPr id="3" name="Rectangle 2">
+            <a:extLst>
+              <a:ext uri="{FF2B5EF4-FFF2-40B4-BE49-F238E27FC236}">
+                <a16:creationId xmlns:a16="http://schemas.microsoft.com/office/drawing/2014/main" id="{6929F935-3195-8D81-5432-C41E04FFA082}"/>
+              </a:ext>
+            </a:extLst>
+          </p:cNvPr>
+          <p:cNvSpPr/>
+          <p:nvPr/>
+        </p:nvSpPr>
+        <p:spPr>
+          <a:xfrm>
+            <a:off x="8014997" y="1155127"/>
+            <a:ext cx="3359020" cy="45719"/>
+          </a:xfrm>
+          <a:prstGeom prst="rect">
+            <a:avLst/>
+          </a:prstGeom>
+        </p:spPr>
+        <p:style>
+          <a:lnRef idx="2">
+            <a:schemeClr val="accent1">
+              <a:shade val="50000"/>
+            </a:schemeClr>
+          </a:lnRef>
+          <a:fillRef idx="1">
+            <a:schemeClr val="accent1"/>
+          </a:fillRef>
+          <a:effectRef idx="0">
+            <a:schemeClr val="accent1"/>
+          </a:effectRef>
+          <a:fontRef idx="minor">
+            <a:schemeClr val="lt1"/>
+          </a:fontRef>
+        </p:style>
+        <p:txBody>
+          <a:bodyPr rtlCol="0" anchor="ctr"/>
+          <a:lstStyle/>
+          <a:p>
+            <a:pPr algn="ctr"/>
+            <a:endParaRPr lang="en-US"/>
+          </a:p>
+        </p:txBody>
+      </p:sp>
+      <p:sp>
+        <p:nvSpPr>
+          <p:cNvPr id="4" name="TextBox 3">
+            <a:extLst>
+              <a:ext uri="{FF2B5EF4-FFF2-40B4-BE49-F238E27FC236}">
+                <a16:creationId xmlns:a16="http://schemas.microsoft.com/office/drawing/2014/main" id="{364C1451-F4A1-3A59-ED17-F54D431AE2AB}"/>
+              </a:ext>
+            </a:extLst>
+          </p:cNvPr>
+          <p:cNvSpPr txBox="1"/>
+          <p:nvPr/>
+        </p:nvSpPr>
+        <p:spPr>
+          <a:xfrm>
+            <a:off x="8108302" y="746449"/>
+            <a:ext cx="3191069" cy="369332"/>
+          </a:xfrm>
+          <a:prstGeom prst="rect">
+            <a:avLst/>
+          </a:prstGeom>
+          <a:noFill/>
+        </p:spPr>
+        <p:txBody>
+          <a:bodyPr wrap="square" rtlCol="0">
+            <a:spAutoFit/>
+          </a:bodyPr>
+          <a:lstStyle/>
+          <a:p>
+            <a:pPr algn="ctr"/>
+            <a:r>
+              <a:rPr lang="en-IN" b="1" dirty="0"/>
+              <a:t>Banking</a:t>
+            </a:r>
+            <a:endParaRPr lang="en-US" b="1" dirty="0"/>
+          </a:p>
+        </p:txBody>
+      </p:sp>
+      <p:sp>
+        <p:nvSpPr>
+          <p:cNvPr id="5" name="TextBox 4">
+            <a:extLst>
+              <a:ext uri="{FF2B5EF4-FFF2-40B4-BE49-F238E27FC236}">
+                <a16:creationId xmlns:a16="http://schemas.microsoft.com/office/drawing/2014/main" id="{630F0107-3825-CA4A-D107-95B2D10B271C}"/>
+              </a:ext>
+            </a:extLst>
+          </p:cNvPr>
+          <p:cNvSpPr txBox="1"/>
+          <p:nvPr/>
+        </p:nvSpPr>
+        <p:spPr>
+          <a:xfrm>
+            <a:off x="8108302" y="1362269"/>
+            <a:ext cx="3116425" cy="923330"/>
+          </a:xfrm>
+          <a:prstGeom prst="rect">
+            <a:avLst/>
+          </a:prstGeom>
+          <a:noFill/>
+        </p:spPr>
+        <p:txBody>
+          <a:bodyPr wrap="square" rtlCol="0">
+            <a:spAutoFit/>
+          </a:bodyPr>
+          <a:lstStyle/>
+          <a:p>
+            <a:r>
+              <a:rPr lang="en-IN" dirty="0"/>
+              <a:t>+Deposit(Amount)</a:t>
+            </a:r>
+          </a:p>
+          <a:p>
+            <a:r>
+              <a:rPr lang="en-IN" dirty="0"/>
+              <a:t>+Withdraw(Amount)</a:t>
+            </a:r>
+          </a:p>
+          <a:p>
+            <a:r>
+              <a:rPr lang="en-IN" dirty="0"/>
+              <a:t>+</a:t>
+            </a:r>
+            <a:r>
+              <a:rPr lang="en-IN" dirty="0" err="1"/>
+              <a:t>GetBalance</a:t>
+            </a:r>
+            <a:r>
+              <a:rPr lang="en-IN" dirty="0"/>
+              <a:t>()</a:t>
+            </a:r>
+            <a:endParaRPr lang="en-US" dirty="0"/>
+          </a:p>
+        </p:txBody>
+      </p:sp>
+      <p:sp>
+        <p:nvSpPr>
+          <p:cNvPr id="6" name="Rectangle 5">
+            <a:extLst>
+              <a:ext uri="{FF2B5EF4-FFF2-40B4-BE49-F238E27FC236}">
+                <a16:creationId xmlns:a16="http://schemas.microsoft.com/office/drawing/2014/main" id="{28B5FFD6-A8D2-D96F-3EFD-46A7D2436628}"/>
+              </a:ext>
+            </a:extLst>
+          </p:cNvPr>
+          <p:cNvSpPr/>
+          <p:nvPr/>
+        </p:nvSpPr>
+        <p:spPr>
+          <a:xfrm>
+            <a:off x="223935" y="573432"/>
+            <a:ext cx="2985796" cy="3466724"/>
+          </a:xfrm>
+          <a:prstGeom prst="rect">
+            <a:avLst/>
+          </a:prstGeom>
+        </p:spPr>
+        <p:style>
+          <a:lnRef idx="2">
+            <a:schemeClr val="accent2"/>
+          </a:lnRef>
+          <a:fillRef idx="1">
+            <a:schemeClr val="lt1"/>
+          </a:fillRef>
+          <a:effectRef idx="0">
+            <a:schemeClr val="accent2"/>
+          </a:effectRef>
+          <a:fontRef idx="minor">
+            <a:schemeClr val="dk1"/>
+          </a:fontRef>
+        </p:style>
+        <p:txBody>
+          <a:bodyPr rtlCol="0" anchor="ctr"/>
+          <a:lstStyle/>
+          <a:p>
+            <a:pPr algn="ctr"/>
+            <a:endParaRPr lang="en-US"/>
+          </a:p>
+        </p:txBody>
+      </p:sp>
+      <p:sp>
+        <p:nvSpPr>
+          <p:cNvPr id="7" name="TextBox 6">
+            <a:extLst>
+              <a:ext uri="{FF2B5EF4-FFF2-40B4-BE49-F238E27FC236}">
+                <a16:creationId xmlns:a16="http://schemas.microsoft.com/office/drawing/2014/main" id="{EB0AA562-3433-4DE4-6D27-78F67646E364}"/>
+              </a:ext>
+            </a:extLst>
+          </p:cNvPr>
+          <p:cNvSpPr txBox="1"/>
+          <p:nvPr/>
+        </p:nvSpPr>
+        <p:spPr>
+          <a:xfrm>
+            <a:off x="317241" y="746449"/>
+            <a:ext cx="2780522" cy="369332"/>
+          </a:xfrm>
+          <a:prstGeom prst="rect">
+            <a:avLst/>
+          </a:prstGeom>
+          <a:noFill/>
+        </p:spPr>
+        <p:txBody>
+          <a:bodyPr wrap="square" rtlCol="0">
+            <a:spAutoFit/>
+          </a:bodyPr>
+          <a:lstStyle/>
+          <a:p>
+            <a:pPr algn="ctr"/>
+            <a:r>
+              <a:rPr lang="en-IN" b="1" dirty="0"/>
+              <a:t>Client App</a:t>
+            </a:r>
+            <a:endParaRPr lang="en-US" b="1" dirty="0"/>
+          </a:p>
+        </p:txBody>
+      </p:sp>
+      <p:sp>
+        <p:nvSpPr>
+          <p:cNvPr id="8" name="TextBox 7">
+            <a:extLst>
+              <a:ext uri="{FF2B5EF4-FFF2-40B4-BE49-F238E27FC236}">
+                <a16:creationId xmlns:a16="http://schemas.microsoft.com/office/drawing/2014/main" id="{832A662E-CE70-EAEE-391D-83EA6762DED9}"/>
+              </a:ext>
+            </a:extLst>
+          </p:cNvPr>
+          <p:cNvSpPr txBox="1"/>
+          <p:nvPr/>
+        </p:nvSpPr>
+        <p:spPr>
+          <a:xfrm>
+            <a:off x="317241" y="1200846"/>
+            <a:ext cx="2780522" cy="2585323"/>
+          </a:xfrm>
+          <a:prstGeom prst="rect">
+            <a:avLst/>
+          </a:prstGeom>
+          <a:noFill/>
+        </p:spPr>
+        <p:txBody>
+          <a:bodyPr wrap="square" rtlCol="0">
+            <a:spAutoFit/>
+          </a:bodyPr>
+          <a:lstStyle/>
+          <a:p>
+            <a:r>
+              <a:rPr lang="en-IN" dirty="0"/>
+              <a:t>Banking b = new Banking();</a:t>
+            </a:r>
+          </a:p>
+          <a:p>
+            <a:endParaRPr lang="en-IN" dirty="0"/>
+          </a:p>
+          <a:p>
+            <a:r>
+              <a:rPr lang="en-IN" dirty="0" err="1"/>
+              <a:t>b.Deposit</a:t>
+            </a:r>
+            <a:r>
+              <a:rPr lang="en-IN" dirty="0"/>
+              <a:t>(11111);</a:t>
+            </a:r>
+          </a:p>
+          <a:p>
+            <a:endParaRPr lang="en-IN" dirty="0"/>
+          </a:p>
+          <a:p>
+            <a:r>
+              <a:rPr lang="en-IN" dirty="0" err="1"/>
+              <a:t>b.GetBalance</a:t>
+            </a:r>
+            <a:r>
+              <a:rPr lang="en-IN" dirty="0"/>
+              <a:t>();</a:t>
+            </a:r>
+          </a:p>
+          <a:p>
+            <a:endParaRPr lang="en-IN" dirty="0"/>
+          </a:p>
+          <a:p>
+            <a:r>
+              <a:rPr lang="en-IN" dirty="0" err="1"/>
+              <a:t>b.Withdraw</a:t>
+            </a:r>
+            <a:r>
+              <a:rPr lang="en-IN" dirty="0"/>
+              <a:t>(333);</a:t>
+            </a:r>
+          </a:p>
+          <a:p>
+            <a:endParaRPr lang="en-IN" dirty="0"/>
+          </a:p>
+          <a:p>
+            <a:r>
+              <a:rPr lang="en-IN" dirty="0" err="1"/>
+              <a:t>b.GetBalance</a:t>
+            </a:r>
+            <a:r>
+              <a:rPr lang="en-IN" dirty="0"/>
+              <a:t>();</a:t>
+            </a:r>
+            <a:endParaRPr lang="en-US" dirty="0"/>
+          </a:p>
+        </p:txBody>
+      </p:sp>
+      <p:cxnSp>
+        <p:nvCxnSpPr>
+          <p:cNvPr id="10" name="Straight Arrow Connector 9">
+            <a:extLst>
+              <a:ext uri="{FF2B5EF4-FFF2-40B4-BE49-F238E27FC236}">
+                <a16:creationId xmlns:a16="http://schemas.microsoft.com/office/drawing/2014/main" id="{6ED188D3-3CD2-2B14-B4F4-B86314A1C58D}"/>
+              </a:ext>
+            </a:extLst>
+          </p:cNvPr>
+          <p:cNvCxnSpPr/>
+          <p:nvPr/>
+        </p:nvCxnSpPr>
+        <p:spPr>
+          <a:xfrm flipV="1">
+            <a:off x="2155371" y="1570178"/>
+            <a:ext cx="5952931" cy="379920"/>
+          </a:xfrm>
+          <a:prstGeom prst="straightConnector1">
+            <a:avLst/>
+          </a:prstGeom>
+          <a:ln>
+            <a:tailEnd type="triangle"/>
+          </a:ln>
+        </p:spPr>
+        <p:style>
+          <a:lnRef idx="1">
+            <a:schemeClr val="accent1"/>
+          </a:lnRef>
+          <a:fillRef idx="0">
+            <a:schemeClr val="accent1"/>
+          </a:fillRef>
+          <a:effectRef idx="0">
+            <a:schemeClr val="accent1"/>
+          </a:effectRef>
+          <a:fontRef idx="minor">
+            <a:schemeClr val="tx1"/>
+          </a:fontRef>
+        </p:style>
+      </p:cxnSp>
+      <p:cxnSp>
+        <p:nvCxnSpPr>
+          <p:cNvPr id="12" name="Straight Arrow Connector 11">
+            <a:extLst>
+              <a:ext uri="{FF2B5EF4-FFF2-40B4-BE49-F238E27FC236}">
+                <a16:creationId xmlns:a16="http://schemas.microsoft.com/office/drawing/2014/main" id="{542C2AFD-1E6B-EC9F-43E9-B6926D79D02C}"/>
+              </a:ext>
+            </a:extLst>
+          </p:cNvPr>
+          <p:cNvCxnSpPr/>
+          <p:nvPr/>
+        </p:nvCxnSpPr>
+        <p:spPr>
+          <a:xfrm flipV="1">
+            <a:off x="1884784" y="2070137"/>
+            <a:ext cx="6223518" cy="423371"/>
+          </a:xfrm>
+          <a:prstGeom prst="straightConnector1">
+            <a:avLst/>
+          </a:prstGeom>
+          <a:ln>
+            <a:tailEnd type="triangle"/>
+          </a:ln>
+        </p:spPr>
+        <p:style>
+          <a:lnRef idx="1">
+            <a:schemeClr val="accent1"/>
+          </a:lnRef>
+          <a:fillRef idx="0">
+            <a:schemeClr val="accent1"/>
+          </a:fillRef>
+          <a:effectRef idx="0">
+            <a:schemeClr val="accent1"/>
+          </a:effectRef>
+          <a:fontRef idx="minor">
+            <a:schemeClr val="tx1"/>
+          </a:fontRef>
+        </p:style>
+      </p:cxnSp>
+      <p:cxnSp>
+        <p:nvCxnSpPr>
+          <p:cNvPr id="14" name="Straight Arrow Connector 13">
+            <a:extLst>
+              <a:ext uri="{FF2B5EF4-FFF2-40B4-BE49-F238E27FC236}">
+                <a16:creationId xmlns:a16="http://schemas.microsoft.com/office/drawing/2014/main" id="{F293CAA5-8C41-B0DB-72E6-75081E586582}"/>
+              </a:ext>
+            </a:extLst>
+          </p:cNvPr>
+          <p:cNvCxnSpPr>
+            <a:endCxn id="5" idx="1"/>
+          </p:cNvCxnSpPr>
+          <p:nvPr/>
+        </p:nvCxnSpPr>
+        <p:spPr>
+          <a:xfrm flipV="1">
+            <a:off x="2052735" y="1823934"/>
+            <a:ext cx="6055567" cy="1169533"/>
+          </a:xfrm>
+          <a:prstGeom prst="straightConnector1">
+            <a:avLst/>
+          </a:prstGeom>
+          <a:ln>
+            <a:tailEnd type="triangle"/>
+          </a:ln>
+        </p:spPr>
+        <p:style>
+          <a:lnRef idx="1">
+            <a:schemeClr val="accent1"/>
+          </a:lnRef>
+          <a:fillRef idx="0">
+            <a:schemeClr val="accent1"/>
+          </a:fillRef>
+          <a:effectRef idx="0">
+            <a:schemeClr val="accent1"/>
+          </a:effectRef>
+          <a:fontRef idx="minor">
+            <a:schemeClr val="tx1"/>
+          </a:fontRef>
+        </p:style>
+      </p:cxnSp>
+      <p:cxnSp>
+        <p:nvCxnSpPr>
+          <p:cNvPr id="16" name="Straight Arrow Connector 15">
+            <a:extLst>
+              <a:ext uri="{FF2B5EF4-FFF2-40B4-BE49-F238E27FC236}">
+                <a16:creationId xmlns:a16="http://schemas.microsoft.com/office/drawing/2014/main" id="{BB575D9B-A777-4D58-3B05-C9A85E4F08A9}"/>
+              </a:ext>
+            </a:extLst>
+          </p:cNvPr>
+          <p:cNvCxnSpPr/>
+          <p:nvPr/>
+        </p:nvCxnSpPr>
+        <p:spPr>
+          <a:xfrm flipV="1">
+            <a:off x="1884784" y="2155202"/>
+            <a:ext cx="6223518" cy="1381100"/>
+          </a:xfrm>
+          <a:prstGeom prst="straightConnector1">
+            <a:avLst/>
+          </a:prstGeom>
+          <a:ln>
+            <a:tailEnd type="triangle"/>
+          </a:ln>
+        </p:spPr>
+        <p:style>
+          <a:lnRef idx="1">
+            <a:schemeClr val="accent1"/>
+          </a:lnRef>
+          <a:fillRef idx="0">
+            <a:schemeClr val="accent1"/>
+          </a:fillRef>
+          <a:effectRef idx="0">
+            <a:schemeClr val="accent1"/>
+          </a:effectRef>
+          <a:fontRef idx="minor">
+            <a:schemeClr val="tx1"/>
+          </a:fontRef>
+        </p:style>
+      </p:cxnSp>
+      <p:sp>
+        <p:nvSpPr>
+          <p:cNvPr id="17" name="Oval 16">
+            <a:extLst>
+              <a:ext uri="{FF2B5EF4-FFF2-40B4-BE49-F238E27FC236}">
+                <a16:creationId xmlns:a16="http://schemas.microsoft.com/office/drawing/2014/main" id="{9B788627-6548-54D5-7624-3370FD191315}"/>
+              </a:ext>
+            </a:extLst>
+          </p:cNvPr>
+          <p:cNvSpPr/>
+          <p:nvPr/>
+        </p:nvSpPr>
+        <p:spPr>
+          <a:xfrm>
+            <a:off x="4833256" y="130629"/>
+            <a:ext cx="1138336" cy="793102"/>
+          </a:xfrm>
+          <a:prstGeom prst="ellipse">
+            <a:avLst/>
+          </a:prstGeom>
+        </p:spPr>
+        <p:style>
+          <a:lnRef idx="2">
+            <a:schemeClr val="accent1">
+              <a:shade val="50000"/>
+            </a:schemeClr>
+          </a:lnRef>
+          <a:fillRef idx="1">
+            <a:schemeClr val="accent1"/>
+          </a:fillRef>
+          <a:effectRef idx="0">
+            <a:schemeClr val="accent1"/>
+          </a:effectRef>
+          <a:fontRef idx="minor">
+            <a:schemeClr val="lt1"/>
+          </a:fontRef>
+        </p:style>
+        <p:txBody>
+          <a:bodyPr rtlCol="0" anchor="ctr"/>
+          <a:lstStyle/>
+          <a:p>
+            <a:pPr algn="ctr"/>
+            <a:r>
+              <a:rPr lang="en-IN" dirty="0"/>
+              <a:t>Third Party</a:t>
+            </a:r>
+            <a:endParaRPr lang="en-US" dirty="0"/>
+          </a:p>
+        </p:txBody>
+      </p:sp>
+      <p:cxnSp>
+        <p:nvCxnSpPr>
+          <p:cNvPr id="19" name="Straight Arrow Connector 18">
+            <a:extLst>
+              <a:ext uri="{FF2B5EF4-FFF2-40B4-BE49-F238E27FC236}">
+                <a16:creationId xmlns:a16="http://schemas.microsoft.com/office/drawing/2014/main" id="{95DDF25B-B59E-F8BA-8A82-C95A82B8FDE6}"/>
+              </a:ext>
+            </a:extLst>
+          </p:cNvPr>
+          <p:cNvCxnSpPr>
+            <a:stCxn id="17" idx="6"/>
+          </p:cNvCxnSpPr>
+          <p:nvPr/>
+        </p:nvCxnSpPr>
+        <p:spPr>
+          <a:xfrm>
+            <a:off x="5971592" y="527180"/>
+            <a:ext cx="2295330" cy="909734"/>
+          </a:xfrm>
+          <a:prstGeom prst="straightConnector1">
+            <a:avLst/>
+          </a:prstGeom>
+          <a:ln>
+            <a:tailEnd type="triangle"/>
+          </a:ln>
+        </p:spPr>
+        <p:style>
+          <a:lnRef idx="1">
+            <a:schemeClr val="accent1"/>
+          </a:lnRef>
+          <a:fillRef idx="0">
+            <a:schemeClr val="accent1"/>
+          </a:fillRef>
+          <a:effectRef idx="0">
+            <a:schemeClr val="accent1"/>
+          </a:effectRef>
+          <a:fontRef idx="minor">
+            <a:schemeClr val="tx1"/>
+          </a:fontRef>
+        </p:style>
+      </p:cxnSp>
+      <p:sp>
+        <p:nvSpPr>
+          <p:cNvPr id="20" name="Oval 19">
+            <a:extLst>
+              <a:ext uri="{FF2B5EF4-FFF2-40B4-BE49-F238E27FC236}">
+                <a16:creationId xmlns:a16="http://schemas.microsoft.com/office/drawing/2014/main" id="{959A406D-BA00-A907-1897-ADD1F3F137C3}"/>
+              </a:ext>
+            </a:extLst>
+          </p:cNvPr>
+          <p:cNvSpPr/>
+          <p:nvPr/>
+        </p:nvSpPr>
+        <p:spPr>
+          <a:xfrm>
+            <a:off x="2108718" y="4909771"/>
+            <a:ext cx="1138336" cy="793102"/>
+          </a:xfrm>
+          <a:prstGeom prst="ellipse">
+            <a:avLst/>
+          </a:prstGeom>
+        </p:spPr>
+        <p:style>
+          <a:lnRef idx="2">
+            <a:schemeClr val="accent1">
+              <a:shade val="50000"/>
+            </a:schemeClr>
+          </a:lnRef>
+          <a:fillRef idx="1">
+            <a:schemeClr val="accent1"/>
+          </a:fillRef>
+          <a:effectRef idx="0">
+            <a:schemeClr val="accent1"/>
+          </a:effectRef>
+          <a:fontRef idx="minor">
+            <a:schemeClr val="lt1"/>
+          </a:fontRef>
+        </p:style>
+        <p:txBody>
+          <a:bodyPr rtlCol="0" anchor="ctr"/>
+          <a:lstStyle/>
+          <a:p>
+            <a:pPr algn="ctr"/>
+            <a:r>
+              <a:rPr lang="en-IN" dirty="0"/>
+              <a:t>Third Party</a:t>
+            </a:r>
+            <a:endParaRPr lang="en-US" dirty="0"/>
+          </a:p>
+        </p:txBody>
+      </p:sp>
+      <p:cxnSp>
+        <p:nvCxnSpPr>
+          <p:cNvPr id="22" name="Straight Arrow Connector 21">
+            <a:extLst>
+              <a:ext uri="{FF2B5EF4-FFF2-40B4-BE49-F238E27FC236}">
+                <a16:creationId xmlns:a16="http://schemas.microsoft.com/office/drawing/2014/main" id="{4B3F2105-95B0-7053-D241-1F9DB81B9A06}"/>
+              </a:ext>
+            </a:extLst>
+          </p:cNvPr>
+          <p:cNvCxnSpPr>
+            <a:stCxn id="20" idx="6"/>
+          </p:cNvCxnSpPr>
+          <p:nvPr/>
+        </p:nvCxnSpPr>
+        <p:spPr>
+          <a:xfrm flipV="1">
+            <a:off x="3247054" y="1436473"/>
+            <a:ext cx="5617028" cy="3869849"/>
+          </a:xfrm>
+          <a:prstGeom prst="straightConnector1">
+            <a:avLst/>
+          </a:prstGeom>
+          <a:ln>
+            <a:tailEnd type="triangle"/>
+          </a:ln>
+        </p:spPr>
+        <p:style>
+          <a:lnRef idx="1">
+            <a:schemeClr val="accent1"/>
+          </a:lnRef>
+          <a:fillRef idx="0">
+            <a:schemeClr val="accent1"/>
+          </a:fillRef>
+          <a:effectRef idx="0">
+            <a:schemeClr val="accent1"/>
+          </a:effectRef>
+          <a:fontRef idx="minor">
+            <a:schemeClr val="tx1"/>
+          </a:fontRef>
+        </p:style>
+      </p:cxnSp>
+      <p:sp>
+        <p:nvSpPr>
+          <p:cNvPr id="23" name="TextBox 22">
+            <a:extLst>
+              <a:ext uri="{FF2B5EF4-FFF2-40B4-BE49-F238E27FC236}">
+                <a16:creationId xmlns:a16="http://schemas.microsoft.com/office/drawing/2014/main" id="{A46C6A05-7F35-AE58-0B16-B75E346400BB}"/>
+              </a:ext>
+            </a:extLst>
+          </p:cNvPr>
+          <p:cNvSpPr txBox="1"/>
+          <p:nvPr/>
+        </p:nvSpPr>
+        <p:spPr>
+          <a:xfrm>
+            <a:off x="6186196" y="379268"/>
+            <a:ext cx="1240971" cy="923330"/>
+          </a:xfrm>
+          <a:prstGeom prst="rect">
+            <a:avLst/>
+          </a:prstGeom>
+          <a:noFill/>
+        </p:spPr>
+        <p:txBody>
+          <a:bodyPr wrap="square" rtlCol="0">
+            <a:spAutoFit/>
+          </a:bodyPr>
+          <a:lstStyle/>
+          <a:p>
+            <a:r>
+              <a:rPr lang="en-IN" dirty="0"/>
+              <a:t>Deposit in Client’s Account</a:t>
+            </a:r>
+            <a:endParaRPr lang="en-US" dirty="0"/>
+          </a:p>
+        </p:txBody>
+      </p:sp>
+      <p:sp>
+        <p:nvSpPr>
+          <p:cNvPr id="24" name="TextBox 23">
+            <a:extLst>
+              <a:ext uri="{FF2B5EF4-FFF2-40B4-BE49-F238E27FC236}">
+                <a16:creationId xmlns:a16="http://schemas.microsoft.com/office/drawing/2014/main" id="{3204F5F8-4DD9-B76B-6280-86BD17A79268}"/>
+              </a:ext>
+            </a:extLst>
+          </p:cNvPr>
+          <p:cNvSpPr txBox="1"/>
+          <p:nvPr/>
+        </p:nvSpPr>
+        <p:spPr>
+          <a:xfrm>
+            <a:off x="3321698" y="4535101"/>
+            <a:ext cx="1931436" cy="646331"/>
+          </a:xfrm>
+          <a:prstGeom prst="rect">
+            <a:avLst/>
+          </a:prstGeom>
+          <a:noFill/>
+        </p:spPr>
+        <p:txBody>
+          <a:bodyPr wrap="square" rtlCol="0">
+            <a:spAutoFit/>
+          </a:bodyPr>
+          <a:lstStyle/>
+          <a:p>
+            <a:r>
+              <a:rPr lang="en-IN" dirty="0"/>
+              <a:t>Withdrawal From Client’s Account</a:t>
+            </a:r>
+            <a:endParaRPr lang="en-US" dirty="0"/>
+          </a:p>
+        </p:txBody>
+      </p:sp>
+      <p:sp>
+        <p:nvSpPr>
+          <p:cNvPr id="25" name="Rectangle 24">
+            <a:extLst>
+              <a:ext uri="{FF2B5EF4-FFF2-40B4-BE49-F238E27FC236}">
+                <a16:creationId xmlns:a16="http://schemas.microsoft.com/office/drawing/2014/main" id="{86B8BB70-2F1C-8944-55D5-8AE10023EF5C}"/>
+              </a:ext>
+            </a:extLst>
+          </p:cNvPr>
+          <p:cNvSpPr/>
+          <p:nvPr/>
+        </p:nvSpPr>
+        <p:spPr>
+          <a:xfrm>
+            <a:off x="5131837" y="5224159"/>
+            <a:ext cx="3191069" cy="1248699"/>
+          </a:xfrm>
+          <a:prstGeom prst="rect">
+            <a:avLst/>
+          </a:prstGeom>
+        </p:spPr>
+        <p:style>
+          <a:lnRef idx="0">
+            <a:schemeClr val="accent3"/>
+          </a:lnRef>
+          <a:fillRef idx="3">
+            <a:schemeClr val="accent3"/>
+          </a:fillRef>
+          <a:effectRef idx="3">
+            <a:schemeClr val="accent3"/>
+          </a:effectRef>
+          <a:fontRef idx="minor">
+            <a:schemeClr val="lt1"/>
+          </a:fontRef>
+        </p:style>
+        <p:txBody>
+          <a:bodyPr rtlCol="0" anchor="ctr"/>
+          <a:lstStyle/>
+          <a:p>
+            <a:pPr algn="ctr"/>
+            <a:endParaRPr lang="en-US"/>
+          </a:p>
+        </p:txBody>
+      </p:sp>
+      <p:sp>
+        <p:nvSpPr>
+          <p:cNvPr id="26" name="TextBox 25">
+            <a:extLst>
+              <a:ext uri="{FF2B5EF4-FFF2-40B4-BE49-F238E27FC236}">
+                <a16:creationId xmlns:a16="http://schemas.microsoft.com/office/drawing/2014/main" id="{235527B8-3BBE-E257-A6E7-AD14DE796368}"/>
+              </a:ext>
+            </a:extLst>
+          </p:cNvPr>
+          <p:cNvSpPr txBox="1"/>
+          <p:nvPr/>
+        </p:nvSpPr>
+        <p:spPr>
+          <a:xfrm>
+            <a:off x="6022912" y="4789809"/>
+            <a:ext cx="1922106" cy="369332"/>
+          </a:xfrm>
+          <a:prstGeom prst="rect">
+            <a:avLst/>
+          </a:prstGeom>
+          <a:noFill/>
+        </p:spPr>
+        <p:txBody>
+          <a:bodyPr wrap="square" rtlCol="0">
+            <a:spAutoFit/>
+          </a:bodyPr>
+          <a:lstStyle/>
+          <a:p>
+            <a:pPr algn="ctr"/>
+            <a:r>
+              <a:rPr lang="en-IN" dirty="0"/>
+              <a:t>Notification</a:t>
+            </a:r>
+            <a:endParaRPr lang="en-US" dirty="0"/>
+          </a:p>
+        </p:txBody>
+      </p:sp>
+      <p:cxnSp>
+        <p:nvCxnSpPr>
+          <p:cNvPr id="28" name="Connector: Elbow 27">
+            <a:extLst>
+              <a:ext uri="{FF2B5EF4-FFF2-40B4-BE49-F238E27FC236}">
+                <a16:creationId xmlns:a16="http://schemas.microsoft.com/office/drawing/2014/main" id="{FB71EC4F-4EE9-9B56-B452-3DFEEC82BF74}"/>
+              </a:ext>
+            </a:extLst>
+          </p:cNvPr>
+          <p:cNvCxnSpPr>
+            <a:endCxn id="25" idx="3"/>
+          </p:cNvCxnSpPr>
+          <p:nvPr/>
+        </p:nvCxnSpPr>
+        <p:spPr>
+          <a:xfrm rot="5400000">
+            <a:off x="6698653" y="3188557"/>
+            <a:ext cx="4284205" cy="1035698"/>
+          </a:xfrm>
+          <a:prstGeom prst="bentConnector2">
+            <a:avLst/>
+          </a:prstGeom>
+          <a:ln>
+            <a:tailEnd type="triangle"/>
+          </a:ln>
+        </p:spPr>
+        <p:style>
+          <a:lnRef idx="1">
+            <a:schemeClr val="accent1"/>
+          </a:lnRef>
+          <a:fillRef idx="0">
+            <a:schemeClr val="accent1"/>
+          </a:fillRef>
+          <a:effectRef idx="0">
+            <a:schemeClr val="accent1"/>
+          </a:effectRef>
+          <a:fontRef idx="minor">
+            <a:schemeClr val="tx1"/>
+          </a:fontRef>
+        </p:style>
+      </p:cxnSp>
+      <p:cxnSp>
+        <p:nvCxnSpPr>
+          <p:cNvPr id="30" name="Connector: Elbow 29">
+            <a:extLst>
+              <a:ext uri="{FF2B5EF4-FFF2-40B4-BE49-F238E27FC236}">
+                <a16:creationId xmlns:a16="http://schemas.microsoft.com/office/drawing/2014/main" id="{87625ABF-8013-8313-C25A-20820266644F}"/>
+              </a:ext>
+            </a:extLst>
+          </p:cNvPr>
+          <p:cNvCxnSpPr>
+            <a:endCxn id="25" idx="3"/>
+          </p:cNvCxnSpPr>
+          <p:nvPr/>
+        </p:nvCxnSpPr>
+        <p:spPr>
+          <a:xfrm rot="5400000">
+            <a:off x="6780682" y="3475860"/>
+            <a:ext cx="3914874" cy="830425"/>
+          </a:xfrm>
+          <a:prstGeom prst="bentConnector2">
+            <a:avLst/>
+          </a:prstGeom>
+          <a:ln>
+            <a:tailEnd type="triangle"/>
+          </a:ln>
+        </p:spPr>
+        <p:style>
+          <a:lnRef idx="1">
+            <a:schemeClr val="accent1"/>
+          </a:lnRef>
+          <a:fillRef idx="0">
+            <a:schemeClr val="accent1"/>
+          </a:fillRef>
+          <a:effectRef idx="0">
+            <a:schemeClr val="accent1"/>
+          </a:effectRef>
+          <a:fontRef idx="minor">
+            <a:schemeClr val="tx1"/>
+          </a:fontRef>
+        </p:style>
+      </p:cxnSp>
+      <p:sp>
+        <p:nvSpPr>
+          <p:cNvPr id="31" name="TextBox 30">
+            <a:extLst>
+              <a:ext uri="{FF2B5EF4-FFF2-40B4-BE49-F238E27FC236}">
+                <a16:creationId xmlns:a16="http://schemas.microsoft.com/office/drawing/2014/main" id="{D9330432-395A-3F63-8853-4D28AAF842A0}"/>
+              </a:ext>
+            </a:extLst>
+          </p:cNvPr>
+          <p:cNvSpPr txBox="1"/>
+          <p:nvPr/>
+        </p:nvSpPr>
+        <p:spPr>
+          <a:xfrm>
+            <a:off x="5281127" y="5443204"/>
+            <a:ext cx="2836506" cy="923330"/>
+          </a:xfrm>
+          <a:prstGeom prst="rect">
+            <a:avLst/>
+          </a:prstGeom>
+          <a:noFill/>
+        </p:spPr>
+        <p:txBody>
+          <a:bodyPr wrap="square" rtlCol="0">
+            <a:spAutoFit/>
+          </a:bodyPr>
+          <a:lstStyle/>
+          <a:p>
+            <a:pPr algn="ctr"/>
+            <a:r>
+              <a:rPr lang="en-IN" dirty="0"/>
+              <a:t>This system MUST listen to the Transaction from Banking</a:t>
+            </a:r>
+            <a:endParaRPr lang="en-US" dirty="0"/>
+          </a:p>
+        </p:txBody>
+      </p:sp>
+      <p:cxnSp>
+        <p:nvCxnSpPr>
+          <p:cNvPr id="33" name="Connector: Elbow 32">
+            <a:extLst>
+              <a:ext uri="{FF2B5EF4-FFF2-40B4-BE49-F238E27FC236}">
+                <a16:creationId xmlns:a16="http://schemas.microsoft.com/office/drawing/2014/main" id="{77EDC21C-E070-8A90-6844-A02CE4F26CBE}"/>
+              </a:ext>
+            </a:extLst>
+          </p:cNvPr>
+          <p:cNvCxnSpPr>
+            <a:stCxn id="31" idx="1"/>
+            <a:endCxn id="6" idx="2"/>
+          </p:cNvCxnSpPr>
+          <p:nvPr/>
+        </p:nvCxnSpPr>
+        <p:spPr>
+          <a:xfrm rot="10800000">
+            <a:off x="1716833" y="4040157"/>
+            <a:ext cx="3564294" cy="1864713"/>
+          </a:xfrm>
+          <a:prstGeom prst="bentConnector2">
+            <a:avLst/>
+          </a:prstGeom>
+          <a:ln>
+            <a:tailEnd type="triangle"/>
+          </a:ln>
+        </p:spPr>
+        <p:style>
+          <a:lnRef idx="1">
+            <a:schemeClr val="accent1"/>
+          </a:lnRef>
+          <a:fillRef idx="0">
+            <a:schemeClr val="accent1"/>
+          </a:fillRef>
+          <a:effectRef idx="0">
+            <a:schemeClr val="accent1"/>
+          </a:effectRef>
+          <a:fontRef idx="minor">
+            <a:schemeClr val="tx1"/>
+          </a:fontRef>
+        </p:style>
+      </p:cxnSp>
+      <p:sp>
+        <p:nvSpPr>
+          <p:cNvPr id="34" name="TextBox 33">
+            <a:extLst>
+              <a:ext uri="{FF2B5EF4-FFF2-40B4-BE49-F238E27FC236}">
+                <a16:creationId xmlns:a16="http://schemas.microsoft.com/office/drawing/2014/main" id="{D908699A-79B4-8DA7-14E0-568AD680E804}"/>
+              </a:ext>
+            </a:extLst>
+          </p:cNvPr>
+          <p:cNvSpPr txBox="1"/>
+          <p:nvPr/>
+        </p:nvSpPr>
+        <p:spPr>
+          <a:xfrm>
+            <a:off x="2304661" y="6120882"/>
+            <a:ext cx="2687215" cy="369332"/>
+          </a:xfrm>
+          <a:prstGeom prst="rect">
+            <a:avLst/>
+          </a:prstGeom>
+          <a:noFill/>
+        </p:spPr>
+        <p:txBody>
+          <a:bodyPr wrap="square" rtlCol="0">
+            <a:spAutoFit/>
+          </a:bodyPr>
+          <a:lstStyle/>
+          <a:p>
+            <a:r>
+              <a:rPr lang="en-IN" dirty="0"/>
+              <a:t>Notify to client</a:t>
+            </a:r>
+            <a:endParaRPr lang="en-US" dirty="0"/>
+          </a:p>
+        </p:txBody>
+      </p:sp>
+      <p:sp>
+        <p:nvSpPr>
+          <p:cNvPr id="35" name="Oval 34">
+            <a:extLst>
+              <a:ext uri="{FF2B5EF4-FFF2-40B4-BE49-F238E27FC236}">
+                <a16:creationId xmlns:a16="http://schemas.microsoft.com/office/drawing/2014/main" id="{A118D5D5-55A2-884E-7BF5-2FF2BC249A28}"/>
+              </a:ext>
+            </a:extLst>
+          </p:cNvPr>
+          <p:cNvSpPr/>
+          <p:nvPr/>
+        </p:nvSpPr>
+        <p:spPr>
+          <a:xfrm>
+            <a:off x="9293292" y="3592370"/>
+            <a:ext cx="1474237" cy="1056995"/>
+          </a:xfrm>
+          <a:prstGeom prst="ellipse">
+            <a:avLst/>
+          </a:prstGeom>
+        </p:spPr>
+        <p:style>
+          <a:lnRef idx="3">
+            <a:schemeClr val="lt1"/>
+          </a:lnRef>
+          <a:fillRef idx="1">
+            <a:schemeClr val="accent2"/>
+          </a:fillRef>
+          <a:effectRef idx="1">
+            <a:schemeClr val="accent2"/>
+          </a:effectRef>
+          <a:fontRef idx="minor">
+            <a:schemeClr val="lt1"/>
+          </a:fontRef>
+        </p:style>
+        <p:txBody>
+          <a:bodyPr rtlCol="0" anchor="ctr"/>
+          <a:lstStyle/>
+          <a:p>
+            <a:pPr algn="ctr"/>
+            <a:r>
+              <a:rPr lang="en-IN" sz="1200" b="1" dirty="0"/>
+              <a:t>Bank Generate Notification Data</a:t>
+            </a:r>
+            <a:endParaRPr lang="en-US" sz="1200" b="1" dirty="0"/>
+          </a:p>
+        </p:txBody>
+      </p:sp>
+      <p:sp>
+        <p:nvSpPr>
+          <p:cNvPr id="36" name="Oval 35">
+            <a:extLst>
+              <a:ext uri="{FF2B5EF4-FFF2-40B4-BE49-F238E27FC236}">
+                <a16:creationId xmlns:a16="http://schemas.microsoft.com/office/drawing/2014/main" id="{5FDE896E-C9AE-A66C-5CC0-C944C3DE8BAE}"/>
+              </a:ext>
+            </a:extLst>
+          </p:cNvPr>
+          <p:cNvSpPr/>
+          <p:nvPr/>
+        </p:nvSpPr>
+        <p:spPr>
+          <a:xfrm>
+            <a:off x="905070" y="5481270"/>
+            <a:ext cx="1474237" cy="1056995"/>
+          </a:xfrm>
+          <a:prstGeom prst="ellipse">
+            <a:avLst/>
+          </a:prstGeom>
+        </p:spPr>
+        <p:style>
+          <a:lnRef idx="3">
+            <a:schemeClr val="lt1"/>
+          </a:lnRef>
+          <a:fillRef idx="1">
+            <a:schemeClr val="accent2"/>
+          </a:fillRef>
+          <a:effectRef idx="1">
+            <a:schemeClr val="accent2"/>
+          </a:effectRef>
+          <a:fontRef idx="minor">
+            <a:schemeClr val="lt1"/>
+          </a:fontRef>
+        </p:style>
+        <p:txBody>
+          <a:bodyPr rtlCol="0" anchor="ctr"/>
+          <a:lstStyle/>
+          <a:p>
+            <a:pPr algn="ctr"/>
+            <a:r>
+              <a:rPr lang="en-IN" sz="1200" b="1" dirty="0"/>
+              <a:t>Notification to Client</a:t>
+            </a:r>
+            <a:endParaRPr lang="en-US" sz="1200" b="1" dirty="0"/>
+          </a:p>
+        </p:txBody>
+      </p:sp>
+      <p:sp>
+        <p:nvSpPr>
+          <p:cNvPr id="39" name="TextBox 38">
+            <a:extLst>
+              <a:ext uri="{FF2B5EF4-FFF2-40B4-BE49-F238E27FC236}">
+                <a16:creationId xmlns:a16="http://schemas.microsoft.com/office/drawing/2014/main" id="{9B39A741-E276-7856-E5D7-5933198F341C}"/>
+              </a:ext>
+            </a:extLst>
+          </p:cNvPr>
+          <p:cNvSpPr txBox="1"/>
+          <p:nvPr/>
+        </p:nvSpPr>
+        <p:spPr>
+          <a:xfrm>
+            <a:off x="10083282" y="5287822"/>
+            <a:ext cx="1822579" cy="369332"/>
+          </a:xfrm>
+          <a:prstGeom prst="rect">
+            <a:avLst/>
+          </a:prstGeom>
+          <a:noFill/>
+        </p:spPr>
+        <p:txBody>
+          <a:bodyPr wrap="square" rtlCol="0">
+            <a:spAutoFit/>
+          </a:bodyPr>
+          <a:lstStyle/>
+          <a:p>
+            <a:r>
+              <a:rPr lang="en-IN" b="1" dirty="0"/>
+              <a:t>USING EVENTS</a:t>
+            </a:r>
+            <a:endParaRPr lang="en-US" b="1" dirty="0"/>
+          </a:p>
+        </p:txBody>
+      </p:sp>
+    </p:spTree>
+    <p:extLst>
+      <p:ext uri="{BB962C8B-B14F-4D97-AF65-F5344CB8AC3E}">
+        <p14:creationId xmlns:p14="http://schemas.microsoft.com/office/powerpoint/2010/main" val="1277588016"/>
+      </p:ext>
+    </p:extLst>
+  </p:cSld>
+  <p:clrMapOvr>
+    <a:masterClrMapping/>
+  </p:clrMapOvr>
+</p:sld>
+</file>
+
 <file path=ppt/slides/slide2.xml><?xml version="1.0" encoding="utf-8"?>
 <p:sld xmlns:a="http://schemas.openxmlformats.org/drawingml/2006/main" xmlns:r="http://schemas.openxmlformats.org/officeDocument/2006/relationships" xmlns:p="http://schemas.openxmlformats.org/presentationml/2006/main">
   <p:cSld>
@@ -11397,6 +13945,98 @@
       </p:grpSpPr>
       <p:sp>
         <p:nvSpPr>
+          <p:cNvPr id="8" name="Rectangle: Rounded Corners 7">
+            <a:extLst>
+              <a:ext uri="{FF2B5EF4-FFF2-40B4-BE49-F238E27FC236}">
+                <a16:creationId xmlns:a16="http://schemas.microsoft.com/office/drawing/2014/main" id="{90C91F46-408D-CC2C-0E60-5BB0D1D55777}"/>
+              </a:ext>
+            </a:extLst>
+          </p:cNvPr>
+          <p:cNvSpPr/>
+          <p:nvPr/>
+        </p:nvSpPr>
+        <p:spPr>
+          <a:xfrm>
+            <a:off x="7526694" y="737118"/>
+            <a:ext cx="4152122" cy="2995127"/>
+          </a:xfrm>
+          <a:prstGeom prst="roundRect">
+            <a:avLst/>
+          </a:prstGeom>
+        </p:spPr>
+        <p:style>
+          <a:lnRef idx="2">
+            <a:schemeClr val="accent1">
+              <a:shade val="50000"/>
+            </a:schemeClr>
+          </a:lnRef>
+          <a:fillRef idx="1">
+            <a:schemeClr val="accent1"/>
+          </a:fillRef>
+          <a:effectRef idx="0">
+            <a:schemeClr val="accent1"/>
+          </a:effectRef>
+          <a:fontRef idx="minor">
+            <a:schemeClr val="lt1"/>
+          </a:fontRef>
+        </p:style>
+        <p:txBody>
+          <a:bodyPr rtlCol="0" anchor="ctr"/>
+          <a:lstStyle/>
+          <a:p>
+            <a:pPr algn="ctr"/>
+            <a:endParaRPr lang="en-US"/>
+          </a:p>
+        </p:txBody>
+      </p:sp>
+      <p:sp>
+        <p:nvSpPr>
+          <p:cNvPr id="6" name="Rectangle: Rounded Corners 5">
+            <a:extLst>
+              <a:ext uri="{FF2B5EF4-FFF2-40B4-BE49-F238E27FC236}">
+                <a16:creationId xmlns:a16="http://schemas.microsoft.com/office/drawing/2014/main" id="{C9255ED3-95EF-E6AF-49FA-F6A7BCEFA894}"/>
+              </a:ext>
+            </a:extLst>
+          </p:cNvPr>
+          <p:cNvSpPr/>
+          <p:nvPr/>
+        </p:nvSpPr>
+        <p:spPr>
+          <a:xfrm>
+            <a:off x="167951" y="737118"/>
+            <a:ext cx="4152122" cy="2995127"/>
+          </a:xfrm>
+          <a:prstGeom prst="roundRect">
+            <a:avLst/>
+          </a:prstGeom>
+        </p:spPr>
+        <p:style>
+          <a:lnRef idx="2">
+            <a:schemeClr val="accent1">
+              <a:shade val="50000"/>
+            </a:schemeClr>
+          </a:lnRef>
+          <a:fillRef idx="1">
+            <a:schemeClr val="accent1"/>
+          </a:fillRef>
+          <a:effectRef idx="0">
+            <a:schemeClr val="accent1"/>
+          </a:effectRef>
+          <a:fontRef idx="minor">
+            <a:schemeClr val="lt1"/>
+          </a:fontRef>
+        </p:style>
+        <p:txBody>
+          <a:bodyPr rtlCol="0" anchor="ctr"/>
+          <a:lstStyle/>
+          <a:p>
+            <a:pPr algn="ctr"/>
+            <a:endParaRPr lang="en-US"/>
+          </a:p>
+        </p:txBody>
+      </p:sp>
+      <p:sp>
+        <p:nvSpPr>
           <p:cNvPr id="2" name="Rectangle: Rounded Corners 1">
             <a:extLst>
               <a:ext uri="{FF2B5EF4-FFF2-40B4-BE49-F238E27FC236}">
@@ -11485,7 +14125,7 @@
             <a:pPr algn="ctr"/>
             <a:r>
               <a:rPr lang="en-IN" b="1" dirty="0"/>
-              <a:t>GST Calculation for Consulting Doctors</a:t>
+              <a:t>GST Calculation for Consulting Doctors,  </a:t>
             </a:r>
             <a:endParaRPr lang="en-US" b="1" dirty="0"/>
           </a:p>
@@ -11505,7 +14145,7 @@
         </p:nvSpPr>
         <p:spPr>
           <a:xfrm>
-            <a:off x="7075715" y="1688841"/>
+            <a:off x="7951237" y="1536442"/>
             <a:ext cx="3303036" cy="541175"/>
           </a:xfrm>
           <a:prstGeom prst="roundRect">
@@ -11553,7 +14193,7 @@
         </p:nvSpPr>
         <p:spPr>
           <a:xfrm>
-            <a:off x="7075715" y="2811624"/>
+            <a:off x="7951237" y="2659225"/>
             <a:ext cx="3303036" cy="541175"/>
           </a:xfrm>
           <a:prstGeom prst="roundRect">
@@ -11581,13 +14221,672 @@
             <a:pPr algn="ctr"/>
             <a:r>
               <a:rPr lang="en-IN" b="1" dirty="0"/>
-              <a:t>GST Calculation for </a:t>
-            </a:r>
-            <a:r>
-              <a:rPr lang="en-IN" b="1"/>
-              <a:t>Patient Bill</a:t>
+              <a:t>GST Calculation for Patient Bill</a:t>
             </a:r>
             <a:endParaRPr lang="en-US" b="1" dirty="0"/>
+          </a:p>
+        </p:txBody>
+      </p:sp>
+      <p:sp>
+        <p:nvSpPr>
+          <p:cNvPr id="7" name="TextBox 6">
+            <a:extLst>
+              <a:ext uri="{FF2B5EF4-FFF2-40B4-BE49-F238E27FC236}">
+                <a16:creationId xmlns:a16="http://schemas.microsoft.com/office/drawing/2014/main" id="{8E0FF7A1-CAC1-DEA5-0317-B6F63A0721BD}"/>
+              </a:ext>
+            </a:extLst>
+          </p:cNvPr>
+          <p:cNvSpPr txBox="1"/>
+          <p:nvPr/>
+        </p:nvSpPr>
+        <p:spPr>
+          <a:xfrm>
+            <a:off x="513184" y="895739"/>
+            <a:ext cx="3303036" cy="369332"/>
+          </a:xfrm>
+          <a:prstGeom prst="rect">
+            <a:avLst/>
+          </a:prstGeom>
+        </p:spPr>
+        <p:style>
+          <a:lnRef idx="2">
+            <a:schemeClr val="accent1"/>
+          </a:lnRef>
+          <a:fillRef idx="1">
+            <a:schemeClr val="lt1"/>
+          </a:fillRef>
+          <a:effectRef idx="0">
+            <a:schemeClr val="accent1"/>
+          </a:effectRef>
+          <a:fontRef idx="minor">
+            <a:schemeClr val="dk1"/>
+          </a:fontRef>
+        </p:style>
+        <p:txBody>
+          <a:bodyPr wrap="square" rtlCol="0">
+            <a:spAutoFit/>
+          </a:bodyPr>
+          <a:lstStyle/>
+          <a:p>
+            <a:pPr algn="ctr"/>
+            <a:r>
+              <a:rPr lang="en-IN" dirty="0"/>
+              <a:t>Staff Management Workflow</a:t>
+            </a:r>
+            <a:endParaRPr lang="en-US" dirty="0"/>
+          </a:p>
+        </p:txBody>
+      </p:sp>
+      <p:sp>
+        <p:nvSpPr>
+          <p:cNvPr id="9" name="TextBox 8">
+            <a:extLst>
+              <a:ext uri="{FF2B5EF4-FFF2-40B4-BE49-F238E27FC236}">
+                <a16:creationId xmlns:a16="http://schemas.microsoft.com/office/drawing/2014/main" id="{90C03A40-F4D0-30B0-8608-A3AB0FC07D66}"/>
+              </a:ext>
+            </a:extLst>
+          </p:cNvPr>
+          <p:cNvSpPr txBox="1"/>
+          <p:nvPr/>
+        </p:nvSpPr>
+        <p:spPr>
+          <a:xfrm>
+            <a:off x="7951237" y="928006"/>
+            <a:ext cx="3303036" cy="369332"/>
+          </a:xfrm>
+          <a:prstGeom prst="rect">
+            <a:avLst/>
+          </a:prstGeom>
+        </p:spPr>
+        <p:style>
+          <a:lnRef idx="2">
+            <a:schemeClr val="accent1"/>
+          </a:lnRef>
+          <a:fillRef idx="1">
+            <a:schemeClr val="lt1"/>
+          </a:fillRef>
+          <a:effectRef idx="0">
+            <a:schemeClr val="accent1"/>
+          </a:effectRef>
+          <a:fontRef idx="minor">
+            <a:schemeClr val="dk1"/>
+          </a:fontRef>
+        </p:style>
+        <p:txBody>
+          <a:bodyPr wrap="square" rtlCol="0">
+            <a:spAutoFit/>
+          </a:bodyPr>
+          <a:lstStyle/>
+          <a:p>
+            <a:pPr algn="ctr"/>
+            <a:r>
+              <a:rPr lang="en-IN" dirty="0"/>
+              <a:t>Account Bill Workflow</a:t>
+            </a:r>
+            <a:endParaRPr lang="en-US" dirty="0"/>
+          </a:p>
+        </p:txBody>
+      </p:sp>
+      <p:sp>
+        <p:nvSpPr>
+          <p:cNvPr id="10" name="TextBox 9">
+            <a:extLst>
+              <a:ext uri="{FF2B5EF4-FFF2-40B4-BE49-F238E27FC236}">
+                <a16:creationId xmlns:a16="http://schemas.microsoft.com/office/drawing/2014/main" id="{90A93DBB-20E7-F090-D14A-0C0844C962BF}"/>
+              </a:ext>
+            </a:extLst>
+          </p:cNvPr>
+          <p:cNvSpPr txBox="1"/>
+          <p:nvPr/>
+        </p:nvSpPr>
+        <p:spPr>
+          <a:xfrm>
+            <a:off x="513184" y="4049486"/>
+            <a:ext cx="3415004" cy="369332"/>
+          </a:xfrm>
+          <a:prstGeom prst="rect">
+            <a:avLst/>
+          </a:prstGeom>
+          <a:noFill/>
+        </p:spPr>
+        <p:txBody>
+          <a:bodyPr wrap="square" rtlCol="0">
+            <a:spAutoFit/>
+          </a:bodyPr>
+          <a:lstStyle/>
+          <a:p>
+            <a:pPr algn="ctr"/>
+            <a:r>
+              <a:rPr lang="en-IN" b="1" dirty="0"/>
+              <a:t>Staff System</a:t>
+            </a:r>
+            <a:endParaRPr lang="en-US" b="1" dirty="0"/>
+          </a:p>
+        </p:txBody>
+      </p:sp>
+      <p:sp>
+        <p:nvSpPr>
+          <p:cNvPr id="11" name="TextBox 10">
+            <a:extLst>
+              <a:ext uri="{FF2B5EF4-FFF2-40B4-BE49-F238E27FC236}">
+                <a16:creationId xmlns:a16="http://schemas.microsoft.com/office/drawing/2014/main" id="{C42F2894-C31B-405E-9EE2-5C50E1FBECF4}"/>
+              </a:ext>
+            </a:extLst>
+          </p:cNvPr>
+          <p:cNvSpPr txBox="1"/>
+          <p:nvPr/>
+        </p:nvSpPr>
+        <p:spPr>
+          <a:xfrm>
+            <a:off x="7839269" y="3866375"/>
+            <a:ext cx="3415004" cy="369332"/>
+          </a:xfrm>
+          <a:prstGeom prst="rect">
+            <a:avLst/>
+          </a:prstGeom>
+          <a:noFill/>
+        </p:spPr>
+        <p:txBody>
+          <a:bodyPr wrap="square" rtlCol="0">
+            <a:spAutoFit/>
+          </a:bodyPr>
+          <a:lstStyle/>
+          <a:p>
+            <a:pPr algn="ctr"/>
+            <a:r>
+              <a:rPr lang="en-IN" b="1" dirty="0"/>
+              <a:t>Accounting System</a:t>
+            </a:r>
+            <a:endParaRPr lang="en-US" b="1" dirty="0"/>
+          </a:p>
+        </p:txBody>
+      </p:sp>
+      <p:sp>
+        <p:nvSpPr>
+          <p:cNvPr id="12" name="Rectangle: Rounded Corners 11">
+            <a:extLst>
+              <a:ext uri="{FF2B5EF4-FFF2-40B4-BE49-F238E27FC236}">
+                <a16:creationId xmlns:a16="http://schemas.microsoft.com/office/drawing/2014/main" id="{73C1EAE8-8217-E71B-4E84-3C669BD2EF18}"/>
+              </a:ext>
+            </a:extLst>
+          </p:cNvPr>
+          <p:cNvSpPr/>
+          <p:nvPr/>
+        </p:nvSpPr>
+        <p:spPr>
+          <a:xfrm>
+            <a:off x="3928188" y="3657601"/>
+            <a:ext cx="4152122" cy="2995127"/>
+          </a:xfrm>
+          <a:prstGeom prst="roundRect">
+            <a:avLst/>
+          </a:prstGeom>
+        </p:spPr>
+        <p:style>
+          <a:lnRef idx="2">
+            <a:schemeClr val="accent1">
+              <a:shade val="50000"/>
+            </a:schemeClr>
+          </a:lnRef>
+          <a:fillRef idx="1">
+            <a:schemeClr val="accent1"/>
+          </a:fillRef>
+          <a:effectRef idx="0">
+            <a:schemeClr val="accent1"/>
+          </a:effectRef>
+          <a:fontRef idx="minor">
+            <a:schemeClr val="lt1"/>
+          </a:fontRef>
+        </p:style>
+        <p:txBody>
+          <a:bodyPr rtlCol="0" anchor="ctr"/>
+          <a:lstStyle/>
+          <a:p>
+            <a:pPr algn="ctr"/>
+            <a:endParaRPr lang="en-US"/>
+          </a:p>
+        </p:txBody>
+      </p:sp>
+      <p:sp>
+        <p:nvSpPr>
+          <p:cNvPr id="13" name="Rectangle: Rounded Corners 12">
+            <a:extLst>
+              <a:ext uri="{FF2B5EF4-FFF2-40B4-BE49-F238E27FC236}">
+                <a16:creationId xmlns:a16="http://schemas.microsoft.com/office/drawing/2014/main" id="{F0B1B2D9-F7A8-A0E9-4A7B-D11D7A2A8612}"/>
+              </a:ext>
+            </a:extLst>
+          </p:cNvPr>
+          <p:cNvSpPr/>
+          <p:nvPr/>
+        </p:nvSpPr>
+        <p:spPr>
+          <a:xfrm>
+            <a:off x="4273420" y="4551785"/>
+            <a:ext cx="3303036" cy="541175"/>
+          </a:xfrm>
+          <a:prstGeom prst="roundRect">
+            <a:avLst/>
+          </a:prstGeom>
+        </p:spPr>
+        <p:style>
+          <a:lnRef idx="2">
+            <a:schemeClr val="accent3"/>
+          </a:lnRef>
+          <a:fillRef idx="1">
+            <a:schemeClr val="lt1"/>
+          </a:fillRef>
+          <a:effectRef idx="0">
+            <a:schemeClr val="accent3"/>
+          </a:effectRef>
+          <a:fontRef idx="minor">
+            <a:schemeClr val="dk1"/>
+          </a:fontRef>
+        </p:style>
+        <p:txBody>
+          <a:bodyPr rtlCol="0" anchor="ctr"/>
+          <a:lstStyle/>
+          <a:p>
+            <a:pPr algn="ctr"/>
+            <a:r>
+              <a:rPr lang="en-IN" b="1" dirty="0"/>
+              <a:t>Tax Calculation for Vendor Services</a:t>
+            </a:r>
+            <a:endParaRPr lang="en-US" b="1" dirty="0"/>
+          </a:p>
+        </p:txBody>
+      </p:sp>
+      <p:sp>
+        <p:nvSpPr>
+          <p:cNvPr id="14" name="Rectangle: Rounded Corners 13">
+            <a:extLst>
+              <a:ext uri="{FF2B5EF4-FFF2-40B4-BE49-F238E27FC236}">
+                <a16:creationId xmlns:a16="http://schemas.microsoft.com/office/drawing/2014/main" id="{CC71BEFD-18DE-022C-4B5E-971F79C80A04}"/>
+              </a:ext>
+            </a:extLst>
+          </p:cNvPr>
+          <p:cNvSpPr/>
+          <p:nvPr/>
+        </p:nvSpPr>
+        <p:spPr>
+          <a:xfrm>
+            <a:off x="4273420" y="5674568"/>
+            <a:ext cx="3303036" cy="541175"/>
+          </a:xfrm>
+          <a:prstGeom prst="roundRect">
+            <a:avLst/>
+          </a:prstGeom>
+        </p:spPr>
+        <p:style>
+          <a:lnRef idx="2">
+            <a:schemeClr val="accent3"/>
+          </a:lnRef>
+          <a:fillRef idx="1">
+            <a:schemeClr val="lt1"/>
+          </a:fillRef>
+          <a:effectRef idx="0">
+            <a:schemeClr val="accent3"/>
+          </a:effectRef>
+          <a:fontRef idx="minor">
+            <a:schemeClr val="dk1"/>
+          </a:fontRef>
+        </p:style>
+        <p:txBody>
+          <a:bodyPr rtlCol="0" anchor="ctr"/>
+          <a:lstStyle/>
+          <a:p>
+            <a:pPr algn="ctr"/>
+            <a:r>
+              <a:rPr lang="en-IN" b="1" dirty="0"/>
+              <a:t>GST Calculation for Vendor Service </a:t>
+            </a:r>
+            <a:endParaRPr lang="en-US" b="1" dirty="0"/>
+          </a:p>
+        </p:txBody>
+      </p:sp>
+      <p:sp>
+        <p:nvSpPr>
+          <p:cNvPr id="15" name="TextBox 14">
+            <a:extLst>
+              <a:ext uri="{FF2B5EF4-FFF2-40B4-BE49-F238E27FC236}">
+                <a16:creationId xmlns:a16="http://schemas.microsoft.com/office/drawing/2014/main" id="{48A04D04-87B7-93AE-D47C-08BEF2FD7BAD}"/>
+              </a:ext>
+            </a:extLst>
+          </p:cNvPr>
+          <p:cNvSpPr txBox="1"/>
+          <p:nvPr/>
+        </p:nvSpPr>
+        <p:spPr>
+          <a:xfrm>
+            <a:off x="4273420" y="3758683"/>
+            <a:ext cx="3303036" cy="369332"/>
+          </a:xfrm>
+          <a:prstGeom prst="rect">
+            <a:avLst/>
+          </a:prstGeom>
+        </p:spPr>
+        <p:style>
+          <a:lnRef idx="2">
+            <a:schemeClr val="accent1"/>
+          </a:lnRef>
+          <a:fillRef idx="1">
+            <a:schemeClr val="lt1"/>
+          </a:fillRef>
+          <a:effectRef idx="0">
+            <a:schemeClr val="accent1"/>
+          </a:effectRef>
+          <a:fontRef idx="minor">
+            <a:schemeClr val="dk1"/>
+          </a:fontRef>
+        </p:style>
+        <p:txBody>
+          <a:bodyPr wrap="square" rtlCol="0">
+            <a:spAutoFit/>
+          </a:bodyPr>
+          <a:lstStyle/>
+          <a:p>
+            <a:pPr algn="ctr"/>
+            <a:r>
+              <a:rPr lang="en-IN" dirty="0"/>
+              <a:t>Vendor Management Workflow</a:t>
+            </a:r>
+            <a:endParaRPr lang="en-US" dirty="0"/>
+          </a:p>
+        </p:txBody>
+      </p:sp>
+      <p:sp>
+        <p:nvSpPr>
+          <p:cNvPr id="16" name="TextBox 15">
+            <a:extLst>
+              <a:ext uri="{FF2B5EF4-FFF2-40B4-BE49-F238E27FC236}">
+                <a16:creationId xmlns:a16="http://schemas.microsoft.com/office/drawing/2014/main" id="{8F345BC8-4A32-FE5A-62D5-AD8D908B8AC1}"/>
+              </a:ext>
+            </a:extLst>
+          </p:cNvPr>
+          <p:cNvSpPr txBox="1"/>
+          <p:nvPr/>
+        </p:nvSpPr>
+        <p:spPr>
+          <a:xfrm>
+            <a:off x="7959790" y="6120882"/>
+            <a:ext cx="3415004" cy="369332"/>
+          </a:xfrm>
+          <a:prstGeom prst="rect">
+            <a:avLst/>
+          </a:prstGeom>
+          <a:noFill/>
+        </p:spPr>
+        <p:txBody>
+          <a:bodyPr wrap="square" rtlCol="0">
+            <a:spAutoFit/>
+          </a:bodyPr>
+          <a:lstStyle/>
+          <a:p>
+            <a:pPr algn="ctr"/>
+            <a:r>
+              <a:rPr lang="en-IN" b="1" dirty="0"/>
+              <a:t>Vendor System</a:t>
+            </a:r>
+            <a:endParaRPr lang="en-US" b="1" dirty="0"/>
+          </a:p>
+        </p:txBody>
+      </p:sp>
+      <p:sp>
+        <p:nvSpPr>
+          <p:cNvPr id="17" name="Rectangle 16">
+            <a:extLst>
+              <a:ext uri="{FF2B5EF4-FFF2-40B4-BE49-F238E27FC236}">
+                <a16:creationId xmlns:a16="http://schemas.microsoft.com/office/drawing/2014/main" id="{EAE83C06-090B-2521-55F8-7F8927FF3A28}"/>
+              </a:ext>
+            </a:extLst>
+          </p:cNvPr>
+          <p:cNvSpPr/>
+          <p:nvPr/>
+        </p:nvSpPr>
+        <p:spPr>
+          <a:xfrm>
+            <a:off x="4590661" y="335902"/>
+            <a:ext cx="2705878" cy="1200540"/>
+          </a:xfrm>
+          <a:prstGeom prst="rect">
+            <a:avLst/>
+          </a:prstGeom>
+        </p:spPr>
+        <p:style>
+          <a:lnRef idx="2">
+            <a:schemeClr val="accent5"/>
+          </a:lnRef>
+          <a:fillRef idx="1">
+            <a:schemeClr val="lt1"/>
+          </a:fillRef>
+          <a:effectRef idx="0">
+            <a:schemeClr val="accent5"/>
+          </a:effectRef>
+          <a:fontRef idx="minor">
+            <a:schemeClr val="dk1"/>
+          </a:fontRef>
+        </p:style>
+        <p:txBody>
+          <a:bodyPr rtlCol="0" anchor="ctr"/>
+          <a:lstStyle/>
+          <a:p>
+            <a:r>
+              <a:rPr lang="en-IN" sz="1400" b="1" dirty="0"/>
+              <a:t>Interface </a:t>
+            </a:r>
+            <a:r>
+              <a:rPr lang="en-IN" sz="1400" b="1" dirty="0" err="1"/>
+              <a:t>ITax</a:t>
+            </a:r>
+            <a:endParaRPr lang="en-IN" sz="1400" b="1" dirty="0"/>
+          </a:p>
+          <a:p>
+            <a:r>
+              <a:rPr lang="en-IN" sz="1400" b="1" dirty="0"/>
+              <a:t>{</a:t>
+            </a:r>
+          </a:p>
+          <a:p>
+            <a:r>
+              <a:rPr lang="en-IN" sz="1400" b="1" dirty="0"/>
+              <a:t>  </a:t>
+            </a:r>
+            <a:r>
+              <a:rPr lang="en-IN" sz="1400" b="1" dirty="0" err="1"/>
+              <a:t>CalculateTax</a:t>
+            </a:r>
+            <a:r>
+              <a:rPr lang="en-IN" sz="1400" b="1" dirty="0"/>
+              <a:t>()</a:t>
+            </a:r>
+          </a:p>
+          <a:p>
+            <a:r>
+              <a:rPr lang="en-IN" sz="1400" b="1" dirty="0"/>
+              <a:t>  </a:t>
+            </a:r>
+            <a:r>
+              <a:rPr lang="en-IN" sz="1400" b="1" dirty="0" err="1"/>
+              <a:t>CalculateGST</a:t>
+            </a:r>
+            <a:r>
+              <a:rPr lang="en-IN" sz="1400" b="1" dirty="0"/>
+              <a:t>()</a:t>
+            </a:r>
+          </a:p>
+          <a:p>
+            <a:r>
+              <a:rPr lang="en-IN" sz="1400" b="1" dirty="0"/>
+              <a:t>}</a:t>
+            </a:r>
+            <a:endParaRPr lang="en-US" sz="1400" b="1" dirty="0"/>
+          </a:p>
+        </p:txBody>
+      </p:sp>
+      <p:cxnSp>
+        <p:nvCxnSpPr>
+          <p:cNvPr id="19" name="Connector: Elbow 18">
+            <a:extLst>
+              <a:ext uri="{FF2B5EF4-FFF2-40B4-BE49-F238E27FC236}">
+                <a16:creationId xmlns:a16="http://schemas.microsoft.com/office/drawing/2014/main" id="{AF78CBB0-9537-2077-6584-B75EF0DE467A}"/>
+              </a:ext>
+            </a:extLst>
+          </p:cNvPr>
+          <p:cNvCxnSpPr>
+            <a:stCxn id="17" idx="1"/>
+            <a:endCxn id="6" idx="0"/>
+          </p:cNvCxnSpPr>
+          <p:nvPr/>
+        </p:nvCxnSpPr>
+        <p:spPr>
+          <a:xfrm rot="10800000">
+            <a:off x="2244013" y="737118"/>
+            <a:ext cx="2346649" cy="199054"/>
+          </a:xfrm>
+          <a:prstGeom prst="bentConnector4">
+            <a:avLst>
+              <a:gd name="adj1" fmla="val 5765"/>
+              <a:gd name="adj2" fmla="val 214843"/>
+            </a:avLst>
+          </a:prstGeom>
+          <a:ln>
+            <a:tailEnd type="triangle"/>
+          </a:ln>
+        </p:spPr>
+        <p:style>
+          <a:lnRef idx="1">
+            <a:schemeClr val="accent1"/>
+          </a:lnRef>
+          <a:fillRef idx="0">
+            <a:schemeClr val="accent1"/>
+          </a:fillRef>
+          <a:effectRef idx="0">
+            <a:schemeClr val="accent1"/>
+          </a:effectRef>
+          <a:fontRef idx="minor">
+            <a:schemeClr val="tx1"/>
+          </a:fontRef>
+        </p:style>
+      </p:cxnSp>
+      <p:cxnSp>
+        <p:nvCxnSpPr>
+          <p:cNvPr id="21" name="Connector: Elbow 20">
+            <a:extLst>
+              <a:ext uri="{FF2B5EF4-FFF2-40B4-BE49-F238E27FC236}">
+                <a16:creationId xmlns:a16="http://schemas.microsoft.com/office/drawing/2014/main" id="{113A37B0-7491-F2EE-CE4E-3DD71003FE97}"/>
+              </a:ext>
+            </a:extLst>
+          </p:cNvPr>
+          <p:cNvCxnSpPr>
+            <a:stCxn id="17" idx="3"/>
+            <a:endCxn id="8" idx="0"/>
+          </p:cNvCxnSpPr>
+          <p:nvPr/>
+        </p:nvCxnSpPr>
+        <p:spPr>
+          <a:xfrm flipV="1">
+            <a:off x="7296539" y="737118"/>
+            <a:ext cx="2306216" cy="199054"/>
+          </a:xfrm>
+          <a:prstGeom prst="bentConnector4">
+            <a:avLst>
+              <a:gd name="adj1" fmla="val 4990"/>
+              <a:gd name="adj2" fmla="val 416405"/>
+            </a:avLst>
+          </a:prstGeom>
+          <a:ln>
+            <a:tailEnd type="triangle"/>
+          </a:ln>
+        </p:spPr>
+        <p:style>
+          <a:lnRef idx="1">
+            <a:schemeClr val="accent1"/>
+          </a:lnRef>
+          <a:fillRef idx="0">
+            <a:schemeClr val="accent1"/>
+          </a:fillRef>
+          <a:effectRef idx="0">
+            <a:schemeClr val="accent1"/>
+          </a:effectRef>
+          <a:fontRef idx="minor">
+            <a:schemeClr val="tx1"/>
+          </a:fontRef>
+        </p:style>
+      </p:cxnSp>
+      <p:cxnSp>
+        <p:nvCxnSpPr>
+          <p:cNvPr id="23" name="Connector: Elbow 22">
+            <a:extLst>
+              <a:ext uri="{FF2B5EF4-FFF2-40B4-BE49-F238E27FC236}">
+                <a16:creationId xmlns:a16="http://schemas.microsoft.com/office/drawing/2014/main" id="{D89E2825-0DE2-ED12-6A88-7CA4E12B2DFA}"/>
+              </a:ext>
+            </a:extLst>
+          </p:cNvPr>
+          <p:cNvCxnSpPr>
+            <a:stCxn id="17" idx="2"/>
+            <a:endCxn id="12" idx="0"/>
+          </p:cNvCxnSpPr>
+          <p:nvPr/>
+        </p:nvCxnSpPr>
+        <p:spPr>
+          <a:xfrm rot="16200000" flipH="1">
+            <a:off x="4913345" y="2566696"/>
+            <a:ext cx="2121159" cy="60649"/>
+          </a:xfrm>
+          <a:prstGeom prst="bentConnector3">
+            <a:avLst/>
+          </a:prstGeom>
+          <a:ln>
+            <a:tailEnd type="triangle"/>
+          </a:ln>
+        </p:spPr>
+        <p:style>
+          <a:lnRef idx="1">
+            <a:schemeClr val="accent1"/>
+          </a:lnRef>
+          <a:fillRef idx="0">
+            <a:schemeClr val="accent1"/>
+          </a:fillRef>
+          <a:effectRef idx="0">
+            <a:schemeClr val="accent1"/>
+          </a:effectRef>
+          <a:fontRef idx="minor">
+            <a:schemeClr val="tx1"/>
+          </a:fontRef>
+        </p:style>
+      </p:cxnSp>
+      <p:sp>
+        <p:nvSpPr>
+          <p:cNvPr id="24" name="TextBox 23">
+            <a:extLst>
+              <a:ext uri="{FF2B5EF4-FFF2-40B4-BE49-F238E27FC236}">
+                <a16:creationId xmlns:a16="http://schemas.microsoft.com/office/drawing/2014/main" id="{DBCAF568-01EA-9B5A-6DEF-A7B8582188E6}"/>
+              </a:ext>
+            </a:extLst>
+          </p:cNvPr>
+          <p:cNvSpPr txBox="1"/>
+          <p:nvPr/>
+        </p:nvSpPr>
+        <p:spPr>
+          <a:xfrm>
+            <a:off x="167951" y="5458408"/>
+            <a:ext cx="3376903" cy="646331"/>
+          </a:xfrm>
+          <a:prstGeom prst="rect">
+            <a:avLst/>
+          </a:prstGeom>
+          <a:noFill/>
+        </p:spPr>
+        <p:txBody>
+          <a:bodyPr wrap="square" rtlCol="0">
+            <a:spAutoFit/>
+          </a:bodyPr>
+          <a:lstStyle/>
+          <a:p>
+            <a:r>
+              <a:rPr lang="en-IN" dirty="0"/>
+              <a:t>Using interfaces in Heterogeneous application system</a:t>
+            </a:r>
+            <a:endParaRPr lang="en-US" dirty="0"/>
           </a:p>
         </p:txBody>
       </p:sp>

--- a/MB_Training_Images.pptx
+++ b/MB_Training_Images.pptx
@@ -17,6 +17,13 @@
     <p:sldId id="265" r:id="rId11"/>
     <p:sldId id="266" r:id="rId12"/>
     <p:sldId id="267" r:id="rId13"/>
+    <p:sldId id="268" r:id="rId14"/>
+    <p:sldId id="269" r:id="rId15"/>
+    <p:sldId id="270" r:id="rId16"/>
+    <p:sldId id="271" r:id="rId17"/>
+    <p:sldId id="272" r:id="rId18"/>
+    <p:sldId id="273" r:id="rId19"/>
+    <p:sldId id="274" r:id="rId20"/>
   </p:sldIdLst>
   <p:sldSz cx="12192000" cy="6858000"/>
   <p:notesSz cx="6858000" cy="9144000"/>
@@ -270,7 +277,7 @@
           <a:p>
             <a:fld id="{7EAE8DEA-61CA-412C-9D6E-50DA161E193E}" type="datetimeFigureOut">
               <a:rPr lang="en-US" smtClean="0"/>
-              <a:t>8/11/2022</a:t>
+              <a:t>8/12/2022</a:t>
             </a:fld>
             <a:endParaRPr lang="en-US"/>
           </a:p>
@@ -468,7 +475,7 @@
           <a:p>
             <a:fld id="{7EAE8DEA-61CA-412C-9D6E-50DA161E193E}" type="datetimeFigureOut">
               <a:rPr lang="en-US" smtClean="0"/>
-              <a:t>8/11/2022</a:t>
+              <a:t>8/12/2022</a:t>
             </a:fld>
             <a:endParaRPr lang="en-US"/>
           </a:p>
@@ -676,7 +683,7 @@
           <a:p>
             <a:fld id="{7EAE8DEA-61CA-412C-9D6E-50DA161E193E}" type="datetimeFigureOut">
               <a:rPr lang="en-US" smtClean="0"/>
-              <a:t>8/11/2022</a:t>
+              <a:t>8/12/2022</a:t>
             </a:fld>
             <a:endParaRPr lang="en-US"/>
           </a:p>
@@ -874,7 +881,7 @@
           <a:p>
             <a:fld id="{7EAE8DEA-61CA-412C-9D6E-50DA161E193E}" type="datetimeFigureOut">
               <a:rPr lang="en-US" smtClean="0"/>
-              <a:t>8/11/2022</a:t>
+              <a:t>8/12/2022</a:t>
             </a:fld>
             <a:endParaRPr lang="en-US"/>
           </a:p>
@@ -1149,7 +1156,7 @@
           <a:p>
             <a:fld id="{7EAE8DEA-61CA-412C-9D6E-50DA161E193E}" type="datetimeFigureOut">
               <a:rPr lang="en-US" smtClean="0"/>
-              <a:t>8/11/2022</a:t>
+              <a:t>8/12/2022</a:t>
             </a:fld>
             <a:endParaRPr lang="en-US"/>
           </a:p>
@@ -1414,7 +1421,7 @@
           <a:p>
             <a:fld id="{7EAE8DEA-61CA-412C-9D6E-50DA161E193E}" type="datetimeFigureOut">
               <a:rPr lang="en-US" smtClean="0"/>
-              <a:t>8/11/2022</a:t>
+              <a:t>8/12/2022</a:t>
             </a:fld>
             <a:endParaRPr lang="en-US"/>
           </a:p>
@@ -1826,7 +1833,7 @@
           <a:p>
             <a:fld id="{7EAE8DEA-61CA-412C-9D6E-50DA161E193E}" type="datetimeFigureOut">
               <a:rPr lang="en-US" smtClean="0"/>
-              <a:t>8/11/2022</a:t>
+              <a:t>8/12/2022</a:t>
             </a:fld>
             <a:endParaRPr lang="en-US"/>
           </a:p>
@@ -1967,7 +1974,7 @@
           <a:p>
             <a:fld id="{7EAE8DEA-61CA-412C-9D6E-50DA161E193E}" type="datetimeFigureOut">
               <a:rPr lang="en-US" smtClean="0"/>
-              <a:t>8/11/2022</a:t>
+              <a:t>8/12/2022</a:t>
             </a:fld>
             <a:endParaRPr lang="en-US"/>
           </a:p>
@@ -2080,7 +2087,7 @@
           <a:p>
             <a:fld id="{7EAE8DEA-61CA-412C-9D6E-50DA161E193E}" type="datetimeFigureOut">
               <a:rPr lang="en-US" smtClean="0"/>
-              <a:t>8/11/2022</a:t>
+              <a:t>8/12/2022</a:t>
             </a:fld>
             <a:endParaRPr lang="en-US"/>
           </a:p>
@@ -2391,7 +2398,7 @@
           <a:p>
             <a:fld id="{7EAE8DEA-61CA-412C-9D6E-50DA161E193E}" type="datetimeFigureOut">
               <a:rPr lang="en-US" smtClean="0"/>
-              <a:t>8/11/2022</a:t>
+              <a:t>8/12/2022</a:t>
             </a:fld>
             <a:endParaRPr lang="en-US"/>
           </a:p>
@@ -2679,7 +2686,7 @@
           <a:p>
             <a:fld id="{7EAE8DEA-61CA-412C-9D6E-50DA161E193E}" type="datetimeFigureOut">
               <a:rPr lang="en-US" smtClean="0"/>
-              <a:t>8/11/2022</a:t>
+              <a:t>8/12/2022</a:t>
             </a:fld>
             <a:endParaRPr lang="en-US"/>
           </a:p>
@@ -2920,7 +2927,7 @@
           <a:p>
             <a:fld id="{7EAE8DEA-61CA-412C-9D6E-50DA161E193E}" type="datetimeFigureOut">
               <a:rPr lang="en-US" smtClean="0"/>
-              <a:t>8/11/2022</a:t>
+              <a:t>8/12/2022</a:t>
             </a:fld>
             <a:endParaRPr lang="en-US"/>
           </a:p>
@@ -6331,6 +6338,9787 @@
 </p:sld>
 </file>
 
+<file path=ppt/slides/slide13.xml><?xml version="1.0" encoding="utf-8"?>
+<p:sld xmlns:a="http://schemas.openxmlformats.org/drawingml/2006/main" xmlns:r="http://schemas.openxmlformats.org/officeDocument/2006/relationships" xmlns:p="http://schemas.openxmlformats.org/presentationml/2006/main">
+  <p:cSld>
+    <p:spTree>
+      <p:nvGrpSpPr>
+        <p:cNvPr id="1" name=""/>
+        <p:cNvGrpSpPr/>
+        <p:nvPr/>
+      </p:nvGrpSpPr>
+      <p:grpSpPr>
+        <a:xfrm>
+          <a:off x="0" y="0"/>
+          <a:ext cx="0" cy="0"/>
+          <a:chOff x="0" y="0"/>
+          <a:chExt cx="0" cy="0"/>
+        </a:xfrm>
+      </p:grpSpPr>
+      <p:sp>
+        <p:nvSpPr>
+          <p:cNvPr id="2" name="Rectangle 1">
+            <a:extLst>
+              <a:ext uri="{FF2B5EF4-FFF2-40B4-BE49-F238E27FC236}">
+                <a16:creationId xmlns:a16="http://schemas.microsoft.com/office/drawing/2014/main" id="{2C5CB513-747F-07C3-2187-2207DA4D0321}"/>
+              </a:ext>
+            </a:extLst>
+          </p:cNvPr>
+          <p:cNvSpPr/>
+          <p:nvPr/>
+        </p:nvSpPr>
+        <p:spPr>
+          <a:xfrm>
+            <a:off x="139959" y="839755"/>
+            <a:ext cx="3060441" cy="3125755"/>
+          </a:xfrm>
+          <a:prstGeom prst="rect">
+            <a:avLst/>
+          </a:prstGeom>
+        </p:spPr>
+        <p:style>
+          <a:lnRef idx="2">
+            <a:schemeClr val="accent6"/>
+          </a:lnRef>
+          <a:fillRef idx="1">
+            <a:schemeClr val="lt1"/>
+          </a:fillRef>
+          <a:effectRef idx="0">
+            <a:schemeClr val="accent6"/>
+          </a:effectRef>
+          <a:fontRef idx="minor">
+            <a:schemeClr val="dk1"/>
+          </a:fontRef>
+        </p:style>
+        <p:txBody>
+          <a:bodyPr rtlCol="0" anchor="ctr"/>
+          <a:lstStyle/>
+          <a:p>
+            <a:pPr algn="ctr"/>
+            <a:endParaRPr lang="en-US"/>
+          </a:p>
+        </p:txBody>
+      </p:sp>
+      <p:sp>
+        <p:nvSpPr>
+          <p:cNvPr id="3" name="Rectangle 2">
+            <a:extLst>
+              <a:ext uri="{FF2B5EF4-FFF2-40B4-BE49-F238E27FC236}">
+                <a16:creationId xmlns:a16="http://schemas.microsoft.com/office/drawing/2014/main" id="{FF15DFA8-8219-E8B1-A350-E7AF3A4E9EF5}"/>
+              </a:ext>
+            </a:extLst>
+          </p:cNvPr>
+          <p:cNvSpPr/>
+          <p:nvPr/>
+        </p:nvSpPr>
+        <p:spPr>
+          <a:xfrm>
+            <a:off x="139959" y="1371600"/>
+            <a:ext cx="3060441" cy="186612"/>
+          </a:xfrm>
+          <a:prstGeom prst="rect">
+            <a:avLst/>
+          </a:prstGeom>
+        </p:spPr>
+        <p:style>
+          <a:lnRef idx="2">
+            <a:schemeClr val="accent1">
+              <a:shade val="50000"/>
+            </a:schemeClr>
+          </a:lnRef>
+          <a:fillRef idx="1">
+            <a:schemeClr val="accent1"/>
+          </a:fillRef>
+          <a:effectRef idx="0">
+            <a:schemeClr val="accent1"/>
+          </a:effectRef>
+          <a:fontRef idx="minor">
+            <a:schemeClr val="lt1"/>
+          </a:fontRef>
+        </p:style>
+        <p:txBody>
+          <a:bodyPr rtlCol="0" anchor="ctr"/>
+          <a:lstStyle/>
+          <a:p>
+            <a:pPr algn="ctr"/>
+            <a:endParaRPr lang="en-US"/>
+          </a:p>
+        </p:txBody>
+      </p:sp>
+      <p:sp>
+        <p:nvSpPr>
+          <p:cNvPr id="4" name="TextBox 3">
+            <a:extLst>
+              <a:ext uri="{FF2B5EF4-FFF2-40B4-BE49-F238E27FC236}">
+                <a16:creationId xmlns:a16="http://schemas.microsoft.com/office/drawing/2014/main" id="{5744F315-96B1-05AE-6811-1067C366EB4A}"/>
+              </a:ext>
+            </a:extLst>
+          </p:cNvPr>
+          <p:cNvSpPr txBox="1"/>
+          <p:nvPr/>
+        </p:nvSpPr>
+        <p:spPr>
+          <a:xfrm>
+            <a:off x="279918" y="942392"/>
+            <a:ext cx="2817845" cy="369332"/>
+          </a:xfrm>
+          <a:prstGeom prst="rect">
+            <a:avLst/>
+          </a:prstGeom>
+          <a:noFill/>
+        </p:spPr>
+        <p:txBody>
+          <a:bodyPr wrap="square" rtlCol="0">
+            <a:spAutoFit/>
+          </a:bodyPr>
+          <a:lstStyle/>
+          <a:p>
+            <a:r>
+              <a:rPr lang="en-IN" dirty="0"/>
+              <a:t>String class</a:t>
+            </a:r>
+            <a:endParaRPr lang="en-US" dirty="0"/>
+          </a:p>
+        </p:txBody>
+      </p:sp>
+      <p:sp>
+        <p:nvSpPr>
+          <p:cNvPr id="5" name="TextBox 4">
+            <a:extLst>
+              <a:ext uri="{FF2B5EF4-FFF2-40B4-BE49-F238E27FC236}">
+                <a16:creationId xmlns:a16="http://schemas.microsoft.com/office/drawing/2014/main" id="{55EE13E5-F628-1CDA-5E39-5518BE8EFB80}"/>
+              </a:ext>
+            </a:extLst>
+          </p:cNvPr>
+          <p:cNvSpPr txBox="1"/>
+          <p:nvPr/>
+        </p:nvSpPr>
+        <p:spPr>
+          <a:xfrm>
+            <a:off x="279918" y="1670180"/>
+            <a:ext cx="2817845" cy="923330"/>
+          </a:xfrm>
+          <a:prstGeom prst="rect">
+            <a:avLst/>
+          </a:prstGeom>
+          <a:noFill/>
+        </p:spPr>
+        <p:txBody>
+          <a:bodyPr wrap="square" rtlCol="0">
+            <a:spAutoFit/>
+          </a:bodyPr>
+          <a:lstStyle/>
+          <a:p>
+            <a:r>
+              <a:rPr lang="en-IN" dirty="0"/>
+              <a:t>+</a:t>
+            </a:r>
+            <a:r>
+              <a:rPr lang="en-IN" dirty="0" err="1"/>
+              <a:t>ToUpper</a:t>
+            </a:r>
+            <a:r>
+              <a:rPr lang="en-IN" dirty="0"/>
+              <a:t>()</a:t>
+            </a:r>
+          </a:p>
+          <a:p>
+            <a:r>
+              <a:rPr lang="en-IN" dirty="0"/>
+              <a:t>+</a:t>
+            </a:r>
+            <a:r>
+              <a:rPr lang="en-IN" dirty="0" err="1"/>
+              <a:t>ToLower</a:t>
+            </a:r>
+            <a:r>
+              <a:rPr lang="en-IN" dirty="0"/>
+              <a:t>()</a:t>
+            </a:r>
+          </a:p>
+          <a:p>
+            <a:r>
+              <a:rPr lang="en-IN" dirty="0"/>
+              <a:t>….</a:t>
+            </a:r>
+            <a:endParaRPr lang="en-US" dirty="0"/>
+          </a:p>
+        </p:txBody>
+      </p:sp>
+      <p:sp>
+        <p:nvSpPr>
+          <p:cNvPr id="6" name="Rectangle 5">
+            <a:extLst>
+              <a:ext uri="{FF2B5EF4-FFF2-40B4-BE49-F238E27FC236}">
+                <a16:creationId xmlns:a16="http://schemas.microsoft.com/office/drawing/2014/main" id="{E0D69048-6DA1-ED17-29AB-4966F459C0B4}"/>
+              </a:ext>
+            </a:extLst>
+          </p:cNvPr>
+          <p:cNvSpPr/>
+          <p:nvPr/>
+        </p:nvSpPr>
+        <p:spPr>
+          <a:xfrm>
+            <a:off x="6876661" y="839755"/>
+            <a:ext cx="4357396" cy="2388637"/>
+          </a:xfrm>
+          <a:prstGeom prst="rect">
+            <a:avLst/>
+          </a:prstGeom>
+        </p:spPr>
+        <p:style>
+          <a:lnRef idx="2">
+            <a:schemeClr val="accent6"/>
+          </a:lnRef>
+          <a:fillRef idx="1">
+            <a:schemeClr val="lt1"/>
+          </a:fillRef>
+          <a:effectRef idx="0">
+            <a:schemeClr val="accent6"/>
+          </a:effectRef>
+          <a:fontRef idx="minor">
+            <a:schemeClr val="dk1"/>
+          </a:fontRef>
+        </p:style>
+        <p:txBody>
+          <a:bodyPr rtlCol="0" anchor="ctr"/>
+          <a:lstStyle/>
+          <a:p>
+            <a:pPr algn="ctr"/>
+            <a:endParaRPr lang="en-US"/>
+          </a:p>
+        </p:txBody>
+      </p:sp>
+      <p:sp>
+        <p:nvSpPr>
+          <p:cNvPr id="7" name="Rectangle 6">
+            <a:extLst>
+              <a:ext uri="{FF2B5EF4-FFF2-40B4-BE49-F238E27FC236}">
+                <a16:creationId xmlns:a16="http://schemas.microsoft.com/office/drawing/2014/main" id="{83A56842-D8B0-761D-9DFA-57F9A81C0E99}"/>
+              </a:ext>
+            </a:extLst>
+          </p:cNvPr>
+          <p:cNvSpPr/>
+          <p:nvPr/>
+        </p:nvSpPr>
+        <p:spPr>
+          <a:xfrm>
+            <a:off x="6876661" y="1464906"/>
+            <a:ext cx="4357396" cy="307910"/>
+          </a:xfrm>
+          <a:prstGeom prst="rect">
+            <a:avLst/>
+          </a:prstGeom>
+        </p:spPr>
+        <p:style>
+          <a:lnRef idx="2">
+            <a:schemeClr val="accent1">
+              <a:shade val="50000"/>
+            </a:schemeClr>
+          </a:lnRef>
+          <a:fillRef idx="1">
+            <a:schemeClr val="accent1"/>
+          </a:fillRef>
+          <a:effectRef idx="0">
+            <a:schemeClr val="accent1"/>
+          </a:effectRef>
+          <a:fontRef idx="minor">
+            <a:schemeClr val="lt1"/>
+          </a:fontRef>
+        </p:style>
+        <p:txBody>
+          <a:bodyPr rtlCol="0" anchor="ctr"/>
+          <a:lstStyle/>
+          <a:p>
+            <a:pPr algn="ctr"/>
+            <a:endParaRPr lang="en-US"/>
+          </a:p>
+        </p:txBody>
+      </p:sp>
+      <p:sp>
+        <p:nvSpPr>
+          <p:cNvPr id="8" name="TextBox 7">
+            <a:extLst>
+              <a:ext uri="{FF2B5EF4-FFF2-40B4-BE49-F238E27FC236}">
+                <a16:creationId xmlns:a16="http://schemas.microsoft.com/office/drawing/2014/main" id="{F222C509-3485-3530-C313-92A7C99D4586}"/>
+              </a:ext>
+            </a:extLst>
+          </p:cNvPr>
+          <p:cNvSpPr txBox="1"/>
+          <p:nvPr/>
+        </p:nvSpPr>
+        <p:spPr>
+          <a:xfrm>
+            <a:off x="6997959" y="839755"/>
+            <a:ext cx="4236098" cy="369332"/>
+          </a:xfrm>
+          <a:prstGeom prst="rect">
+            <a:avLst/>
+          </a:prstGeom>
+          <a:noFill/>
+        </p:spPr>
+        <p:txBody>
+          <a:bodyPr wrap="square" rtlCol="0">
+            <a:spAutoFit/>
+          </a:bodyPr>
+          <a:lstStyle/>
+          <a:p>
+            <a:r>
+              <a:rPr lang="en-IN" b="1" dirty="0" err="1"/>
+              <a:t>StringExtensions</a:t>
+            </a:r>
+            <a:endParaRPr lang="en-US" b="1" dirty="0"/>
+          </a:p>
+        </p:txBody>
+      </p:sp>
+      <p:sp>
+        <p:nvSpPr>
+          <p:cNvPr id="9" name="TextBox 8">
+            <a:extLst>
+              <a:ext uri="{FF2B5EF4-FFF2-40B4-BE49-F238E27FC236}">
+                <a16:creationId xmlns:a16="http://schemas.microsoft.com/office/drawing/2014/main" id="{5EC3B74E-2C8E-ACD8-4A8E-4980A488E516}"/>
+              </a:ext>
+            </a:extLst>
+          </p:cNvPr>
+          <p:cNvSpPr txBox="1"/>
+          <p:nvPr/>
+        </p:nvSpPr>
+        <p:spPr>
+          <a:xfrm>
+            <a:off x="6997959" y="1834238"/>
+            <a:ext cx="4236098" cy="1200329"/>
+          </a:xfrm>
+          <a:prstGeom prst="rect">
+            <a:avLst/>
+          </a:prstGeom>
+          <a:noFill/>
+        </p:spPr>
+        <p:txBody>
+          <a:bodyPr wrap="square" rtlCol="0">
+            <a:spAutoFit/>
+          </a:bodyPr>
+          <a:lstStyle/>
+          <a:p>
+            <a:r>
+              <a:rPr lang="en-IN" dirty="0"/>
+              <a:t>+Encrypt(string)</a:t>
+            </a:r>
+          </a:p>
+          <a:p>
+            <a:r>
+              <a:rPr lang="en-IN" dirty="0"/>
+              <a:t>+Decrypt(string)</a:t>
+            </a:r>
+          </a:p>
+          <a:p>
+            <a:r>
+              <a:rPr lang="en-IN" dirty="0"/>
+              <a:t>+</a:t>
+            </a:r>
+            <a:r>
+              <a:rPr lang="en-IN" dirty="0" err="1"/>
+              <a:t>GetWordCount</a:t>
+            </a:r>
+            <a:r>
+              <a:rPr lang="en-IN" dirty="0"/>
+              <a:t>(string)</a:t>
+            </a:r>
+          </a:p>
+          <a:p>
+            <a:r>
+              <a:rPr lang="en-IN" dirty="0"/>
+              <a:t>+</a:t>
+            </a:r>
+            <a:r>
+              <a:rPr lang="en-IN" dirty="0" err="1"/>
+              <a:t>GetStatementsCount</a:t>
+            </a:r>
+            <a:r>
+              <a:rPr lang="en-IN" dirty="0"/>
+              <a:t>(string)</a:t>
+            </a:r>
+            <a:endParaRPr lang="en-US" dirty="0"/>
+          </a:p>
+        </p:txBody>
+      </p:sp>
+      <p:sp>
+        <p:nvSpPr>
+          <p:cNvPr id="10" name="TextBox 9">
+            <a:extLst>
+              <a:ext uri="{FF2B5EF4-FFF2-40B4-BE49-F238E27FC236}">
+                <a16:creationId xmlns:a16="http://schemas.microsoft.com/office/drawing/2014/main" id="{6E054B31-5EC5-E0E6-8B01-0A7C956079D8}"/>
+              </a:ext>
+            </a:extLst>
+          </p:cNvPr>
+          <p:cNvSpPr txBox="1"/>
+          <p:nvPr/>
+        </p:nvSpPr>
+        <p:spPr>
+          <a:xfrm>
+            <a:off x="429208" y="4278859"/>
+            <a:ext cx="4904793" cy="2308324"/>
+          </a:xfrm>
+          <a:prstGeom prst="rect">
+            <a:avLst/>
+          </a:prstGeom>
+          <a:noFill/>
+        </p:spPr>
+        <p:txBody>
+          <a:bodyPr wrap="square" rtlCol="0">
+            <a:spAutoFit/>
+          </a:bodyPr>
+          <a:lstStyle/>
+          <a:p>
+            <a:r>
+              <a:rPr lang="en-IN" dirty="0"/>
+              <a:t>Caller App</a:t>
+            </a:r>
+          </a:p>
+          <a:p>
+            <a:pPr algn="r"/>
+            <a:endParaRPr lang="en-IN" dirty="0"/>
+          </a:p>
+          <a:p>
+            <a:pPr algn="r"/>
+            <a:r>
+              <a:rPr lang="en-IN" dirty="0"/>
+              <a:t>String str =“</a:t>
+            </a:r>
+            <a:r>
+              <a:rPr lang="en-IN" dirty="0" err="1"/>
+              <a:t>qrrqetgtrgeqtrgtrgetrg</a:t>
+            </a:r>
+            <a:r>
+              <a:rPr lang="en-IN" dirty="0"/>
+              <a:t>”;</a:t>
+            </a:r>
+          </a:p>
+          <a:p>
+            <a:pPr algn="r"/>
+            <a:endParaRPr lang="en-IN" dirty="0"/>
+          </a:p>
+          <a:p>
+            <a:pPr algn="r"/>
+            <a:r>
+              <a:rPr lang="en-IN" dirty="0" err="1"/>
+              <a:t>StringExtensions</a:t>
+            </a:r>
+            <a:r>
+              <a:rPr lang="en-IN" dirty="0"/>
+              <a:t> </a:t>
+            </a:r>
+            <a:r>
+              <a:rPr lang="en-IN" dirty="0" err="1"/>
+              <a:t>strExt</a:t>
+            </a:r>
+            <a:r>
+              <a:rPr lang="en-IN" dirty="0"/>
+              <a:t> = new </a:t>
+            </a:r>
+            <a:r>
+              <a:rPr lang="en-IN" dirty="0" err="1"/>
+              <a:t>StringExtensions</a:t>
+            </a:r>
+            <a:r>
+              <a:rPr lang="en-IN" dirty="0"/>
+              <a:t>();</a:t>
+            </a:r>
+          </a:p>
+          <a:p>
+            <a:pPr algn="r"/>
+            <a:endParaRPr lang="en-IN" dirty="0"/>
+          </a:p>
+          <a:p>
+            <a:pPr algn="r"/>
+            <a:r>
+              <a:rPr lang="en-IN" dirty="0" err="1"/>
+              <a:t>stExt.Encrypt</a:t>
+            </a:r>
+            <a:r>
+              <a:rPr lang="en-IN" dirty="0"/>
+              <a:t>(str);</a:t>
+            </a:r>
+          </a:p>
+          <a:p>
+            <a:pPr algn="r"/>
+            <a:r>
+              <a:rPr lang="en-IN" dirty="0"/>
+              <a:t>  </a:t>
+            </a:r>
+            <a:endParaRPr lang="en-US" dirty="0"/>
+          </a:p>
+        </p:txBody>
+      </p:sp>
+      <p:sp>
+        <p:nvSpPr>
+          <p:cNvPr id="11" name="TextBox 10">
+            <a:extLst>
+              <a:ext uri="{FF2B5EF4-FFF2-40B4-BE49-F238E27FC236}">
+                <a16:creationId xmlns:a16="http://schemas.microsoft.com/office/drawing/2014/main" id="{273F8224-A36C-5F74-F865-0090FF6F33F3}"/>
+              </a:ext>
+            </a:extLst>
+          </p:cNvPr>
+          <p:cNvSpPr txBox="1"/>
+          <p:nvPr/>
+        </p:nvSpPr>
+        <p:spPr>
+          <a:xfrm>
+            <a:off x="6876661" y="187500"/>
+            <a:ext cx="3704253" cy="369332"/>
+          </a:xfrm>
+          <a:prstGeom prst="rect">
+            <a:avLst/>
+          </a:prstGeom>
+          <a:noFill/>
+        </p:spPr>
+        <p:txBody>
+          <a:bodyPr wrap="square" rtlCol="0">
+            <a:spAutoFit/>
+          </a:bodyPr>
+          <a:lstStyle/>
+          <a:p>
+            <a:r>
+              <a:rPr lang="en-IN" dirty="0"/>
+              <a:t>Team 1</a:t>
+            </a:r>
+            <a:endParaRPr lang="en-US" dirty="0"/>
+          </a:p>
+        </p:txBody>
+      </p:sp>
+      <p:sp>
+        <p:nvSpPr>
+          <p:cNvPr id="12" name="Rectangle 11">
+            <a:extLst>
+              <a:ext uri="{FF2B5EF4-FFF2-40B4-BE49-F238E27FC236}">
+                <a16:creationId xmlns:a16="http://schemas.microsoft.com/office/drawing/2014/main" id="{D7A1473F-361D-FF93-7F98-1F611FB57EE7}"/>
+              </a:ext>
+            </a:extLst>
+          </p:cNvPr>
+          <p:cNvSpPr/>
+          <p:nvPr/>
+        </p:nvSpPr>
+        <p:spPr>
+          <a:xfrm>
+            <a:off x="6814457" y="4198546"/>
+            <a:ext cx="4357396" cy="2388637"/>
+          </a:xfrm>
+          <a:prstGeom prst="rect">
+            <a:avLst/>
+          </a:prstGeom>
+        </p:spPr>
+        <p:style>
+          <a:lnRef idx="2">
+            <a:schemeClr val="accent6"/>
+          </a:lnRef>
+          <a:fillRef idx="1">
+            <a:schemeClr val="lt1"/>
+          </a:fillRef>
+          <a:effectRef idx="0">
+            <a:schemeClr val="accent6"/>
+          </a:effectRef>
+          <a:fontRef idx="minor">
+            <a:schemeClr val="dk1"/>
+          </a:fontRef>
+        </p:style>
+        <p:txBody>
+          <a:bodyPr rtlCol="0" anchor="ctr"/>
+          <a:lstStyle/>
+          <a:p>
+            <a:pPr algn="ctr"/>
+            <a:endParaRPr lang="en-US"/>
+          </a:p>
+        </p:txBody>
+      </p:sp>
+      <p:sp>
+        <p:nvSpPr>
+          <p:cNvPr id="13" name="Rectangle 12">
+            <a:extLst>
+              <a:ext uri="{FF2B5EF4-FFF2-40B4-BE49-F238E27FC236}">
+                <a16:creationId xmlns:a16="http://schemas.microsoft.com/office/drawing/2014/main" id="{F505A507-21F2-421B-BBB7-BD66B1BCEAD1}"/>
+              </a:ext>
+            </a:extLst>
+          </p:cNvPr>
+          <p:cNvSpPr/>
+          <p:nvPr/>
+        </p:nvSpPr>
+        <p:spPr>
+          <a:xfrm>
+            <a:off x="6814457" y="4823697"/>
+            <a:ext cx="4357396" cy="307910"/>
+          </a:xfrm>
+          <a:prstGeom prst="rect">
+            <a:avLst/>
+          </a:prstGeom>
+        </p:spPr>
+        <p:style>
+          <a:lnRef idx="2">
+            <a:schemeClr val="accent1">
+              <a:shade val="50000"/>
+            </a:schemeClr>
+          </a:lnRef>
+          <a:fillRef idx="1">
+            <a:schemeClr val="accent1"/>
+          </a:fillRef>
+          <a:effectRef idx="0">
+            <a:schemeClr val="accent1"/>
+          </a:effectRef>
+          <a:fontRef idx="minor">
+            <a:schemeClr val="lt1"/>
+          </a:fontRef>
+        </p:style>
+        <p:txBody>
+          <a:bodyPr rtlCol="0" anchor="ctr"/>
+          <a:lstStyle/>
+          <a:p>
+            <a:pPr algn="ctr"/>
+            <a:endParaRPr lang="en-US"/>
+          </a:p>
+        </p:txBody>
+      </p:sp>
+      <p:sp>
+        <p:nvSpPr>
+          <p:cNvPr id="14" name="TextBox 13">
+            <a:extLst>
+              <a:ext uri="{FF2B5EF4-FFF2-40B4-BE49-F238E27FC236}">
+                <a16:creationId xmlns:a16="http://schemas.microsoft.com/office/drawing/2014/main" id="{983137E5-1257-8415-F177-1BC1036922D7}"/>
+              </a:ext>
+            </a:extLst>
+          </p:cNvPr>
+          <p:cNvSpPr txBox="1"/>
+          <p:nvPr/>
+        </p:nvSpPr>
+        <p:spPr>
+          <a:xfrm>
+            <a:off x="6935755" y="4198546"/>
+            <a:ext cx="4236098" cy="369332"/>
+          </a:xfrm>
+          <a:prstGeom prst="rect">
+            <a:avLst/>
+          </a:prstGeom>
+          <a:noFill/>
+        </p:spPr>
+        <p:txBody>
+          <a:bodyPr wrap="square" rtlCol="0">
+            <a:spAutoFit/>
+          </a:bodyPr>
+          <a:lstStyle/>
+          <a:p>
+            <a:r>
+              <a:rPr lang="en-IN" b="1" dirty="0" err="1"/>
+              <a:t>ExtStringExtensions</a:t>
+            </a:r>
+            <a:endParaRPr lang="en-US" b="1" dirty="0"/>
+          </a:p>
+        </p:txBody>
+      </p:sp>
+      <p:sp>
+        <p:nvSpPr>
+          <p:cNvPr id="15" name="TextBox 14">
+            <a:extLst>
+              <a:ext uri="{FF2B5EF4-FFF2-40B4-BE49-F238E27FC236}">
+                <a16:creationId xmlns:a16="http://schemas.microsoft.com/office/drawing/2014/main" id="{588EFF32-6C02-6558-C8B2-D51733F78AC7}"/>
+              </a:ext>
+            </a:extLst>
+          </p:cNvPr>
+          <p:cNvSpPr txBox="1"/>
+          <p:nvPr/>
+        </p:nvSpPr>
+        <p:spPr>
+          <a:xfrm>
+            <a:off x="6935755" y="5193029"/>
+            <a:ext cx="4236098" cy="1200329"/>
+          </a:xfrm>
+          <a:prstGeom prst="rect">
+            <a:avLst/>
+          </a:prstGeom>
+          <a:noFill/>
+        </p:spPr>
+        <p:txBody>
+          <a:bodyPr wrap="square" rtlCol="0">
+            <a:spAutoFit/>
+          </a:bodyPr>
+          <a:lstStyle/>
+          <a:p>
+            <a:r>
+              <a:rPr lang="en-IN" dirty="0"/>
+              <a:t>+Reverse(string)</a:t>
+            </a:r>
+          </a:p>
+          <a:p>
+            <a:r>
+              <a:rPr lang="en-IN" dirty="0"/>
+              <a:t>+</a:t>
+            </a:r>
+            <a:r>
+              <a:rPr lang="en-IN" dirty="0" err="1"/>
+              <a:t>GetSpecialCharCount</a:t>
+            </a:r>
+            <a:r>
+              <a:rPr lang="en-IN" dirty="0"/>
+              <a:t>(string)</a:t>
+            </a:r>
+          </a:p>
+          <a:p>
+            <a:r>
+              <a:rPr lang="en-IN" dirty="0"/>
+              <a:t>+</a:t>
+            </a:r>
+            <a:r>
+              <a:rPr lang="en-IN" dirty="0" err="1"/>
+              <a:t>GetDigitsCount</a:t>
+            </a:r>
+            <a:r>
+              <a:rPr lang="en-IN" dirty="0"/>
+              <a:t>(string)</a:t>
+            </a:r>
+          </a:p>
+          <a:p>
+            <a:r>
+              <a:rPr lang="en-IN" dirty="0"/>
+              <a:t>+</a:t>
+            </a:r>
+            <a:r>
+              <a:rPr lang="en-IN" dirty="0" err="1"/>
+              <a:t>GetParaentheiseCount</a:t>
+            </a:r>
+            <a:r>
+              <a:rPr lang="en-IN" dirty="0"/>
+              <a:t>(string)</a:t>
+            </a:r>
+            <a:endParaRPr lang="en-US" dirty="0"/>
+          </a:p>
+        </p:txBody>
+      </p:sp>
+      <p:sp>
+        <p:nvSpPr>
+          <p:cNvPr id="16" name="TextBox 15">
+            <a:extLst>
+              <a:ext uri="{FF2B5EF4-FFF2-40B4-BE49-F238E27FC236}">
+                <a16:creationId xmlns:a16="http://schemas.microsoft.com/office/drawing/2014/main" id="{6F48D232-4047-6D2D-F72A-FB176007CBFC}"/>
+              </a:ext>
+            </a:extLst>
+          </p:cNvPr>
+          <p:cNvSpPr txBox="1"/>
+          <p:nvPr/>
+        </p:nvSpPr>
+        <p:spPr>
+          <a:xfrm>
+            <a:off x="6814457" y="3546291"/>
+            <a:ext cx="3704253" cy="369332"/>
+          </a:xfrm>
+          <a:prstGeom prst="rect">
+            <a:avLst/>
+          </a:prstGeom>
+          <a:noFill/>
+        </p:spPr>
+        <p:txBody>
+          <a:bodyPr wrap="square" rtlCol="0">
+            <a:spAutoFit/>
+          </a:bodyPr>
+          <a:lstStyle/>
+          <a:p>
+            <a:r>
+              <a:rPr lang="en-IN" dirty="0"/>
+              <a:t>Team 2</a:t>
+            </a:r>
+            <a:endParaRPr lang="en-US" dirty="0"/>
+          </a:p>
+        </p:txBody>
+      </p:sp>
+      <p:cxnSp>
+        <p:nvCxnSpPr>
+          <p:cNvPr id="18" name="Straight Arrow Connector 17">
+            <a:extLst>
+              <a:ext uri="{FF2B5EF4-FFF2-40B4-BE49-F238E27FC236}">
+                <a16:creationId xmlns:a16="http://schemas.microsoft.com/office/drawing/2014/main" id="{8D5577C9-D30D-C4AF-74E3-25ACEB456558}"/>
+              </a:ext>
+            </a:extLst>
+          </p:cNvPr>
+          <p:cNvCxnSpPr>
+            <a:stCxn id="6" idx="1"/>
+          </p:cNvCxnSpPr>
+          <p:nvPr/>
+        </p:nvCxnSpPr>
+        <p:spPr>
+          <a:xfrm flipH="1">
+            <a:off x="1866122" y="2034074"/>
+            <a:ext cx="5010539" cy="3380456"/>
+          </a:xfrm>
+          <a:prstGeom prst="straightConnector1">
+            <a:avLst/>
+          </a:prstGeom>
+          <a:ln>
+            <a:tailEnd type="triangle"/>
+          </a:ln>
+        </p:spPr>
+        <p:style>
+          <a:lnRef idx="1">
+            <a:schemeClr val="accent1"/>
+          </a:lnRef>
+          <a:fillRef idx="0">
+            <a:schemeClr val="accent1"/>
+          </a:fillRef>
+          <a:effectRef idx="0">
+            <a:schemeClr val="accent1"/>
+          </a:effectRef>
+          <a:fontRef idx="minor">
+            <a:schemeClr val="tx1"/>
+          </a:fontRef>
+        </p:style>
+      </p:cxnSp>
+      <p:cxnSp>
+        <p:nvCxnSpPr>
+          <p:cNvPr id="20" name="Straight Arrow Connector 19">
+            <a:extLst>
+              <a:ext uri="{FF2B5EF4-FFF2-40B4-BE49-F238E27FC236}">
+                <a16:creationId xmlns:a16="http://schemas.microsoft.com/office/drawing/2014/main" id="{C92E59B1-C571-1312-46D5-5FDBACEDC9B8}"/>
+              </a:ext>
+            </a:extLst>
+          </p:cNvPr>
+          <p:cNvCxnSpPr>
+            <a:stCxn id="12" idx="1"/>
+          </p:cNvCxnSpPr>
+          <p:nvPr/>
+        </p:nvCxnSpPr>
+        <p:spPr>
+          <a:xfrm flipH="1">
+            <a:off x="2220686" y="5392865"/>
+            <a:ext cx="4593771" cy="1000493"/>
+          </a:xfrm>
+          <a:prstGeom prst="straightConnector1">
+            <a:avLst/>
+          </a:prstGeom>
+          <a:ln>
+            <a:tailEnd type="triangle"/>
+          </a:ln>
+        </p:spPr>
+        <p:style>
+          <a:lnRef idx="1">
+            <a:schemeClr val="accent1"/>
+          </a:lnRef>
+          <a:fillRef idx="0">
+            <a:schemeClr val="accent1"/>
+          </a:fillRef>
+          <a:effectRef idx="0">
+            <a:schemeClr val="accent1"/>
+          </a:effectRef>
+          <a:fontRef idx="minor">
+            <a:schemeClr val="tx1"/>
+          </a:fontRef>
+        </p:style>
+      </p:cxnSp>
+    </p:spTree>
+    <p:extLst>
+      <p:ext uri="{BB962C8B-B14F-4D97-AF65-F5344CB8AC3E}">
+        <p14:creationId xmlns:p14="http://schemas.microsoft.com/office/powerpoint/2010/main" val="934341993"/>
+      </p:ext>
+    </p:extLst>
+  </p:cSld>
+  <p:clrMapOvr>
+    <a:masterClrMapping/>
+  </p:clrMapOvr>
+</p:sld>
+</file>
+
+<file path=ppt/slides/slide14.xml><?xml version="1.0" encoding="utf-8"?>
+<p:sld xmlns:a="http://schemas.openxmlformats.org/drawingml/2006/main" xmlns:r="http://schemas.openxmlformats.org/officeDocument/2006/relationships" xmlns:p="http://schemas.openxmlformats.org/presentationml/2006/main">
+  <p:cSld>
+    <p:spTree>
+      <p:nvGrpSpPr>
+        <p:cNvPr id="1" name=""/>
+        <p:cNvGrpSpPr/>
+        <p:nvPr/>
+      </p:nvGrpSpPr>
+      <p:grpSpPr>
+        <a:xfrm>
+          <a:off x="0" y="0"/>
+          <a:ext cx="0" cy="0"/>
+          <a:chOff x="0" y="0"/>
+          <a:chExt cx="0" cy="0"/>
+        </a:xfrm>
+      </p:grpSpPr>
+      <p:sp>
+        <p:nvSpPr>
+          <p:cNvPr id="20" name="Rectangle 19">
+            <a:extLst>
+              <a:ext uri="{FF2B5EF4-FFF2-40B4-BE49-F238E27FC236}">
+                <a16:creationId xmlns:a16="http://schemas.microsoft.com/office/drawing/2014/main" id="{E6E3ED99-1198-F631-2BD5-F7DB8C3639F9}"/>
+              </a:ext>
+            </a:extLst>
+          </p:cNvPr>
+          <p:cNvSpPr/>
+          <p:nvPr/>
+        </p:nvSpPr>
+        <p:spPr>
+          <a:xfrm>
+            <a:off x="109635" y="516104"/>
+            <a:ext cx="11777565" cy="5996663"/>
+          </a:xfrm>
+          <a:prstGeom prst="rect">
+            <a:avLst/>
+          </a:prstGeom>
+        </p:spPr>
+        <p:style>
+          <a:lnRef idx="2">
+            <a:schemeClr val="accent6"/>
+          </a:lnRef>
+          <a:fillRef idx="1">
+            <a:schemeClr val="lt1"/>
+          </a:fillRef>
+          <a:effectRef idx="0">
+            <a:schemeClr val="accent6"/>
+          </a:effectRef>
+          <a:fontRef idx="minor">
+            <a:schemeClr val="dk1"/>
+          </a:fontRef>
+        </p:style>
+        <p:txBody>
+          <a:bodyPr rtlCol="0" anchor="ctr"/>
+          <a:lstStyle/>
+          <a:p>
+            <a:pPr algn="ctr"/>
+            <a:endParaRPr lang="en-US"/>
+          </a:p>
+        </p:txBody>
+      </p:sp>
+      <p:sp>
+        <p:nvSpPr>
+          <p:cNvPr id="2" name="Arrow: Down 1">
+            <a:extLst>
+              <a:ext uri="{FF2B5EF4-FFF2-40B4-BE49-F238E27FC236}">
+                <a16:creationId xmlns:a16="http://schemas.microsoft.com/office/drawing/2014/main" id="{D48EFA08-265C-3BCF-F5CB-2C88B7135326}"/>
+              </a:ext>
+            </a:extLst>
+          </p:cNvPr>
+          <p:cNvSpPr/>
+          <p:nvPr/>
+        </p:nvSpPr>
+        <p:spPr>
+          <a:xfrm>
+            <a:off x="541176" y="718457"/>
+            <a:ext cx="186612" cy="5551714"/>
+          </a:xfrm>
+          <a:prstGeom prst="downArrow">
+            <a:avLst/>
+          </a:prstGeom>
+        </p:spPr>
+        <p:style>
+          <a:lnRef idx="2">
+            <a:schemeClr val="accent1">
+              <a:shade val="50000"/>
+            </a:schemeClr>
+          </a:lnRef>
+          <a:fillRef idx="1">
+            <a:schemeClr val="accent1"/>
+          </a:fillRef>
+          <a:effectRef idx="0">
+            <a:schemeClr val="accent1"/>
+          </a:effectRef>
+          <a:fontRef idx="minor">
+            <a:schemeClr val="lt1"/>
+          </a:fontRef>
+        </p:style>
+        <p:txBody>
+          <a:bodyPr rtlCol="0" anchor="ctr"/>
+          <a:lstStyle/>
+          <a:p>
+            <a:pPr algn="ctr"/>
+            <a:endParaRPr lang="en-US"/>
+          </a:p>
+        </p:txBody>
+      </p:sp>
+      <p:sp>
+        <p:nvSpPr>
+          <p:cNvPr id="3" name="TextBox 2">
+            <a:extLst>
+              <a:ext uri="{FF2B5EF4-FFF2-40B4-BE49-F238E27FC236}">
+                <a16:creationId xmlns:a16="http://schemas.microsoft.com/office/drawing/2014/main" id="{09B64539-5CB4-D4E9-C8E6-810D8D27A4C9}"/>
+              </a:ext>
+            </a:extLst>
+          </p:cNvPr>
+          <p:cNvSpPr txBox="1"/>
+          <p:nvPr/>
+        </p:nvSpPr>
+        <p:spPr>
+          <a:xfrm>
+            <a:off x="167951" y="419284"/>
+            <a:ext cx="3228392" cy="369332"/>
+          </a:xfrm>
+          <a:prstGeom prst="rect">
+            <a:avLst/>
+          </a:prstGeom>
+          <a:noFill/>
+        </p:spPr>
+        <p:txBody>
+          <a:bodyPr wrap="square" rtlCol="0">
+            <a:spAutoFit/>
+          </a:bodyPr>
+          <a:lstStyle/>
+          <a:p>
+            <a:r>
+              <a:rPr lang="en-US" dirty="0"/>
+              <a:t>Main Thread</a:t>
+            </a:r>
+          </a:p>
+        </p:txBody>
+      </p:sp>
+      <p:sp>
+        <p:nvSpPr>
+          <p:cNvPr id="4" name="Rectangle: Rounded Corners 3">
+            <a:extLst>
+              <a:ext uri="{FF2B5EF4-FFF2-40B4-BE49-F238E27FC236}">
+                <a16:creationId xmlns:a16="http://schemas.microsoft.com/office/drawing/2014/main" id="{851C9C1E-9A6D-9B4D-2268-DEAC3BEE2A9A}"/>
+              </a:ext>
+            </a:extLst>
+          </p:cNvPr>
+          <p:cNvSpPr/>
+          <p:nvPr/>
+        </p:nvSpPr>
+        <p:spPr>
+          <a:xfrm>
+            <a:off x="839755" y="718457"/>
+            <a:ext cx="1642188" cy="877078"/>
+          </a:xfrm>
+          <a:prstGeom prst="roundRect">
+            <a:avLst/>
+          </a:prstGeom>
+        </p:spPr>
+        <p:style>
+          <a:lnRef idx="2">
+            <a:schemeClr val="accent1">
+              <a:shade val="50000"/>
+            </a:schemeClr>
+          </a:lnRef>
+          <a:fillRef idx="1">
+            <a:schemeClr val="accent1"/>
+          </a:fillRef>
+          <a:effectRef idx="0">
+            <a:schemeClr val="accent1"/>
+          </a:effectRef>
+          <a:fontRef idx="minor">
+            <a:schemeClr val="lt1"/>
+          </a:fontRef>
+        </p:style>
+        <p:txBody>
+          <a:bodyPr rtlCol="0" anchor="ctr"/>
+          <a:lstStyle/>
+          <a:p>
+            <a:pPr algn="ctr"/>
+            <a:r>
+              <a:rPr lang="en-US" dirty="0"/>
+              <a:t>Entry</a:t>
+            </a:r>
+          </a:p>
+          <a:p>
+            <a:pPr algn="ctr"/>
+            <a:r>
+              <a:rPr lang="en-US" dirty="0"/>
+              <a:t>Point</a:t>
+            </a:r>
+          </a:p>
+        </p:txBody>
+      </p:sp>
+      <p:sp>
+        <p:nvSpPr>
+          <p:cNvPr id="5" name="Rectangle 4">
+            <a:extLst>
+              <a:ext uri="{FF2B5EF4-FFF2-40B4-BE49-F238E27FC236}">
+                <a16:creationId xmlns:a16="http://schemas.microsoft.com/office/drawing/2014/main" id="{6FB9468A-FFA7-5FE2-EE4F-C2AA5D2F8505}"/>
+              </a:ext>
+            </a:extLst>
+          </p:cNvPr>
+          <p:cNvSpPr/>
+          <p:nvPr/>
+        </p:nvSpPr>
+        <p:spPr>
+          <a:xfrm>
+            <a:off x="839755" y="1804701"/>
+            <a:ext cx="1726163" cy="4269528"/>
+          </a:xfrm>
+          <a:prstGeom prst="rect">
+            <a:avLst/>
+          </a:prstGeom>
+        </p:spPr>
+        <p:style>
+          <a:lnRef idx="2">
+            <a:schemeClr val="accent6"/>
+          </a:lnRef>
+          <a:fillRef idx="1">
+            <a:schemeClr val="lt1"/>
+          </a:fillRef>
+          <a:effectRef idx="0">
+            <a:schemeClr val="accent6"/>
+          </a:effectRef>
+          <a:fontRef idx="minor">
+            <a:schemeClr val="dk1"/>
+          </a:fontRef>
+        </p:style>
+        <p:txBody>
+          <a:bodyPr rtlCol="0" anchor="ctr"/>
+          <a:lstStyle/>
+          <a:p>
+            <a:pPr algn="ctr"/>
+            <a:endParaRPr lang="en-US"/>
+          </a:p>
+        </p:txBody>
+      </p:sp>
+      <p:sp>
+        <p:nvSpPr>
+          <p:cNvPr id="6" name="Oval 5">
+            <a:extLst>
+              <a:ext uri="{FF2B5EF4-FFF2-40B4-BE49-F238E27FC236}">
+                <a16:creationId xmlns:a16="http://schemas.microsoft.com/office/drawing/2014/main" id="{870E000B-8820-979F-E6CA-55EF7B6CE943}"/>
+              </a:ext>
+            </a:extLst>
+          </p:cNvPr>
+          <p:cNvSpPr/>
+          <p:nvPr/>
+        </p:nvSpPr>
+        <p:spPr>
+          <a:xfrm>
+            <a:off x="923731" y="2080727"/>
+            <a:ext cx="587828" cy="466530"/>
+          </a:xfrm>
+          <a:prstGeom prst="ellipse">
+            <a:avLst/>
+          </a:prstGeom>
+        </p:spPr>
+        <p:style>
+          <a:lnRef idx="2">
+            <a:schemeClr val="accent1">
+              <a:shade val="50000"/>
+            </a:schemeClr>
+          </a:lnRef>
+          <a:fillRef idx="1">
+            <a:schemeClr val="accent1"/>
+          </a:fillRef>
+          <a:effectRef idx="0">
+            <a:schemeClr val="accent1"/>
+          </a:effectRef>
+          <a:fontRef idx="minor">
+            <a:schemeClr val="lt1"/>
+          </a:fontRef>
+        </p:style>
+        <p:txBody>
+          <a:bodyPr rtlCol="0" anchor="ctr"/>
+          <a:lstStyle/>
+          <a:p>
+            <a:pPr algn="ctr"/>
+            <a:endParaRPr lang="en-US"/>
+          </a:p>
+        </p:txBody>
+      </p:sp>
+      <p:sp>
+        <p:nvSpPr>
+          <p:cNvPr id="7" name="Oval 6">
+            <a:extLst>
+              <a:ext uri="{FF2B5EF4-FFF2-40B4-BE49-F238E27FC236}">
+                <a16:creationId xmlns:a16="http://schemas.microsoft.com/office/drawing/2014/main" id="{817BEFEB-8D31-AFDA-D79F-A57008134F63}"/>
+              </a:ext>
+            </a:extLst>
+          </p:cNvPr>
+          <p:cNvSpPr/>
+          <p:nvPr/>
+        </p:nvSpPr>
+        <p:spPr>
+          <a:xfrm>
+            <a:off x="1758819" y="2890945"/>
+            <a:ext cx="587828" cy="466530"/>
+          </a:xfrm>
+          <a:prstGeom prst="ellipse">
+            <a:avLst/>
+          </a:prstGeom>
+        </p:spPr>
+        <p:style>
+          <a:lnRef idx="2">
+            <a:schemeClr val="accent1">
+              <a:shade val="50000"/>
+            </a:schemeClr>
+          </a:lnRef>
+          <a:fillRef idx="1">
+            <a:schemeClr val="accent1"/>
+          </a:fillRef>
+          <a:effectRef idx="0">
+            <a:schemeClr val="accent1"/>
+          </a:effectRef>
+          <a:fontRef idx="minor">
+            <a:schemeClr val="lt1"/>
+          </a:fontRef>
+        </p:style>
+        <p:txBody>
+          <a:bodyPr rtlCol="0" anchor="ctr"/>
+          <a:lstStyle/>
+          <a:p>
+            <a:pPr algn="ctr"/>
+            <a:endParaRPr lang="en-US"/>
+          </a:p>
+        </p:txBody>
+      </p:sp>
+      <p:sp>
+        <p:nvSpPr>
+          <p:cNvPr id="8" name="Oval 7">
+            <a:extLst>
+              <a:ext uri="{FF2B5EF4-FFF2-40B4-BE49-F238E27FC236}">
+                <a16:creationId xmlns:a16="http://schemas.microsoft.com/office/drawing/2014/main" id="{2B895DC4-FBC1-5640-8B3E-92956FD58FC7}"/>
+              </a:ext>
+            </a:extLst>
+          </p:cNvPr>
+          <p:cNvSpPr/>
+          <p:nvPr/>
+        </p:nvSpPr>
+        <p:spPr>
+          <a:xfrm>
+            <a:off x="923731" y="3706200"/>
+            <a:ext cx="587828" cy="466530"/>
+          </a:xfrm>
+          <a:prstGeom prst="ellipse">
+            <a:avLst/>
+          </a:prstGeom>
+        </p:spPr>
+        <p:style>
+          <a:lnRef idx="2">
+            <a:schemeClr val="accent1">
+              <a:shade val="50000"/>
+            </a:schemeClr>
+          </a:lnRef>
+          <a:fillRef idx="1">
+            <a:schemeClr val="accent1"/>
+          </a:fillRef>
+          <a:effectRef idx="0">
+            <a:schemeClr val="accent1"/>
+          </a:effectRef>
+          <a:fontRef idx="minor">
+            <a:schemeClr val="lt1"/>
+          </a:fontRef>
+        </p:style>
+        <p:txBody>
+          <a:bodyPr rtlCol="0" anchor="ctr"/>
+          <a:lstStyle/>
+          <a:p>
+            <a:pPr algn="ctr"/>
+            <a:endParaRPr lang="en-US"/>
+          </a:p>
+        </p:txBody>
+      </p:sp>
+      <p:sp>
+        <p:nvSpPr>
+          <p:cNvPr id="9" name="Oval 8">
+            <a:extLst>
+              <a:ext uri="{FF2B5EF4-FFF2-40B4-BE49-F238E27FC236}">
+                <a16:creationId xmlns:a16="http://schemas.microsoft.com/office/drawing/2014/main" id="{0159A026-0296-36D4-0EE4-56C8178A7142}"/>
+              </a:ext>
+            </a:extLst>
+          </p:cNvPr>
+          <p:cNvSpPr/>
+          <p:nvPr/>
+        </p:nvSpPr>
+        <p:spPr>
+          <a:xfrm>
+            <a:off x="1740158" y="4343792"/>
+            <a:ext cx="587828" cy="466530"/>
+          </a:xfrm>
+          <a:prstGeom prst="ellipse">
+            <a:avLst/>
+          </a:prstGeom>
+        </p:spPr>
+        <p:style>
+          <a:lnRef idx="2">
+            <a:schemeClr val="accent1">
+              <a:shade val="50000"/>
+            </a:schemeClr>
+          </a:lnRef>
+          <a:fillRef idx="1">
+            <a:schemeClr val="accent1"/>
+          </a:fillRef>
+          <a:effectRef idx="0">
+            <a:schemeClr val="accent1"/>
+          </a:effectRef>
+          <a:fontRef idx="minor">
+            <a:schemeClr val="lt1"/>
+          </a:fontRef>
+        </p:style>
+        <p:txBody>
+          <a:bodyPr rtlCol="0" anchor="ctr"/>
+          <a:lstStyle/>
+          <a:p>
+            <a:pPr algn="ctr"/>
+            <a:endParaRPr lang="en-US"/>
+          </a:p>
+        </p:txBody>
+      </p:sp>
+      <p:sp>
+        <p:nvSpPr>
+          <p:cNvPr id="10" name="Oval 9">
+            <a:extLst>
+              <a:ext uri="{FF2B5EF4-FFF2-40B4-BE49-F238E27FC236}">
+                <a16:creationId xmlns:a16="http://schemas.microsoft.com/office/drawing/2014/main" id="{66D04165-261A-9A14-C969-CDBBC70087BB}"/>
+              </a:ext>
+            </a:extLst>
+          </p:cNvPr>
+          <p:cNvSpPr/>
+          <p:nvPr/>
+        </p:nvSpPr>
+        <p:spPr>
+          <a:xfrm>
+            <a:off x="923731" y="5167996"/>
+            <a:ext cx="587828" cy="466530"/>
+          </a:xfrm>
+          <a:prstGeom prst="ellipse">
+            <a:avLst/>
+          </a:prstGeom>
+        </p:spPr>
+        <p:style>
+          <a:lnRef idx="2">
+            <a:schemeClr val="accent1">
+              <a:shade val="50000"/>
+            </a:schemeClr>
+          </a:lnRef>
+          <a:fillRef idx="1">
+            <a:schemeClr val="accent1"/>
+          </a:fillRef>
+          <a:effectRef idx="0">
+            <a:schemeClr val="accent1"/>
+          </a:effectRef>
+          <a:fontRef idx="minor">
+            <a:schemeClr val="lt1"/>
+          </a:fontRef>
+        </p:style>
+        <p:txBody>
+          <a:bodyPr rtlCol="0" anchor="ctr"/>
+          <a:lstStyle/>
+          <a:p>
+            <a:pPr algn="ctr"/>
+            <a:endParaRPr lang="en-US"/>
+          </a:p>
+        </p:txBody>
+      </p:sp>
+      <p:cxnSp>
+        <p:nvCxnSpPr>
+          <p:cNvPr id="12" name="Straight Arrow Connector 11">
+            <a:extLst>
+              <a:ext uri="{FF2B5EF4-FFF2-40B4-BE49-F238E27FC236}">
+                <a16:creationId xmlns:a16="http://schemas.microsoft.com/office/drawing/2014/main" id="{7EB18376-C055-8030-0AEF-B90693C807DB}"/>
+              </a:ext>
+            </a:extLst>
+          </p:cNvPr>
+          <p:cNvCxnSpPr>
+            <a:stCxn id="6" idx="4"/>
+            <a:endCxn id="8" idx="0"/>
+          </p:cNvCxnSpPr>
+          <p:nvPr/>
+        </p:nvCxnSpPr>
+        <p:spPr>
+          <a:xfrm>
+            <a:off x="1217645" y="2547257"/>
+            <a:ext cx="0" cy="1158943"/>
+          </a:xfrm>
+          <a:prstGeom prst="straightConnector1">
+            <a:avLst/>
+          </a:prstGeom>
+          <a:ln>
+            <a:tailEnd type="triangle"/>
+          </a:ln>
+        </p:spPr>
+        <p:style>
+          <a:lnRef idx="1">
+            <a:schemeClr val="accent1"/>
+          </a:lnRef>
+          <a:fillRef idx="0">
+            <a:schemeClr val="accent1"/>
+          </a:fillRef>
+          <a:effectRef idx="0">
+            <a:schemeClr val="accent1"/>
+          </a:effectRef>
+          <a:fontRef idx="minor">
+            <a:schemeClr val="tx1"/>
+          </a:fontRef>
+        </p:style>
+      </p:cxnSp>
+      <p:cxnSp>
+        <p:nvCxnSpPr>
+          <p:cNvPr id="14" name="Straight Arrow Connector 13">
+            <a:extLst>
+              <a:ext uri="{FF2B5EF4-FFF2-40B4-BE49-F238E27FC236}">
+                <a16:creationId xmlns:a16="http://schemas.microsoft.com/office/drawing/2014/main" id="{31BC932D-BD67-AE3C-E4EB-20A8D0ED4968}"/>
+              </a:ext>
+            </a:extLst>
+          </p:cNvPr>
+          <p:cNvCxnSpPr>
+            <a:cxnSpLocks/>
+            <a:stCxn id="8" idx="0"/>
+            <a:endCxn id="7" idx="4"/>
+          </p:cNvCxnSpPr>
+          <p:nvPr/>
+        </p:nvCxnSpPr>
+        <p:spPr>
+          <a:xfrm flipV="1">
+            <a:off x="1217645" y="3357475"/>
+            <a:ext cx="835088" cy="348725"/>
+          </a:xfrm>
+          <a:prstGeom prst="straightConnector1">
+            <a:avLst/>
+          </a:prstGeom>
+          <a:ln>
+            <a:tailEnd type="triangle"/>
+          </a:ln>
+        </p:spPr>
+        <p:style>
+          <a:lnRef idx="1">
+            <a:schemeClr val="accent1"/>
+          </a:lnRef>
+          <a:fillRef idx="0">
+            <a:schemeClr val="accent1"/>
+          </a:fillRef>
+          <a:effectRef idx="0">
+            <a:schemeClr val="accent1"/>
+          </a:effectRef>
+          <a:fontRef idx="minor">
+            <a:schemeClr val="tx1"/>
+          </a:fontRef>
+        </p:style>
+      </p:cxnSp>
+      <p:cxnSp>
+        <p:nvCxnSpPr>
+          <p:cNvPr id="17" name="Straight Arrow Connector 16">
+            <a:extLst>
+              <a:ext uri="{FF2B5EF4-FFF2-40B4-BE49-F238E27FC236}">
+                <a16:creationId xmlns:a16="http://schemas.microsoft.com/office/drawing/2014/main" id="{4D9BE739-B81F-1927-EADB-649B6D5F6C4B}"/>
+              </a:ext>
+            </a:extLst>
+          </p:cNvPr>
+          <p:cNvCxnSpPr>
+            <a:endCxn id="10" idx="0"/>
+          </p:cNvCxnSpPr>
+          <p:nvPr/>
+        </p:nvCxnSpPr>
+        <p:spPr>
+          <a:xfrm flipH="1">
+            <a:off x="1217645" y="3402964"/>
+            <a:ext cx="816427" cy="1765032"/>
+          </a:xfrm>
+          <a:prstGeom prst="straightConnector1">
+            <a:avLst/>
+          </a:prstGeom>
+          <a:ln>
+            <a:tailEnd type="triangle"/>
+          </a:ln>
+        </p:spPr>
+        <p:style>
+          <a:lnRef idx="1">
+            <a:schemeClr val="accent1"/>
+          </a:lnRef>
+          <a:fillRef idx="0">
+            <a:schemeClr val="accent1"/>
+          </a:fillRef>
+          <a:effectRef idx="0">
+            <a:schemeClr val="accent1"/>
+          </a:effectRef>
+          <a:fontRef idx="minor">
+            <a:schemeClr val="tx1"/>
+          </a:fontRef>
+        </p:style>
+      </p:cxnSp>
+      <p:cxnSp>
+        <p:nvCxnSpPr>
+          <p:cNvPr id="19" name="Straight Arrow Connector 18">
+            <a:extLst>
+              <a:ext uri="{FF2B5EF4-FFF2-40B4-BE49-F238E27FC236}">
+                <a16:creationId xmlns:a16="http://schemas.microsoft.com/office/drawing/2014/main" id="{07DF8197-3BF8-B92C-3785-8F4A116ED8F0}"/>
+              </a:ext>
+            </a:extLst>
+          </p:cNvPr>
+          <p:cNvCxnSpPr>
+            <a:stCxn id="10" idx="7"/>
+          </p:cNvCxnSpPr>
+          <p:nvPr/>
+        </p:nvCxnSpPr>
+        <p:spPr>
+          <a:xfrm flipV="1">
+            <a:off x="1425474" y="4810322"/>
+            <a:ext cx="627259" cy="425996"/>
+          </a:xfrm>
+          <a:prstGeom prst="straightConnector1">
+            <a:avLst/>
+          </a:prstGeom>
+          <a:ln>
+            <a:tailEnd type="triangle"/>
+          </a:ln>
+        </p:spPr>
+        <p:style>
+          <a:lnRef idx="1">
+            <a:schemeClr val="accent1"/>
+          </a:lnRef>
+          <a:fillRef idx="0">
+            <a:schemeClr val="accent1"/>
+          </a:fillRef>
+          <a:effectRef idx="0">
+            <a:schemeClr val="accent1"/>
+          </a:effectRef>
+          <a:fontRef idx="minor">
+            <a:schemeClr val="tx1"/>
+          </a:fontRef>
+        </p:style>
+      </p:cxnSp>
+      <p:sp>
+        <p:nvSpPr>
+          <p:cNvPr id="21" name="TextBox 20">
+            <a:extLst>
+              <a:ext uri="{FF2B5EF4-FFF2-40B4-BE49-F238E27FC236}">
+                <a16:creationId xmlns:a16="http://schemas.microsoft.com/office/drawing/2014/main" id="{01D921D0-776A-9AF4-ADD5-7FE4A479A4C8}"/>
+              </a:ext>
+            </a:extLst>
+          </p:cNvPr>
+          <p:cNvSpPr txBox="1"/>
+          <p:nvPr/>
+        </p:nvSpPr>
+        <p:spPr>
+          <a:xfrm>
+            <a:off x="2939143" y="133146"/>
+            <a:ext cx="2911151" cy="369332"/>
+          </a:xfrm>
+          <a:prstGeom prst="rect">
+            <a:avLst/>
+          </a:prstGeom>
+          <a:noFill/>
+        </p:spPr>
+        <p:txBody>
+          <a:bodyPr wrap="square" rtlCol="0">
+            <a:spAutoFit/>
+          </a:bodyPr>
+          <a:lstStyle/>
+          <a:p>
+            <a:pPr algn="ctr"/>
+            <a:r>
+              <a:rPr lang="en-US" b="1" dirty="0"/>
+              <a:t>CLR</a:t>
+            </a:r>
+          </a:p>
+        </p:txBody>
+      </p:sp>
+      <p:sp>
+        <p:nvSpPr>
+          <p:cNvPr id="22" name="Rectangle 21">
+            <a:extLst>
+              <a:ext uri="{FF2B5EF4-FFF2-40B4-BE49-F238E27FC236}">
+                <a16:creationId xmlns:a16="http://schemas.microsoft.com/office/drawing/2014/main" id="{5F9F71E3-775D-1F3A-A00D-3E605486CAE1}"/>
+              </a:ext>
+            </a:extLst>
+          </p:cNvPr>
+          <p:cNvSpPr/>
+          <p:nvPr/>
+        </p:nvSpPr>
+        <p:spPr>
+          <a:xfrm>
+            <a:off x="3760237" y="502478"/>
+            <a:ext cx="137849" cy="5972967"/>
+          </a:xfrm>
+          <a:prstGeom prst="rect">
+            <a:avLst/>
+          </a:prstGeom>
+          <a:solidFill>
+            <a:schemeClr val="accent2"/>
+          </a:solidFill>
+        </p:spPr>
+        <p:style>
+          <a:lnRef idx="2">
+            <a:schemeClr val="accent1">
+              <a:shade val="50000"/>
+            </a:schemeClr>
+          </a:lnRef>
+          <a:fillRef idx="1">
+            <a:schemeClr val="accent1"/>
+          </a:fillRef>
+          <a:effectRef idx="0">
+            <a:schemeClr val="accent1"/>
+          </a:effectRef>
+          <a:fontRef idx="minor">
+            <a:schemeClr val="lt1"/>
+          </a:fontRef>
+        </p:style>
+        <p:txBody>
+          <a:bodyPr rtlCol="0" anchor="ctr"/>
+          <a:lstStyle/>
+          <a:p>
+            <a:pPr algn="ctr"/>
+            <a:endParaRPr lang="en-US"/>
+          </a:p>
+        </p:txBody>
+      </p:sp>
+      <p:sp>
+        <p:nvSpPr>
+          <p:cNvPr id="23" name="Arrow: Down 22">
+            <a:extLst>
+              <a:ext uri="{FF2B5EF4-FFF2-40B4-BE49-F238E27FC236}">
+                <a16:creationId xmlns:a16="http://schemas.microsoft.com/office/drawing/2014/main" id="{99F876DC-AFAA-315C-3517-2A8A11496E82}"/>
+              </a:ext>
+            </a:extLst>
+          </p:cNvPr>
+          <p:cNvSpPr/>
+          <p:nvPr/>
+        </p:nvSpPr>
+        <p:spPr>
+          <a:xfrm>
+            <a:off x="4396826" y="804762"/>
+            <a:ext cx="186612" cy="5551714"/>
+          </a:xfrm>
+          <a:prstGeom prst="downArrow">
+            <a:avLst/>
+          </a:prstGeom>
+        </p:spPr>
+        <p:style>
+          <a:lnRef idx="2">
+            <a:schemeClr val="accent1">
+              <a:shade val="50000"/>
+            </a:schemeClr>
+          </a:lnRef>
+          <a:fillRef idx="1">
+            <a:schemeClr val="accent1"/>
+          </a:fillRef>
+          <a:effectRef idx="0">
+            <a:schemeClr val="accent1"/>
+          </a:effectRef>
+          <a:fontRef idx="minor">
+            <a:schemeClr val="lt1"/>
+          </a:fontRef>
+        </p:style>
+        <p:txBody>
+          <a:bodyPr rtlCol="0" anchor="ctr"/>
+          <a:lstStyle/>
+          <a:p>
+            <a:pPr algn="ctr"/>
+            <a:endParaRPr lang="en-US"/>
+          </a:p>
+        </p:txBody>
+      </p:sp>
+      <p:sp>
+        <p:nvSpPr>
+          <p:cNvPr id="24" name="TextBox 23">
+            <a:extLst>
+              <a:ext uri="{FF2B5EF4-FFF2-40B4-BE49-F238E27FC236}">
+                <a16:creationId xmlns:a16="http://schemas.microsoft.com/office/drawing/2014/main" id="{62DB578C-3414-56F8-F6DA-BA966F205F4F}"/>
+              </a:ext>
+            </a:extLst>
+          </p:cNvPr>
+          <p:cNvSpPr txBox="1"/>
+          <p:nvPr/>
+        </p:nvSpPr>
+        <p:spPr>
+          <a:xfrm>
+            <a:off x="4023601" y="505589"/>
+            <a:ext cx="3228392" cy="369332"/>
+          </a:xfrm>
+          <a:prstGeom prst="rect">
+            <a:avLst/>
+          </a:prstGeom>
+          <a:noFill/>
+        </p:spPr>
+        <p:txBody>
+          <a:bodyPr wrap="square" rtlCol="0">
+            <a:spAutoFit/>
+          </a:bodyPr>
+          <a:lstStyle/>
+          <a:p>
+            <a:r>
+              <a:rPr lang="en-US" dirty="0"/>
+              <a:t>Main Thread</a:t>
+            </a:r>
+          </a:p>
+        </p:txBody>
+      </p:sp>
+      <p:sp>
+        <p:nvSpPr>
+          <p:cNvPr id="25" name="Rectangle: Rounded Corners 24">
+            <a:extLst>
+              <a:ext uri="{FF2B5EF4-FFF2-40B4-BE49-F238E27FC236}">
+                <a16:creationId xmlns:a16="http://schemas.microsoft.com/office/drawing/2014/main" id="{B797BD2D-880D-D624-FBF1-216ABD3218B3}"/>
+              </a:ext>
+            </a:extLst>
+          </p:cNvPr>
+          <p:cNvSpPr/>
+          <p:nvPr/>
+        </p:nvSpPr>
+        <p:spPr>
+          <a:xfrm>
+            <a:off x="4695405" y="804762"/>
+            <a:ext cx="1642188" cy="877078"/>
+          </a:xfrm>
+          <a:prstGeom prst="roundRect">
+            <a:avLst/>
+          </a:prstGeom>
+        </p:spPr>
+        <p:style>
+          <a:lnRef idx="2">
+            <a:schemeClr val="accent1">
+              <a:shade val="50000"/>
+            </a:schemeClr>
+          </a:lnRef>
+          <a:fillRef idx="1">
+            <a:schemeClr val="accent1"/>
+          </a:fillRef>
+          <a:effectRef idx="0">
+            <a:schemeClr val="accent1"/>
+          </a:effectRef>
+          <a:fontRef idx="minor">
+            <a:schemeClr val="lt1"/>
+          </a:fontRef>
+        </p:style>
+        <p:txBody>
+          <a:bodyPr rtlCol="0" anchor="ctr"/>
+          <a:lstStyle/>
+          <a:p>
+            <a:pPr algn="ctr"/>
+            <a:r>
+              <a:rPr lang="en-US" dirty="0"/>
+              <a:t>Entry</a:t>
+            </a:r>
+          </a:p>
+          <a:p>
+            <a:pPr algn="ctr"/>
+            <a:r>
+              <a:rPr lang="en-US" dirty="0"/>
+              <a:t>Point</a:t>
+            </a:r>
+          </a:p>
+        </p:txBody>
+      </p:sp>
+      <p:sp>
+        <p:nvSpPr>
+          <p:cNvPr id="26" name="Rectangle 25">
+            <a:extLst>
+              <a:ext uri="{FF2B5EF4-FFF2-40B4-BE49-F238E27FC236}">
+                <a16:creationId xmlns:a16="http://schemas.microsoft.com/office/drawing/2014/main" id="{8E787CF5-A9DA-B539-1F88-1BA95E72EDF2}"/>
+              </a:ext>
+            </a:extLst>
+          </p:cNvPr>
+          <p:cNvSpPr/>
+          <p:nvPr/>
+        </p:nvSpPr>
+        <p:spPr>
+          <a:xfrm>
+            <a:off x="4695405" y="1891006"/>
+            <a:ext cx="1726163" cy="4269528"/>
+          </a:xfrm>
+          <a:prstGeom prst="rect">
+            <a:avLst/>
+          </a:prstGeom>
+        </p:spPr>
+        <p:style>
+          <a:lnRef idx="2">
+            <a:schemeClr val="accent6"/>
+          </a:lnRef>
+          <a:fillRef idx="1">
+            <a:schemeClr val="lt1"/>
+          </a:fillRef>
+          <a:effectRef idx="0">
+            <a:schemeClr val="accent6"/>
+          </a:effectRef>
+          <a:fontRef idx="minor">
+            <a:schemeClr val="dk1"/>
+          </a:fontRef>
+        </p:style>
+        <p:txBody>
+          <a:bodyPr rtlCol="0" anchor="ctr"/>
+          <a:lstStyle/>
+          <a:p>
+            <a:pPr algn="ctr"/>
+            <a:endParaRPr lang="en-US"/>
+          </a:p>
+        </p:txBody>
+      </p:sp>
+      <p:sp>
+        <p:nvSpPr>
+          <p:cNvPr id="27" name="Oval 26">
+            <a:extLst>
+              <a:ext uri="{FF2B5EF4-FFF2-40B4-BE49-F238E27FC236}">
+                <a16:creationId xmlns:a16="http://schemas.microsoft.com/office/drawing/2014/main" id="{15DCB89E-4D81-A38B-6272-EE9389EE78E2}"/>
+              </a:ext>
+            </a:extLst>
+          </p:cNvPr>
+          <p:cNvSpPr/>
+          <p:nvPr/>
+        </p:nvSpPr>
+        <p:spPr>
+          <a:xfrm>
+            <a:off x="4779381" y="2167032"/>
+            <a:ext cx="587828" cy="466530"/>
+          </a:xfrm>
+          <a:prstGeom prst="ellipse">
+            <a:avLst/>
+          </a:prstGeom>
+        </p:spPr>
+        <p:style>
+          <a:lnRef idx="2">
+            <a:schemeClr val="accent1">
+              <a:shade val="50000"/>
+            </a:schemeClr>
+          </a:lnRef>
+          <a:fillRef idx="1">
+            <a:schemeClr val="accent1"/>
+          </a:fillRef>
+          <a:effectRef idx="0">
+            <a:schemeClr val="accent1"/>
+          </a:effectRef>
+          <a:fontRef idx="minor">
+            <a:schemeClr val="lt1"/>
+          </a:fontRef>
+        </p:style>
+        <p:txBody>
+          <a:bodyPr rtlCol="0" anchor="ctr"/>
+          <a:lstStyle/>
+          <a:p>
+            <a:pPr algn="ctr"/>
+            <a:endParaRPr lang="en-US"/>
+          </a:p>
+        </p:txBody>
+      </p:sp>
+      <p:sp>
+        <p:nvSpPr>
+          <p:cNvPr id="28" name="Oval 27">
+            <a:extLst>
+              <a:ext uri="{FF2B5EF4-FFF2-40B4-BE49-F238E27FC236}">
+                <a16:creationId xmlns:a16="http://schemas.microsoft.com/office/drawing/2014/main" id="{1048E7ED-C18E-6BFF-EA40-54D7DB3D64D0}"/>
+              </a:ext>
+            </a:extLst>
+          </p:cNvPr>
+          <p:cNvSpPr/>
+          <p:nvPr/>
+        </p:nvSpPr>
+        <p:spPr>
+          <a:xfrm>
+            <a:off x="5614469" y="2977250"/>
+            <a:ext cx="587828" cy="466530"/>
+          </a:xfrm>
+          <a:prstGeom prst="ellipse">
+            <a:avLst/>
+          </a:prstGeom>
+        </p:spPr>
+        <p:style>
+          <a:lnRef idx="2">
+            <a:schemeClr val="accent1">
+              <a:shade val="50000"/>
+            </a:schemeClr>
+          </a:lnRef>
+          <a:fillRef idx="1">
+            <a:schemeClr val="accent1"/>
+          </a:fillRef>
+          <a:effectRef idx="0">
+            <a:schemeClr val="accent1"/>
+          </a:effectRef>
+          <a:fontRef idx="minor">
+            <a:schemeClr val="lt1"/>
+          </a:fontRef>
+        </p:style>
+        <p:txBody>
+          <a:bodyPr rtlCol="0" anchor="ctr"/>
+          <a:lstStyle/>
+          <a:p>
+            <a:pPr algn="ctr"/>
+            <a:endParaRPr lang="en-US"/>
+          </a:p>
+        </p:txBody>
+      </p:sp>
+      <p:sp>
+        <p:nvSpPr>
+          <p:cNvPr id="29" name="Oval 28">
+            <a:extLst>
+              <a:ext uri="{FF2B5EF4-FFF2-40B4-BE49-F238E27FC236}">
+                <a16:creationId xmlns:a16="http://schemas.microsoft.com/office/drawing/2014/main" id="{83B9FCE6-D378-6FCD-47BA-42E11E7522D5}"/>
+              </a:ext>
+            </a:extLst>
+          </p:cNvPr>
+          <p:cNvSpPr/>
+          <p:nvPr/>
+        </p:nvSpPr>
+        <p:spPr>
+          <a:xfrm>
+            <a:off x="5595808" y="4430097"/>
+            <a:ext cx="587828" cy="466530"/>
+          </a:xfrm>
+          <a:prstGeom prst="ellipse">
+            <a:avLst/>
+          </a:prstGeom>
+        </p:spPr>
+        <p:style>
+          <a:lnRef idx="2">
+            <a:schemeClr val="accent1">
+              <a:shade val="50000"/>
+            </a:schemeClr>
+          </a:lnRef>
+          <a:fillRef idx="1">
+            <a:schemeClr val="accent1"/>
+          </a:fillRef>
+          <a:effectRef idx="0">
+            <a:schemeClr val="accent1"/>
+          </a:effectRef>
+          <a:fontRef idx="minor">
+            <a:schemeClr val="lt1"/>
+          </a:fontRef>
+        </p:style>
+        <p:txBody>
+          <a:bodyPr rtlCol="0" anchor="ctr"/>
+          <a:lstStyle/>
+          <a:p>
+            <a:pPr algn="ctr"/>
+            <a:endParaRPr lang="en-US"/>
+          </a:p>
+        </p:txBody>
+      </p:sp>
+      <p:sp>
+        <p:nvSpPr>
+          <p:cNvPr id="30" name="Oval 29">
+            <a:extLst>
+              <a:ext uri="{FF2B5EF4-FFF2-40B4-BE49-F238E27FC236}">
+                <a16:creationId xmlns:a16="http://schemas.microsoft.com/office/drawing/2014/main" id="{06725B4D-F50C-D777-B7BC-AD8B32495918}"/>
+              </a:ext>
+            </a:extLst>
+          </p:cNvPr>
+          <p:cNvSpPr/>
+          <p:nvPr/>
+        </p:nvSpPr>
+        <p:spPr>
+          <a:xfrm>
+            <a:off x="4779381" y="5254301"/>
+            <a:ext cx="587828" cy="466530"/>
+          </a:xfrm>
+          <a:prstGeom prst="ellipse">
+            <a:avLst/>
+          </a:prstGeom>
+        </p:spPr>
+        <p:style>
+          <a:lnRef idx="2">
+            <a:schemeClr val="accent1">
+              <a:shade val="50000"/>
+            </a:schemeClr>
+          </a:lnRef>
+          <a:fillRef idx="1">
+            <a:schemeClr val="accent1"/>
+          </a:fillRef>
+          <a:effectRef idx="0">
+            <a:schemeClr val="accent1"/>
+          </a:effectRef>
+          <a:fontRef idx="minor">
+            <a:schemeClr val="lt1"/>
+          </a:fontRef>
+        </p:style>
+        <p:txBody>
+          <a:bodyPr rtlCol="0" anchor="ctr"/>
+          <a:lstStyle/>
+          <a:p>
+            <a:pPr algn="ctr"/>
+            <a:endParaRPr lang="en-US"/>
+          </a:p>
+        </p:txBody>
+      </p:sp>
+      <p:cxnSp>
+        <p:nvCxnSpPr>
+          <p:cNvPr id="31" name="Straight Arrow Connector 30">
+            <a:extLst>
+              <a:ext uri="{FF2B5EF4-FFF2-40B4-BE49-F238E27FC236}">
+                <a16:creationId xmlns:a16="http://schemas.microsoft.com/office/drawing/2014/main" id="{59E39CB8-67B8-D361-D0A4-68ED3C7FA3EE}"/>
+              </a:ext>
+            </a:extLst>
+          </p:cNvPr>
+          <p:cNvCxnSpPr>
+            <a:stCxn id="27" idx="4"/>
+          </p:cNvCxnSpPr>
+          <p:nvPr/>
+        </p:nvCxnSpPr>
+        <p:spPr>
+          <a:xfrm>
+            <a:off x="5073295" y="2633562"/>
+            <a:ext cx="0" cy="1158943"/>
+          </a:xfrm>
+          <a:prstGeom prst="straightConnector1">
+            <a:avLst/>
+          </a:prstGeom>
+          <a:ln>
+            <a:tailEnd type="triangle"/>
+          </a:ln>
+        </p:spPr>
+        <p:style>
+          <a:lnRef idx="1">
+            <a:schemeClr val="accent1"/>
+          </a:lnRef>
+          <a:fillRef idx="0">
+            <a:schemeClr val="accent1"/>
+          </a:fillRef>
+          <a:effectRef idx="0">
+            <a:schemeClr val="accent1"/>
+          </a:effectRef>
+          <a:fontRef idx="minor">
+            <a:schemeClr val="tx1"/>
+          </a:fontRef>
+        </p:style>
+      </p:cxnSp>
+      <p:cxnSp>
+        <p:nvCxnSpPr>
+          <p:cNvPr id="32" name="Straight Arrow Connector 31">
+            <a:extLst>
+              <a:ext uri="{FF2B5EF4-FFF2-40B4-BE49-F238E27FC236}">
+                <a16:creationId xmlns:a16="http://schemas.microsoft.com/office/drawing/2014/main" id="{E186589E-96C9-DC86-9CC1-A22A081945F4}"/>
+              </a:ext>
+            </a:extLst>
+          </p:cNvPr>
+          <p:cNvCxnSpPr>
+            <a:cxnSpLocks/>
+            <a:endCxn id="28" idx="4"/>
+          </p:cNvCxnSpPr>
+          <p:nvPr/>
+        </p:nvCxnSpPr>
+        <p:spPr>
+          <a:xfrm flipV="1">
+            <a:off x="5073295" y="3443780"/>
+            <a:ext cx="835088" cy="348725"/>
+          </a:xfrm>
+          <a:prstGeom prst="straightConnector1">
+            <a:avLst/>
+          </a:prstGeom>
+          <a:ln>
+            <a:tailEnd type="triangle"/>
+          </a:ln>
+        </p:spPr>
+        <p:style>
+          <a:lnRef idx="1">
+            <a:schemeClr val="accent1"/>
+          </a:lnRef>
+          <a:fillRef idx="0">
+            <a:schemeClr val="accent1"/>
+          </a:fillRef>
+          <a:effectRef idx="0">
+            <a:schemeClr val="accent1"/>
+          </a:effectRef>
+          <a:fontRef idx="minor">
+            <a:schemeClr val="tx1"/>
+          </a:fontRef>
+        </p:style>
+      </p:cxnSp>
+      <p:cxnSp>
+        <p:nvCxnSpPr>
+          <p:cNvPr id="33" name="Straight Arrow Connector 32">
+            <a:extLst>
+              <a:ext uri="{FF2B5EF4-FFF2-40B4-BE49-F238E27FC236}">
+                <a16:creationId xmlns:a16="http://schemas.microsoft.com/office/drawing/2014/main" id="{A9EF8B50-0ECD-0E11-BA7C-FE22A0053106}"/>
+              </a:ext>
+            </a:extLst>
+          </p:cNvPr>
+          <p:cNvCxnSpPr>
+            <a:endCxn id="30" idx="0"/>
+          </p:cNvCxnSpPr>
+          <p:nvPr/>
+        </p:nvCxnSpPr>
+        <p:spPr>
+          <a:xfrm flipH="1">
+            <a:off x="5073295" y="3489269"/>
+            <a:ext cx="816427" cy="1765032"/>
+          </a:xfrm>
+          <a:prstGeom prst="straightConnector1">
+            <a:avLst/>
+          </a:prstGeom>
+          <a:ln>
+            <a:tailEnd type="triangle"/>
+          </a:ln>
+        </p:spPr>
+        <p:style>
+          <a:lnRef idx="1">
+            <a:schemeClr val="accent1"/>
+          </a:lnRef>
+          <a:fillRef idx="0">
+            <a:schemeClr val="accent1"/>
+          </a:fillRef>
+          <a:effectRef idx="0">
+            <a:schemeClr val="accent1"/>
+          </a:effectRef>
+          <a:fontRef idx="minor">
+            <a:schemeClr val="tx1"/>
+          </a:fontRef>
+        </p:style>
+      </p:cxnSp>
+      <p:cxnSp>
+        <p:nvCxnSpPr>
+          <p:cNvPr id="34" name="Straight Arrow Connector 33">
+            <a:extLst>
+              <a:ext uri="{FF2B5EF4-FFF2-40B4-BE49-F238E27FC236}">
+                <a16:creationId xmlns:a16="http://schemas.microsoft.com/office/drawing/2014/main" id="{3A670DCB-2D14-C48F-F70E-B1CFF59E729D}"/>
+              </a:ext>
+            </a:extLst>
+          </p:cNvPr>
+          <p:cNvCxnSpPr>
+            <a:stCxn id="30" idx="7"/>
+          </p:cNvCxnSpPr>
+          <p:nvPr/>
+        </p:nvCxnSpPr>
+        <p:spPr>
+          <a:xfrm flipV="1">
+            <a:off x="5281124" y="4896627"/>
+            <a:ext cx="627259" cy="425996"/>
+          </a:xfrm>
+          <a:prstGeom prst="straightConnector1">
+            <a:avLst/>
+          </a:prstGeom>
+          <a:ln>
+            <a:tailEnd type="triangle"/>
+          </a:ln>
+        </p:spPr>
+        <p:style>
+          <a:lnRef idx="1">
+            <a:schemeClr val="accent1"/>
+          </a:lnRef>
+          <a:fillRef idx="0">
+            <a:schemeClr val="accent1"/>
+          </a:fillRef>
+          <a:effectRef idx="0">
+            <a:schemeClr val="accent1"/>
+          </a:effectRef>
+          <a:fontRef idx="minor">
+            <a:schemeClr val="tx1"/>
+          </a:fontRef>
+        </p:style>
+      </p:cxnSp>
+      <p:sp>
+        <p:nvSpPr>
+          <p:cNvPr id="35" name="Rectangle 34">
+            <a:extLst>
+              <a:ext uri="{FF2B5EF4-FFF2-40B4-BE49-F238E27FC236}">
+                <a16:creationId xmlns:a16="http://schemas.microsoft.com/office/drawing/2014/main" id="{D9E44613-B75C-8656-7BBE-DDEAC67A6D2E}"/>
+              </a:ext>
+            </a:extLst>
+          </p:cNvPr>
+          <p:cNvSpPr/>
+          <p:nvPr/>
+        </p:nvSpPr>
+        <p:spPr>
+          <a:xfrm>
+            <a:off x="6979299" y="502477"/>
+            <a:ext cx="137849" cy="5972967"/>
+          </a:xfrm>
+          <a:prstGeom prst="rect">
+            <a:avLst/>
+          </a:prstGeom>
+          <a:solidFill>
+            <a:schemeClr val="accent2"/>
+          </a:solidFill>
+        </p:spPr>
+        <p:style>
+          <a:lnRef idx="2">
+            <a:schemeClr val="accent1">
+              <a:shade val="50000"/>
+            </a:schemeClr>
+          </a:lnRef>
+          <a:fillRef idx="1">
+            <a:schemeClr val="accent1"/>
+          </a:fillRef>
+          <a:effectRef idx="0">
+            <a:schemeClr val="accent1"/>
+          </a:effectRef>
+          <a:fontRef idx="minor">
+            <a:schemeClr val="lt1"/>
+          </a:fontRef>
+        </p:style>
+        <p:txBody>
+          <a:bodyPr rtlCol="0" anchor="ctr"/>
+          <a:lstStyle/>
+          <a:p>
+            <a:pPr algn="ctr"/>
+            <a:endParaRPr lang="en-US"/>
+          </a:p>
+        </p:txBody>
+      </p:sp>
+      <p:sp>
+        <p:nvSpPr>
+          <p:cNvPr id="37" name="Arrow: Right 36">
+            <a:extLst>
+              <a:ext uri="{FF2B5EF4-FFF2-40B4-BE49-F238E27FC236}">
+                <a16:creationId xmlns:a16="http://schemas.microsoft.com/office/drawing/2014/main" id="{9C633D39-C56F-5542-4986-3787F6F8A59E}"/>
+              </a:ext>
+            </a:extLst>
+          </p:cNvPr>
+          <p:cNvSpPr/>
+          <p:nvPr/>
+        </p:nvSpPr>
+        <p:spPr>
+          <a:xfrm>
+            <a:off x="7545907" y="1968759"/>
+            <a:ext cx="3230950" cy="494523"/>
+          </a:xfrm>
+          <a:prstGeom prst="rightArrow">
+            <a:avLst/>
+          </a:prstGeom>
+        </p:spPr>
+        <p:style>
+          <a:lnRef idx="2">
+            <a:schemeClr val="accent1">
+              <a:shade val="50000"/>
+            </a:schemeClr>
+          </a:lnRef>
+          <a:fillRef idx="1">
+            <a:schemeClr val="accent1"/>
+          </a:fillRef>
+          <a:effectRef idx="0">
+            <a:schemeClr val="accent1"/>
+          </a:effectRef>
+          <a:fontRef idx="minor">
+            <a:schemeClr val="lt1"/>
+          </a:fontRef>
+        </p:style>
+        <p:txBody>
+          <a:bodyPr rtlCol="0" anchor="ctr"/>
+          <a:lstStyle/>
+          <a:p>
+            <a:pPr algn="ctr"/>
+            <a:endParaRPr lang="en-US"/>
+          </a:p>
+        </p:txBody>
+      </p:sp>
+      <p:sp>
+        <p:nvSpPr>
+          <p:cNvPr id="38" name="Oval 37">
+            <a:extLst>
+              <a:ext uri="{FF2B5EF4-FFF2-40B4-BE49-F238E27FC236}">
+                <a16:creationId xmlns:a16="http://schemas.microsoft.com/office/drawing/2014/main" id="{8682551F-3208-F3D6-37F1-DB75E594249F}"/>
+              </a:ext>
+            </a:extLst>
+          </p:cNvPr>
+          <p:cNvSpPr/>
+          <p:nvPr/>
+        </p:nvSpPr>
+        <p:spPr>
+          <a:xfrm>
+            <a:off x="4780992" y="3778517"/>
+            <a:ext cx="587828" cy="466530"/>
+          </a:xfrm>
+          <a:prstGeom prst="ellipse">
+            <a:avLst/>
+          </a:prstGeom>
+        </p:spPr>
+        <p:style>
+          <a:lnRef idx="2">
+            <a:schemeClr val="accent1">
+              <a:shade val="50000"/>
+            </a:schemeClr>
+          </a:lnRef>
+          <a:fillRef idx="1">
+            <a:schemeClr val="accent1"/>
+          </a:fillRef>
+          <a:effectRef idx="0">
+            <a:schemeClr val="accent1"/>
+          </a:effectRef>
+          <a:fontRef idx="minor">
+            <a:schemeClr val="lt1"/>
+          </a:fontRef>
+        </p:style>
+        <p:txBody>
+          <a:bodyPr rtlCol="0" anchor="ctr"/>
+          <a:lstStyle/>
+          <a:p>
+            <a:pPr algn="ctr"/>
+            <a:endParaRPr lang="en-US"/>
+          </a:p>
+        </p:txBody>
+      </p:sp>
+    </p:spTree>
+    <p:extLst>
+      <p:ext uri="{BB962C8B-B14F-4D97-AF65-F5344CB8AC3E}">
+        <p14:creationId xmlns:p14="http://schemas.microsoft.com/office/powerpoint/2010/main" val="3184901041"/>
+      </p:ext>
+    </p:extLst>
+  </p:cSld>
+  <p:clrMapOvr>
+    <a:masterClrMapping/>
+  </p:clrMapOvr>
+</p:sld>
+</file>
+
+<file path=ppt/slides/slide15.xml><?xml version="1.0" encoding="utf-8"?>
+<p:sld xmlns:a="http://schemas.openxmlformats.org/drawingml/2006/main" xmlns:r="http://schemas.openxmlformats.org/officeDocument/2006/relationships" xmlns:p="http://schemas.openxmlformats.org/presentationml/2006/main">
+  <p:cSld>
+    <p:spTree>
+      <p:nvGrpSpPr>
+        <p:cNvPr id="1" name=""/>
+        <p:cNvGrpSpPr/>
+        <p:nvPr/>
+      </p:nvGrpSpPr>
+      <p:grpSpPr>
+        <a:xfrm>
+          <a:off x="0" y="0"/>
+          <a:ext cx="0" cy="0"/>
+          <a:chOff x="0" y="0"/>
+          <a:chExt cx="0" cy="0"/>
+        </a:xfrm>
+      </p:grpSpPr>
+      <p:sp>
+        <p:nvSpPr>
+          <p:cNvPr id="2" name="Rectangle 1">
+            <a:extLst>
+              <a:ext uri="{FF2B5EF4-FFF2-40B4-BE49-F238E27FC236}">
+                <a16:creationId xmlns:a16="http://schemas.microsoft.com/office/drawing/2014/main" id="{A6DC8D6B-B9DC-9E39-387E-E3BC6DE67B5B}"/>
+              </a:ext>
+            </a:extLst>
+          </p:cNvPr>
+          <p:cNvSpPr/>
+          <p:nvPr/>
+        </p:nvSpPr>
+        <p:spPr>
+          <a:xfrm>
+            <a:off x="951722" y="335902"/>
+            <a:ext cx="11122090" cy="6354147"/>
+          </a:xfrm>
+          <a:prstGeom prst="rect">
+            <a:avLst/>
+          </a:prstGeom>
+          <a:solidFill>
+            <a:srgbClr val="FFFF00"/>
+          </a:solidFill>
+          <a:scene3d>
+            <a:camera prst="orthographicFront"/>
+            <a:lightRig rig="threePt" dir="t"/>
+          </a:scene3d>
+          <a:sp3d>
+            <a:bevelT w="152400" h="50800" prst="softRound"/>
+          </a:sp3d>
+        </p:spPr>
+        <p:style>
+          <a:lnRef idx="2">
+            <a:schemeClr val="accent1">
+              <a:shade val="50000"/>
+            </a:schemeClr>
+          </a:lnRef>
+          <a:fillRef idx="1">
+            <a:schemeClr val="accent1"/>
+          </a:fillRef>
+          <a:effectRef idx="0">
+            <a:schemeClr val="accent1"/>
+          </a:effectRef>
+          <a:fontRef idx="minor">
+            <a:schemeClr val="lt1"/>
+          </a:fontRef>
+        </p:style>
+        <p:txBody>
+          <a:bodyPr rtlCol="0" anchor="ctr"/>
+          <a:lstStyle/>
+          <a:p>
+            <a:pPr algn="ctr"/>
+            <a:endParaRPr lang="en-US"/>
+          </a:p>
+        </p:txBody>
+      </p:sp>
+      <p:sp>
+        <p:nvSpPr>
+          <p:cNvPr id="3" name="TextBox 2">
+            <a:extLst>
+              <a:ext uri="{FF2B5EF4-FFF2-40B4-BE49-F238E27FC236}">
+                <a16:creationId xmlns:a16="http://schemas.microsoft.com/office/drawing/2014/main" id="{F1C1B85E-868B-F070-C62A-50801E160827}"/>
+              </a:ext>
+            </a:extLst>
+          </p:cNvPr>
+          <p:cNvSpPr txBox="1"/>
+          <p:nvPr/>
+        </p:nvSpPr>
+        <p:spPr>
+          <a:xfrm>
+            <a:off x="10072396" y="503853"/>
+            <a:ext cx="2136710" cy="369332"/>
+          </a:xfrm>
+          <a:prstGeom prst="rect">
+            <a:avLst/>
+          </a:prstGeom>
+          <a:noFill/>
+        </p:spPr>
+        <p:txBody>
+          <a:bodyPr wrap="square" rtlCol="0">
+            <a:spAutoFit/>
+          </a:bodyPr>
+          <a:lstStyle/>
+          <a:p>
+            <a:pPr algn="ctr"/>
+            <a:r>
+              <a:rPr lang="en-IN" b="1" dirty="0">
+                <a:solidFill>
+                  <a:srgbClr val="FF0000"/>
+                </a:solidFill>
+              </a:rPr>
+              <a:t>CLR</a:t>
+            </a:r>
+            <a:endParaRPr lang="en-US" b="1" dirty="0">
+              <a:solidFill>
+                <a:srgbClr val="FF0000"/>
+              </a:solidFill>
+            </a:endParaRPr>
+          </a:p>
+        </p:txBody>
+      </p:sp>
+      <p:sp>
+        <p:nvSpPr>
+          <p:cNvPr id="4" name="Arrow: Down 3">
+            <a:extLst>
+              <a:ext uri="{FF2B5EF4-FFF2-40B4-BE49-F238E27FC236}">
+                <a16:creationId xmlns:a16="http://schemas.microsoft.com/office/drawing/2014/main" id="{1FB5DCBB-0CAA-003D-0BB1-2263B52DA966}"/>
+              </a:ext>
+            </a:extLst>
+          </p:cNvPr>
+          <p:cNvSpPr/>
+          <p:nvPr/>
+        </p:nvSpPr>
+        <p:spPr>
+          <a:xfrm>
+            <a:off x="317241" y="335902"/>
+            <a:ext cx="457200" cy="6298163"/>
+          </a:xfrm>
+          <a:prstGeom prst="downArrow">
+            <a:avLst/>
+          </a:prstGeom>
+        </p:spPr>
+        <p:style>
+          <a:lnRef idx="2">
+            <a:schemeClr val="accent1">
+              <a:shade val="50000"/>
+            </a:schemeClr>
+          </a:lnRef>
+          <a:fillRef idx="1">
+            <a:schemeClr val="accent1"/>
+          </a:fillRef>
+          <a:effectRef idx="0">
+            <a:schemeClr val="accent1"/>
+          </a:effectRef>
+          <a:fontRef idx="minor">
+            <a:schemeClr val="lt1"/>
+          </a:fontRef>
+        </p:style>
+        <p:txBody>
+          <a:bodyPr rtlCol="0" anchor="ctr"/>
+          <a:lstStyle/>
+          <a:p>
+            <a:pPr algn="ctr"/>
+            <a:r>
+              <a:rPr lang="en-IN" dirty="0"/>
+              <a:t>M</a:t>
+            </a:r>
+          </a:p>
+          <a:p>
+            <a:pPr algn="ctr"/>
+            <a:r>
+              <a:rPr lang="en-IN" dirty="0"/>
+              <a:t>A</a:t>
+            </a:r>
+          </a:p>
+          <a:p>
+            <a:pPr algn="ctr"/>
+            <a:r>
+              <a:rPr lang="en-IN" dirty="0"/>
+              <a:t>I</a:t>
+            </a:r>
+          </a:p>
+          <a:p>
+            <a:pPr algn="ctr"/>
+            <a:r>
+              <a:rPr lang="en-IN" dirty="0"/>
+              <a:t>N</a:t>
+            </a:r>
+          </a:p>
+          <a:p>
+            <a:pPr algn="ctr"/>
+            <a:endParaRPr lang="en-IN" dirty="0"/>
+          </a:p>
+          <a:p>
+            <a:pPr algn="ctr"/>
+            <a:r>
+              <a:rPr lang="en-IN" dirty="0"/>
+              <a:t>TY</a:t>
+            </a:r>
+          </a:p>
+          <a:p>
+            <a:pPr algn="ctr"/>
+            <a:r>
+              <a:rPr lang="en-IN" dirty="0"/>
+              <a:t>H</a:t>
+            </a:r>
+          </a:p>
+          <a:p>
+            <a:pPr algn="ctr"/>
+            <a:r>
+              <a:rPr lang="en-IN" dirty="0"/>
+              <a:t>R</a:t>
+            </a:r>
+          </a:p>
+          <a:p>
+            <a:pPr algn="ctr"/>
+            <a:r>
+              <a:rPr lang="en-IN" dirty="0"/>
+              <a:t>E</a:t>
+            </a:r>
+          </a:p>
+          <a:p>
+            <a:pPr algn="ctr"/>
+            <a:r>
+              <a:rPr lang="en-IN" dirty="0"/>
+              <a:t>A</a:t>
+            </a:r>
+          </a:p>
+          <a:p>
+            <a:pPr algn="ctr"/>
+            <a:r>
+              <a:rPr lang="en-IN" dirty="0"/>
+              <a:t>D</a:t>
+            </a:r>
+            <a:endParaRPr lang="en-US" dirty="0"/>
+          </a:p>
+        </p:txBody>
+      </p:sp>
+      <p:sp>
+        <p:nvSpPr>
+          <p:cNvPr id="5" name="TextBox 4">
+            <a:extLst>
+              <a:ext uri="{FF2B5EF4-FFF2-40B4-BE49-F238E27FC236}">
+                <a16:creationId xmlns:a16="http://schemas.microsoft.com/office/drawing/2014/main" id="{615D39B6-83AB-9976-707E-022409A96C66}"/>
+              </a:ext>
+            </a:extLst>
+          </p:cNvPr>
+          <p:cNvSpPr txBox="1"/>
+          <p:nvPr/>
+        </p:nvSpPr>
+        <p:spPr>
+          <a:xfrm>
+            <a:off x="83975" y="-18663"/>
+            <a:ext cx="4898571" cy="369332"/>
+          </a:xfrm>
+          <a:prstGeom prst="rect">
+            <a:avLst/>
+          </a:prstGeom>
+          <a:noFill/>
+        </p:spPr>
+        <p:txBody>
+          <a:bodyPr wrap="square" rtlCol="0">
+            <a:spAutoFit/>
+          </a:bodyPr>
+          <a:lstStyle/>
+          <a:p>
+            <a:r>
+              <a:rPr lang="en-IN" dirty="0"/>
+              <a:t>CLR Thread clr.exe .NET 6 it is dotnet.exe</a:t>
+            </a:r>
+            <a:endParaRPr lang="en-US" dirty="0"/>
+          </a:p>
+        </p:txBody>
+      </p:sp>
+      <p:sp>
+        <p:nvSpPr>
+          <p:cNvPr id="6" name="Rectangle 5">
+            <a:extLst>
+              <a:ext uri="{FF2B5EF4-FFF2-40B4-BE49-F238E27FC236}">
+                <a16:creationId xmlns:a16="http://schemas.microsoft.com/office/drawing/2014/main" id="{68C68861-BE53-3F72-7401-2918C1020192}"/>
+              </a:ext>
+            </a:extLst>
+          </p:cNvPr>
+          <p:cNvSpPr/>
+          <p:nvPr/>
+        </p:nvSpPr>
+        <p:spPr>
+          <a:xfrm>
+            <a:off x="1278294" y="503853"/>
+            <a:ext cx="2015412" cy="2696547"/>
+          </a:xfrm>
+          <a:prstGeom prst="rect">
+            <a:avLst/>
+          </a:prstGeom>
+        </p:spPr>
+        <p:style>
+          <a:lnRef idx="1">
+            <a:schemeClr val="accent4"/>
+          </a:lnRef>
+          <a:fillRef idx="2">
+            <a:schemeClr val="accent4"/>
+          </a:fillRef>
+          <a:effectRef idx="1">
+            <a:schemeClr val="accent4"/>
+          </a:effectRef>
+          <a:fontRef idx="minor">
+            <a:schemeClr val="dk1"/>
+          </a:fontRef>
+        </p:style>
+        <p:txBody>
+          <a:bodyPr rtlCol="0" anchor="ctr"/>
+          <a:lstStyle/>
+          <a:p>
+            <a:pPr algn="ctr"/>
+            <a:endParaRPr lang="en-US"/>
+          </a:p>
+        </p:txBody>
+      </p:sp>
+      <p:sp>
+        <p:nvSpPr>
+          <p:cNvPr id="7" name="TextBox 6">
+            <a:extLst>
+              <a:ext uri="{FF2B5EF4-FFF2-40B4-BE49-F238E27FC236}">
+                <a16:creationId xmlns:a16="http://schemas.microsoft.com/office/drawing/2014/main" id="{C1009042-FBD9-E553-5A08-9EE0F56CCE62}"/>
+              </a:ext>
+            </a:extLst>
+          </p:cNvPr>
+          <p:cNvSpPr txBox="1"/>
+          <p:nvPr/>
+        </p:nvSpPr>
+        <p:spPr>
+          <a:xfrm>
+            <a:off x="1343608" y="634482"/>
+            <a:ext cx="1856792" cy="369332"/>
+          </a:xfrm>
+          <a:prstGeom prst="rect">
+            <a:avLst/>
+          </a:prstGeom>
+          <a:noFill/>
+        </p:spPr>
+        <p:txBody>
+          <a:bodyPr wrap="square" rtlCol="0">
+            <a:spAutoFit/>
+          </a:bodyPr>
+          <a:lstStyle/>
+          <a:p>
+            <a:pPr algn="ctr"/>
+            <a:r>
+              <a:rPr lang="en-IN" b="1" dirty="0"/>
+              <a:t>AppDomain</a:t>
+            </a:r>
+            <a:endParaRPr lang="en-US" b="1" dirty="0"/>
+          </a:p>
+        </p:txBody>
+      </p:sp>
+      <p:sp>
+        <p:nvSpPr>
+          <p:cNvPr id="8" name="TextBox 7">
+            <a:extLst>
+              <a:ext uri="{FF2B5EF4-FFF2-40B4-BE49-F238E27FC236}">
+                <a16:creationId xmlns:a16="http://schemas.microsoft.com/office/drawing/2014/main" id="{C3ABC230-D18C-8439-6FCB-2155CAEFA33E}"/>
+              </a:ext>
+            </a:extLst>
+          </p:cNvPr>
+          <p:cNvSpPr txBox="1"/>
+          <p:nvPr/>
+        </p:nvSpPr>
+        <p:spPr>
+          <a:xfrm>
+            <a:off x="1474237" y="1003814"/>
+            <a:ext cx="1623526" cy="430887"/>
+          </a:xfrm>
+          <a:prstGeom prst="rect">
+            <a:avLst/>
+          </a:prstGeom>
+          <a:noFill/>
+        </p:spPr>
+        <p:txBody>
+          <a:bodyPr wrap="square" rtlCol="0">
+            <a:spAutoFit/>
+          </a:bodyPr>
+          <a:lstStyle/>
+          <a:p>
+            <a:pPr algn="ctr"/>
+            <a:r>
+              <a:rPr lang="en-IN" sz="1100" b="1" dirty="0"/>
+              <a:t>A Process Allocated to .NET App</a:t>
+            </a:r>
+            <a:endParaRPr lang="en-US" sz="1100" b="1" dirty="0"/>
+          </a:p>
+        </p:txBody>
+      </p:sp>
+      <p:sp>
+        <p:nvSpPr>
+          <p:cNvPr id="9" name="Rectangle 8">
+            <a:extLst>
+              <a:ext uri="{FF2B5EF4-FFF2-40B4-BE49-F238E27FC236}">
+                <a16:creationId xmlns:a16="http://schemas.microsoft.com/office/drawing/2014/main" id="{C5A6EA8E-BDB6-65D5-CF1A-24B445190EEB}"/>
+              </a:ext>
+            </a:extLst>
+          </p:cNvPr>
+          <p:cNvSpPr/>
+          <p:nvPr/>
+        </p:nvSpPr>
+        <p:spPr>
+          <a:xfrm>
+            <a:off x="1800809" y="1552316"/>
+            <a:ext cx="382555" cy="1455576"/>
+          </a:xfrm>
+          <a:prstGeom prst="rect">
+            <a:avLst/>
+          </a:prstGeom>
+        </p:spPr>
+        <p:style>
+          <a:lnRef idx="2">
+            <a:schemeClr val="accent1">
+              <a:shade val="50000"/>
+            </a:schemeClr>
+          </a:lnRef>
+          <a:fillRef idx="1">
+            <a:schemeClr val="accent1"/>
+          </a:fillRef>
+          <a:effectRef idx="0">
+            <a:schemeClr val="accent1"/>
+          </a:effectRef>
+          <a:fontRef idx="minor">
+            <a:schemeClr val="lt1"/>
+          </a:fontRef>
+        </p:style>
+        <p:txBody>
+          <a:bodyPr rtlCol="0" anchor="ctr"/>
+          <a:lstStyle/>
+          <a:p>
+            <a:pPr algn="ctr"/>
+            <a:r>
+              <a:rPr lang="en-IN" dirty="0"/>
+              <a:t>E</a:t>
+            </a:r>
+          </a:p>
+          <a:p>
+            <a:pPr algn="ctr"/>
+            <a:r>
+              <a:rPr lang="en-IN" dirty="0"/>
+              <a:t>X</a:t>
+            </a:r>
+          </a:p>
+          <a:p>
+            <a:pPr algn="ctr"/>
+            <a:r>
+              <a:rPr lang="en-IN" dirty="0"/>
+              <a:t>E</a:t>
+            </a:r>
+            <a:endParaRPr lang="en-US" dirty="0"/>
+          </a:p>
+        </p:txBody>
+      </p:sp>
+      <p:sp>
+        <p:nvSpPr>
+          <p:cNvPr id="10" name="Rectangle: Rounded Corners 9">
+            <a:extLst>
+              <a:ext uri="{FF2B5EF4-FFF2-40B4-BE49-F238E27FC236}">
+                <a16:creationId xmlns:a16="http://schemas.microsoft.com/office/drawing/2014/main" id="{2FAE6D54-3E8C-4B60-587B-5FA663E746FF}"/>
+              </a:ext>
+            </a:extLst>
+          </p:cNvPr>
+          <p:cNvSpPr/>
+          <p:nvPr/>
+        </p:nvSpPr>
+        <p:spPr>
+          <a:xfrm>
+            <a:off x="2341985" y="1552316"/>
+            <a:ext cx="755779" cy="597159"/>
+          </a:xfrm>
+          <a:prstGeom prst="roundRect">
+            <a:avLst/>
+          </a:prstGeom>
+        </p:spPr>
+        <p:style>
+          <a:lnRef idx="2">
+            <a:schemeClr val="accent1">
+              <a:shade val="50000"/>
+            </a:schemeClr>
+          </a:lnRef>
+          <a:fillRef idx="1">
+            <a:schemeClr val="accent1"/>
+          </a:fillRef>
+          <a:effectRef idx="0">
+            <a:schemeClr val="accent1"/>
+          </a:effectRef>
+          <a:fontRef idx="minor">
+            <a:schemeClr val="lt1"/>
+          </a:fontRef>
+        </p:style>
+        <p:txBody>
+          <a:bodyPr rtlCol="0" anchor="ctr"/>
+          <a:lstStyle/>
+          <a:p>
+            <a:pPr algn="ctr"/>
+            <a:r>
+              <a:rPr lang="en-IN" dirty="0" err="1"/>
+              <a:t>Dll</a:t>
+            </a:r>
+            <a:r>
+              <a:rPr lang="en-IN" dirty="0"/>
+              <a:t> 1</a:t>
+            </a:r>
+            <a:endParaRPr lang="en-US" dirty="0"/>
+          </a:p>
+        </p:txBody>
+      </p:sp>
+      <p:sp>
+        <p:nvSpPr>
+          <p:cNvPr id="11" name="Rectangle: Rounded Corners 10">
+            <a:extLst>
+              <a:ext uri="{FF2B5EF4-FFF2-40B4-BE49-F238E27FC236}">
+                <a16:creationId xmlns:a16="http://schemas.microsoft.com/office/drawing/2014/main" id="{2AAC865D-34BD-B3C4-EEC5-86BC9B397552}"/>
+              </a:ext>
+            </a:extLst>
+          </p:cNvPr>
+          <p:cNvSpPr/>
+          <p:nvPr/>
+        </p:nvSpPr>
+        <p:spPr>
+          <a:xfrm>
+            <a:off x="2341984" y="2438069"/>
+            <a:ext cx="755779" cy="597159"/>
+          </a:xfrm>
+          <a:prstGeom prst="roundRect">
+            <a:avLst/>
+          </a:prstGeom>
+        </p:spPr>
+        <p:style>
+          <a:lnRef idx="2">
+            <a:schemeClr val="accent1">
+              <a:shade val="50000"/>
+            </a:schemeClr>
+          </a:lnRef>
+          <a:fillRef idx="1">
+            <a:schemeClr val="accent1"/>
+          </a:fillRef>
+          <a:effectRef idx="0">
+            <a:schemeClr val="accent1"/>
+          </a:effectRef>
+          <a:fontRef idx="minor">
+            <a:schemeClr val="lt1"/>
+          </a:fontRef>
+        </p:style>
+        <p:txBody>
+          <a:bodyPr rtlCol="0" anchor="ctr"/>
+          <a:lstStyle/>
+          <a:p>
+            <a:pPr algn="ctr"/>
+            <a:r>
+              <a:rPr lang="en-IN" dirty="0" err="1"/>
+              <a:t>Dll</a:t>
+            </a:r>
+            <a:r>
+              <a:rPr lang="en-IN" dirty="0"/>
+              <a:t> 2</a:t>
+            </a:r>
+            <a:endParaRPr lang="en-US" dirty="0"/>
+          </a:p>
+        </p:txBody>
+      </p:sp>
+      <p:sp>
+        <p:nvSpPr>
+          <p:cNvPr id="12" name="Arrow: Down 11">
+            <a:extLst>
+              <a:ext uri="{FF2B5EF4-FFF2-40B4-BE49-F238E27FC236}">
+                <a16:creationId xmlns:a16="http://schemas.microsoft.com/office/drawing/2014/main" id="{F6CAD5F3-CD08-E475-3146-F1994832BF25}"/>
+              </a:ext>
+            </a:extLst>
+          </p:cNvPr>
+          <p:cNvSpPr/>
+          <p:nvPr/>
+        </p:nvSpPr>
+        <p:spPr>
+          <a:xfrm>
+            <a:off x="1343608" y="634482"/>
+            <a:ext cx="345233" cy="2491273"/>
+          </a:xfrm>
+          <a:prstGeom prst="downArrow">
+            <a:avLst/>
+          </a:prstGeom>
+        </p:spPr>
+        <p:style>
+          <a:lnRef idx="2">
+            <a:schemeClr val="accent1">
+              <a:shade val="50000"/>
+            </a:schemeClr>
+          </a:lnRef>
+          <a:fillRef idx="1">
+            <a:schemeClr val="accent1"/>
+          </a:fillRef>
+          <a:effectRef idx="0">
+            <a:schemeClr val="accent1"/>
+          </a:effectRef>
+          <a:fontRef idx="minor">
+            <a:schemeClr val="lt1"/>
+          </a:fontRef>
+        </p:style>
+        <p:txBody>
+          <a:bodyPr rtlCol="0" anchor="ctr"/>
+          <a:lstStyle/>
+          <a:p>
+            <a:pPr algn="ctr"/>
+            <a:r>
+              <a:rPr lang="en-IN" dirty="0"/>
+              <a:t>T</a:t>
+            </a:r>
+          </a:p>
+          <a:p>
+            <a:pPr algn="ctr"/>
+            <a:r>
+              <a:rPr lang="en-IN" dirty="0"/>
+              <a:t>H</a:t>
+            </a:r>
+          </a:p>
+          <a:p>
+            <a:pPr algn="ctr"/>
+            <a:r>
+              <a:rPr lang="en-IN" dirty="0"/>
+              <a:t>R</a:t>
+            </a:r>
+          </a:p>
+          <a:p>
+            <a:pPr algn="ctr"/>
+            <a:r>
+              <a:rPr lang="en-IN" dirty="0"/>
+              <a:t>E</a:t>
+            </a:r>
+          </a:p>
+          <a:p>
+            <a:pPr algn="ctr"/>
+            <a:r>
+              <a:rPr lang="en-IN" dirty="0"/>
+              <a:t>A</a:t>
+            </a:r>
+          </a:p>
+          <a:p>
+            <a:pPr algn="ctr"/>
+            <a:r>
+              <a:rPr lang="en-IN" dirty="0"/>
+              <a:t>D</a:t>
+            </a:r>
+            <a:endParaRPr lang="en-US" dirty="0"/>
+          </a:p>
+        </p:txBody>
+      </p:sp>
+      <p:sp>
+        <p:nvSpPr>
+          <p:cNvPr id="13" name="Rectangle 12">
+            <a:extLst>
+              <a:ext uri="{FF2B5EF4-FFF2-40B4-BE49-F238E27FC236}">
+                <a16:creationId xmlns:a16="http://schemas.microsoft.com/office/drawing/2014/main" id="{0416FDAB-DB50-B220-171F-29EAA85840AF}"/>
+              </a:ext>
+            </a:extLst>
+          </p:cNvPr>
+          <p:cNvSpPr/>
+          <p:nvPr/>
+        </p:nvSpPr>
+        <p:spPr>
+          <a:xfrm>
+            <a:off x="3418114" y="503853"/>
+            <a:ext cx="2015412" cy="2696547"/>
+          </a:xfrm>
+          <a:prstGeom prst="rect">
+            <a:avLst/>
+          </a:prstGeom>
+        </p:spPr>
+        <p:style>
+          <a:lnRef idx="1">
+            <a:schemeClr val="accent4"/>
+          </a:lnRef>
+          <a:fillRef idx="2">
+            <a:schemeClr val="accent4"/>
+          </a:fillRef>
+          <a:effectRef idx="1">
+            <a:schemeClr val="accent4"/>
+          </a:effectRef>
+          <a:fontRef idx="minor">
+            <a:schemeClr val="dk1"/>
+          </a:fontRef>
+        </p:style>
+        <p:txBody>
+          <a:bodyPr rtlCol="0" anchor="ctr"/>
+          <a:lstStyle/>
+          <a:p>
+            <a:pPr algn="ctr"/>
+            <a:endParaRPr lang="en-US"/>
+          </a:p>
+        </p:txBody>
+      </p:sp>
+      <p:sp>
+        <p:nvSpPr>
+          <p:cNvPr id="14" name="TextBox 13">
+            <a:extLst>
+              <a:ext uri="{FF2B5EF4-FFF2-40B4-BE49-F238E27FC236}">
+                <a16:creationId xmlns:a16="http://schemas.microsoft.com/office/drawing/2014/main" id="{4BB64CEA-CEEF-63F9-E31E-272635E1ECFD}"/>
+              </a:ext>
+            </a:extLst>
+          </p:cNvPr>
+          <p:cNvSpPr txBox="1"/>
+          <p:nvPr/>
+        </p:nvSpPr>
+        <p:spPr>
+          <a:xfrm>
+            <a:off x="3483428" y="634482"/>
+            <a:ext cx="1856792" cy="369332"/>
+          </a:xfrm>
+          <a:prstGeom prst="rect">
+            <a:avLst/>
+          </a:prstGeom>
+          <a:noFill/>
+        </p:spPr>
+        <p:txBody>
+          <a:bodyPr wrap="square" rtlCol="0">
+            <a:spAutoFit/>
+          </a:bodyPr>
+          <a:lstStyle/>
+          <a:p>
+            <a:pPr algn="ctr"/>
+            <a:r>
+              <a:rPr lang="en-IN" b="1" dirty="0"/>
+              <a:t>AppDomain</a:t>
+            </a:r>
+            <a:endParaRPr lang="en-US" b="1" dirty="0"/>
+          </a:p>
+        </p:txBody>
+      </p:sp>
+      <p:sp>
+        <p:nvSpPr>
+          <p:cNvPr id="15" name="TextBox 14">
+            <a:extLst>
+              <a:ext uri="{FF2B5EF4-FFF2-40B4-BE49-F238E27FC236}">
+                <a16:creationId xmlns:a16="http://schemas.microsoft.com/office/drawing/2014/main" id="{84846DAC-8998-9CAC-5EB7-DBF6888303EF}"/>
+              </a:ext>
+            </a:extLst>
+          </p:cNvPr>
+          <p:cNvSpPr txBox="1"/>
+          <p:nvPr/>
+        </p:nvSpPr>
+        <p:spPr>
+          <a:xfrm>
+            <a:off x="3614057" y="1003814"/>
+            <a:ext cx="1623526" cy="430887"/>
+          </a:xfrm>
+          <a:prstGeom prst="rect">
+            <a:avLst/>
+          </a:prstGeom>
+          <a:noFill/>
+        </p:spPr>
+        <p:txBody>
+          <a:bodyPr wrap="square" rtlCol="0">
+            <a:spAutoFit/>
+          </a:bodyPr>
+          <a:lstStyle/>
+          <a:p>
+            <a:pPr algn="ctr"/>
+            <a:r>
+              <a:rPr lang="en-IN" sz="1100" b="1" dirty="0"/>
+              <a:t>A Process Allocated to .NET App</a:t>
+            </a:r>
+            <a:endParaRPr lang="en-US" sz="1100" b="1" dirty="0"/>
+          </a:p>
+        </p:txBody>
+      </p:sp>
+      <p:sp>
+        <p:nvSpPr>
+          <p:cNvPr id="16" name="Rectangle 15">
+            <a:extLst>
+              <a:ext uri="{FF2B5EF4-FFF2-40B4-BE49-F238E27FC236}">
+                <a16:creationId xmlns:a16="http://schemas.microsoft.com/office/drawing/2014/main" id="{1E41D73B-912B-2153-58B9-25D7D1BEC367}"/>
+              </a:ext>
+            </a:extLst>
+          </p:cNvPr>
+          <p:cNvSpPr/>
+          <p:nvPr/>
+        </p:nvSpPr>
+        <p:spPr>
+          <a:xfrm>
+            <a:off x="3940629" y="1552316"/>
+            <a:ext cx="382555" cy="1455576"/>
+          </a:xfrm>
+          <a:prstGeom prst="rect">
+            <a:avLst/>
+          </a:prstGeom>
+        </p:spPr>
+        <p:style>
+          <a:lnRef idx="2">
+            <a:schemeClr val="accent1">
+              <a:shade val="50000"/>
+            </a:schemeClr>
+          </a:lnRef>
+          <a:fillRef idx="1">
+            <a:schemeClr val="accent1"/>
+          </a:fillRef>
+          <a:effectRef idx="0">
+            <a:schemeClr val="accent1"/>
+          </a:effectRef>
+          <a:fontRef idx="minor">
+            <a:schemeClr val="lt1"/>
+          </a:fontRef>
+        </p:style>
+        <p:txBody>
+          <a:bodyPr rtlCol="0" anchor="ctr"/>
+          <a:lstStyle/>
+          <a:p>
+            <a:pPr algn="ctr"/>
+            <a:r>
+              <a:rPr lang="en-IN" dirty="0"/>
+              <a:t>E</a:t>
+            </a:r>
+          </a:p>
+          <a:p>
+            <a:pPr algn="ctr"/>
+            <a:r>
+              <a:rPr lang="en-IN" dirty="0"/>
+              <a:t>X</a:t>
+            </a:r>
+          </a:p>
+          <a:p>
+            <a:pPr algn="ctr"/>
+            <a:r>
+              <a:rPr lang="en-IN" dirty="0"/>
+              <a:t>E</a:t>
+            </a:r>
+            <a:endParaRPr lang="en-US" dirty="0"/>
+          </a:p>
+        </p:txBody>
+      </p:sp>
+      <p:sp>
+        <p:nvSpPr>
+          <p:cNvPr id="17" name="Rectangle: Rounded Corners 16">
+            <a:extLst>
+              <a:ext uri="{FF2B5EF4-FFF2-40B4-BE49-F238E27FC236}">
+                <a16:creationId xmlns:a16="http://schemas.microsoft.com/office/drawing/2014/main" id="{61130CAA-5DF2-8B2C-E4E7-258E3A9CE22E}"/>
+              </a:ext>
+            </a:extLst>
+          </p:cNvPr>
+          <p:cNvSpPr/>
+          <p:nvPr/>
+        </p:nvSpPr>
+        <p:spPr>
+          <a:xfrm>
+            <a:off x="4481805" y="1552316"/>
+            <a:ext cx="755779" cy="597159"/>
+          </a:xfrm>
+          <a:prstGeom prst="roundRect">
+            <a:avLst/>
+          </a:prstGeom>
+        </p:spPr>
+        <p:style>
+          <a:lnRef idx="2">
+            <a:schemeClr val="accent1">
+              <a:shade val="50000"/>
+            </a:schemeClr>
+          </a:lnRef>
+          <a:fillRef idx="1">
+            <a:schemeClr val="accent1"/>
+          </a:fillRef>
+          <a:effectRef idx="0">
+            <a:schemeClr val="accent1"/>
+          </a:effectRef>
+          <a:fontRef idx="minor">
+            <a:schemeClr val="lt1"/>
+          </a:fontRef>
+        </p:style>
+        <p:txBody>
+          <a:bodyPr rtlCol="0" anchor="ctr"/>
+          <a:lstStyle/>
+          <a:p>
+            <a:pPr algn="ctr"/>
+            <a:r>
+              <a:rPr lang="en-IN" dirty="0" err="1"/>
+              <a:t>Dll</a:t>
+            </a:r>
+            <a:r>
+              <a:rPr lang="en-IN" dirty="0"/>
+              <a:t> 1</a:t>
+            </a:r>
+            <a:endParaRPr lang="en-US" dirty="0"/>
+          </a:p>
+        </p:txBody>
+      </p:sp>
+      <p:sp>
+        <p:nvSpPr>
+          <p:cNvPr id="18" name="Rectangle: Rounded Corners 17">
+            <a:extLst>
+              <a:ext uri="{FF2B5EF4-FFF2-40B4-BE49-F238E27FC236}">
+                <a16:creationId xmlns:a16="http://schemas.microsoft.com/office/drawing/2014/main" id="{F1DC2D7C-23C3-8AEB-DCAB-6C81605C681C}"/>
+              </a:ext>
+            </a:extLst>
+          </p:cNvPr>
+          <p:cNvSpPr/>
+          <p:nvPr/>
+        </p:nvSpPr>
+        <p:spPr>
+          <a:xfrm>
+            <a:off x="4481804" y="2438069"/>
+            <a:ext cx="755779" cy="597159"/>
+          </a:xfrm>
+          <a:prstGeom prst="roundRect">
+            <a:avLst/>
+          </a:prstGeom>
+        </p:spPr>
+        <p:style>
+          <a:lnRef idx="2">
+            <a:schemeClr val="accent1">
+              <a:shade val="50000"/>
+            </a:schemeClr>
+          </a:lnRef>
+          <a:fillRef idx="1">
+            <a:schemeClr val="accent1"/>
+          </a:fillRef>
+          <a:effectRef idx="0">
+            <a:schemeClr val="accent1"/>
+          </a:effectRef>
+          <a:fontRef idx="minor">
+            <a:schemeClr val="lt1"/>
+          </a:fontRef>
+        </p:style>
+        <p:txBody>
+          <a:bodyPr rtlCol="0" anchor="ctr"/>
+          <a:lstStyle/>
+          <a:p>
+            <a:pPr algn="ctr"/>
+            <a:r>
+              <a:rPr lang="en-IN" dirty="0" err="1"/>
+              <a:t>Dll</a:t>
+            </a:r>
+            <a:r>
+              <a:rPr lang="en-IN" dirty="0"/>
+              <a:t> 2</a:t>
+            </a:r>
+            <a:endParaRPr lang="en-US" dirty="0"/>
+          </a:p>
+        </p:txBody>
+      </p:sp>
+      <p:sp>
+        <p:nvSpPr>
+          <p:cNvPr id="19" name="Arrow: Down 18">
+            <a:extLst>
+              <a:ext uri="{FF2B5EF4-FFF2-40B4-BE49-F238E27FC236}">
+                <a16:creationId xmlns:a16="http://schemas.microsoft.com/office/drawing/2014/main" id="{F42355A3-AED8-81BA-82E2-90174CD7E617}"/>
+              </a:ext>
+            </a:extLst>
+          </p:cNvPr>
+          <p:cNvSpPr/>
+          <p:nvPr/>
+        </p:nvSpPr>
+        <p:spPr>
+          <a:xfrm>
+            <a:off x="3483428" y="634482"/>
+            <a:ext cx="345233" cy="2491273"/>
+          </a:xfrm>
+          <a:prstGeom prst="downArrow">
+            <a:avLst/>
+          </a:prstGeom>
+        </p:spPr>
+        <p:style>
+          <a:lnRef idx="2">
+            <a:schemeClr val="accent1">
+              <a:shade val="50000"/>
+            </a:schemeClr>
+          </a:lnRef>
+          <a:fillRef idx="1">
+            <a:schemeClr val="accent1"/>
+          </a:fillRef>
+          <a:effectRef idx="0">
+            <a:schemeClr val="accent1"/>
+          </a:effectRef>
+          <a:fontRef idx="minor">
+            <a:schemeClr val="lt1"/>
+          </a:fontRef>
+        </p:style>
+        <p:txBody>
+          <a:bodyPr rtlCol="0" anchor="ctr"/>
+          <a:lstStyle/>
+          <a:p>
+            <a:pPr algn="ctr"/>
+            <a:r>
+              <a:rPr lang="en-IN" dirty="0"/>
+              <a:t>T</a:t>
+            </a:r>
+          </a:p>
+          <a:p>
+            <a:pPr algn="ctr"/>
+            <a:r>
+              <a:rPr lang="en-IN" dirty="0"/>
+              <a:t>H</a:t>
+            </a:r>
+          </a:p>
+          <a:p>
+            <a:pPr algn="ctr"/>
+            <a:r>
+              <a:rPr lang="en-IN" dirty="0"/>
+              <a:t>R</a:t>
+            </a:r>
+          </a:p>
+          <a:p>
+            <a:pPr algn="ctr"/>
+            <a:r>
+              <a:rPr lang="en-IN" dirty="0"/>
+              <a:t>E</a:t>
+            </a:r>
+          </a:p>
+          <a:p>
+            <a:pPr algn="ctr"/>
+            <a:r>
+              <a:rPr lang="en-IN" dirty="0"/>
+              <a:t>A</a:t>
+            </a:r>
+          </a:p>
+          <a:p>
+            <a:pPr algn="ctr"/>
+            <a:r>
+              <a:rPr lang="en-IN" dirty="0"/>
+              <a:t>D</a:t>
+            </a:r>
+            <a:endParaRPr lang="en-US" dirty="0"/>
+          </a:p>
+        </p:txBody>
+      </p:sp>
+      <p:sp>
+        <p:nvSpPr>
+          <p:cNvPr id="20" name="Rectangle 19">
+            <a:extLst>
+              <a:ext uri="{FF2B5EF4-FFF2-40B4-BE49-F238E27FC236}">
+                <a16:creationId xmlns:a16="http://schemas.microsoft.com/office/drawing/2014/main" id="{6814C7E1-FCB6-F42C-E5F0-7E7C0C559DFE}"/>
+              </a:ext>
+            </a:extLst>
+          </p:cNvPr>
+          <p:cNvSpPr/>
+          <p:nvPr/>
+        </p:nvSpPr>
+        <p:spPr>
+          <a:xfrm>
+            <a:off x="1268960" y="3433012"/>
+            <a:ext cx="2015412" cy="2696547"/>
+          </a:xfrm>
+          <a:prstGeom prst="rect">
+            <a:avLst/>
+          </a:prstGeom>
+        </p:spPr>
+        <p:style>
+          <a:lnRef idx="1">
+            <a:schemeClr val="accent4"/>
+          </a:lnRef>
+          <a:fillRef idx="2">
+            <a:schemeClr val="accent4"/>
+          </a:fillRef>
+          <a:effectRef idx="1">
+            <a:schemeClr val="accent4"/>
+          </a:effectRef>
+          <a:fontRef idx="minor">
+            <a:schemeClr val="dk1"/>
+          </a:fontRef>
+        </p:style>
+        <p:txBody>
+          <a:bodyPr rtlCol="0" anchor="ctr"/>
+          <a:lstStyle/>
+          <a:p>
+            <a:pPr algn="ctr"/>
+            <a:endParaRPr lang="en-US"/>
+          </a:p>
+        </p:txBody>
+      </p:sp>
+      <p:sp>
+        <p:nvSpPr>
+          <p:cNvPr id="21" name="TextBox 20">
+            <a:extLst>
+              <a:ext uri="{FF2B5EF4-FFF2-40B4-BE49-F238E27FC236}">
+                <a16:creationId xmlns:a16="http://schemas.microsoft.com/office/drawing/2014/main" id="{0167E63A-745B-9B2B-11BE-270AFD5668D1}"/>
+              </a:ext>
+            </a:extLst>
+          </p:cNvPr>
+          <p:cNvSpPr txBox="1"/>
+          <p:nvPr/>
+        </p:nvSpPr>
+        <p:spPr>
+          <a:xfrm>
+            <a:off x="1334274" y="3563641"/>
+            <a:ext cx="1856792" cy="369332"/>
+          </a:xfrm>
+          <a:prstGeom prst="rect">
+            <a:avLst/>
+          </a:prstGeom>
+          <a:noFill/>
+        </p:spPr>
+        <p:txBody>
+          <a:bodyPr wrap="square" rtlCol="0">
+            <a:spAutoFit/>
+          </a:bodyPr>
+          <a:lstStyle/>
+          <a:p>
+            <a:pPr algn="ctr"/>
+            <a:r>
+              <a:rPr lang="en-IN" b="1" dirty="0"/>
+              <a:t>AppDomain</a:t>
+            </a:r>
+            <a:endParaRPr lang="en-US" b="1" dirty="0"/>
+          </a:p>
+        </p:txBody>
+      </p:sp>
+      <p:sp>
+        <p:nvSpPr>
+          <p:cNvPr id="22" name="TextBox 21">
+            <a:extLst>
+              <a:ext uri="{FF2B5EF4-FFF2-40B4-BE49-F238E27FC236}">
+                <a16:creationId xmlns:a16="http://schemas.microsoft.com/office/drawing/2014/main" id="{CC21A2B2-BE9A-2297-B071-0EB5551AE18A}"/>
+              </a:ext>
+            </a:extLst>
+          </p:cNvPr>
+          <p:cNvSpPr txBox="1"/>
+          <p:nvPr/>
+        </p:nvSpPr>
+        <p:spPr>
+          <a:xfrm>
+            <a:off x="1464903" y="3932973"/>
+            <a:ext cx="1623526" cy="430887"/>
+          </a:xfrm>
+          <a:prstGeom prst="rect">
+            <a:avLst/>
+          </a:prstGeom>
+          <a:noFill/>
+        </p:spPr>
+        <p:txBody>
+          <a:bodyPr wrap="square" rtlCol="0">
+            <a:spAutoFit/>
+          </a:bodyPr>
+          <a:lstStyle/>
+          <a:p>
+            <a:pPr algn="ctr"/>
+            <a:r>
+              <a:rPr lang="en-IN" sz="1100" b="1" dirty="0"/>
+              <a:t>A Process Allocated to .NET App</a:t>
+            </a:r>
+            <a:endParaRPr lang="en-US" sz="1100" b="1" dirty="0"/>
+          </a:p>
+        </p:txBody>
+      </p:sp>
+      <p:sp>
+        <p:nvSpPr>
+          <p:cNvPr id="23" name="Rectangle 22">
+            <a:extLst>
+              <a:ext uri="{FF2B5EF4-FFF2-40B4-BE49-F238E27FC236}">
+                <a16:creationId xmlns:a16="http://schemas.microsoft.com/office/drawing/2014/main" id="{F5F6761B-3DBF-75C6-F0CC-7E2F7E743590}"/>
+              </a:ext>
+            </a:extLst>
+          </p:cNvPr>
+          <p:cNvSpPr/>
+          <p:nvPr/>
+        </p:nvSpPr>
+        <p:spPr>
+          <a:xfrm>
+            <a:off x="1791475" y="4481475"/>
+            <a:ext cx="382555" cy="1455576"/>
+          </a:xfrm>
+          <a:prstGeom prst="rect">
+            <a:avLst/>
+          </a:prstGeom>
+        </p:spPr>
+        <p:style>
+          <a:lnRef idx="2">
+            <a:schemeClr val="accent1">
+              <a:shade val="50000"/>
+            </a:schemeClr>
+          </a:lnRef>
+          <a:fillRef idx="1">
+            <a:schemeClr val="accent1"/>
+          </a:fillRef>
+          <a:effectRef idx="0">
+            <a:schemeClr val="accent1"/>
+          </a:effectRef>
+          <a:fontRef idx="minor">
+            <a:schemeClr val="lt1"/>
+          </a:fontRef>
+        </p:style>
+        <p:txBody>
+          <a:bodyPr rtlCol="0" anchor="ctr"/>
+          <a:lstStyle/>
+          <a:p>
+            <a:pPr algn="ctr"/>
+            <a:r>
+              <a:rPr lang="en-IN" dirty="0"/>
+              <a:t>E</a:t>
+            </a:r>
+          </a:p>
+          <a:p>
+            <a:pPr algn="ctr"/>
+            <a:r>
+              <a:rPr lang="en-IN" dirty="0"/>
+              <a:t>X</a:t>
+            </a:r>
+          </a:p>
+          <a:p>
+            <a:pPr algn="ctr"/>
+            <a:r>
+              <a:rPr lang="en-IN" dirty="0"/>
+              <a:t>E</a:t>
+            </a:r>
+            <a:endParaRPr lang="en-US" dirty="0"/>
+          </a:p>
+        </p:txBody>
+      </p:sp>
+      <p:sp>
+        <p:nvSpPr>
+          <p:cNvPr id="24" name="Rectangle: Rounded Corners 23">
+            <a:extLst>
+              <a:ext uri="{FF2B5EF4-FFF2-40B4-BE49-F238E27FC236}">
+                <a16:creationId xmlns:a16="http://schemas.microsoft.com/office/drawing/2014/main" id="{0E668D9A-D1AF-19E9-B712-C95AC3F59924}"/>
+              </a:ext>
+            </a:extLst>
+          </p:cNvPr>
+          <p:cNvSpPr/>
+          <p:nvPr/>
+        </p:nvSpPr>
+        <p:spPr>
+          <a:xfrm>
+            <a:off x="2332651" y="4481475"/>
+            <a:ext cx="755779" cy="597159"/>
+          </a:xfrm>
+          <a:prstGeom prst="roundRect">
+            <a:avLst/>
+          </a:prstGeom>
+        </p:spPr>
+        <p:style>
+          <a:lnRef idx="2">
+            <a:schemeClr val="accent1">
+              <a:shade val="50000"/>
+            </a:schemeClr>
+          </a:lnRef>
+          <a:fillRef idx="1">
+            <a:schemeClr val="accent1"/>
+          </a:fillRef>
+          <a:effectRef idx="0">
+            <a:schemeClr val="accent1"/>
+          </a:effectRef>
+          <a:fontRef idx="minor">
+            <a:schemeClr val="lt1"/>
+          </a:fontRef>
+        </p:style>
+        <p:txBody>
+          <a:bodyPr rtlCol="0" anchor="ctr"/>
+          <a:lstStyle/>
+          <a:p>
+            <a:pPr algn="ctr"/>
+            <a:r>
+              <a:rPr lang="en-IN" dirty="0" err="1"/>
+              <a:t>Dll</a:t>
+            </a:r>
+            <a:r>
+              <a:rPr lang="en-IN" dirty="0"/>
+              <a:t> 1</a:t>
+            </a:r>
+            <a:endParaRPr lang="en-US" dirty="0"/>
+          </a:p>
+        </p:txBody>
+      </p:sp>
+      <p:sp>
+        <p:nvSpPr>
+          <p:cNvPr id="25" name="Rectangle: Rounded Corners 24">
+            <a:extLst>
+              <a:ext uri="{FF2B5EF4-FFF2-40B4-BE49-F238E27FC236}">
+                <a16:creationId xmlns:a16="http://schemas.microsoft.com/office/drawing/2014/main" id="{65C9955C-7494-4D98-5D37-7E6F2F06D505}"/>
+              </a:ext>
+            </a:extLst>
+          </p:cNvPr>
+          <p:cNvSpPr/>
+          <p:nvPr/>
+        </p:nvSpPr>
+        <p:spPr>
+          <a:xfrm>
+            <a:off x="2332650" y="5367228"/>
+            <a:ext cx="755779" cy="597159"/>
+          </a:xfrm>
+          <a:prstGeom prst="roundRect">
+            <a:avLst/>
+          </a:prstGeom>
+        </p:spPr>
+        <p:style>
+          <a:lnRef idx="2">
+            <a:schemeClr val="accent1">
+              <a:shade val="50000"/>
+            </a:schemeClr>
+          </a:lnRef>
+          <a:fillRef idx="1">
+            <a:schemeClr val="accent1"/>
+          </a:fillRef>
+          <a:effectRef idx="0">
+            <a:schemeClr val="accent1"/>
+          </a:effectRef>
+          <a:fontRef idx="minor">
+            <a:schemeClr val="lt1"/>
+          </a:fontRef>
+        </p:style>
+        <p:txBody>
+          <a:bodyPr rtlCol="0" anchor="ctr"/>
+          <a:lstStyle/>
+          <a:p>
+            <a:pPr algn="ctr"/>
+            <a:r>
+              <a:rPr lang="en-IN" dirty="0" err="1"/>
+              <a:t>Dll</a:t>
+            </a:r>
+            <a:r>
+              <a:rPr lang="en-IN" dirty="0"/>
+              <a:t> 2</a:t>
+            </a:r>
+            <a:endParaRPr lang="en-US" dirty="0"/>
+          </a:p>
+        </p:txBody>
+      </p:sp>
+      <p:sp>
+        <p:nvSpPr>
+          <p:cNvPr id="26" name="Arrow: Down 25">
+            <a:extLst>
+              <a:ext uri="{FF2B5EF4-FFF2-40B4-BE49-F238E27FC236}">
+                <a16:creationId xmlns:a16="http://schemas.microsoft.com/office/drawing/2014/main" id="{F8F18086-0D94-3058-788C-B0F3ED8A8EC3}"/>
+              </a:ext>
+            </a:extLst>
+          </p:cNvPr>
+          <p:cNvSpPr/>
+          <p:nvPr/>
+        </p:nvSpPr>
+        <p:spPr>
+          <a:xfrm>
+            <a:off x="1334274" y="3563641"/>
+            <a:ext cx="345233" cy="2491273"/>
+          </a:xfrm>
+          <a:prstGeom prst="downArrow">
+            <a:avLst/>
+          </a:prstGeom>
+        </p:spPr>
+        <p:style>
+          <a:lnRef idx="2">
+            <a:schemeClr val="accent1">
+              <a:shade val="50000"/>
+            </a:schemeClr>
+          </a:lnRef>
+          <a:fillRef idx="1">
+            <a:schemeClr val="accent1"/>
+          </a:fillRef>
+          <a:effectRef idx="0">
+            <a:schemeClr val="accent1"/>
+          </a:effectRef>
+          <a:fontRef idx="minor">
+            <a:schemeClr val="lt1"/>
+          </a:fontRef>
+        </p:style>
+        <p:txBody>
+          <a:bodyPr rtlCol="0" anchor="ctr"/>
+          <a:lstStyle/>
+          <a:p>
+            <a:pPr algn="ctr"/>
+            <a:r>
+              <a:rPr lang="en-IN" dirty="0"/>
+              <a:t>T</a:t>
+            </a:r>
+          </a:p>
+          <a:p>
+            <a:pPr algn="ctr"/>
+            <a:r>
+              <a:rPr lang="en-IN" dirty="0"/>
+              <a:t>H</a:t>
+            </a:r>
+          </a:p>
+          <a:p>
+            <a:pPr algn="ctr"/>
+            <a:r>
+              <a:rPr lang="en-IN" dirty="0"/>
+              <a:t>R</a:t>
+            </a:r>
+          </a:p>
+          <a:p>
+            <a:pPr algn="ctr"/>
+            <a:r>
+              <a:rPr lang="en-IN" dirty="0"/>
+              <a:t>E</a:t>
+            </a:r>
+          </a:p>
+          <a:p>
+            <a:pPr algn="ctr"/>
+            <a:r>
+              <a:rPr lang="en-IN" dirty="0"/>
+              <a:t>A</a:t>
+            </a:r>
+          </a:p>
+          <a:p>
+            <a:pPr algn="ctr"/>
+            <a:r>
+              <a:rPr lang="en-IN" dirty="0"/>
+              <a:t>D</a:t>
+            </a:r>
+            <a:endParaRPr lang="en-US" dirty="0"/>
+          </a:p>
+        </p:txBody>
+      </p:sp>
+      <p:sp>
+        <p:nvSpPr>
+          <p:cNvPr id="27" name="Rectangle 26">
+            <a:extLst>
+              <a:ext uri="{FF2B5EF4-FFF2-40B4-BE49-F238E27FC236}">
+                <a16:creationId xmlns:a16="http://schemas.microsoft.com/office/drawing/2014/main" id="{9926D99A-D6C8-1E2E-D834-D3CA2048F6DA}"/>
+              </a:ext>
+            </a:extLst>
+          </p:cNvPr>
+          <p:cNvSpPr/>
+          <p:nvPr/>
+        </p:nvSpPr>
+        <p:spPr>
+          <a:xfrm>
+            <a:off x="3483428" y="3447663"/>
+            <a:ext cx="2015412" cy="2696547"/>
+          </a:xfrm>
+          <a:prstGeom prst="rect">
+            <a:avLst/>
+          </a:prstGeom>
+        </p:spPr>
+        <p:style>
+          <a:lnRef idx="1">
+            <a:schemeClr val="accent4"/>
+          </a:lnRef>
+          <a:fillRef idx="2">
+            <a:schemeClr val="accent4"/>
+          </a:fillRef>
+          <a:effectRef idx="1">
+            <a:schemeClr val="accent4"/>
+          </a:effectRef>
+          <a:fontRef idx="minor">
+            <a:schemeClr val="dk1"/>
+          </a:fontRef>
+        </p:style>
+        <p:txBody>
+          <a:bodyPr rtlCol="0" anchor="ctr"/>
+          <a:lstStyle/>
+          <a:p>
+            <a:pPr algn="ctr"/>
+            <a:endParaRPr lang="en-US"/>
+          </a:p>
+        </p:txBody>
+      </p:sp>
+      <p:sp>
+        <p:nvSpPr>
+          <p:cNvPr id="28" name="TextBox 27">
+            <a:extLst>
+              <a:ext uri="{FF2B5EF4-FFF2-40B4-BE49-F238E27FC236}">
+                <a16:creationId xmlns:a16="http://schemas.microsoft.com/office/drawing/2014/main" id="{F4CE4199-09F0-C2CA-9CA6-E84E4C4A2581}"/>
+              </a:ext>
+            </a:extLst>
+          </p:cNvPr>
+          <p:cNvSpPr txBox="1"/>
+          <p:nvPr/>
+        </p:nvSpPr>
+        <p:spPr>
+          <a:xfrm>
+            <a:off x="3548742" y="3578292"/>
+            <a:ext cx="1856792" cy="369332"/>
+          </a:xfrm>
+          <a:prstGeom prst="rect">
+            <a:avLst/>
+          </a:prstGeom>
+          <a:noFill/>
+        </p:spPr>
+        <p:txBody>
+          <a:bodyPr wrap="square" rtlCol="0">
+            <a:spAutoFit/>
+          </a:bodyPr>
+          <a:lstStyle/>
+          <a:p>
+            <a:pPr algn="ctr"/>
+            <a:r>
+              <a:rPr lang="en-IN" b="1" dirty="0"/>
+              <a:t>AppDomain</a:t>
+            </a:r>
+            <a:endParaRPr lang="en-US" b="1" dirty="0"/>
+          </a:p>
+        </p:txBody>
+      </p:sp>
+      <p:sp>
+        <p:nvSpPr>
+          <p:cNvPr id="29" name="TextBox 28">
+            <a:extLst>
+              <a:ext uri="{FF2B5EF4-FFF2-40B4-BE49-F238E27FC236}">
+                <a16:creationId xmlns:a16="http://schemas.microsoft.com/office/drawing/2014/main" id="{EB979DA3-A793-0122-1782-3FD8C8F1EC03}"/>
+              </a:ext>
+            </a:extLst>
+          </p:cNvPr>
+          <p:cNvSpPr txBox="1"/>
+          <p:nvPr/>
+        </p:nvSpPr>
+        <p:spPr>
+          <a:xfrm>
+            <a:off x="3679371" y="3947624"/>
+            <a:ext cx="1623526" cy="430887"/>
+          </a:xfrm>
+          <a:prstGeom prst="rect">
+            <a:avLst/>
+          </a:prstGeom>
+          <a:noFill/>
+        </p:spPr>
+        <p:txBody>
+          <a:bodyPr wrap="square" rtlCol="0">
+            <a:spAutoFit/>
+          </a:bodyPr>
+          <a:lstStyle/>
+          <a:p>
+            <a:pPr algn="ctr"/>
+            <a:r>
+              <a:rPr lang="en-IN" sz="1100" b="1" dirty="0"/>
+              <a:t>A Process Allocated to .NET App</a:t>
+            </a:r>
+            <a:endParaRPr lang="en-US" sz="1100" b="1" dirty="0"/>
+          </a:p>
+        </p:txBody>
+      </p:sp>
+      <p:sp>
+        <p:nvSpPr>
+          <p:cNvPr id="30" name="Rectangle 29">
+            <a:extLst>
+              <a:ext uri="{FF2B5EF4-FFF2-40B4-BE49-F238E27FC236}">
+                <a16:creationId xmlns:a16="http://schemas.microsoft.com/office/drawing/2014/main" id="{624EDD24-5E2C-7825-46C0-9C8B7CEC0934}"/>
+              </a:ext>
+            </a:extLst>
+          </p:cNvPr>
+          <p:cNvSpPr/>
+          <p:nvPr/>
+        </p:nvSpPr>
+        <p:spPr>
+          <a:xfrm>
+            <a:off x="4005943" y="4496126"/>
+            <a:ext cx="382555" cy="1455576"/>
+          </a:xfrm>
+          <a:prstGeom prst="rect">
+            <a:avLst/>
+          </a:prstGeom>
+        </p:spPr>
+        <p:style>
+          <a:lnRef idx="2">
+            <a:schemeClr val="accent1">
+              <a:shade val="50000"/>
+            </a:schemeClr>
+          </a:lnRef>
+          <a:fillRef idx="1">
+            <a:schemeClr val="accent1"/>
+          </a:fillRef>
+          <a:effectRef idx="0">
+            <a:schemeClr val="accent1"/>
+          </a:effectRef>
+          <a:fontRef idx="minor">
+            <a:schemeClr val="lt1"/>
+          </a:fontRef>
+        </p:style>
+        <p:txBody>
+          <a:bodyPr rtlCol="0" anchor="ctr"/>
+          <a:lstStyle/>
+          <a:p>
+            <a:pPr algn="ctr"/>
+            <a:r>
+              <a:rPr lang="en-IN" dirty="0"/>
+              <a:t>E</a:t>
+            </a:r>
+          </a:p>
+          <a:p>
+            <a:pPr algn="ctr"/>
+            <a:r>
+              <a:rPr lang="en-IN" dirty="0"/>
+              <a:t>X</a:t>
+            </a:r>
+          </a:p>
+          <a:p>
+            <a:pPr algn="ctr"/>
+            <a:r>
+              <a:rPr lang="en-IN" dirty="0"/>
+              <a:t>E</a:t>
+            </a:r>
+            <a:endParaRPr lang="en-US" dirty="0"/>
+          </a:p>
+        </p:txBody>
+      </p:sp>
+      <p:sp>
+        <p:nvSpPr>
+          <p:cNvPr id="31" name="Rectangle: Rounded Corners 30">
+            <a:extLst>
+              <a:ext uri="{FF2B5EF4-FFF2-40B4-BE49-F238E27FC236}">
+                <a16:creationId xmlns:a16="http://schemas.microsoft.com/office/drawing/2014/main" id="{6C7FD722-869A-EB62-7C80-5DEF815916BE}"/>
+              </a:ext>
+            </a:extLst>
+          </p:cNvPr>
+          <p:cNvSpPr/>
+          <p:nvPr/>
+        </p:nvSpPr>
+        <p:spPr>
+          <a:xfrm>
+            <a:off x="4547119" y="4496126"/>
+            <a:ext cx="755779" cy="597159"/>
+          </a:xfrm>
+          <a:prstGeom prst="roundRect">
+            <a:avLst/>
+          </a:prstGeom>
+        </p:spPr>
+        <p:style>
+          <a:lnRef idx="2">
+            <a:schemeClr val="accent1">
+              <a:shade val="50000"/>
+            </a:schemeClr>
+          </a:lnRef>
+          <a:fillRef idx="1">
+            <a:schemeClr val="accent1"/>
+          </a:fillRef>
+          <a:effectRef idx="0">
+            <a:schemeClr val="accent1"/>
+          </a:effectRef>
+          <a:fontRef idx="minor">
+            <a:schemeClr val="lt1"/>
+          </a:fontRef>
+        </p:style>
+        <p:txBody>
+          <a:bodyPr rtlCol="0" anchor="ctr"/>
+          <a:lstStyle/>
+          <a:p>
+            <a:pPr algn="ctr"/>
+            <a:r>
+              <a:rPr lang="en-IN" dirty="0" err="1"/>
+              <a:t>Dll</a:t>
+            </a:r>
+            <a:r>
+              <a:rPr lang="en-IN" dirty="0"/>
+              <a:t> 1</a:t>
+            </a:r>
+            <a:endParaRPr lang="en-US" dirty="0"/>
+          </a:p>
+        </p:txBody>
+      </p:sp>
+      <p:sp>
+        <p:nvSpPr>
+          <p:cNvPr id="32" name="Rectangle: Rounded Corners 31">
+            <a:extLst>
+              <a:ext uri="{FF2B5EF4-FFF2-40B4-BE49-F238E27FC236}">
+                <a16:creationId xmlns:a16="http://schemas.microsoft.com/office/drawing/2014/main" id="{115F90DE-71EA-B08C-7B24-50930D970D5C}"/>
+              </a:ext>
+            </a:extLst>
+          </p:cNvPr>
+          <p:cNvSpPr/>
+          <p:nvPr/>
+        </p:nvSpPr>
+        <p:spPr>
+          <a:xfrm>
+            <a:off x="4547118" y="5381879"/>
+            <a:ext cx="755779" cy="597159"/>
+          </a:xfrm>
+          <a:prstGeom prst="roundRect">
+            <a:avLst/>
+          </a:prstGeom>
+        </p:spPr>
+        <p:style>
+          <a:lnRef idx="2">
+            <a:schemeClr val="accent1">
+              <a:shade val="50000"/>
+            </a:schemeClr>
+          </a:lnRef>
+          <a:fillRef idx="1">
+            <a:schemeClr val="accent1"/>
+          </a:fillRef>
+          <a:effectRef idx="0">
+            <a:schemeClr val="accent1"/>
+          </a:effectRef>
+          <a:fontRef idx="minor">
+            <a:schemeClr val="lt1"/>
+          </a:fontRef>
+        </p:style>
+        <p:txBody>
+          <a:bodyPr rtlCol="0" anchor="ctr"/>
+          <a:lstStyle/>
+          <a:p>
+            <a:pPr algn="ctr"/>
+            <a:r>
+              <a:rPr lang="en-IN" dirty="0" err="1"/>
+              <a:t>Dll</a:t>
+            </a:r>
+            <a:r>
+              <a:rPr lang="en-IN" dirty="0"/>
+              <a:t> 2</a:t>
+            </a:r>
+            <a:endParaRPr lang="en-US" dirty="0"/>
+          </a:p>
+        </p:txBody>
+      </p:sp>
+      <p:sp>
+        <p:nvSpPr>
+          <p:cNvPr id="33" name="Arrow: Down 32">
+            <a:extLst>
+              <a:ext uri="{FF2B5EF4-FFF2-40B4-BE49-F238E27FC236}">
+                <a16:creationId xmlns:a16="http://schemas.microsoft.com/office/drawing/2014/main" id="{1565CA39-A57E-C952-C03F-172273DA98CD}"/>
+              </a:ext>
+            </a:extLst>
+          </p:cNvPr>
+          <p:cNvSpPr/>
+          <p:nvPr/>
+        </p:nvSpPr>
+        <p:spPr>
+          <a:xfrm>
+            <a:off x="3548742" y="3578292"/>
+            <a:ext cx="345233" cy="2491273"/>
+          </a:xfrm>
+          <a:prstGeom prst="downArrow">
+            <a:avLst/>
+          </a:prstGeom>
+        </p:spPr>
+        <p:style>
+          <a:lnRef idx="2">
+            <a:schemeClr val="accent1">
+              <a:shade val="50000"/>
+            </a:schemeClr>
+          </a:lnRef>
+          <a:fillRef idx="1">
+            <a:schemeClr val="accent1"/>
+          </a:fillRef>
+          <a:effectRef idx="0">
+            <a:schemeClr val="accent1"/>
+          </a:effectRef>
+          <a:fontRef idx="minor">
+            <a:schemeClr val="lt1"/>
+          </a:fontRef>
+        </p:style>
+        <p:txBody>
+          <a:bodyPr rtlCol="0" anchor="ctr"/>
+          <a:lstStyle/>
+          <a:p>
+            <a:pPr algn="ctr"/>
+            <a:r>
+              <a:rPr lang="en-IN" dirty="0"/>
+              <a:t>T</a:t>
+            </a:r>
+          </a:p>
+          <a:p>
+            <a:pPr algn="ctr"/>
+            <a:r>
+              <a:rPr lang="en-IN" dirty="0"/>
+              <a:t>H</a:t>
+            </a:r>
+          </a:p>
+          <a:p>
+            <a:pPr algn="ctr"/>
+            <a:r>
+              <a:rPr lang="en-IN" dirty="0"/>
+              <a:t>R</a:t>
+            </a:r>
+          </a:p>
+          <a:p>
+            <a:pPr algn="ctr"/>
+            <a:r>
+              <a:rPr lang="en-IN" dirty="0"/>
+              <a:t>E</a:t>
+            </a:r>
+          </a:p>
+          <a:p>
+            <a:pPr algn="ctr"/>
+            <a:r>
+              <a:rPr lang="en-IN" dirty="0"/>
+              <a:t>A</a:t>
+            </a:r>
+          </a:p>
+          <a:p>
+            <a:pPr algn="ctr"/>
+            <a:r>
+              <a:rPr lang="en-IN" dirty="0"/>
+              <a:t>D</a:t>
+            </a:r>
+            <a:endParaRPr lang="en-US" dirty="0"/>
+          </a:p>
+        </p:txBody>
+      </p:sp>
+      <p:sp>
+        <p:nvSpPr>
+          <p:cNvPr id="34" name="Rectangle 33">
+            <a:extLst>
+              <a:ext uri="{FF2B5EF4-FFF2-40B4-BE49-F238E27FC236}">
+                <a16:creationId xmlns:a16="http://schemas.microsoft.com/office/drawing/2014/main" id="{20E88DD4-0847-650A-C22A-0C2CE7DE23D9}"/>
+              </a:ext>
+            </a:extLst>
+          </p:cNvPr>
+          <p:cNvSpPr/>
+          <p:nvPr/>
+        </p:nvSpPr>
+        <p:spPr>
+          <a:xfrm>
+            <a:off x="5604588" y="506575"/>
+            <a:ext cx="2015412" cy="2696547"/>
+          </a:xfrm>
+          <a:prstGeom prst="rect">
+            <a:avLst/>
+          </a:prstGeom>
+        </p:spPr>
+        <p:style>
+          <a:lnRef idx="1">
+            <a:schemeClr val="accent4"/>
+          </a:lnRef>
+          <a:fillRef idx="2">
+            <a:schemeClr val="accent4"/>
+          </a:fillRef>
+          <a:effectRef idx="1">
+            <a:schemeClr val="accent4"/>
+          </a:effectRef>
+          <a:fontRef idx="minor">
+            <a:schemeClr val="dk1"/>
+          </a:fontRef>
+        </p:style>
+        <p:txBody>
+          <a:bodyPr rtlCol="0" anchor="ctr"/>
+          <a:lstStyle/>
+          <a:p>
+            <a:pPr algn="ctr"/>
+            <a:endParaRPr lang="en-US"/>
+          </a:p>
+        </p:txBody>
+      </p:sp>
+      <p:sp>
+        <p:nvSpPr>
+          <p:cNvPr id="35" name="TextBox 34">
+            <a:extLst>
+              <a:ext uri="{FF2B5EF4-FFF2-40B4-BE49-F238E27FC236}">
+                <a16:creationId xmlns:a16="http://schemas.microsoft.com/office/drawing/2014/main" id="{4D75DBB9-E2A8-9332-BD5D-83A02D189184}"/>
+              </a:ext>
+            </a:extLst>
+          </p:cNvPr>
+          <p:cNvSpPr txBox="1"/>
+          <p:nvPr/>
+        </p:nvSpPr>
+        <p:spPr>
+          <a:xfrm>
+            <a:off x="5669902" y="637204"/>
+            <a:ext cx="1856792" cy="369332"/>
+          </a:xfrm>
+          <a:prstGeom prst="rect">
+            <a:avLst/>
+          </a:prstGeom>
+          <a:noFill/>
+        </p:spPr>
+        <p:txBody>
+          <a:bodyPr wrap="square" rtlCol="0">
+            <a:spAutoFit/>
+          </a:bodyPr>
+          <a:lstStyle/>
+          <a:p>
+            <a:pPr algn="ctr"/>
+            <a:r>
+              <a:rPr lang="en-IN" b="1" dirty="0"/>
+              <a:t>AppDomain</a:t>
+            </a:r>
+            <a:endParaRPr lang="en-US" b="1" dirty="0"/>
+          </a:p>
+        </p:txBody>
+      </p:sp>
+      <p:sp>
+        <p:nvSpPr>
+          <p:cNvPr id="36" name="TextBox 35">
+            <a:extLst>
+              <a:ext uri="{FF2B5EF4-FFF2-40B4-BE49-F238E27FC236}">
+                <a16:creationId xmlns:a16="http://schemas.microsoft.com/office/drawing/2014/main" id="{0EC268E4-BB0B-DD52-1DCE-2721AC422CCE}"/>
+              </a:ext>
+            </a:extLst>
+          </p:cNvPr>
+          <p:cNvSpPr txBox="1"/>
+          <p:nvPr/>
+        </p:nvSpPr>
+        <p:spPr>
+          <a:xfrm>
+            <a:off x="5800531" y="1006536"/>
+            <a:ext cx="1623526" cy="430887"/>
+          </a:xfrm>
+          <a:prstGeom prst="rect">
+            <a:avLst/>
+          </a:prstGeom>
+          <a:noFill/>
+        </p:spPr>
+        <p:txBody>
+          <a:bodyPr wrap="square" rtlCol="0">
+            <a:spAutoFit/>
+          </a:bodyPr>
+          <a:lstStyle/>
+          <a:p>
+            <a:pPr algn="ctr"/>
+            <a:r>
+              <a:rPr lang="en-IN" sz="1100" b="1" dirty="0"/>
+              <a:t>A Process Allocated to .NET App</a:t>
+            </a:r>
+            <a:endParaRPr lang="en-US" sz="1100" b="1" dirty="0"/>
+          </a:p>
+        </p:txBody>
+      </p:sp>
+      <p:sp>
+        <p:nvSpPr>
+          <p:cNvPr id="37" name="Rectangle 36">
+            <a:extLst>
+              <a:ext uri="{FF2B5EF4-FFF2-40B4-BE49-F238E27FC236}">
+                <a16:creationId xmlns:a16="http://schemas.microsoft.com/office/drawing/2014/main" id="{972612BD-C3E9-A5BD-6314-38C2737D0236}"/>
+              </a:ext>
+            </a:extLst>
+          </p:cNvPr>
+          <p:cNvSpPr/>
+          <p:nvPr/>
+        </p:nvSpPr>
+        <p:spPr>
+          <a:xfrm>
+            <a:off x="6127103" y="1555038"/>
+            <a:ext cx="382555" cy="1455576"/>
+          </a:xfrm>
+          <a:prstGeom prst="rect">
+            <a:avLst/>
+          </a:prstGeom>
+        </p:spPr>
+        <p:style>
+          <a:lnRef idx="2">
+            <a:schemeClr val="accent1">
+              <a:shade val="50000"/>
+            </a:schemeClr>
+          </a:lnRef>
+          <a:fillRef idx="1">
+            <a:schemeClr val="accent1"/>
+          </a:fillRef>
+          <a:effectRef idx="0">
+            <a:schemeClr val="accent1"/>
+          </a:effectRef>
+          <a:fontRef idx="minor">
+            <a:schemeClr val="lt1"/>
+          </a:fontRef>
+        </p:style>
+        <p:txBody>
+          <a:bodyPr rtlCol="0" anchor="ctr"/>
+          <a:lstStyle/>
+          <a:p>
+            <a:pPr algn="ctr"/>
+            <a:r>
+              <a:rPr lang="en-IN" dirty="0"/>
+              <a:t>E</a:t>
+            </a:r>
+          </a:p>
+          <a:p>
+            <a:pPr algn="ctr"/>
+            <a:r>
+              <a:rPr lang="en-IN" dirty="0"/>
+              <a:t>X</a:t>
+            </a:r>
+          </a:p>
+          <a:p>
+            <a:pPr algn="ctr"/>
+            <a:r>
+              <a:rPr lang="en-IN" dirty="0"/>
+              <a:t>E</a:t>
+            </a:r>
+            <a:endParaRPr lang="en-US" dirty="0"/>
+          </a:p>
+        </p:txBody>
+      </p:sp>
+      <p:sp>
+        <p:nvSpPr>
+          <p:cNvPr id="38" name="Rectangle: Rounded Corners 37">
+            <a:extLst>
+              <a:ext uri="{FF2B5EF4-FFF2-40B4-BE49-F238E27FC236}">
+                <a16:creationId xmlns:a16="http://schemas.microsoft.com/office/drawing/2014/main" id="{C53178ED-3623-36A0-166D-26F146F9935E}"/>
+              </a:ext>
+            </a:extLst>
+          </p:cNvPr>
+          <p:cNvSpPr/>
+          <p:nvPr/>
+        </p:nvSpPr>
+        <p:spPr>
+          <a:xfrm>
+            <a:off x="6668279" y="1555038"/>
+            <a:ext cx="755779" cy="597159"/>
+          </a:xfrm>
+          <a:prstGeom prst="roundRect">
+            <a:avLst/>
+          </a:prstGeom>
+        </p:spPr>
+        <p:style>
+          <a:lnRef idx="2">
+            <a:schemeClr val="accent1">
+              <a:shade val="50000"/>
+            </a:schemeClr>
+          </a:lnRef>
+          <a:fillRef idx="1">
+            <a:schemeClr val="accent1"/>
+          </a:fillRef>
+          <a:effectRef idx="0">
+            <a:schemeClr val="accent1"/>
+          </a:effectRef>
+          <a:fontRef idx="minor">
+            <a:schemeClr val="lt1"/>
+          </a:fontRef>
+        </p:style>
+        <p:txBody>
+          <a:bodyPr rtlCol="0" anchor="ctr"/>
+          <a:lstStyle/>
+          <a:p>
+            <a:pPr algn="ctr"/>
+            <a:r>
+              <a:rPr lang="en-IN" dirty="0" err="1"/>
+              <a:t>Dll</a:t>
+            </a:r>
+            <a:r>
+              <a:rPr lang="en-IN" dirty="0"/>
+              <a:t> 1</a:t>
+            </a:r>
+            <a:endParaRPr lang="en-US" dirty="0"/>
+          </a:p>
+        </p:txBody>
+      </p:sp>
+      <p:sp>
+        <p:nvSpPr>
+          <p:cNvPr id="39" name="Rectangle: Rounded Corners 38">
+            <a:extLst>
+              <a:ext uri="{FF2B5EF4-FFF2-40B4-BE49-F238E27FC236}">
+                <a16:creationId xmlns:a16="http://schemas.microsoft.com/office/drawing/2014/main" id="{114AB792-8123-759E-6897-F6BABDC8DEE4}"/>
+              </a:ext>
+            </a:extLst>
+          </p:cNvPr>
+          <p:cNvSpPr/>
+          <p:nvPr/>
+        </p:nvSpPr>
+        <p:spPr>
+          <a:xfrm>
+            <a:off x="6668278" y="2440791"/>
+            <a:ext cx="755779" cy="597159"/>
+          </a:xfrm>
+          <a:prstGeom prst="roundRect">
+            <a:avLst/>
+          </a:prstGeom>
+        </p:spPr>
+        <p:style>
+          <a:lnRef idx="2">
+            <a:schemeClr val="accent1">
+              <a:shade val="50000"/>
+            </a:schemeClr>
+          </a:lnRef>
+          <a:fillRef idx="1">
+            <a:schemeClr val="accent1"/>
+          </a:fillRef>
+          <a:effectRef idx="0">
+            <a:schemeClr val="accent1"/>
+          </a:effectRef>
+          <a:fontRef idx="minor">
+            <a:schemeClr val="lt1"/>
+          </a:fontRef>
+        </p:style>
+        <p:txBody>
+          <a:bodyPr rtlCol="0" anchor="ctr"/>
+          <a:lstStyle/>
+          <a:p>
+            <a:pPr algn="ctr"/>
+            <a:r>
+              <a:rPr lang="en-IN" dirty="0" err="1"/>
+              <a:t>Dll</a:t>
+            </a:r>
+            <a:r>
+              <a:rPr lang="en-IN" dirty="0"/>
+              <a:t> 2</a:t>
+            </a:r>
+            <a:endParaRPr lang="en-US" dirty="0"/>
+          </a:p>
+        </p:txBody>
+      </p:sp>
+      <p:sp>
+        <p:nvSpPr>
+          <p:cNvPr id="40" name="Arrow: Down 39">
+            <a:extLst>
+              <a:ext uri="{FF2B5EF4-FFF2-40B4-BE49-F238E27FC236}">
+                <a16:creationId xmlns:a16="http://schemas.microsoft.com/office/drawing/2014/main" id="{A82FA8BA-48CA-956B-B024-B0CEBAE5D1DC}"/>
+              </a:ext>
+            </a:extLst>
+          </p:cNvPr>
+          <p:cNvSpPr/>
+          <p:nvPr/>
+        </p:nvSpPr>
+        <p:spPr>
+          <a:xfrm>
+            <a:off x="5669902" y="637204"/>
+            <a:ext cx="345233" cy="2491273"/>
+          </a:xfrm>
+          <a:prstGeom prst="downArrow">
+            <a:avLst/>
+          </a:prstGeom>
+        </p:spPr>
+        <p:style>
+          <a:lnRef idx="2">
+            <a:schemeClr val="accent1">
+              <a:shade val="50000"/>
+            </a:schemeClr>
+          </a:lnRef>
+          <a:fillRef idx="1">
+            <a:schemeClr val="accent1"/>
+          </a:fillRef>
+          <a:effectRef idx="0">
+            <a:schemeClr val="accent1"/>
+          </a:effectRef>
+          <a:fontRef idx="minor">
+            <a:schemeClr val="lt1"/>
+          </a:fontRef>
+        </p:style>
+        <p:txBody>
+          <a:bodyPr rtlCol="0" anchor="ctr"/>
+          <a:lstStyle/>
+          <a:p>
+            <a:pPr algn="ctr"/>
+            <a:r>
+              <a:rPr lang="en-IN" dirty="0"/>
+              <a:t>T</a:t>
+            </a:r>
+          </a:p>
+          <a:p>
+            <a:pPr algn="ctr"/>
+            <a:r>
+              <a:rPr lang="en-IN" dirty="0"/>
+              <a:t>H</a:t>
+            </a:r>
+          </a:p>
+          <a:p>
+            <a:pPr algn="ctr"/>
+            <a:r>
+              <a:rPr lang="en-IN" dirty="0"/>
+              <a:t>R</a:t>
+            </a:r>
+          </a:p>
+          <a:p>
+            <a:pPr algn="ctr"/>
+            <a:r>
+              <a:rPr lang="en-IN" dirty="0"/>
+              <a:t>E</a:t>
+            </a:r>
+          </a:p>
+          <a:p>
+            <a:pPr algn="ctr"/>
+            <a:r>
+              <a:rPr lang="en-IN" dirty="0"/>
+              <a:t>A</a:t>
+            </a:r>
+          </a:p>
+          <a:p>
+            <a:pPr algn="ctr"/>
+            <a:r>
+              <a:rPr lang="en-IN" dirty="0"/>
+              <a:t>D</a:t>
+            </a:r>
+            <a:endParaRPr lang="en-US" dirty="0"/>
+          </a:p>
+        </p:txBody>
+      </p:sp>
+      <p:sp>
+        <p:nvSpPr>
+          <p:cNvPr id="41" name="Rectangle 40">
+            <a:extLst>
+              <a:ext uri="{FF2B5EF4-FFF2-40B4-BE49-F238E27FC236}">
+                <a16:creationId xmlns:a16="http://schemas.microsoft.com/office/drawing/2014/main" id="{FEEE7D62-4355-05EB-8553-777DBAB06132}"/>
+              </a:ext>
+            </a:extLst>
+          </p:cNvPr>
+          <p:cNvSpPr/>
+          <p:nvPr/>
+        </p:nvSpPr>
+        <p:spPr>
+          <a:xfrm>
+            <a:off x="7791062" y="503853"/>
+            <a:ext cx="2015412" cy="2696547"/>
+          </a:xfrm>
+          <a:prstGeom prst="rect">
+            <a:avLst/>
+          </a:prstGeom>
+        </p:spPr>
+        <p:style>
+          <a:lnRef idx="1">
+            <a:schemeClr val="accent4"/>
+          </a:lnRef>
+          <a:fillRef idx="2">
+            <a:schemeClr val="accent4"/>
+          </a:fillRef>
+          <a:effectRef idx="1">
+            <a:schemeClr val="accent4"/>
+          </a:effectRef>
+          <a:fontRef idx="minor">
+            <a:schemeClr val="dk1"/>
+          </a:fontRef>
+        </p:style>
+        <p:txBody>
+          <a:bodyPr rtlCol="0" anchor="ctr"/>
+          <a:lstStyle/>
+          <a:p>
+            <a:pPr algn="ctr"/>
+            <a:endParaRPr lang="en-US"/>
+          </a:p>
+        </p:txBody>
+      </p:sp>
+      <p:sp>
+        <p:nvSpPr>
+          <p:cNvPr id="42" name="TextBox 41">
+            <a:extLst>
+              <a:ext uri="{FF2B5EF4-FFF2-40B4-BE49-F238E27FC236}">
+                <a16:creationId xmlns:a16="http://schemas.microsoft.com/office/drawing/2014/main" id="{FB742B3F-416A-1049-B3E1-7981B203E15B}"/>
+              </a:ext>
+            </a:extLst>
+          </p:cNvPr>
+          <p:cNvSpPr txBox="1"/>
+          <p:nvPr/>
+        </p:nvSpPr>
+        <p:spPr>
+          <a:xfrm>
+            <a:off x="7856376" y="634482"/>
+            <a:ext cx="1856792" cy="369332"/>
+          </a:xfrm>
+          <a:prstGeom prst="rect">
+            <a:avLst/>
+          </a:prstGeom>
+          <a:noFill/>
+        </p:spPr>
+        <p:txBody>
+          <a:bodyPr wrap="square" rtlCol="0">
+            <a:spAutoFit/>
+          </a:bodyPr>
+          <a:lstStyle/>
+          <a:p>
+            <a:pPr algn="ctr"/>
+            <a:r>
+              <a:rPr lang="en-IN" b="1" dirty="0"/>
+              <a:t>AppDomain</a:t>
+            </a:r>
+            <a:endParaRPr lang="en-US" b="1" dirty="0"/>
+          </a:p>
+        </p:txBody>
+      </p:sp>
+      <p:sp>
+        <p:nvSpPr>
+          <p:cNvPr id="43" name="TextBox 42">
+            <a:extLst>
+              <a:ext uri="{FF2B5EF4-FFF2-40B4-BE49-F238E27FC236}">
+                <a16:creationId xmlns:a16="http://schemas.microsoft.com/office/drawing/2014/main" id="{2F4E67DE-5BDA-53B5-4F38-4B19E66AC250}"/>
+              </a:ext>
+            </a:extLst>
+          </p:cNvPr>
+          <p:cNvSpPr txBox="1"/>
+          <p:nvPr/>
+        </p:nvSpPr>
+        <p:spPr>
+          <a:xfrm>
+            <a:off x="7987005" y="1003814"/>
+            <a:ext cx="1623526" cy="430887"/>
+          </a:xfrm>
+          <a:prstGeom prst="rect">
+            <a:avLst/>
+          </a:prstGeom>
+          <a:noFill/>
+        </p:spPr>
+        <p:txBody>
+          <a:bodyPr wrap="square" rtlCol="0">
+            <a:spAutoFit/>
+          </a:bodyPr>
+          <a:lstStyle/>
+          <a:p>
+            <a:pPr algn="ctr"/>
+            <a:r>
+              <a:rPr lang="en-IN" sz="1100" b="1" dirty="0"/>
+              <a:t>A Process Allocated to .NET App</a:t>
+            </a:r>
+            <a:endParaRPr lang="en-US" sz="1100" b="1" dirty="0"/>
+          </a:p>
+        </p:txBody>
+      </p:sp>
+      <p:sp>
+        <p:nvSpPr>
+          <p:cNvPr id="44" name="Rectangle 43">
+            <a:extLst>
+              <a:ext uri="{FF2B5EF4-FFF2-40B4-BE49-F238E27FC236}">
+                <a16:creationId xmlns:a16="http://schemas.microsoft.com/office/drawing/2014/main" id="{FA285B93-E7B8-E937-3B1D-ABFF79BFB69C}"/>
+              </a:ext>
+            </a:extLst>
+          </p:cNvPr>
+          <p:cNvSpPr/>
+          <p:nvPr/>
+        </p:nvSpPr>
+        <p:spPr>
+          <a:xfrm>
+            <a:off x="8313577" y="1552316"/>
+            <a:ext cx="382555" cy="1455576"/>
+          </a:xfrm>
+          <a:prstGeom prst="rect">
+            <a:avLst/>
+          </a:prstGeom>
+        </p:spPr>
+        <p:style>
+          <a:lnRef idx="2">
+            <a:schemeClr val="accent1">
+              <a:shade val="50000"/>
+            </a:schemeClr>
+          </a:lnRef>
+          <a:fillRef idx="1">
+            <a:schemeClr val="accent1"/>
+          </a:fillRef>
+          <a:effectRef idx="0">
+            <a:schemeClr val="accent1"/>
+          </a:effectRef>
+          <a:fontRef idx="minor">
+            <a:schemeClr val="lt1"/>
+          </a:fontRef>
+        </p:style>
+        <p:txBody>
+          <a:bodyPr rtlCol="0" anchor="ctr"/>
+          <a:lstStyle/>
+          <a:p>
+            <a:pPr algn="ctr"/>
+            <a:r>
+              <a:rPr lang="en-IN" dirty="0"/>
+              <a:t>E</a:t>
+            </a:r>
+          </a:p>
+          <a:p>
+            <a:pPr algn="ctr"/>
+            <a:r>
+              <a:rPr lang="en-IN" dirty="0"/>
+              <a:t>X</a:t>
+            </a:r>
+          </a:p>
+          <a:p>
+            <a:pPr algn="ctr"/>
+            <a:r>
+              <a:rPr lang="en-IN" dirty="0"/>
+              <a:t>E</a:t>
+            </a:r>
+            <a:endParaRPr lang="en-US" dirty="0"/>
+          </a:p>
+        </p:txBody>
+      </p:sp>
+      <p:sp>
+        <p:nvSpPr>
+          <p:cNvPr id="45" name="Rectangle: Rounded Corners 44">
+            <a:extLst>
+              <a:ext uri="{FF2B5EF4-FFF2-40B4-BE49-F238E27FC236}">
+                <a16:creationId xmlns:a16="http://schemas.microsoft.com/office/drawing/2014/main" id="{8BD481BB-7244-E16C-B6B8-5137BC90F7EC}"/>
+              </a:ext>
+            </a:extLst>
+          </p:cNvPr>
+          <p:cNvSpPr/>
+          <p:nvPr/>
+        </p:nvSpPr>
+        <p:spPr>
+          <a:xfrm>
+            <a:off x="8854753" y="1552316"/>
+            <a:ext cx="755779" cy="597159"/>
+          </a:xfrm>
+          <a:prstGeom prst="roundRect">
+            <a:avLst/>
+          </a:prstGeom>
+        </p:spPr>
+        <p:style>
+          <a:lnRef idx="2">
+            <a:schemeClr val="accent1">
+              <a:shade val="50000"/>
+            </a:schemeClr>
+          </a:lnRef>
+          <a:fillRef idx="1">
+            <a:schemeClr val="accent1"/>
+          </a:fillRef>
+          <a:effectRef idx="0">
+            <a:schemeClr val="accent1"/>
+          </a:effectRef>
+          <a:fontRef idx="minor">
+            <a:schemeClr val="lt1"/>
+          </a:fontRef>
+        </p:style>
+        <p:txBody>
+          <a:bodyPr rtlCol="0" anchor="ctr"/>
+          <a:lstStyle/>
+          <a:p>
+            <a:pPr algn="ctr"/>
+            <a:r>
+              <a:rPr lang="en-IN" dirty="0" err="1"/>
+              <a:t>Dll</a:t>
+            </a:r>
+            <a:r>
+              <a:rPr lang="en-IN" dirty="0"/>
+              <a:t> 1</a:t>
+            </a:r>
+            <a:endParaRPr lang="en-US" dirty="0"/>
+          </a:p>
+        </p:txBody>
+      </p:sp>
+      <p:sp>
+        <p:nvSpPr>
+          <p:cNvPr id="46" name="Rectangle: Rounded Corners 45">
+            <a:extLst>
+              <a:ext uri="{FF2B5EF4-FFF2-40B4-BE49-F238E27FC236}">
+                <a16:creationId xmlns:a16="http://schemas.microsoft.com/office/drawing/2014/main" id="{7612662B-C295-DB28-DD3A-84B381328979}"/>
+              </a:ext>
+            </a:extLst>
+          </p:cNvPr>
+          <p:cNvSpPr/>
+          <p:nvPr/>
+        </p:nvSpPr>
+        <p:spPr>
+          <a:xfrm>
+            <a:off x="8854752" y="2438069"/>
+            <a:ext cx="755779" cy="597159"/>
+          </a:xfrm>
+          <a:prstGeom prst="roundRect">
+            <a:avLst/>
+          </a:prstGeom>
+        </p:spPr>
+        <p:style>
+          <a:lnRef idx="2">
+            <a:schemeClr val="accent1">
+              <a:shade val="50000"/>
+            </a:schemeClr>
+          </a:lnRef>
+          <a:fillRef idx="1">
+            <a:schemeClr val="accent1"/>
+          </a:fillRef>
+          <a:effectRef idx="0">
+            <a:schemeClr val="accent1"/>
+          </a:effectRef>
+          <a:fontRef idx="minor">
+            <a:schemeClr val="lt1"/>
+          </a:fontRef>
+        </p:style>
+        <p:txBody>
+          <a:bodyPr rtlCol="0" anchor="ctr"/>
+          <a:lstStyle/>
+          <a:p>
+            <a:pPr algn="ctr"/>
+            <a:r>
+              <a:rPr lang="en-IN" dirty="0" err="1"/>
+              <a:t>Dll</a:t>
+            </a:r>
+            <a:r>
+              <a:rPr lang="en-IN" dirty="0"/>
+              <a:t> 2</a:t>
+            </a:r>
+            <a:endParaRPr lang="en-US" dirty="0"/>
+          </a:p>
+        </p:txBody>
+      </p:sp>
+      <p:sp>
+        <p:nvSpPr>
+          <p:cNvPr id="47" name="Arrow: Down 46">
+            <a:extLst>
+              <a:ext uri="{FF2B5EF4-FFF2-40B4-BE49-F238E27FC236}">
+                <a16:creationId xmlns:a16="http://schemas.microsoft.com/office/drawing/2014/main" id="{7882E2E5-7525-46C5-6426-3880C5A17D64}"/>
+              </a:ext>
+            </a:extLst>
+          </p:cNvPr>
+          <p:cNvSpPr/>
+          <p:nvPr/>
+        </p:nvSpPr>
+        <p:spPr>
+          <a:xfrm>
+            <a:off x="7856376" y="634482"/>
+            <a:ext cx="345233" cy="2491273"/>
+          </a:xfrm>
+          <a:prstGeom prst="downArrow">
+            <a:avLst/>
+          </a:prstGeom>
+        </p:spPr>
+        <p:style>
+          <a:lnRef idx="2">
+            <a:schemeClr val="accent1">
+              <a:shade val="50000"/>
+            </a:schemeClr>
+          </a:lnRef>
+          <a:fillRef idx="1">
+            <a:schemeClr val="accent1"/>
+          </a:fillRef>
+          <a:effectRef idx="0">
+            <a:schemeClr val="accent1"/>
+          </a:effectRef>
+          <a:fontRef idx="minor">
+            <a:schemeClr val="lt1"/>
+          </a:fontRef>
+        </p:style>
+        <p:txBody>
+          <a:bodyPr rtlCol="0" anchor="ctr"/>
+          <a:lstStyle/>
+          <a:p>
+            <a:pPr algn="ctr"/>
+            <a:r>
+              <a:rPr lang="en-IN" dirty="0"/>
+              <a:t>T</a:t>
+            </a:r>
+          </a:p>
+          <a:p>
+            <a:pPr algn="ctr"/>
+            <a:r>
+              <a:rPr lang="en-IN" dirty="0"/>
+              <a:t>H</a:t>
+            </a:r>
+          </a:p>
+          <a:p>
+            <a:pPr algn="ctr"/>
+            <a:r>
+              <a:rPr lang="en-IN" dirty="0"/>
+              <a:t>R</a:t>
+            </a:r>
+          </a:p>
+          <a:p>
+            <a:pPr algn="ctr"/>
+            <a:r>
+              <a:rPr lang="en-IN" dirty="0"/>
+              <a:t>E</a:t>
+            </a:r>
+          </a:p>
+          <a:p>
+            <a:pPr algn="ctr"/>
+            <a:r>
+              <a:rPr lang="en-IN" dirty="0"/>
+              <a:t>A</a:t>
+            </a:r>
+          </a:p>
+          <a:p>
+            <a:pPr algn="ctr"/>
+            <a:r>
+              <a:rPr lang="en-IN" dirty="0"/>
+              <a:t>D</a:t>
+            </a:r>
+            <a:endParaRPr lang="en-US" dirty="0"/>
+          </a:p>
+        </p:txBody>
+      </p:sp>
+      <p:sp>
+        <p:nvSpPr>
+          <p:cNvPr id="48" name="Rectangle 47">
+            <a:extLst>
+              <a:ext uri="{FF2B5EF4-FFF2-40B4-BE49-F238E27FC236}">
+                <a16:creationId xmlns:a16="http://schemas.microsoft.com/office/drawing/2014/main" id="{5B142F66-90D6-640F-2950-4F372F0AFB1F}"/>
+              </a:ext>
+            </a:extLst>
+          </p:cNvPr>
+          <p:cNvSpPr/>
+          <p:nvPr/>
+        </p:nvSpPr>
+        <p:spPr>
+          <a:xfrm>
+            <a:off x="5657460" y="3491716"/>
+            <a:ext cx="2015412" cy="2696547"/>
+          </a:xfrm>
+          <a:prstGeom prst="rect">
+            <a:avLst/>
+          </a:prstGeom>
+        </p:spPr>
+        <p:style>
+          <a:lnRef idx="1">
+            <a:schemeClr val="accent4"/>
+          </a:lnRef>
+          <a:fillRef idx="2">
+            <a:schemeClr val="accent4"/>
+          </a:fillRef>
+          <a:effectRef idx="1">
+            <a:schemeClr val="accent4"/>
+          </a:effectRef>
+          <a:fontRef idx="minor">
+            <a:schemeClr val="dk1"/>
+          </a:fontRef>
+        </p:style>
+        <p:txBody>
+          <a:bodyPr rtlCol="0" anchor="ctr"/>
+          <a:lstStyle/>
+          <a:p>
+            <a:pPr algn="ctr"/>
+            <a:endParaRPr lang="en-US"/>
+          </a:p>
+        </p:txBody>
+      </p:sp>
+      <p:sp>
+        <p:nvSpPr>
+          <p:cNvPr id="49" name="TextBox 48">
+            <a:extLst>
+              <a:ext uri="{FF2B5EF4-FFF2-40B4-BE49-F238E27FC236}">
+                <a16:creationId xmlns:a16="http://schemas.microsoft.com/office/drawing/2014/main" id="{140907DF-D0C5-D427-F382-0FD205CCDED3}"/>
+              </a:ext>
+            </a:extLst>
+          </p:cNvPr>
+          <p:cNvSpPr txBox="1"/>
+          <p:nvPr/>
+        </p:nvSpPr>
+        <p:spPr>
+          <a:xfrm>
+            <a:off x="5722774" y="3622345"/>
+            <a:ext cx="1856792" cy="369332"/>
+          </a:xfrm>
+          <a:prstGeom prst="rect">
+            <a:avLst/>
+          </a:prstGeom>
+          <a:noFill/>
+        </p:spPr>
+        <p:txBody>
+          <a:bodyPr wrap="square" rtlCol="0">
+            <a:spAutoFit/>
+          </a:bodyPr>
+          <a:lstStyle/>
+          <a:p>
+            <a:pPr algn="ctr"/>
+            <a:r>
+              <a:rPr lang="en-IN" b="1" dirty="0"/>
+              <a:t>AppDomain</a:t>
+            </a:r>
+            <a:endParaRPr lang="en-US" b="1" dirty="0"/>
+          </a:p>
+        </p:txBody>
+      </p:sp>
+      <p:sp>
+        <p:nvSpPr>
+          <p:cNvPr id="50" name="TextBox 49">
+            <a:extLst>
+              <a:ext uri="{FF2B5EF4-FFF2-40B4-BE49-F238E27FC236}">
+                <a16:creationId xmlns:a16="http://schemas.microsoft.com/office/drawing/2014/main" id="{8D605115-24A1-13A4-B19D-33874BA164E3}"/>
+              </a:ext>
+            </a:extLst>
+          </p:cNvPr>
+          <p:cNvSpPr txBox="1"/>
+          <p:nvPr/>
+        </p:nvSpPr>
+        <p:spPr>
+          <a:xfrm>
+            <a:off x="5853403" y="3991677"/>
+            <a:ext cx="1623526" cy="430887"/>
+          </a:xfrm>
+          <a:prstGeom prst="rect">
+            <a:avLst/>
+          </a:prstGeom>
+          <a:noFill/>
+        </p:spPr>
+        <p:txBody>
+          <a:bodyPr wrap="square" rtlCol="0">
+            <a:spAutoFit/>
+          </a:bodyPr>
+          <a:lstStyle/>
+          <a:p>
+            <a:pPr algn="ctr"/>
+            <a:r>
+              <a:rPr lang="en-IN" sz="1100" b="1" dirty="0"/>
+              <a:t>A Process Allocated to .NET App</a:t>
+            </a:r>
+            <a:endParaRPr lang="en-US" sz="1100" b="1" dirty="0"/>
+          </a:p>
+        </p:txBody>
+      </p:sp>
+      <p:sp>
+        <p:nvSpPr>
+          <p:cNvPr id="51" name="Rectangle 50">
+            <a:extLst>
+              <a:ext uri="{FF2B5EF4-FFF2-40B4-BE49-F238E27FC236}">
+                <a16:creationId xmlns:a16="http://schemas.microsoft.com/office/drawing/2014/main" id="{61EB6F49-593B-1345-4B5A-F14C9E0367EB}"/>
+              </a:ext>
+            </a:extLst>
+          </p:cNvPr>
+          <p:cNvSpPr/>
+          <p:nvPr/>
+        </p:nvSpPr>
+        <p:spPr>
+          <a:xfrm>
+            <a:off x="6179975" y="4540179"/>
+            <a:ext cx="382555" cy="1455576"/>
+          </a:xfrm>
+          <a:prstGeom prst="rect">
+            <a:avLst/>
+          </a:prstGeom>
+        </p:spPr>
+        <p:style>
+          <a:lnRef idx="2">
+            <a:schemeClr val="accent1">
+              <a:shade val="50000"/>
+            </a:schemeClr>
+          </a:lnRef>
+          <a:fillRef idx="1">
+            <a:schemeClr val="accent1"/>
+          </a:fillRef>
+          <a:effectRef idx="0">
+            <a:schemeClr val="accent1"/>
+          </a:effectRef>
+          <a:fontRef idx="minor">
+            <a:schemeClr val="lt1"/>
+          </a:fontRef>
+        </p:style>
+        <p:txBody>
+          <a:bodyPr rtlCol="0" anchor="ctr"/>
+          <a:lstStyle/>
+          <a:p>
+            <a:pPr algn="ctr"/>
+            <a:r>
+              <a:rPr lang="en-IN" dirty="0"/>
+              <a:t>E</a:t>
+            </a:r>
+          </a:p>
+          <a:p>
+            <a:pPr algn="ctr"/>
+            <a:r>
+              <a:rPr lang="en-IN" dirty="0"/>
+              <a:t>X</a:t>
+            </a:r>
+          </a:p>
+          <a:p>
+            <a:pPr algn="ctr"/>
+            <a:r>
+              <a:rPr lang="en-IN" dirty="0"/>
+              <a:t>E</a:t>
+            </a:r>
+            <a:endParaRPr lang="en-US" dirty="0"/>
+          </a:p>
+        </p:txBody>
+      </p:sp>
+      <p:sp>
+        <p:nvSpPr>
+          <p:cNvPr id="52" name="Rectangle: Rounded Corners 51">
+            <a:extLst>
+              <a:ext uri="{FF2B5EF4-FFF2-40B4-BE49-F238E27FC236}">
+                <a16:creationId xmlns:a16="http://schemas.microsoft.com/office/drawing/2014/main" id="{8FBB0EEE-B026-990C-E5DB-F32744C77280}"/>
+              </a:ext>
+            </a:extLst>
+          </p:cNvPr>
+          <p:cNvSpPr/>
+          <p:nvPr/>
+        </p:nvSpPr>
+        <p:spPr>
+          <a:xfrm>
+            <a:off x="6721151" y="4540179"/>
+            <a:ext cx="755779" cy="597159"/>
+          </a:xfrm>
+          <a:prstGeom prst="roundRect">
+            <a:avLst/>
+          </a:prstGeom>
+        </p:spPr>
+        <p:style>
+          <a:lnRef idx="2">
+            <a:schemeClr val="accent1">
+              <a:shade val="50000"/>
+            </a:schemeClr>
+          </a:lnRef>
+          <a:fillRef idx="1">
+            <a:schemeClr val="accent1"/>
+          </a:fillRef>
+          <a:effectRef idx="0">
+            <a:schemeClr val="accent1"/>
+          </a:effectRef>
+          <a:fontRef idx="minor">
+            <a:schemeClr val="lt1"/>
+          </a:fontRef>
+        </p:style>
+        <p:txBody>
+          <a:bodyPr rtlCol="0" anchor="ctr"/>
+          <a:lstStyle/>
+          <a:p>
+            <a:pPr algn="ctr"/>
+            <a:r>
+              <a:rPr lang="en-IN" dirty="0" err="1"/>
+              <a:t>Dll</a:t>
+            </a:r>
+            <a:r>
+              <a:rPr lang="en-IN" dirty="0"/>
+              <a:t> 1</a:t>
+            </a:r>
+            <a:endParaRPr lang="en-US" dirty="0"/>
+          </a:p>
+        </p:txBody>
+      </p:sp>
+      <p:sp>
+        <p:nvSpPr>
+          <p:cNvPr id="53" name="Rectangle: Rounded Corners 52">
+            <a:extLst>
+              <a:ext uri="{FF2B5EF4-FFF2-40B4-BE49-F238E27FC236}">
+                <a16:creationId xmlns:a16="http://schemas.microsoft.com/office/drawing/2014/main" id="{E1BE0ADA-8A7C-1244-99E6-52FE2EFBD214}"/>
+              </a:ext>
+            </a:extLst>
+          </p:cNvPr>
+          <p:cNvSpPr/>
+          <p:nvPr/>
+        </p:nvSpPr>
+        <p:spPr>
+          <a:xfrm>
+            <a:off x="6721150" y="5425932"/>
+            <a:ext cx="755779" cy="597159"/>
+          </a:xfrm>
+          <a:prstGeom prst="roundRect">
+            <a:avLst/>
+          </a:prstGeom>
+        </p:spPr>
+        <p:style>
+          <a:lnRef idx="2">
+            <a:schemeClr val="accent1">
+              <a:shade val="50000"/>
+            </a:schemeClr>
+          </a:lnRef>
+          <a:fillRef idx="1">
+            <a:schemeClr val="accent1"/>
+          </a:fillRef>
+          <a:effectRef idx="0">
+            <a:schemeClr val="accent1"/>
+          </a:effectRef>
+          <a:fontRef idx="minor">
+            <a:schemeClr val="lt1"/>
+          </a:fontRef>
+        </p:style>
+        <p:txBody>
+          <a:bodyPr rtlCol="0" anchor="ctr"/>
+          <a:lstStyle/>
+          <a:p>
+            <a:pPr algn="ctr"/>
+            <a:r>
+              <a:rPr lang="en-IN" dirty="0" err="1"/>
+              <a:t>Dll</a:t>
+            </a:r>
+            <a:r>
+              <a:rPr lang="en-IN" dirty="0"/>
+              <a:t> 2</a:t>
+            </a:r>
+            <a:endParaRPr lang="en-US" dirty="0"/>
+          </a:p>
+        </p:txBody>
+      </p:sp>
+      <p:sp>
+        <p:nvSpPr>
+          <p:cNvPr id="54" name="Arrow: Down 53">
+            <a:extLst>
+              <a:ext uri="{FF2B5EF4-FFF2-40B4-BE49-F238E27FC236}">
+                <a16:creationId xmlns:a16="http://schemas.microsoft.com/office/drawing/2014/main" id="{EE61F4CD-FD0A-12A8-CAFD-20EF158B621B}"/>
+              </a:ext>
+            </a:extLst>
+          </p:cNvPr>
+          <p:cNvSpPr/>
+          <p:nvPr/>
+        </p:nvSpPr>
+        <p:spPr>
+          <a:xfrm>
+            <a:off x="5722774" y="3622345"/>
+            <a:ext cx="345233" cy="2491273"/>
+          </a:xfrm>
+          <a:prstGeom prst="downArrow">
+            <a:avLst/>
+          </a:prstGeom>
+        </p:spPr>
+        <p:style>
+          <a:lnRef idx="2">
+            <a:schemeClr val="accent1">
+              <a:shade val="50000"/>
+            </a:schemeClr>
+          </a:lnRef>
+          <a:fillRef idx="1">
+            <a:schemeClr val="accent1"/>
+          </a:fillRef>
+          <a:effectRef idx="0">
+            <a:schemeClr val="accent1"/>
+          </a:effectRef>
+          <a:fontRef idx="minor">
+            <a:schemeClr val="lt1"/>
+          </a:fontRef>
+        </p:style>
+        <p:txBody>
+          <a:bodyPr rtlCol="0" anchor="ctr"/>
+          <a:lstStyle/>
+          <a:p>
+            <a:pPr algn="ctr"/>
+            <a:r>
+              <a:rPr lang="en-IN" dirty="0"/>
+              <a:t>T</a:t>
+            </a:r>
+          </a:p>
+          <a:p>
+            <a:pPr algn="ctr"/>
+            <a:r>
+              <a:rPr lang="en-IN" dirty="0"/>
+              <a:t>H</a:t>
+            </a:r>
+          </a:p>
+          <a:p>
+            <a:pPr algn="ctr"/>
+            <a:r>
+              <a:rPr lang="en-IN" dirty="0"/>
+              <a:t>R</a:t>
+            </a:r>
+          </a:p>
+          <a:p>
+            <a:pPr algn="ctr"/>
+            <a:r>
+              <a:rPr lang="en-IN" dirty="0"/>
+              <a:t>E</a:t>
+            </a:r>
+          </a:p>
+          <a:p>
+            <a:pPr algn="ctr"/>
+            <a:r>
+              <a:rPr lang="en-IN" dirty="0"/>
+              <a:t>A</a:t>
+            </a:r>
+          </a:p>
+          <a:p>
+            <a:pPr algn="ctr"/>
+            <a:r>
+              <a:rPr lang="en-IN" dirty="0"/>
+              <a:t>D</a:t>
+            </a:r>
+            <a:endParaRPr lang="en-US" dirty="0"/>
+          </a:p>
+        </p:txBody>
+      </p:sp>
+      <p:sp>
+        <p:nvSpPr>
+          <p:cNvPr id="55" name="Rectangle 54">
+            <a:extLst>
+              <a:ext uri="{FF2B5EF4-FFF2-40B4-BE49-F238E27FC236}">
+                <a16:creationId xmlns:a16="http://schemas.microsoft.com/office/drawing/2014/main" id="{34C8460D-9AC9-B123-A311-03826A0C71BB}"/>
+              </a:ext>
+            </a:extLst>
+          </p:cNvPr>
+          <p:cNvSpPr/>
+          <p:nvPr/>
+        </p:nvSpPr>
+        <p:spPr>
+          <a:xfrm>
+            <a:off x="7843937" y="3490756"/>
+            <a:ext cx="2015412" cy="2696547"/>
+          </a:xfrm>
+          <a:prstGeom prst="rect">
+            <a:avLst/>
+          </a:prstGeom>
+        </p:spPr>
+        <p:style>
+          <a:lnRef idx="1">
+            <a:schemeClr val="accent4"/>
+          </a:lnRef>
+          <a:fillRef idx="2">
+            <a:schemeClr val="accent4"/>
+          </a:fillRef>
+          <a:effectRef idx="1">
+            <a:schemeClr val="accent4"/>
+          </a:effectRef>
+          <a:fontRef idx="minor">
+            <a:schemeClr val="dk1"/>
+          </a:fontRef>
+        </p:style>
+        <p:txBody>
+          <a:bodyPr rtlCol="0" anchor="ctr"/>
+          <a:lstStyle/>
+          <a:p>
+            <a:pPr algn="ctr"/>
+            <a:endParaRPr lang="en-US"/>
+          </a:p>
+        </p:txBody>
+      </p:sp>
+      <p:sp>
+        <p:nvSpPr>
+          <p:cNvPr id="56" name="TextBox 55">
+            <a:extLst>
+              <a:ext uri="{FF2B5EF4-FFF2-40B4-BE49-F238E27FC236}">
+                <a16:creationId xmlns:a16="http://schemas.microsoft.com/office/drawing/2014/main" id="{8327A9E3-95A7-186C-CE54-3F0EA9F98C07}"/>
+              </a:ext>
+            </a:extLst>
+          </p:cNvPr>
+          <p:cNvSpPr txBox="1"/>
+          <p:nvPr/>
+        </p:nvSpPr>
+        <p:spPr>
+          <a:xfrm>
+            <a:off x="7909246" y="3685594"/>
+            <a:ext cx="1856792" cy="369332"/>
+          </a:xfrm>
+          <a:prstGeom prst="rect">
+            <a:avLst/>
+          </a:prstGeom>
+          <a:noFill/>
+        </p:spPr>
+        <p:txBody>
+          <a:bodyPr wrap="square" rtlCol="0">
+            <a:spAutoFit/>
+          </a:bodyPr>
+          <a:lstStyle/>
+          <a:p>
+            <a:pPr algn="ctr"/>
+            <a:r>
+              <a:rPr lang="en-IN" b="1" dirty="0"/>
+              <a:t>AppDomain</a:t>
+            </a:r>
+            <a:endParaRPr lang="en-US" b="1" dirty="0"/>
+          </a:p>
+        </p:txBody>
+      </p:sp>
+      <p:sp>
+        <p:nvSpPr>
+          <p:cNvPr id="57" name="TextBox 56">
+            <a:extLst>
+              <a:ext uri="{FF2B5EF4-FFF2-40B4-BE49-F238E27FC236}">
+                <a16:creationId xmlns:a16="http://schemas.microsoft.com/office/drawing/2014/main" id="{0978A349-1D3E-C588-1593-C58343D79707}"/>
+              </a:ext>
+            </a:extLst>
+          </p:cNvPr>
+          <p:cNvSpPr txBox="1"/>
+          <p:nvPr/>
+        </p:nvSpPr>
+        <p:spPr>
+          <a:xfrm>
+            <a:off x="8039875" y="4054926"/>
+            <a:ext cx="1623526" cy="430887"/>
+          </a:xfrm>
+          <a:prstGeom prst="rect">
+            <a:avLst/>
+          </a:prstGeom>
+          <a:noFill/>
+        </p:spPr>
+        <p:txBody>
+          <a:bodyPr wrap="square" rtlCol="0">
+            <a:spAutoFit/>
+          </a:bodyPr>
+          <a:lstStyle/>
+          <a:p>
+            <a:pPr algn="ctr"/>
+            <a:r>
+              <a:rPr lang="en-IN" sz="1100" b="1" dirty="0"/>
+              <a:t>A Process Allocated to .NET App</a:t>
+            </a:r>
+            <a:endParaRPr lang="en-US" sz="1100" b="1" dirty="0"/>
+          </a:p>
+        </p:txBody>
+      </p:sp>
+      <p:sp>
+        <p:nvSpPr>
+          <p:cNvPr id="58" name="Rectangle 57">
+            <a:extLst>
+              <a:ext uri="{FF2B5EF4-FFF2-40B4-BE49-F238E27FC236}">
+                <a16:creationId xmlns:a16="http://schemas.microsoft.com/office/drawing/2014/main" id="{A41965FB-2E3D-C194-2435-623B79C4232C}"/>
+              </a:ext>
+            </a:extLst>
+          </p:cNvPr>
+          <p:cNvSpPr/>
+          <p:nvPr/>
+        </p:nvSpPr>
+        <p:spPr>
+          <a:xfrm>
+            <a:off x="8366447" y="4603428"/>
+            <a:ext cx="382555" cy="1455576"/>
+          </a:xfrm>
+          <a:prstGeom prst="rect">
+            <a:avLst/>
+          </a:prstGeom>
+        </p:spPr>
+        <p:style>
+          <a:lnRef idx="2">
+            <a:schemeClr val="accent1">
+              <a:shade val="50000"/>
+            </a:schemeClr>
+          </a:lnRef>
+          <a:fillRef idx="1">
+            <a:schemeClr val="accent1"/>
+          </a:fillRef>
+          <a:effectRef idx="0">
+            <a:schemeClr val="accent1"/>
+          </a:effectRef>
+          <a:fontRef idx="minor">
+            <a:schemeClr val="lt1"/>
+          </a:fontRef>
+        </p:style>
+        <p:txBody>
+          <a:bodyPr rtlCol="0" anchor="ctr"/>
+          <a:lstStyle/>
+          <a:p>
+            <a:pPr algn="ctr"/>
+            <a:r>
+              <a:rPr lang="en-IN" dirty="0"/>
+              <a:t>E</a:t>
+            </a:r>
+          </a:p>
+          <a:p>
+            <a:pPr algn="ctr"/>
+            <a:r>
+              <a:rPr lang="en-IN" dirty="0"/>
+              <a:t>X</a:t>
+            </a:r>
+          </a:p>
+          <a:p>
+            <a:pPr algn="ctr"/>
+            <a:r>
+              <a:rPr lang="en-IN" dirty="0"/>
+              <a:t>E</a:t>
+            </a:r>
+            <a:endParaRPr lang="en-US" dirty="0"/>
+          </a:p>
+        </p:txBody>
+      </p:sp>
+      <p:sp>
+        <p:nvSpPr>
+          <p:cNvPr id="59" name="Rectangle: Rounded Corners 58">
+            <a:extLst>
+              <a:ext uri="{FF2B5EF4-FFF2-40B4-BE49-F238E27FC236}">
+                <a16:creationId xmlns:a16="http://schemas.microsoft.com/office/drawing/2014/main" id="{57D50B51-5A52-04CE-8A1D-07E8340D58A7}"/>
+              </a:ext>
+            </a:extLst>
+          </p:cNvPr>
+          <p:cNvSpPr/>
+          <p:nvPr/>
+        </p:nvSpPr>
+        <p:spPr>
+          <a:xfrm>
+            <a:off x="8907623" y="4603428"/>
+            <a:ext cx="755779" cy="597159"/>
+          </a:xfrm>
+          <a:prstGeom prst="roundRect">
+            <a:avLst/>
+          </a:prstGeom>
+        </p:spPr>
+        <p:style>
+          <a:lnRef idx="2">
+            <a:schemeClr val="accent1">
+              <a:shade val="50000"/>
+            </a:schemeClr>
+          </a:lnRef>
+          <a:fillRef idx="1">
+            <a:schemeClr val="accent1"/>
+          </a:fillRef>
+          <a:effectRef idx="0">
+            <a:schemeClr val="accent1"/>
+          </a:effectRef>
+          <a:fontRef idx="minor">
+            <a:schemeClr val="lt1"/>
+          </a:fontRef>
+        </p:style>
+        <p:txBody>
+          <a:bodyPr rtlCol="0" anchor="ctr"/>
+          <a:lstStyle/>
+          <a:p>
+            <a:pPr algn="ctr"/>
+            <a:r>
+              <a:rPr lang="en-IN" dirty="0" err="1"/>
+              <a:t>Dll</a:t>
+            </a:r>
+            <a:r>
+              <a:rPr lang="en-IN" dirty="0"/>
+              <a:t> 1</a:t>
+            </a:r>
+            <a:endParaRPr lang="en-US" dirty="0"/>
+          </a:p>
+        </p:txBody>
+      </p:sp>
+      <p:sp>
+        <p:nvSpPr>
+          <p:cNvPr id="60" name="Rectangle: Rounded Corners 59">
+            <a:extLst>
+              <a:ext uri="{FF2B5EF4-FFF2-40B4-BE49-F238E27FC236}">
+                <a16:creationId xmlns:a16="http://schemas.microsoft.com/office/drawing/2014/main" id="{EC34878B-1453-C6FA-E8F1-2B12C1ECF3D8}"/>
+              </a:ext>
+            </a:extLst>
+          </p:cNvPr>
+          <p:cNvSpPr/>
+          <p:nvPr/>
+        </p:nvSpPr>
+        <p:spPr>
+          <a:xfrm>
+            <a:off x="8907622" y="5489181"/>
+            <a:ext cx="755779" cy="597159"/>
+          </a:xfrm>
+          <a:prstGeom prst="roundRect">
+            <a:avLst/>
+          </a:prstGeom>
+        </p:spPr>
+        <p:style>
+          <a:lnRef idx="2">
+            <a:schemeClr val="accent1">
+              <a:shade val="50000"/>
+            </a:schemeClr>
+          </a:lnRef>
+          <a:fillRef idx="1">
+            <a:schemeClr val="accent1"/>
+          </a:fillRef>
+          <a:effectRef idx="0">
+            <a:schemeClr val="accent1"/>
+          </a:effectRef>
+          <a:fontRef idx="minor">
+            <a:schemeClr val="lt1"/>
+          </a:fontRef>
+        </p:style>
+        <p:txBody>
+          <a:bodyPr rtlCol="0" anchor="ctr"/>
+          <a:lstStyle/>
+          <a:p>
+            <a:pPr algn="ctr"/>
+            <a:r>
+              <a:rPr lang="en-IN" dirty="0" err="1"/>
+              <a:t>Dll</a:t>
+            </a:r>
+            <a:r>
+              <a:rPr lang="en-IN" dirty="0"/>
+              <a:t> 2</a:t>
+            </a:r>
+            <a:endParaRPr lang="en-US" dirty="0"/>
+          </a:p>
+        </p:txBody>
+      </p:sp>
+      <p:sp>
+        <p:nvSpPr>
+          <p:cNvPr id="61" name="Arrow: Down 60">
+            <a:extLst>
+              <a:ext uri="{FF2B5EF4-FFF2-40B4-BE49-F238E27FC236}">
+                <a16:creationId xmlns:a16="http://schemas.microsoft.com/office/drawing/2014/main" id="{975E3F98-B1B3-3B7F-B7A6-E1B80D1FB85C}"/>
+              </a:ext>
+            </a:extLst>
+          </p:cNvPr>
+          <p:cNvSpPr/>
+          <p:nvPr/>
+        </p:nvSpPr>
+        <p:spPr>
+          <a:xfrm>
+            <a:off x="7909246" y="3685594"/>
+            <a:ext cx="345233" cy="2491273"/>
+          </a:xfrm>
+          <a:prstGeom prst="downArrow">
+            <a:avLst/>
+          </a:prstGeom>
+        </p:spPr>
+        <p:style>
+          <a:lnRef idx="2">
+            <a:schemeClr val="accent1">
+              <a:shade val="50000"/>
+            </a:schemeClr>
+          </a:lnRef>
+          <a:fillRef idx="1">
+            <a:schemeClr val="accent1"/>
+          </a:fillRef>
+          <a:effectRef idx="0">
+            <a:schemeClr val="accent1"/>
+          </a:effectRef>
+          <a:fontRef idx="minor">
+            <a:schemeClr val="lt1"/>
+          </a:fontRef>
+        </p:style>
+        <p:txBody>
+          <a:bodyPr rtlCol="0" anchor="ctr"/>
+          <a:lstStyle/>
+          <a:p>
+            <a:pPr algn="ctr"/>
+            <a:r>
+              <a:rPr lang="en-IN" dirty="0"/>
+              <a:t>T</a:t>
+            </a:r>
+          </a:p>
+          <a:p>
+            <a:pPr algn="ctr"/>
+            <a:r>
+              <a:rPr lang="en-IN" dirty="0"/>
+              <a:t>H</a:t>
+            </a:r>
+          </a:p>
+          <a:p>
+            <a:pPr algn="ctr"/>
+            <a:r>
+              <a:rPr lang="en-IN" dirty="0"/>
+              <a:t>R</a:t>
+            </a:r>
+          </a:p>
+          <a:p>
+            <a:pPr algn="ctr"/>
+            <a:r>
+              <a:rPr lang="en-IN" dirty="0"/>
+              <a:t>E</a:t>
+            </a:r>
+          </a:p>
+          <a:p>
+            <a:pPr algn="ctr"/>
+            <a:r>
+              <a:rPr lang="en-IN" dirty="0"/>
+              <a:t>A</a:t>
+            </a:r>
+          </a:p>
+          <a:p>
+            <a:pPr algn="ctr"/>
+            <a:r>
+              <a:rPr lang="en-IN" dirty="0"/>
+              <a:t>D</a:t>
+            </a:r>
+            <a:endParaRPr lang="en-US" dirty="0"/>
+          </a:p>
+        </p:txBody>
+      </p:sp>
+      <p:sp>
+        <p:nvSpPr>
+          <p:cNvPr id="63" name="Arrow: Down 62">
+            <a:extLst>
+              <a:ext uri="{FF2B5EF4-FFF2-40B4-BE49-F238E27FC236}">
+                <a16:creationId xmlns:a16="http://schemas.microsoft.com/office/drawing/2014/main" id="{7B0BC9B0-1324-77A5-5A69-493590D47BA2}"/>
+              </a:ext>
+            </a:extLst>
+          </p:cNvPr>
+          <p:cNvSpPr/>
+          <p:nvPr/>
+        </p:nvSpPr>
+        <p:spPr>
+          <a:xfrm>
+            <a:off x="9918440" y="569167"/>
+            <a:ext cx="606490" cy="5784980"/>
+          </a:xfrm>
+          <a:prstGeom prst="downArrow">
+            <a:avLst/>
+          </a:prstGeom>
+        </p:spPr>
+        <p:style>
+          <a:lnRef idx="2">
+            <a:schemeClr val="accent1">
+              <a:shade val="50000"/>
+            </a:schemeClr>
+          </a:lnRef>
+          <a:fillRef idx="1">
+            <a:schemeClr val="accent1"/>
+          </a:fillRef>
+          <a:effectRef idx="0">
+            <a:schemeClr val="accent1"/>
+          </a:effectRef>
+          <a:fontRef idx="minor">
+            <a:schemeClr val="lt1"/>
+          </a:fontRef>
+        </p:style>
+        <p:txBody>
+          <a:bodyPr rtlCol="0" anchor="ctr"/>
+          <a:lstStyle/>
+          <a:p>
+            <a:pPr algn="ctr"/>
+            <a:r>
+              <a:rPr lang="en-IN" dirty="0"/>
+              <a:t>G</a:t>
+            </a:r>
+          </a:p>
+          <a:p>
+            <a:pPr algn="ctr"/>
+            <a:r>
+              <a:rPr lang="en-IN" dirty="0"/>
+              <a:t>A</a:t>
+            </a:r>
+          </a:p>
+          <a:p>
+            <a:pPr algn="ctr"/>
+            <a:r>
+              <a:rPr lang="en-IN" dirty="0"/>
+              <a:t>R</a:t>
+            </a:r>
+          </a:p>
+          <a:p>
+            <a:pPr algn="ctr"/>
+            <a:r>
+              <a:rPr lang="en-IN" dirty="0"/>
+              <a:t>B</a:t>
+            </a:r>
+          </a:p>
+          <a:p>
+            <a:pPr algn="ctr"/>
+            <a:r>
+              <a:rPr lang="en-IN" dirty="0"/>
+              <a:t>A</a:t>
+            </a:r>
+          </a:p>
+          <a:p>
+            <a:pPr algn="ctr"/>
+            <a:r>
+              <a:rPr lang="en-IN" dirty="0"/>
+              <a:t>G</a:t>
+            </a:r>
+          </a:p>
+          <a:p>
+            <a:pPr algn="ctr"/>
+            <a:r>
+              <a:rPr lang="en-IN" dirty="0"/>
+              <a:t>E</a:t>
+            </a:r>
+          </a:p>
+          <a:p>
+            <a:pPr algn="ctr"/>
+            <a:endParaRPr lang="en-IN" dirty="0"/>
+          </a:p>
+          <a:p>
+            <a:pPr algn="ctr"/>
+            <a:r>
+              <a:rPr lang="en-IN" dirty="0"/>
+              <a:t>C</a:t>
+            </a:r>
+          </a:p>
+          <a:p>
+            <a:pPr algn="ctr"/>
+            <a:r>
+              <a:rPr lang="en-IN" dirty="0"/>
+              <a:t>O</a:t>
+            </a:r>
+          </a:p>
+          <a:p>
+            <a:pPr algn="ctr"/>
+            <a:r>
+              <a:rPr lang="en-IN" dirty="0"/>
+              <a:t>L</a:t>
+            </a:r>
+          </a:p>
+          <a:p>
+            <a:pPr algn="ctr"/>
+            <a:r>
+              <a:rPr lang="en-IN" dirty="0"/>
+              <a:t>L</a:t>
+            </a:r>
+          </a:p>
+          <a:p>
+            <a:pPr algn="ctr"/>
+            <a:r>
+              <a:rPr lang="en-IN" dirty="0"/>
+              <a:t>E</a:t>
+            </a:r>
+          </a:p>
+          <a:p>
+            <a:pPr algn="ctr"/>
+            <a:r>
+              <a:rPr lang="en-IN" dirty="0"/>
+              <a:t>C</a:t>
+            </a:r>
+          </a:p>
+          <a:p>
+            <a:pPr algn="ctr"/>
+            <a:r>
+              <a:rPr lang="en-IN" dirty="0"/>
+              <a:t>T</a:t>
+            </a:r>
+          </a:p>
+          <a:p>
+            <a:pPr algn="ctr"/>
+            <a:r>
+              <a:rPr lang="en-IN" dirty="0"/>
+              <a:t>O</a:t>
+            </a:r>
+          </a:p>
+          <a:p>
+            <a:pPr algn="ctr"/>
+            <a:r>
+              <a:rPr lang="en-IN" dirty="0"/>
+              <a:t>R</a:t>
+            </a:r>
+            <a:endParaRPr lang="en-US" dirty="0"/>
+          </a:p>
+        </p:txBody>
+      </p:sp>
+      <p:cxnSp>
+        <p:nvCxnSpPr>
+          <p:cNvPr id="65" name="Connector: Curved 64">
+            <a:extLst>
+              <a:ext uri="{FF2B5EF4-FFF2-40B4-BE49-F238E27FC236}">
+                <a16:creationId xmlns:a16="http://schemas.microsoft.com/office/drawing/2014/main" id="{86C450BA-2496-51EC-0190-4DA3B4991474}"/>
+              </a:ext>
+            </a:extLst>
+          </p:cNvPr>
+          <p:cNvCxnSpPr>
+            <a:endCxn id="6" idx="2"/>
+          </p:cNvCxnSpPr>
+          <p:nvPr/>
+        </p:nvCxnSpPr>
+        <p:spPr>
+          <a:xfrm rot="10800000">
+            <a:off x="2286000" y="3200400"/>
+            <a:ext cx="7786396" cy="65314"/>
+          </a:xfrm>
+          <a:prstGeom prst="curvedConnector2">
+            <a:avLst/>
+          </a:prstGeom>
+          <a:ln>
+            <a:tailEnd type="triangle"/>
+          </a:ln>
+        </p:spPr>
+        <p:style>
+          <a:lnRef idx="1">
+            <a:schemeClr val="accent1"/>
+          </a:lnRef>
+          <a:fillRef idx="0">
+            <a:schemeClr val="accent1"/>
+          </a:fillRef>
+          <a:effectRef idx="0">
+            <a:schemeClr val="accent1"/>
+          </a:effectRef>
+          <a:fontRef idx="minor">
+            <a:schemeClr val="tx1"/>
+          </a:fontRef>
+        </p:style>
+      </p:cxnSp>
+      <p:cxnSp>
+        <p:nvCxnSpPr>
+          <p:cNvPr id="67" name="Connector: Curved 66">
+            <a:extLst>
+              <a:ext uri="{FF2B5EF4-FFF2-40B4-BE49-F238E27FC236}">
+                <a16:creationId xmlns:a16="http://schemas.microsoft.com/office/drawing/2014/main" id="{65181A44-B363-7FAF-95D4-4120A6A1E9C1}"/>
+              </a:ext>
+            </a:extLst>
+          </p:cNvPr>
+          <p:cNvCxnSpPr>
+            <a:endCxn id="20" idx="0"/>
+          </p:cNvCxnSpPr>
+          <p:nvPr/>
+        </p:nvCxnSpPr>
+        <p:spPr>
+          <a:xfrm rot="10800000" flipV="1">
+            <a:off x="2276666" y="3282490"/>
+            <a:ext cx="7795730" cy="150521"/>
+          </a:xfrm>
+          <a:prstGeom prst="curvedConnector2">
+            <a:avLst/>
+          </a:prstGeom>
+          <a:ln>
+            <a:tailEnd type="triangle"/>
+          </a:ln>
+        </p:spPr>
+        <p:style>
+          <a:lnRef idx="1">
+            <a:schemeClr val="accent1"/>
+          </a:lnRef>
+          <a:fillRef idx="0">
+            <a:schemeClr val="accent1"/>
+          </a:fillRef>
+          <a:effectRef idx="0">
+            <a:schemeClr val="accent1"/>
+          </a:effectRef>
+          <a:fontRef idx="minor">
+            <a:schemeClr val="tx1"/>
+          </a:fontRef>
+        </p:style>
+      </p:cxnSp>
+      <p:cxnSp>
+        <p:nvCxnSpPr>
+          <p:cNvPr id="69" name="Straight Arrow Connector 68">
+            <a:extLst>
+              <a:ext uri="{FF2B5EF4-FFF2-40B4-BE49-F238E27FC236}">
+                <a16:creationId xmlns:a16="http://schemas.microsoft.com/office/drawing/2014/main" id="{5D43C3C3-BFB4-FDDC-0CD3-70D49FEC578B}"/>
+              </a:ext>
+            </a:extLst>
+          </p:cNvPr>
+          <p:cNvCxnSpPr>
+            <a:endCxn id="13" idx="2"/>
+          </p:cNvCxnSpPr>
+          <p:nvPr/>
+        </p:nvCxnSpPr>
+        <p:spPr>
+          <a:xfrm flipH="1" flipV="1">
+            <a:off x="4425820" y="3200400"/>
+            <a:ext cx="5646576" cy="115140"/>
+          </a:xfrm>
+          <a:prstGeom prst="straightConnector1">
+            <a:avLst/>
+          </a:prstGeom>
+          <a:ln>
+            <a:tailEnd type="triangle"/>
+          </a:ln>
+        </p:spPr>
+        <p:style>
+          <a:lnRef idx="1">
+            <a:schemeClr val="accent1"/>
+          </a:lnRef>
+          <a:fillRef idx="0">
+            <a:schemeClr val="accent1"/>
+          </a:fillRef>
+          <a:effectRef idx="0">
+            <a:schemeClr val="accent1"/>
+          </a:effectRef>
+          <a:fontRef idx="minor">
+            <a:schemeClr val="tx1"/>
+          </a:fontRef>
+        </p:style>
+      </p:cxnSp>
+      <p:cxnSp>
+        <p:nvCxnSpPr>
+          <p:cNvPr id="71" name="Straight Arrow Connector 70">
+            <a:extLst>
+              <a:ext uri="{FF2B5EF4-FFF2-40B4-BE49-F238E27FC236}">
+                <a16:creationId xmlns:a16="http://schemas.microsoft.com/office/drawing/2014/main" id="{DE5555E4-11EA-F785-CD45-38F4892EED76}"/>
+              </a:ext>
+            </a:extLst>
+          </p:cNvPr>
+          <p:cNvCxnSpPr>
+            <a:endCxn id="27" idx="0"/>
+          </p:cNvCxnSpPr>
+          <p:nvPr/>
+        </p:nvCxnSpPr>
+        <p:spPr>
+          <a:xfrm flipH="1">
+            <a:off x="4491134" y="3323315"/>
+            <a:ext cx="5581262" cy="124348"/>
+          </a:xfrm>
+          <a:prstGeom prst="straightConnector1">
+            <a:avLst/>
+          </a:prstGeom>
+          <a:ln>
+            <a:tailEnd type="triangle"/>
+          </a:ln>
+        </p:spPr>
+        <p:style>
+          <a:lnRef idx="1">
+            <a:schemeClr val="accent1"/>
+          </a:lnRef>
+          <a:fillRef idx="0">
+            <a:schemeClr val="accent1"/>
+          </a:fillRef>
+          <a:effectRef idx="0">
+            <a:schemeClr val="accent1"/>
+          </a:effectRef>
+          <a:fontRef idx="minor">
+            <a:schemeClr val="tx1"/>
+          </a:fontRef>
+        </p:style>
+      </p:cxnSp>
+      <p:cxnSp>
+        <p:nvCxnSpPr>
+          <p:cNvPr id="73" name="Straight Arrow Connector 72">
+            <a:extLst>
+              <a:ext uri="{FF2B5EF4-FFF2-40B4-BE49-F238E27FC236}">
+                <a16:creationId xmlns:a16="http://schemas.microsoft.com/office/drawing/2014/main" id="{3339BD29-3836-147C-327E-233CC54E8FF8}"/>
+              </a:ext>
+            </a:extLst>
+          </p:cNvPr>
+          <p:cNvCxnSpPr>
+            <a:endCxn id="34" idx="2"/>
+          </p:cNvCxnSpPr>
+          <p:nvPr/>
+        </p:nvCxnSpPr>
+        <p:spPr>
+          <a:xfrm flipH="1" flipV="1">
+            <a:off x="6612294" y="3203122"/>
+            <a:ext cx="3460102" cy="120193"/>
+          </a:xfrm>
+          <a:prstGeom prst="straightConnector1">
+            <a:avLst/>
+          </a:prstGeom>
+          <a:ln>
+            <a:tailEnd type="triangle"/>
+          </a:ln>
+        </p:spPr>
+        <p:style>
+          <a:lnRef idx="1">
+            <a:schemeClr val="accent1"/>
+          </a:lnRef>
+          <a:fillRef idx="0">
+            <a:schemeClr val="accent1"/>
+          </a:fillRef>
+          <a:effectRef idx="0">
+            <a:schemeClr val="accent1"/>
+          </a:effectRef>
+          <a:fontRef idx="minor">
+            <a:schemeClr val="tx1"/>
+          </a:fontRef>
+        </p:style>
+      </p:cxnSp>
+      <p:cxnSp>
+        <p:nvCxnSpPr>
+          <p:cNvPr id="75" name="Straight Arrow Connector 74">
+            <a:extLst>
+              <a:ext uri="{FF2B5EF4-FFF2-40B4-BE49-F238E27FC236}">
+                <a16:creationId xmlns:a16="http://schemas.microsoft.com/office/drawing/2014/main" id="{5C992576-5D2B-5D5C-7ED9-50F9261C7BB8}"/>
+              </a:ext>
+            </a:extLst>
+          </p:cNvPr>
+          <p:cNvCxnSpPr>
+            <a:endCxn id="48" idx="0"/>
+          </p:cNvCxnSpPr>
+          <p:nvPr/>
+        </p:nvCxnSpPr>
+        <p:spPr>
+          <a:xfrm flipH="1">
+            <a:off x="6665166" y="3331029"/>
+            <a:ext cx="3407230" cy="160687"/>
+          </a:xfrm>
+          <a:prstGeom prst="straightConnector1">
+            <a:avLst/>
+          </a:prstGeom>
+          <a:ln>
+            <a:tailEnd type="triangle"/>
+          </a:ln>
+        </p:spPr>
+        <p:style>
+          <a:lnRef idx="1">
+            <a:schemeClr val="accent1"/>
+          </a:lnRef>
+          <a:fillRef idx="0">
+            <a:schemeClr val="accent1"/>
+          </a:fillRef>
+          <a:effectRef idx="0">
+            <a:schemeClr val="accent1"/>
+          </a:effectRef>
+          <a:fontRef idx="minor">
+            <a:schemeClr val="tx1"/>
+          </a:fontRef>
+        </p:style>
+      </p:cxnSp>
+      <p:cxnSp>
+        <p:nvCxnSpPr>
+          <p:cNvPr id="77" name="Straight Arrow Connector 76">
+            <a:extLst>
+              <a:ext uri="{FF2B5EF4-FFF2-40B4-BE49-F238E27FC236}">
+                <a16:creationId xmlns:a16="http://schemas.microsoft.com/office/drawing/2014/main" id="{9FAA3E2C-2CA0-8795-6BA0-E956104DBB5C}"/>
+              </a:ext>
+            </a:extLst>
+          </p:cNvPr>
+          <p:cNvCxnSpPr>
+            <a:endCxn id="41" idx="2"/>
+          </p:cNvCxnSpPr>
+          <p:nvPr/>
+        </p:nvCxnSpPr>
+        <p:spPr>
+          <a:xfrm flipH="1" flipV="1">
+            <a:off x="8798768" y="3200400"/>
+            <a:ext cx="1326500" cy="165884"/>
+          </a:xfrm>
+          <a:prstGeom prst="straightConnector1">
+            <a:avLst/>
+          </a:prstGeom>
+          <a:ln>
+            <a:tailEnd type="triangle"/>
+          </a:ln>
+        </p:spPr>
+        <p:style>
+          <a:lnRef idx="1">
+            <a:schemeClr val="accent1"/>
+          </a:lnRef>
+          <a:fillRef idx="0">
+            <a:schemeClr val="accent1"/>
+          </a:fillRef>
+          <a:effectRef idx="0">
+            <a:schemeClr val="accent1"/>
+          </a:effectRef>
+          <a:fontRef idx="minor">
+            <a:schemeClr val="tx1"/>
+          </a:fontRef>
+        </p:style>
+      </p:cxnSp>
+      <p:cxnSp>
+        <p:nvCxnSpPr>
+          <p:cNvPr id="79" name="Straight Arrow Connector 78">
+            <a:extLst>
+              <a:ext uri="{FF2B5EF4-FFF2-40B4-BE49-F238E27FC236}">
+                <a16:creationId xmlns:a16="http://schemas.microsoft.com/office/drawing/2014/main" id="{7EB1B6FF-94C3-E0ED-7C2D-BCA9E9DD7A8B}"/>
+              </a:ext>
+            </a:extLst>
+          </p:cNvPr>
+          <p:cNvCxnSpPr>
+            <a:endCxn id="55" idx="0"/>
+          </p:cNvCxnSpPr>
+          <p:nvPr/>
+        </p:nvCxnSpPr>
+        <p:spPr>
+          <a:xfrm flipH="1">
+            <a:off x="8851643" y="3397000"/>
+            <a:ext cx="1220753" cy="93756"/>
+          </a:xfrm>
+          <a:prstGeom prst="straightConnector1">
+            <a:avLst/>
+          </a:prstGeom>
+          <a:ln>
+            <a:tailEnd type="triangle"/>
+          </a:ln>
+        </p:spPr>
+        <p:style>
+          <a:lnRef idx="1">
+            <a:schemeClr val="accent1"/>
+          </a:lnRef>
+          <a:fillRef idx="0">
+            <a:schemeClr val="accent1"/>
+          </a:fillRef>
+          <a:effectRef idx="0">
+            <a:schemeClr val="accent1"/>
+          </a:effectRef>
+          <a:fontRef idx="minor">
+            <a:schemeClr val="tx1"/>
+          </a:fontRef>
+        </p:style>
+      </p:cxnSp>
+      <p:cxnSp>
+        <p:nvCxnSpPr>
+          <p:cNvPr id="81" name="Straight Arrow Connector 80">
+            <a:extLst>
+              <a:ext uri="{FF2B5EF4-FFF2-40B4-BE49-F238E27FC236}">
+                <a16:creationId xmlns:a16="http://schemas.microsoft.com/office/drawing/2014/main" id="{3CC19668-8D85-0858-F7AF-8E7A8AEA0986}"/>
+              </a:ext>
+            </a:extLst>
+          </p:cNvPr>
+          <p:cNvCxnSpPr>
+            <a:stCxn id="9" idx="3"/>
+            <a:endCxn id="10" idx="1"/>
+          </p:cNvCxnSpPr>
+          <p:nvPr/>
+        </p:nvCxnSpPr>
+        <p:spPr>
+          <a:xfrm flipV="1">
+            <a:off x="2183364" y="1850896"/>
+            <a:ext cx="158621" cy="429208"/>
+          </a:xfrm>
+          <a:prstGeom prst="straightConnector1">
+            <a:avLst/>
+          </a:prstGeom>
+          <a:ln>
+            <a:tailEnd type="triangle"/>
+          </a:ln>
+        </p:spPr>
+        <p:style>
+          <a:lnRef idx="1">
+            <a:schemeClr val="accent1"/>
+          </a:lnRef>
+          <a:fillRef idx="0">
+            <a:schemeClr val="accent1"/>
+          </a:fillRef>
+          <a:effectRef idx="0">
+            <a:schemeClr val="accent1"/>
+          </a:effectRef>
+          <a:fontRef idx="minor">
+            <a:schemeClr val="tx1"/>
+          </a:fontRef>
+        </p:style>
+      </p:cxnSp>
+      <p:cxnSp>
+        <p:nvCxnSpPr>
+          <p:cNvPr id="83" name="Straight Arrow Connector 82">
+            <a:extLst>
+              <a:ext uri="{FF2B5EF4-FFF2-40B4-BE49-F238E27FC236}">
+                <a16:creationId xmlns:a16="http://schemas.microsoft.com/office/drawing/2014/main" id="{FF3B3A9F-7855-E017-36F5-141CE8ADA16D}"/>
+              </a:ext>
+            </a:extLst>
+          </p:cNvPr>
+          <p:cNvCxnSpPr>
+            <a:stCxn id="9" idx="3"/>
+            <a:endCxn id="11" idx="1"/>
+          </p:cNvCxnSpPr>
+          <p:nvPr/>
+        </p:nvCxnSpPr>
+        <p:spPr>
+          <a:xfrm>
+            <a:off x="2183364" y="2280104"/>
+            <a:ext cx="158620" cy="456545"/>
+          </a:xfrm>
+          <a:prstGeom prst="straightConnector1">
+            <a:avLst/>
+          </a:prstGeom>
+          <a:ln>
+            <a:tailEnd type="triangle"/>
+          </a:ln>
+        </p:spPr>
+        <p:style>
+          <a:lnRef idx="1">
+            <a:schemeClr val="accent1"/>
+          </a:lnRef>
+          <a:fillRef idx="0">
+            <a:schemeClr val="accent1"/>
+          </a:fillRef>
+          <a:effectRef idx="0">
+            <a:schemeClr val="accent1"/>
+          </a:effectRef>
+          <a:fontRef idx="minor">
+            <a:schemeClr val="tx1"/>
+          </a:fontRef>
+        </p:style>
+      </p:cxnSp>
+    </p:spTree>
+    <p:extLst>
+      <p:ext uri="{BB962C8B-B14F-4D97-AF65-F5344CB8AC3E}">
+        <p14:creationId xmlns:p14="http://schemas.microsoft.com/office/powerpoint/2010/main" val="2905866768"/>
+      </p:ext>
+    </p:extLst>
+  </p:cSld>
+  <p:clrMapOvr>
+    <a:masterClrMapping/>
+  </p:clrMapOvr>
+</p:sld>
+</file>
+
+<file path=ppt/slides/slide16.xml><?xml version="1.0" encoding="utf-8"?>
+<p:sld xmlns:a="http://schemas.openxmlformats.org/drawingml/2006/main" xmlns:r="http://schemas.openxmlformats.org/officeDocument/2006/relationships" xmlns:p="http://schemas.openxmlformats.org/presentationml/2006/main">
+  <p:cSld>
+    <p:spTree>
+      <p:nvGrpSpPr>
+        <p:cNvPr id="1" name=""/>
+        <p:cNvGrpSpPr/>
+        <p:nvPr/>
+      </p:nvGrpSpPr>
+      <p:grpSpPr>
+        <a:xfrm>
+          <a:off x="0" y="0"/>
+          <a:ext cx="0" cy="0"/>
+          <a:chOff x="0" y="0"/>
+          <a:chExt cx="0" cy="0"/>
+        </a:xfrm>
+      </p:grpSpPr>
+      <p:sp>
+        <p:nvSpPr>
+          <p:cNvPr id="2" name="Cylinder 1">
+            <a:extLst>
+              <a:ext uri="{FF2B5EF4-FFF2-40B4-BE49-F238E27FC236}">
+                <a16:creationId xmlns:a16="http://schemas.microsoft.com/office/drawing/2014/main" id="{BABC3920-DEB8-6014-7328-C552A2A59147}"/>
+              </a:ext>
+            </a:extLst>
+          </p:cNvPr>
+          <p:cNvSpPr/>
+          <p:nvPr/>
+        </p:nvSpPr>
+        <p:spPr>
+          <a:xfrm>
+            <a:off x="8621486" y="1352939"/>
+            <a:ext cx="1931436" cy="2985796"/>
+          </a:xfrm>
+          <a:prstGeom prst="can">
+            <a:avLst/>
+          </a:prstGeom>
+        </p:spPr>
+        <p:style>
+          <a:lnRef idx="2">
+            <a:schemeClr val="accent1">
+              <a:shade val="50000"/>
+            </a:schemeClr>
+          </a:lnRef>
+          <a:fillRef idx="1">
+            <a:schemeClr val="accent1"/>
+          </a:fillRef>
+          <a:effectRef idx="0">
+            <a:schemeClr val="accent1"/>
+          </a:effectRef>
+          <a:fontRef idx="minor">
+            <a:schemeClr val="lt1"/>
+          </a:fontRef>
+        </p:style>
+        <p:txBody>
+          <a:bodyPr rtlCol="0" anchor="ctr"/>
+          <a:lstStyle/>
+          <a:p>
+            <a:pPr algn="ctr"/>
+            <a:r>
+              <a:rPr lang="en-IN" b="1" dirty="0"/>
+              <a:t>Shared Data Object</a:t>
+            </a:r>
+            <a:endParaRPr lang="en-US" b="1" dirty="0"/>
+          </a:p>
+        </p:txBody>
+      </p:sp>
+      <p:cxnSp>
+        <p:nvCxnSpPr>
+          <p:cNvPr id="5" name="Straight Arrow Connector 4">
+            <a:extLst>
+              <a:ext uri="{FF2B5EF4-FFF2-40B4-BE49-F238E27FC236}">
+                <a16:creationId xmlns:a16="http://schemas.microsoft.com/office/drawing/2014/main" id="{CA2E0A8A-66A7-76A9-43DB-2E0A35909748}"/>
+              </a:ext>
+            </a:extLst>
+          </p:cNvPr>
+          <p:cNvCxnSpPr>
+            <a:cxnSpLocks/>
+          </p:cNvCxnSpPr>
+          <p:nvPr/>
+        </p:nvCxnSpPr>
+        <p:spPr>
+          <a:xfrm>
+            <a:off x="2351314" y="839755"/>
+            <a:ext cx="4198776" cy="1838131"/>
+          </a:xfrm>
+          <a:prstGeom prst="straightConnector1">
+            <a:avLst/>
+          </a:prstGeom>
+          <a:ln>
+            <a:tailEnd type="triangle"/>
+          </a:ln>
+        </p:spPr>
+        <p:style>
+          <a:lnRef idx="1">
+            <a:schemeClr val="accent1"/>
+          </a:lnRef>
+          <a:fillRef idx="0">
+            <a:schemeClr val="accent1"/>
+          </a:fillRef>
+          <a:effectRef idx="0">
+            <a:schemeClr val="accent1"/>
+          </a:effectRef>
+          <a:fontRef idx="minor">
+            <a:schemeClr val="tx1"/>
+          </a:fontRef>
+        </p:style>
+      </p:cxnSp>
+      <p:cxnSp>
+        <p:nvCxnSpPr>
+          <p:cNvPr id="7" name="Straight Arrow Connector 6">
+            <a:extLst>
+              <a:ext uri="{FF2B5EF4-FFF2-40B4-BE49-F238E27FC236}">
+                <a16:creationId xmlns:a16="http://schemas.microsoft.com/office/drawing/2014/main" id="{274557F4-DF5B-A309-1E44-8C49ADCC6183}"/>
+              </a:ext>
+            </a:extLst>
+          </p:cNvPr>
+          <p:cNvCxnSpPr>
+            <a:cxnSpLocks/>
+          </p:cNvCxnSpPr>
+          <p:nvPr/>
+        </p:nvCxnSpPr>
+        <p:spPr>
+          <a:xfrm flipV="1">
+            <a:off x="2313992" y="2659224"/>
+            <a:ext cx="4152122" cy="195943"/>
+          </a:xfrm>
+          <a:prstGeom prst="straightConnector1">
+            <a:avLst/>
+          </a:prstGeom>
+          <a:ln>
+            <a:tailEnd type="triangle"/>
+          </a:ln>
+        </p:spPr>
+        <p:style>
+          <a:lnRef idx="1">
+            <a:schemeClr val="accent1"/>
+          </a:lnRef>
+          <a:fillRef idx="0">
+            <a:schemeClr val="accent1"/>
+          </a:fillRef>
+          <a:effectRef idx="0">
+            <a:schemeClr val="accent1"/>
+          </a:effectRef>
+          <a:fontRef idx="minor">
+            <a:schemeClr val="tx1"/>
+          </a:fontRef>
+        </p:style>
+      </p:cxnSp>
+      <p:cxnSp>
+        <p:nvCxnSpPr>
+          <p:cNvPr id="9" name="Straight Arrow Connector 8">
+            <a:extLst>
+              <a:ext uri="{FF2B5EF4-FFF2-40B4-BE49-F238E27FC236}">
+                <a16:creationId xmlns:a16="http://schemas.microsoft.com/office/drawing/2014/main" id="{E0D52250-E238-E15C-322C-B71E34E63214}"/>
+              </a:ext>
+            </a:extLst>
+          </p:cNvPr>
+          <p:cNvCxnSpPr>
+            <a:cxnSpLocks/>
+          </p:cNvCxnSpPr>
+          <p:nvPr/>
+        </p:nvCxnSpPr>
+        <p:spPr>
+          <a:xfrm flipV="1">
+            <a:off x="2425959" y="2659224"/>
+            <a:ext cx="4114800" cy="2015413"/>
+          </a:xfrm>
+          <a:prstGeom prst="straightConnector1">
+            <a:avLst/>
+          </a:prstGeom>
+          <a:ln>
+            <a:tailEnd type="triangle"/>
+          </a:ln>
+        </p:spPr>
+        <p:style>
+          <a:lnRef idx="1">
+            <a:schemeClr val="accent1"/>
+          </a:lnRef>
+          <a:fillRef idx="0">
+            <a:schemeClr val="accent1"/>
+          </a:fillRef>
+          <a:effectRef idx="0">
+            <a:schemeClr val="accent1"/>
+          </a:effectRef>
+          <a:fontRef idx="minor">
+            <a:schemeClr val="tx1"/>
+          </a:fontRef>
+        </p:style>
+      </p:cxnSp>
+      <p:sp>
+        <p:nvSpPr>
+          <p:cNvPr id="10" name="Arrow: Down 9">
+            <a:extLst>
+              <a:ext uri="{FF2B5EF4-FFF2-40B4-BE49-F238E27FC236}">
+                <a16:creationId xmlns:a16="http://schemas.microsoft.com/office/drawing/2014/main" id="{48A4C67D-3CE1-AAAD-AE6B-D900B368A9C9}"/>
+              </a:ext>
+            </a:extLst>
+          </p:cNvPr>
+          <p:cNvSpPr/>
+          <p:nvPr/>
+        </p:nvSpPr>
+        <p:spPr>
+          <a:xfrm>
+            <a:off x="10786188" y="1520890"/>
+            <a:ext cx="690465" cy="2752530"/>
+          </a:xfrm>
+          <a:prstGeom prst="downArrow">
+            <a:avLst/>
+          </a:prstGeom>
+        </p:spPr>
+        <p:style>
+          <a:lnRef idx="2">
+            <a:schemeClr val="accent1">
+              <a:shade val="50000"/>
+            </a:schemeClr>
+          </a:lnRef>
+          <a:fillRef idx="1">
+            <a:schemeClr val="accent1"/>
+          </a:fillRef>
+          <a:effectRef idx="0">
+            <a:schemeClr val="accent1"/>
+          </a:effectRef>
+          <a:fontRef idx="minor">
+            <a:schemeClr val="lt1"/>
+          </a:fontRef>
+        </p:style>
+        <p:txBody>
+          <a:bodyPr rtlCol="0" anchor="ctr"/>
+          <a:lstStyle/>
+          <a:p>
+            <a:pPr algn="ctr"/>
+            <a:r>
+              <a:rPr lang="en-IN" dirty="0"/>
+              <a:t>M</a:t>
+            </a:r>
+          </a:p>
+          <a:p>
+            <a:pPr algn="ctr"/>
+            <a:r>
+              <a:rPr lang="en-IN" dirty="0"/>
+              <a:t>A</a:t>
+            </a:r>
+          </a:p>
+          <a:p>
+            <a:pPr algn="ctr"/>
+            <a:r>
+              <a:rPr lang="en-IN" dirty="0"/>
+              <a:t>I</a:t>
+            </a:r>
+          </a:p>
+          <a:p>
+            <a:pPr algn="ctr"/>
+            <a:r>
+              <a:rPr lang="en-IN" dirty="0"/>
+              <a:t>N</a:t>
+            </a:r>
+            <a:endParaRPr lang="en-US" dirty="0"/>
+          </a:p>
+        </p:txBody>
+      </p:sp>
+      <p:sp>
+        <p:nvSpPr>
+          <p:cNvPr id="11" name="Flowchart: Predefined Process 10">
+            <a:extLst>
+              <a:ext uri="{FF2B5EF4-FFF2-40B4-BE49-F238E27FC236}">
+                <a16:creationId xmlns:a16="http://schemas.microsoft.com/office/drawing/2014/main" id="{7622623B-1D29-8C91-C28B-27EBF2A007BC}"/>
+              </a:ext>
+            </a:extLst>
+          </p:cNvPr>
+          <p:cNvSpPr/>
+          <p:nvPr/>
+        </p:nvSpPr>
+        <p:spPr>
+          <a:xfrm>
+            <a:off x="6578081" y="2295331"/>
+            <a:ext cx="2034074" cy="765110"/>
+          </a:xfrm>
+          <a:prstGeom prst="flowChartPredefinedProcess">
+            <a:avLst/>
+          </a:prstGeom>
+          <a:solidFill>
+            <a:srgbClr val="FFFF00"/>
+          </a:solidFill>
+        </p:spPr>
+        <p:style>
+          <a:lnRef idx="2">
+            <a:schemeClr val="accent1">
+              <a:shade val="50000"/>
+            </a:schemeClr>
+          </a:lnRef>
+          <a:fillRef idx="1">
+            <a:schemeClr val="accent1"/>
+          </a:fillRef>
+          <a:effectRef idx="0">
+            <a:schemeClr val="accent1"/>
+          </a:effectRef>
+          <a:fontRef idx="minor">
+            <a:schemeClr val="lt1"/>
+          </a:fontRef>
+        </p:style>
+        <p:txBody>
+          <a:bodyPr rtlCol="0" anchor="ctr"/>
+          <a:lstStyle/>
+          <a:p>
+            <a:pPr algn="ctr"/>
+            <a:endParaRPr lang="en-US"/>
+          </a:p>
+        </p:txBody>
+      </p:sp>
+      <p:sp>
+        <p:nvSpPr>
+          <p:cNvPr id="18" name="Arrow: Down 17">
+            <a:extLst>
+              <a:ext uri="{FF2B5EF4-FFF2-40B4-BE49-F238E27FC236}">
+                <a16:creationId xmlns:a16="http://schemas.microsoft.com/office/drawing/2014/main" id="{7A2A6FF0-D6B4-F3AD-92CC-C2600281C38B}"/>
+              </a:ext>
+            </a:extLst>
+          </p:cNvPr>
+          <p:cNvSpPr/>
+          <p:nvPr/>
+        </p:nvSpPr>
+        <p:spPr>
+          <a:xfrm>
+            <a:off x="7595118" y="3060441"/>
+            <a:ext cx="195943" cy="1614196"/>
+          </a:xfrm>
+          <a:prstGeom prst="downArrow">
+            <a:avLst/>
+          </a:prstGeom>
+        </p:spPr>
+        <p:style>
+          <a:lnRef idx="2">
+            <a:schemeClr val="accent1">
+              <a:shade val="50000"/>
+            </a:schemeClr>
+          </a:lnRef>
+          <a:fillRef idx="1">
+            <a:schemeClr val="accent1"/>
+          </a:fillRef>
+          <a:effectRef idx="0">
+            <a:schemeClr val="accent1"/>
+          </a:effectRef>
+          <a:fontRef idx="minor">
+            <a:schemeClr val="lt1"/>
+          </a:fontRef>
+        </p:style>
+        <p:txBody>
+          <a:bodyPr rtlCol="0" anchor="ctr"/>
+          <a:lstStyle/>
+          <a:p>
+            <a:pPr algn="ctr"/>
+            <a:endParaRPr lang="en-US"/>
+          </a:p>
+        </p:txBody>
+      </p:sp>
+      <p:sp>
+        <p:nvSpPr>
+          <p:cNvPr id="19" name="TextBox 18">
+            <a:extLst>
+              <a:ext uri="{FF2B5EF4-FFF2-40B4-BE49-F238E27FC236}">
+                <a16:creationId xmlns:a16="http://schemas.microsoft.com/office/drawing/2014/main" id="{15BB9F26-EDEF-9E52-A163-DC6FF91C4409}"/>
+              </a:ext>
+            </a:extLst>
+          </p:cNvPr>
+          <p:cNvSpPr txBox="1"/>
+          <p:nvPr/>
+        </p:nvSpPr>
+        <p:spPr>
+          <a:xfrm>
+            <a:off x="6764693" y="4758612"/>
+            <a:ext cx="2239348" cy="369332"/>
+          </a:xfrm>
+          <a:prstGeom prst="rect">
+            <a:avLst/>
+          </a:prstGeom>
+          <a:noFill/>
+        </p:spPr>
+        <p:txBody>
+          <a:bodyPr wrap="square" rtlCol="0">
+            <a:spAutoFit/>
+          </a:bodyPr>
+          <a:lstStyle/>
+          <a:p>
+            <a:pPr algn="ctr"/>
+            <a:r>
+              <a:rPr lang="en-IN" dirty="0"/>
+              <a:t>Request Q</a:t>
+            </a:r>
+            <a:endParaRPr lang="en-US" dirty="0"/>
+          </a:p>
+        </p:txBody>
+      </p:sp>
+      <p:sp>
+        <p:nvSpPr>
+          <p:cNvPr id="20" name="Arrow: Curved Down 19">
+            <a:extLst>
+              <a:ext uri="{FF2B5EF4-FFF2-40B4-BE49-F238E27FC236}">
+                <a16:creationId xmlns:a16="http://schemas.microsoft.com/office/drawing/2014/main" id="{C6474199-C9D2-0D72-6C30-9BE30382A2F2}"/>
+              </a:ext>
+            </a:extLst>
+          </p:cNvPr>
+          <p:cNvSpPr/>
+          <p:nvPr/>
+        </p:nvSpPr>
+        <p:spPr>
+          <a:xfrm>
+            <a:off x="8444204" y="2174033"/>
+            <a:ext cx="289249" cy="121298"/>
+          </a:xfrm>
+          <a:prstGeom prst="curvedDownArrow">
+            <a:avLst/>
+          </a:prstGeom>
+          <a:solidFill>
+            <a:srgbClr val="FFFF00"/>
+          </a:solidFill>
+        </p:spPr>
+        <p:style>
+          <a:lnRef idx="2">
+            <a:schemeClr val="accent1">
+              <a:shade val="50000"/>
+            </a:schemeClr>
+          </a:lnRef>
+          <a:fillRef idx="1">
+            <a:schemeClr val="accent1"/>
+          </a:fillRef>
+          <a:effectRef idx="0">
+            <a:schemeClr val="accent1"/>
+          </a:effectRef>
+          <a:fontRef idx="minor">
+            <a:schemeClr val="lt1"/>
+          </a:fontRef>
+        </p:style>
+        <p:txBody>
+          <a:bodyPr rtlCol="0" anchor="ctr"/>
+          <a:lstStyle/>
+          <a:p>
+            <a:pPr algn="ctr"/>
+            <a:endParaRPr lang="en-US">
+              <a:solidFill>
+                <a:schemeClr val="tx1"/>
+              </a:solidFill>
+            </a:endParaRPr>
+          </a:p>
+        </p:txBody>
+      </p:sp>
+      <p:sp>
+        <p:nvSpPr>
+          <p:cNvPr id="21" name="Arrow: Curved Down 20">
+            <a:extLst>
+              <a:ext uri="{FF2B5EF4-FFF2-40B4-BE49-F238E27FC236}">
+                <a16:creationId xmlns:a16="http://schemas.microsoft.com/office/drawing/2014/main" id="{462C5356-EFAB-89AF-7966-609E9F95A124}"/>
+              </a:ext>
+            </a:extLst>
+          </p:cNvPr>
+          <p:cNvSpPr/>
+          <p:nvPr/>
+        </p:nvSpPr>
+        <p:spPr>
+          <a:xfrm>
+            <a:off x="7595118" y="1810139"/>
+            <a:ext cx="1408923" cy="485192"/>
+          </a:xfrm>
+          <a:prstGeom prst="curvedDownArrow">
+            <a:avLst/>
+          </a:prstGeom>
+          <a:solidFill>
+            <a:srgbClr val="FFFF00"/>
+          </a:solidFill>
+        </p:spPr>
+        <p:style>
+          <a:lnRef idx="2">
+            <a:schemeClr val="accent1">
+              <a:shade val="50000"/>
+            </a:schemeClr>
+          </a:lnRef>
+          <a:fillRef idx="1">
+            <a:schemeClr val="accent1"/>
+          </a:fillRef>
+          <a:effectRef idx="0">
+            <a:schemeClr val="accent1"/>
+          </a:effectRef>
+          <a:fontRef idx="minor">
+            <a:schemeClr val="lt1"/>
+          </a:fontRef>
+        </p:style>
+        <p:txBody>
+          <a:bodyPr rtlCol="0" anchor="ctr"/>
+          <a:lstStyle/>
+          <a:p>
+            <a:pPr algn="ctr"/>
+            <a:endParaRPr lang="en-US">
+              <a:solidFill>
+                <a:schemeClr val="tx1"/>
+              </a:solidFill>
+            </a:endParaRPr>
+          </a:p>
+        </p:txBody>
+      </p:sp>
+      <p:sp>
+        <p:nvSpPr>
+          <p:cNvPr id="22" name="Arrow: Curved Down 21">
+            <a:extLst>
+              <a:ext uri="{FF2B5EF4-FFF2-40B4-BE49-F238E27FC236}">
+                <a16:creationId xmlns:a16="http://schemas.microsoft.com/office/drawing/2014/main" id="{89EE54FE-AA67-F345-9BBB-0EBA363BE017}"/>
+              </a:ext>
+            </a:extLst>
+          </p:cNvPr>
+          <p:cNvSpPr/>
+          <p:nvPr/>
+        </p:nvSpPr>
+        <p:spPr>
+          <a:xfrm>
+            <a:off x="6727372" y="1203649"/>
+            <a:ext cx="2715208" cy="1091682"/>
+          </a:xfrm>
+          <a:prstGeom prst="curvedDownArrow">
+            <a:avLst/>
+          </a:prstGeom>
+          <a:solidFill>
+            <a:srgbClr val="FFFF00"/>
+          </a:solidFill>
+        </p:spPr>
+        <p:style>
+          <a:lnRef idx="2">
+            <a:schemeClr val="accent1">
+              <a:shade val="50000"/>
+            </a:schemeClr>
+          </a:lnRef>
+          <a:fillRef idx="1">
+            <a:schemeClr val="accent1"/>
+          </a:fillRef>
+          <a:effectRef idx="0">
+            <a:schemeClr val="accent1"/>
+          </a:effectRef>
+          <a:fontRef idx="minor">
+            <a:schemeClr val="lt1"/>
+          </a:fontRef>
+        </p:style>
+        <p:txBody>
+          <a:bodyPr rtlCol="0" anchor="ctr"/>
+          <a:lstStyle/>
+          <a:p>
+            <a:pPr algn="ctr"/>
+            <a:endParaRPr lang="en-US">
+              <a:solidFill>
+                <a:schemeClr val="tx1"/>
+              </a:solidFill>
+            </a:endParaRPr>
+          </a:p>
+        </p:txBody>
+      </p:sp>
+      <p:sp>
+        <p:nvSpPr>
+          <p:cNvPr id="23" name="TextBox 22">
+            <a:extLst>
+              <a:ext uri="{FF2B5EF4-FFF2-40B4-BE49-F238E27FC236}">
+                <a16:creationId xmlns:a16="http://schemas.microsoft.com/office/drawing/2014/main" id="{D1349F21-FCE4-5436-4FDE-18F9AB822D00}"/>
+              </a:ext>
+            </a:extLst>
+          </p:cNvPr>
+          <p:cNvSpPr txBox="1"/>
+          <p:nvPr/>
+        </p:nvSpPr>
+        <p:spPr>
+          <a:xfrm>
+            <a:off x="877078" y="5477069"/>
+            <a:ext cx="6204857" cy="646331"/>
+          </a:xfrm>
+          <a:prstGeom prst="rect">
+            <a:avLst/>
+          </a:prstGeom>
+          <a:noFill/>
+        </p:spPr>
+        <p:txBody>
+          <a:bodyPr wrap="square" rtlCol="0">
+            <a:spAutoFit/>
+          </a:bodyPr>
+          <a:lstStyle/>
+          <a:p>
+            <a:r>
+              <a:rPr lang="en-IN" dirty="0"/>
+              <a:t>Sequential Execution of Requests in a Q based on First-Come-First-Serv</a:t>
+            </a:r>
+            <a:endParaRPr lang="en-US" dirty="0"/>
+          </a:p>
+        </p:txBody>
+      </p:sp>
+    </p:spTree>
+    <p:extLst>
+      <p:ext uri="{BB962C8B-B14F-4D97-AF65-F5344CB8AC3E}">
+        <p14:creationId xmlns:p14="http://schemas.microsoft.com/office/powerpoint/2010/main" val="2901672656"/>
+      </p:ext>
+    </p:extLst>
+  </p:cSld>
+  <p:clrMapOvr>
+    <a:masterClrMapping/>
+  </p:clrMapOvr>
+</p:sld>
+</file>
+
+<file path=ppt/slides/slide17.xml><?xml version="1.0" encoding="utf-8"?>
+<p:sld xmlns:a="http://schemas.openxmlformats.org/drawingml/2006/main" xmlns:r="http://schemas.openxmlformats.org/officeDocument/2006/relationships" xmlns:p="http://schemas.openxmlformats.org/presentationml/2006/main">
+  <p:cSld>
+    <p:spTree>
+      <p:nvGrpSpPr>
+        <p:cNvPr id="1" name=""/>
+        <p:cNvGrpSpPr/>
+        <p:nvPr/>
+      </p:nvGrpSpPr>
+      <p:grpSpPr>
+        <a:xfrm>
+          <a:off x="0" y="0"/>
+          <a:ext cx="0" cy="0"/>
+          <a:chOff x="0" y="0"/>
+          <a:chExt cx="0" cy="0"/>
+        </a:xfrm>
+      </p:grpSpPr>
+      <p:sp>
+        <p:nvSpPr>
+          <p:cNvPr id="3" name="Rectangle 2">
+            <a:extLst>
+              <a:ext uri="{FF2B5EF4-FFF2-40B4-BE49-F238E27FC236}">
+                <a16:creationId xmlns:a16="http://schemas.microsoft.com/office/drawing/2014/main" id="{D603DDC6-4B39-D99C-8D75-BB2E3A73BDFF}"/>
+              </a:ext>
+            </a:extLst>
+          </p:cNvPr>
+          <p:cNvSpPr/>
+          <p:nvPr/>
+        </p:nvSpPr>
+        <p:spPr>
+          <a:xfrm>
+            <a:off x="727788" y="307910"/>
+            <a:ext cx="4357396" cy="6363478"/>
+          </a:xfrm>
+          <a:prstGeom prst="rect">
+            <a:avLst/>
+          </a:prstGeom>
+        </p:spPr>
+        <p:style>
+          <a:lnRef idx="2">
+            <a:schemeClr val="accent6"/>
+          </a:lnRef>
+          <a:fillRef idx="1">
+            <a:schemeClr val="lt1"/>
+          </a:fillRef>
+          <a:effectRef idx="0">
+            <a:schemeClr val="accent6"/>
+          </a:effectRef>
+          <a:fontRef idx="minor">
+            <a:schemeClr val="dk1"/>
+          </a:fontRef>
+        </p:style>
+        <p:txBody>
+          <a:bodyPr rtlCol="0" anchor="ctr"/>
+          <a:lstStyle/>
+          <a:p>
+            <a:pPr algn="ctr"/>
+            <a:endParaRPr lang="en-US"/>
+          </a:p>
+        </p:txBody>
+      </p:sp>
+      <p:sp>
+        <p:nvSpPr>
+          <p:cNvPr id="4" name="TextBox 3">
+            <a:extLst>
+              <a:ext uri="{FF2B5EF4-FFF2-40B4-BE49-F238E27FC236}">
+                <a16:creationId xmlns:a16="http://schemas.microsoft.com/office/drawing/2014/main" id="{61048582-B326-BDCD-3547-4017D7FE328E}"/>
+              </a:ext>
+            </a:extLst>
+          </p:cNvPr>
+          <p:cNvSpPr txBox="1"/>
+          <p:nvPr/>
+        </p:nvSpPr>
+        <p:spPr>
+          <a:xfrm>
+            <a:off x="942392" y="410547"/>
+            <a:ext cx="3816220" cy="369332"/>
+          </a:xfrm>
+          <a:prstGeom prst="rect">
+            <a:avLst/>
+          </a:prstGeom>
+          <a:noFill/>
+        </p:spPr>
+        <p:txBody>
+          <a:bodyPr wrap="square" rtlCol="0">
+            <a:spAutoFit/>
+          </a:bodyPr>
+          <a:lstStyle/>
+          <a:p>
+            <a:pPr algn="ctr"/>
+            <a:r>
+              <a:rPr lang="en-IN" b="1" dirty="0"/>
+              <a:t>Main() Method</a:t>
+            </a:r>
+            <a:endParaRPr lang="en-US" b="1" dirty="0"/>
+          </a:p>
+        </p:txBody>
+      </p:sp>
+      <p:sp>
+        <p:nvSpPr>
+          <p:cNvPr id="5" name="Rectangle: Rounded Corners 4">
+            <a:extLst>
+              <a:ext uri="{FF2B5EF4-FFF2-40B4-BE49-F238E27FC236}">
+                <a16:creationId xmlns:a16="http://schemas.microsoft.com/office/drawing/2014/main" id="{9678A7B9-AEE9-DFC1-38D9-3BF45C27FC16}"/>
+              </a:ext>
+            </a:extLst>
+          </p:cNvPr>
+          <p:cNvSpPr/>
+          <p:nvPr/>
+        </p:nvSpPr>
+        <p:spPr>
+          <a:xfrm>
+            <a:off x="8985380" y="307910"/>
+            <a:ext cx="2264228" cy="961053"/>
+          </a:xfrm>
+          <a:prstGeom prst="roundRect">
+            <a:avLst/>
+          </a:prstGeom>
+        </p:spPr>
+        <p:style>
+          <a:lnRef idx="2">
+            <a:schemeClr val="accent1">
+              <a:shade val="50000"/>
+            </a:schemeClr>
+          </a:lnRef>
+          <a:fillRef idx="1">
+            <a:schemeClr val="accent1"/>
+          </a:fillRef>
+          <a:effectRef idx="0">
+            <a:schemeClr val="accent1"/>
+          </a:effectRef>
+          <a:fontRef idx="minor">
+            <a:schemeClr val="lt1"/>
+          </a:fontRef>
+        </p:style>
+        <p:txBody>
+          <a:bodyPr rtlCol="0" anchor="ctr"/>
+          <a:lstStyle/>
+          <a:p>
+            <a:pPr algn="ctr"/>
+            <a:r>
+              <a:rPr lang="en-IN" b="1" dirty="0"/>
+              <a:t>Increment()</a:t>
+            </a:r>
+            <a:endParaRPr lang="en-US" b="1" dirty="0"/>
+          </a:p>
+        </p:txBody>
+      </p:sp>
+      <p:sp>
+        <p:nvSpPr>
+          <p:cNvPr id="6" name="Rectangle: Rounded Corners 5">
+            <a:extLst>
+              <a:ext uri="{FF2B5EF4-FFF2-40B4-BE49-F238E27FC236}">
+                <a16:creationId xmlns:a16="http://schemas.microsoft.com/office/drawing/2014/main" id="{1BBFBD49-4515-B582-5E8A-79825253658C}"/>
+              </a:ext>
+            </a:extLst>
+          </p:cNvPr>
+          <p:cNvSpPr/>
+          <p:nvPr/>
+        </p:nvSpPr>
+        <p:spPr>
+          <a:xfrm>
+            <a:off x="8985380" y="2948473"/>
+            <a:ext cx="2264228" cy="961053"/>
+          </a:xfrm>
+          <a:prstGeom prst="roundRect">
+            <a:avLst/>
+          </a:prstGeom>
+        </p:spPr>
+        <p:style>
+          <a:lnRef idx="2">
+            <a:schemeClr val="accent1">
+              <a:shade val="50000"/>
+            </a:schemeClr>
+          </a:lnRef>
+          <a:fillRef idx="1">
+            <a:schemeClr val="accent1"/>
+          </a:fillRef>
+          <a:effectRef idx="0">
+            <a:schemeClr val="accent1"/>
+          </a:effectRef>
+          <a:fontRef idx="minor">
+            <a:schemeClr val="lt1"/>
+          </a:fontRef>
+        </p:style>
+        <p:txBody>
+          <a:bodyPr rtlCol="0" anchor="ctr"/>
+          <a:lstStyle/>
+          <a:p>
+            <a:pPr algn="ctr"/>
+            <a:r>
+              <a:rPr lang="en-IN" b="1" dirty="0"/>
+              <a:t>Decrement()</a:t>
+            </a:r>
+            <a:endParaRPr lang="en-US" b="1" dirty="0"/>
+          </a:p>
+        </p:txBody>
+      </p:sp>
+      <p:sp>
+        <p:nvSpPr>
+          <p:cNvPr id="7" name="Arrow: Down 6">
+            <a:extLst>
+              <a:ext uri="{FF2B5EF4-FFF2-40B4-BE49-F238E27FC236}">
+                <a16:creationId xmlns:a16="http://schemas.microsoft.com/office/drawing/2014/main" id="{E14A5E46-8AAD-3603-2765-8E7092D78D11}"/>
+              </a:ext>
+            </a:extLst>
+          </p:cNvPr>
+          <p:cNvSpPr/>
+          <p:nvPr/>
+        </p:nvSpPr>
+        <p:spPr>
+          <a:xfrm>
+            <a:off x="74645" y="307910"/>
+            <a:ext cx="615820" cy="6242180"/>
+          </a:xfrm>
+          <a:prstGeom prst="downArrow">
+            <a:avLst/>
+          </a:prstGeom>
+        </p:spPr>
+        <p:style>
+          <a:lnRef idx="2">
+            <a:schemeClr val="accent1">
+              <a:shade val="50000"/>
+            </a:schemeClr>
+          </a:lnRef>
+          <a:fillRef idx="1">
+            <a:schemeClr val="accent1"/>
+          </a:fillRef>
+          <a:effectRef idx="0">
+            <a:schemeClr val="accent1"/>
+          </a:effectRef>
+          <a:fontRef idx="minor">
+            <a:schemeClr val="lt1"/>
+          </a:fontRef>
+        </p:style>
+        <p:txBody>
+          <a:bodyPr rtlCol="0" anchor="ctr"/>
+          <a:lstStyle/>
+          <a:p>
+            <a:pPr algn="ctr"/>
+            <a:r>
+              <a:rPr lang="en-IN" b="1" dirty="0"/>
+              <a:t>M</a:t>
+            </a:r>
+          </a:p>
+          <a:p>
+            <a:pPr algn="ctr"/>
+            <a:r>
+              <a:rPr lang="en-IN" b="1" dirty="0"/>
+              <a:t>A</a:t>
+            </a:r>
+          </a:p>
+          <a:p>
+            <a:pPr algn="ctr"/>
+            <a:r>
+              <a:rPr lang="en-IN" b="1" dirty="0"/>
+              <a:t>I</a:t>
+            </a:r>
+          </a:p>
+          <a:p>
+            <a:pPr algn="ctr"/>
+            <a:r>
+              <a:rPr lang="en-IN" b="1" dirty="0"/>
+              <a:t>N</a:t>
+            </a:r>
+          </a:p>
+          <a:p>
+            <a:pPr algn="ctr"/>
+            <a:endParaRPr lang="en-IN" b="1" dirty="0"/>
+          </a:p>
+          <a:p>
+            <a:pPr algn="ctr"/>
+            <a:r>
+              <a:rPr lang="en-IN" b="1" dirty="0"/>
+              <a:t>T</a:t>
+            </a:r>
+          </a:p>
+          <a:p>
+            <a:pPr algn="ctr"/>
+            <a:r>
+              <a:rPr lang="en-IN" b="1" dirty="0"/>
+              <a:t>H</a:t>
+            </a:r>
+          </a:p>
+          <a:p>
+            <a:pPr algn="ctr"/>
+            <a:r>
+              <a:rPr lang="en-IN" b="1" dirty="0"/>
+              <a:t>R</a:t>
+            </a:r>
+          </a:p>
+          <a:p>
+            <a:pPr algn="ctr"/>
+            <a:r>
+              <a:rPr lang="en-IN" b="1" dirty="0"/>
+              <a:t>E</a:t>
+            </a:r>
+          </a:p>
+          <a:p>
+            <a:pPr algn="ctr"/>
+            <a:r>
+              <a:rPr lang="en-IN" b="1" dirty="0"/>
+              <a:t>A</a:t>
+            </a:r>
+          </a:p>
+          <a:p>
+            <a:pPr algn="ctr"/>
+            <a:r>
+              <a:rPr lang="en-IN" b="1" dirty="0"/>
+              <a:t>D</a:t>
+            </a:r>
+            <a:endParaRPr lang="en-US" b="1" dirty="0"/>
+          </a:p>
+        </p:txBody>
+      </p:sp>
+      <p:sp>
+        <p:nvSpPr>
+          <p:cNvPr id="8" name="Arrow: Right 7">
+            <a:extLst>
+              <a:ext uri="{FF2B5EF4-FFF2-40B4-BE49-F238E27FC236}">
+                <a16:creationId xmlns:a16="http://schemas.microsoft.com/office/drawing/2014/main" id="{819DC1F7-1B09-0453-AB21-C2FF62BD90F2}"/>
+              </a:ext>
+            </a:extLst>
+          </p:cNvPr>
+          <p:cNvSpPr/>
+          <p:nvPr/>
+        </p:nvSpPr>
+        <p:spPr>
+          <a:xfrm>
+            <a:off x="2892490" y="1408922"/>
+            <a:ext cx="4068147" cy="597160"/>
+          </a:xfrm>
+          <a:prstGeom prst="rightArrow">
+            <a:avLst/>
+          </a:prstGeom>
+        </p:spPr>
+        <p:style>
+          <a:lnRef idx="2">
+            <a:schemeClr val="accent1">
+              <a:shade val="50000"/>
+            </a:schemeClr>
+          </a:lnRef>
+          <a:fillRef idx="1">
+            <a:schemeClr val="accent1"/>
+          </a:fillRef>
+          <a:effectRef idx="0">
+            <a:schemeClr val="accent1"/>
+          </a:effectRef>
+          <a:fontRef idx="minor">
+            <a:schemeClr val="lt1"/>
+          </a:fontRef>
+        </p:style>
+        <p:txBody>
+          <a:bodyPr rtlCol="0" anchor="ctr"/>
+          <a:lstStyle/>
+          <a:p>
+            <a:pPr algn="ctr"/>
+            <a:r>
+              <a:rPr lang="en-IN" b="1" dirty="0"/>
+              <a:t>T1  Worker Thread</a:t>
+            </a:r>
+            <a:endParaRPr lang="en-US" b="1" dirty="0"/>
+          </a:p>
+        </p:txBody>
+      </p:sp>
+      <p:cxnSp>
+        <p:nvCxnSpPr>
+          <p:cNvPr id="10" name="Connector: Elbow 9">
+            <a:extLst>
+              <a:ext uri="{FF2B5EF4-FFF2-40B4-BE49-F238E27FC236}">
+                <a16:creationId xmlns:a16="http://schemas.microsoft.com/office/drawing/2014/main" id="{88A09ECB-7D96-1B1A-0FA9-58B4AFE5A399}"/>
+              </a:ext>
+            </a:extLst>
+          </p:cNvPr>
+          <p:cNvCxnSpPr>
+            <a:stCxn id="5" idx="1"/>
+            <a:endCxn id="8" idx="3"/>
+          </p:cNvCxnSpPr>
+          <p:nvPr/>
+        </p:nvCxnSpPr>
+        <p:spPr>
+          <a:xfrm rot="10800000" flipV="1">
+            <a:off x="6960638" y="788436"/>
+            <a:ext cx="2024743" cy="919065"/>
+          </a:xfrm>
+          <a:prstGeom prst="bentConnector3">
+            <a:avLst/>
+          </a:prstGeom>
+          <a:ln>
+            <a:tailEnd type="triangle"/>
+          </a:ln>
+        </p:spPr>
+        <p:style>
+          <a:lnRef idx="1">
+            <a:schemeClr val="accent1"/>
+          </a:lnRef>
+          <a:fillRef idx="0">
+            <a:schemeClr val="accent1"/>
+          </a:fillRef>
+          <a:effectRef idx="0">
+            <a:schemeClr val="accent1"/>
+          </a:effectRef>
+          <a:fontRef idx="minor">
+            <a:schemeClr val="tx1"/>
+          </a:fontRef>
+        </p:style>
+      </p:cxnSp>
+      <p:sp>
+        <p:nvSpPr>
+          <p:cNvPr id="11" name="Arrow: Right 10">
+            <a:extLst>
+              <a:ext uri="{FF2B5EF4-FFF2-40B4-BE49-F238E27FC236}">
+                <a16:creationId xmlns:a16="http://schemas.microsoft.com/office/drawing/2014/main" id="{9D3D1C70-9E07-C78E-4374-E65E7D8BD6E8}"/>
+              </a:ext>
+            </a:extLst>
+          </p:cNvPr>
+          <p:cNvSpPr/>
+          <p:nvPr/>
+        </p:nvSpPr>
+        <p:spPr>
+          <a:xfrm>
+            <a:off x="2906486" y="2586133"/>
+            <a:ext cx="4068147" cy="597160"/>
+          </a:xfrm>
+          <a:prstGeom prst="rightArrow">
+            <a:avLst/>
+          </a:prstGeom>
+        </p:spPr>
+        <p:style>
+          <a:lnRef idx="2">
+            <a:schemeClr val="accent1">
+              <a:shade val="50000"/>
+            </a:schemeClr>
+          </a:lnRef>
+          <a:fillRef idx="1">
+            <a:schemeClr val="accent1"/>
+          </a:fillRef>
+          <a:effectRef idx="0">
+            <a:schemeClr val="accent1"/>
+          </a:effectRef>
+          <a:fontRef idx="minor">
+            <a:schemeClr val="lt1"/>
+          </a:fontRef>
+        </p:style>
+        <p:txBody>
+          <a:bodyPr rtlCol="0" anchor="ctr"/>
+          <a:lstStyle/>
+          <a:p>
+            <a:pPr algn="ctr"/>
+            <a:r>
+              <a:rPr lang="en-IN" b="1" dirty="0"/>
+              <a:t>T2  Worker Thread</a:t>
+            </a:r>
+            <a:endParaRPr lang="en-US" b="1" dirty="0"/>
+          </a:p>
+        </p:txBody>
+      </p:sp>
+      <p:cxnSp>
+        <p:nvCxnSpPr>
+          <p:cNvPr id="13" name="Connector: Elbow 12">
+            <a:extLst>
+              <a:ext uri="{FF2B5EF4-FFF2-40B4-BE49-F238E27FC236}">
+                <a16:creationId xmlns:a16="http://schemas.microsoft.com/office/drawing/2014/main" id="{3138A5BD-347B-651C-7B57-CCC389991838}"/>
+              </a:ext>
+            </a:extLst>
+          </p:cNvPr>
+          <p:cNvCxnSpPr>
+            <a:cxnSpLocks/>
+            <a:stCxn id="6" idx="1"/>
+          </p:cNvCxnSpPr>
+          <p:nvPr/>
+        </p:nvCxnSpPr>
+        <p:spPr>
+          <a:xfrm rot="10800000">
+            <a:off x="6977744" y="2884716"/>
+            <a:ext cx="2007636" cy="544285"/>
+          </a:xfrm>
+          <a:prstGeom prst="bentConnector3">
+            <a:avLst/>
+          </a:prstGeom>
+          <a:ln>
+            <a:tailEnd type="triangle"/>
+          </a:ln>
+        </p:spPr>
+        <p:style>
+          <a:lnRef idx="1">
+            <a:schemeClr val="accent1"/>
+          </a:lnRef>
+          <a:fillRef idx="0">
+            <a:schemeClr val="accent1"/>
+          </a:fillRef>
+          <a:effectRef idx="0">
+            <a:schemeClr val="accent1"/>
+          </a:effectRef>
+          <a:fontRef idx="minor">
+            <a:schemeClr val="tx1"/>
+          </a:fontRef>
+        </p:style>
+      </p:cxnSp>
+      <p:sp>
+        <p:nvSpPr>
+          <p:cNvPr id="15" name="Rectangle: Rounded Corners 14">
+            <a:extLst>
+              <a:ext uri="{FF2B5EF4-FFF2-40B4-BE49-F238E27FC236}">
+                <a16:creationId xmlns:a16="http://schemas.microsoft.com/office/drawing/2014/main" id="{5DB1AA60-4B4B-D16B-44AF-C7E42E307F8B}"/>
+              </a:ext>
+            </a:extLst>
+          </p:cNvPr>
+          <p:cNvSpPr/>
+          <p:nvPr/>
+        </p:nvSpPr>
+        <p:spPr>
+          <a:xfrm>
+            <a:off x="1231641" y="3909526"/>
+            <a:ext cx="3359020" cy="1987421"/>
+          </a:xfrm>
+          <a:prstGeom prst="roundRect">
+            <a:avLst/>
+          </a:prstGeom>
+        </p:spPr>
+        <p:style>
+          <a:lnRef idx="2">
+            <a:schemeClr val="accent1">
+              <a:shade val="50000"/>
+            </a:schemeClr>
+          </a:lnRef>
+          <a:fillRef idx="1">
+            <a:schemeClr val="accent1"/>
+          </a:fillRef>
+          <a:effectRef idx="0">
+            <a:schemeClr val="accent1"/>
+          </a:effectRef>
+          <a:fontRef idx="minor">
+            <a:schemeClr val="lt1"/>
+          </a:fontRef>
+        </p:style>
+        <p:txBody>
+          <a:bodyPr rtlCol="0" anchor="ctr"/>
+          <a:lstStyle/>
+          <a:p>
+            <a:pPr algn="ctr"/>
+            <a:r>
+              <a:rPr lang="en-IN" b="1" dirty="0"/>
+              <a:t>Some Logic on Main Thread</a:t>
+            </a:r>
+            <a:endParaRPr lang="en-US" b="1" dirty="0"/>
+          </a:p>
+        </p:txBody>
+      </p:sp>
+      <p:cxnSp>
+        <p:nvCxnSpPr>
+          <p:cNvPr id="17" name="Connector: Elbow 16">
+            <a:extLst>
+              <a:ext uri="{FF2B5EF4-FFF2-40B4-BE49-F238E27FC236}">
+                <a16:creationId xmlns:a16="http://schemas.microsoft.com/office/drawing/2014/main" id="{4D89B812-A928-FD8E-64FD-89D0DD94058C}"/>
+              </a:ext>
+            </a:extLst>
+          </p:cNvPr>
+          <p:cNvCxnSpPr/>
+          <p:nvPr/>
+        </p:nvCxnSpPr>
+        <p:spPr>
+          <a:xfrm>
+            <a:off x="942392" y="1408922"/>
+            <a:ext cx="1950098" cy="298579"/>
+          </a:xfrm>
+          <a:prstGeom prst="bentConnector3">
+            <a:avLst/>
+          </a:prstGeom>
+          <a:ln>
+            <a:tailEnd type="triangle"/>
+          </a:ln>
+        </p:spPr>
+        <p:style>
+          <a:lnRef idx="1">
+            <a:schemeClr val="accent1"/>
+          </a:lnRef>
+          <a:fillRef idx="0">
+            <a:schemeClr val="accent1"/>
+          </a:fillRef>
+          <a:effectRef idx="0">
+            <a:schemeClr val="accent1"/>
+          </a:effectRef>
+          <a:fontRef idx="minor">
+            <a:schemeClr val="tx1"/>
+          </a:fontRef>
+        </p:style>
+      </p:cxnSp>
+      <p:sp>
+        <p:nvSpPr>
+          <p:cNvPr id="18" name="TextBox 17">
+            <a:extLst>
+              <a:ext uri="{FF2B5EF4-FFF2-40B4-BE49-F238E27FC236}">
+                <a16:creationId xmlns:a16="http://schemas.microsoft.com/office/drawing/2014/main" id="{1821262A-8B7B-3ADE-261D-2114CE272B55}"/>
+              </a:ext>
+            </a:extLst>
+          </p:cNvPr>
+          <p:cNvSpPr txBox="1"/>
+          <p:nvPr/>
+        </p:nvSpPr>
+        <p:spPr>
+          <a:xfrm>
+            <a:off x="1231641" y="779879"/>
+            <a:ext cx="1464906" cy="369332"/>
+          </a:xfrm>
+          <a:prstGeom prst="rect">
+            <a:avLst/>
+          </a:prstGeom>
+          <a:noFill/>
+        </p:spPr>
+        <p:txBody>
+          <a:bodyPr wrap="square" rtlCol="0">
+            <a:spAutoFit/>
+          </a:bodyPr>
+          <a:lstStyle/>
+          <a:p>
+            <a:r>
+              <a:rPr lang="en-IN" dirty="0"/>
+              <a:t>Start with T1</a:t>
+            </a:r>
+            <a:endParaRPr lang="en-US" dirty="0"/>
+          </a:p>
+        </p:txBody>
+      </p:sp>
+      <p:sp>
+        <p:nvSpPr>
+          <p:cNvPr id="19" name="TextBox 18">
+            <a:extLst>
+              <a:ext uri="{FF2B5EF4-FFF2-40B4-BE49-F238E27FC236}">
+                <a16:creationId xmlns:a16="http://schemas.microsoft.com/office/drawing/2014/main" id="{B681D5A8-3424-6FA7-BF30-E9CEF8129595}"/>
+              </a:ext>
+            </a:extLst>
+          </p:cNvPr>
+          <p:cNvSpPr txBox="1"/>
+          <p:nvPr/>
+        </p:nvSpPr>
+        <p:spPr>
+          <a:xfrm>
+            <a:off x="5906278" y="186612"/>
+            <a:ext cx="1735493" cy="1200329"/>
+          </a:xfrm>
+          <a:prstGeom prst="rect">
+            <a:avLst/>
+          </a:prstGeom>
+          <a:noFill/>
+        </p:spPr>
+        <p:txBody>
+          <a:bodyPr wrap="square" rtlCol="0">
+            <a:spAutoFit/>
+          </a:bodyPr>
+          <a:lstStyle/>
+          <a:p>
+            <a:r>
+              <a:rPr lang="en-IN" dirty="0"/>
+              <a:t>CLR will Allocate A Thread for Increment and start execution</a:t>
+            </a:r>
+            <a:endParaRPr lang="en-US" dirty="0"/>
+          </a:p>
+        </p:txBody>
+      </p:sp>
+      <p:cxnSp>
+        <p:nvCxnSpPr>
+          <p:cNvPr id="21" name="Connector: Elbow 20">
+            <a:extLst>
+              <a:ext uri="{FF2B5EF4-FFF2-40B4-BE49-F238E27FC236}">
+                <a16:creationId xmlns:a16="http://schemas.microsoft.com/office/drawing/2014/main" id="{6FF7D9B0-7F5D-18E2-D0A6-46F7B827B8A7}"/>
+              </a:ext>
+            </a:extLst>
+          </p:cNvPr>
+          <p:cNvCxnSpPr>
+            <a:endCxn id="11" idx="1"/>
+          </p:cNvCxnSpPr>
+          <p:nvPr/>
+        </p:nvCxnSpPr>
+        <p:spPr>
+          <a:xfrm>
+            <a:off x="1082351" y="2425959"/>
+            <a:ext cx="1824135" cy="458754"/>
+          </a:xfrm>
+          <a:prstGeom prst="bentConnector3">
+            <a:avLst/>
+          </a:prstGeom>
+          <a:ln>
+            <a:tailEnd type="triangle"/>
+          </a:ln>
+        </p:spPr>
+        <p:style>
+          <a:lnRef idx="1">
+            <a:schemeClr val="accent1"/>
+          </a:lnRef>
+          <a:fillRef idx="0">
+            <a:schemeClr val="accent1"/>
+          </a:fillRef>
+          <a:effectRef idx="0">
+            <a:schemeClr val="accent1"/>
+          </a:effectRef>
+          <a:fontRef idx="minor">
+            <a:schemeClr val="tx1"/>
+          </a:fontRef>
+        </p:style>
+      </p:cxnSp>
+      <p:sp>
+        <p:nvSpPr>
+          <p:cNvPr id="22" name="TextBox 21">
+            <a:extLst>
+              <a:ext uri="{FF2B5EF4-FFF2-40B4-BE49-F238E27FC236}">
+                <a16:creationId xmlns:a16="http://schemas.microsoft.com/office/drawing/2014/main" id="{BB90481C-ED2E-FB59-0C07-265F20ABC8A3}"/>
+              </a:ext>
+            </a:extLst>
+          </p:cNvPr>
+          <p:cNvSpPr txBox="1"/>
+          <p:nvPr/>
+        </p:nvSpPr>
+        <p:spPr>
+          <a:xfrm>
+            <a:off x="6179977" y="3203508"/>
+            <a:ext cx="1735493" cy="1200329"/>
+          </a:xfrm>
+          <a:prstGeom prst="rect">
+            <a:avLst/>
+          </a:prstGeom>
+          <a:noFill/>
+        </p:spPr>
+        <p:txBody>
+          <a:bodyPr wrap="square" rtlCol="0">
+            <a:spAutoFit/>
+          </a:bodyPr>
+          <a:lstStyle/>
+          <a:p>
+            <a:r>
+              <a:rPr lang="en-IN" dirty="0"/>
+              <a:t>CLR will Allocate A Thread for Decrement and start execution</a:t>
+            </a:r>
+            <a:endParaRPr lang="en-US" dirty="0"/>
+          </a:p>
+        </p:txBody>
+      </p:sp>
+      <p:sp>
+        <p:nvSpPr>
+          <p:cNvPr id="23" name="Arrow: Down 22">
+            <a:extLst>
+              <a:ext uri="{FF2B5EF4-FFF2-40B4-BE49-F238E27FC236}">
+                <a16:creationId xmlns:a16="http://schemas.microsoft.com/office/drawing/2014/main" id="{0A077DF3-DE59-3D44-97B2-9851267DFCBF}"/>
+              </a:ext>
+            </a:extLst>
+          </p:cNvPr>
+          <p:cNvSpPr/>
+          <p:nvPr/>
+        </p:nvSpPr>
+        <p:spPr>
+          <a:xfrm>
+            <a:off x="727787" y="1386939"/>
+            <a:ext cx="387221" cy="5060513"/>
+          </a:xfrm>
+          <a:prstGeom prst="downArrow">
+            <a:avLst/>
+          </a:prstGeom>
+        </p:spPr>
+        <p:style>
+          <a:lnRef idx="2">
+            <a:schemeClr val="accent1">
+              <a:shade val="50000"/>
+            </a:schemeClr>
+          </a:lnRef>
+          <a:fillRef idx="1">
+            <a:schemeClr val="accent1"/>
+          </a:fillRef>
+          <a:effectRef idx="0">
+            <a:schemeClr val="accent1"/>
+          </a:effectRef>
+          <a:fontRef idx="minor">
+            <a:schemeClr val="lt1"/>
+          </a:fontRef>
+        </p:style>
+        <p:txBody>
+          <a:bodyPr rtlCol="0" anchor="ctr"/>
+          <a:lstStyle/>
+          <a:p>
+            <a:pPr algn="ctr"/>
+            <a:r>
+              <a:rPr lang="en-IN" dirty="0"/>
+              <a:t>C</a:t>
+            </a:r>
+          </a:p>
+          <a:p>
+            <a:pPr algn="ctr"/>
+            <a:r>
+              <a:rPr lang="en-IN" dirty="0"/>
+              <a:t>O</a:t>
+            </a:r>
+          </a:p>
+          <a:p>
+            <a:pPr algn="ctr"/>
+            <a:r>
+              <a:rPr lang="en-IN" dirty="0"/>
+              <a:t>N</a:t>
+            </a:r>
+          </a:p>
+          <a:p>
+            <a:pPr algn="ctr"/>
+            <a:r>
+              <a:rPr lang="en-IN" dirty="0"/>
+              <a:t>T</a:t>
+            </a:r>
+          </a:p>
+          <a:p>
+            <a:pPr algn="ctr"/>
+            <a:r>
+              <a:rPr lang="en-IN" dirty="0"/>
+              <a:t>I</a:t>
+            </a:r>
+          </a:p>
+          <a:p>
+            <a:pPr algn="ctr"/>
+            <a:r>
+              <a:rPr lang="en-IN" dirty="0"/>
+              <a:t>N</a:t>
+            </a:r>
+          </a:p>
+          <a:p>
+            <a:pPr algn="ctr"/>
+            <a:r>
+              <a:rPr lang="en-IN" dirty="0"/>
+              <a:t>U</a:t>
+            </a:r>
+          </a:p>
+          <a:p>
+            <a:pPr algn="ctr"/>
+            <a:r>
+              <a:rPr lang="en-IN" dirty="0"/>
+              <a:t>E</a:t>
+            </a:r>
+          </a:p>
+          <a:p>
+            <a:pPr algn="ctr"/>
+            <a:endParaRPr lang="en-IN" dirty="0"/>
+          </a:p>
+          <a:p>
+            <a:pPr algn="ctr"/>
+            <a:endParaRPr lang="en-IN" dirty="0"/>
+          </a:p>
+          <a:p>
+            <a:pPr algn="ctr"/>
+            <a:r>
+              <a:rPr lang="en-IN" dirty="0"/>
+              <a:t>E</a:t>
+            </a:r>
+          </a:p>
+          <a:p>
+            <a:pPr algn="ctr"/>
+            <a:r>
+              <a:rPr lang="en-IN" dirty="0"/>
+              <a:t>XE</a:t>
+            </a:r>
+          </a:p>
+          <a:p>
+            <a:pPr algn="ctr"/>
+            <a:r>
+              <a:rPr lang="en-IN" dirty="0"/>
+              <a:t>C</a:t>
+            </a:r>
+            <a:endParaRPr lang="en-US" dirty="0"/>
+          </a:p>
+        </p:txBody>
+      </p:sp>
+      <p:sp>
+        <p:nvSpPr>
+          <p:cNvPr id="26" name="Arrow: Curved Up 25">
+            <a:extLst>
+              <a:ext uri="{FF2B5EF4-FFF2-40B4-BE49-F238E27FC236}">
+                <a16:creationId xmlns:a16="http://schemas.microsoft.com/office/drawing/2014/main" id="{9E2D731C-4BAF-C456-A9B0-0775B02AD264}"/>
+              </a:ext>
+            </a:extLst>
+          </p:cNvPr>
+          <p:cNvSpPr/>
+          <p:nvPr/>
+        </p:nvSpPr>
+        <p:spPr>
+          <a:xfrm>
+            <a:off x="1838131" y="1800808"/>
+            <a:ext cx="1343608" cy="632926"/>
+          </a:xfrm>
+          <a:prstGeom prst="curvedUpArrow">
+            <a:avLst/>
+          </a:prstGeom>
+          <a:solidFill>
+            <a:schemeClr val="tx2">
+              <a:lumMod val="75000"/>
+            </a:schemeClr>
+          </a:solidFill>
+        </p:spPr>
+        <p:style>
+          <a:lnRef idx="2">
+            <a:schemeClr val="accent1">
+              <a:shade val="50000"/>
+            </a:schemeClr>
+          </a:lnRef>
+          <a:fillRef idx="1">
+            <a:schemeClr val="accent1"/>
+          </a:fillRef>
+          <a:effectRef idx="0">
+            <a:schemeClr val="accent1"/>
+          </a:effectRef>
+          <a:fontRef idx="minor">
+            <a:schemeClr val="lt1"/>
+          </a:fontRef>
+        </p:style>
+        <p:txBody>
+          <a:bodyPr rtlCol="0" anchor="ctr"/>
+          <a:lstStyle/>
+          <a:p>
+            <a:pPr algn="ctr"/>
+            <a:endParaRPr lang="en-US">
+              <a:solidFill>
+                <a:schemeClr val="tx1"/>
+              </a:solidFill>
+            </a:endParaRPr>
+          </a:p>
+        </p:txBody>
+      </p:sp>
+      <p:sp>
+        <p:nvSpPr>
+          <p:cNvPr id="27" name="Arrow: Curved Up 26">
+            <a:extLst>
+              <a:ext uri="{FF2B5EF4-FFF2-40B4-BE49-F238E27FC236}">
+                <a16:creationId xmlns:a16="http://schemas.microsoft.com/office/drawing/2014/main" id="{BE8834C8-A611-BA1F-9FD7-2D2F3272FB99}"/>
+              </a:ext>
+            </a:extLst>
+          </p:cNvPr>
+          <p:cNvSpPr/>
+          <p:nvPr/>
+        </p:nvSpPr>
+        <p:spPr>
+          <a:xfrm>
+            <a:off x="1979645" y="3030895"/>
+            <a:ext cx="1343608" cy="632926"/>
+          </a:xfrm>
+          <a:prstGeom prst="curvedUpArrow">
+            <a:avLst/>
+          </a:prstGeom>
+          <a:solidFill>
+            <a:schemeClr val="tx2">
+              <a:lumMod val="75000"/>
+            </a:schemeClr>
+          </a:solidFill>
+        </p:spPr>
+        <p:style>
+          <a:lnRef idx="2">
+            <a:schemeClr val="accent1">
+              <a:shade val="50000"/>
+            </a:schemeClr>
+          </a:lnRef>
+          <a:fillRef idx="1">
+            <a:schemeClr val="accent1"/>
+          </a:fillRef>
+          <a:effectRef idx="0">
+            <a:schemeClr val="accent1"/>
+          </a:effectRef>
+          <a:fontRef idx="minor">
+            <a:schemeClr val="lt1"/>
+          </a:fontRef>
+        </p:style>
+        <p:txBody>
+          <a:bodyPr rtlCol="0" anchor="ctr"/>
+          <a:lstStyle/>
+          <a:p>
+            <a:pPr algn="ctr"/>
+            <a:endParaRPr lang="en-US">
+              <a:solidFill>
+                <a:schemeClr val="tx1"/>
+              </a:solidFill>
+            </a:endParaRPr>
+          </a:p>
+        </p:txBody>
+      </p:sp>
+      <p:sp>
+        <p:nvSpPr>
+          <p:cNvPr id="28" name="TextBox 27">
+            <a:extLst>
+              <a:ext uri="{FF2B5EF4-FFF2-40B4-BE49-F238E27FC236}">
+                <a16:creationId xmlns:a16="http://schemas.microsoft.com/office/drawing/2014/main" id="{78327580-ABFB-8682-1C90-8353B0149C38}"/>
+              </a:ext>
+            </a:extLst>
+          </p:cNvPr>
+          <p:cNvSpPr txBox="1"/>
+          <p:nvPr/>
+        </p:nvSpPr>
+        <p:spPr>
+          <a:xfrm>
+            <a:off x="3181739" y="2006082"/>
+            <a:ext cx="1903445" cy="646331"/>
+          </a:xfrm>
+          <a:prstGeom prst="rect">
+            <a:avLst/>
+          </a:prstGeom>
+          <a:noFill/>
+        </p:spPr>
+        <p:txBody>
+          <a:bodyPr wrap="square" rtlCol="0">
+            <a:spAutoFit/>
+          </a:bodyPr>
+          <a:lstStyle/>
+          <a:p>
+            <a:r>
+              <a:rPr lang="en-IN" dirty="0"/>
+              <a:t>Monitor Execution</a:t>
+            </a:r>
+            <a:endParaRPr lang="en-US" dirty="0"/>
+          </a:p>
+        </p:txBody>
+      </p:sp>
+      <p:sp>
+        <p:nvSpPr>
+          <p:cNvPr id="29" name="TextBox 28">
+            <a:extLst>
+              <a:ext uri="{FF2B5EF4-FFF2-40B4-BE49-F238E27FC236}">
+                <a16:creationId xmlns:a16="http://schemas.microsoft.com/office/drawing/2014/main" id="{5E2B663C-F4EA-E326-65C1-A9B7ECA832E1}"/>
+              </a:ext>
+            </a:extLst>
+          </p:cNvPr>
+          <p:cNvSpPr txBox="1"/>
+          <p:nvPr/>
+        </p:nvSpPr>
+        <p:spPr>
+          <a:xfrm>
+            <a:off x="3097763" y="3238609"/>
+            <a:ext cx="1903445" cy="646331"/>
+          </a:xfrm>
+          <a:prstGeom prst="rect">
+            <a:avLst/>
+          </a:prstGeom>
+          <a:noFill/>
+        </p:spPr>
+        <p:txBody>
+          <a:bodyPr wrap="square" rtlCol="0">
+            <a:spAutoFit/>
+          </a:bodyPr>
+          <a:lstStyle/>
+          <a:p>
+            <a:r>
+              <a:rPr lang="en-IN" dirty="0"/>
+              <a:t>Monitor Execution</a:t>
+            </a:r>
+            <a:endParaRPr lang="en-US" dirty="0"/>
+          </a:p>
+        </p:txBody>
+      </p:sp>
+      <p:sp>
+        <p:nvSpPr>
+          <p:cNvPr id="30" name="TextBox 29">
+            <a:extLst>
+              <a:ext uri="{FF2B5EF4-FFF2-40B4-BE49-F238E27FC236}">
+                <a16:creationId xmlns:a16="http://schemas.microsoft.com/office/drawing/2014/main" id="{787C69D1-BFEE-915F-6450-AA3985B8DE92}"/>
+              </a:ext>
+            </a:extLst>
+          </p:cNvPr>
+          <p:cNvSpPr txBox="1"/>
+          <p:nvPr/>
+        </p:nvSpPr>
+        <p:spPr>
+          <a:xfrm>
+            <a:off x="5808306" y="1369077"/>
+            <a:ext cx="1483568" cy="646331"/>
+          </a:xfrm>
+          <a:prstGeom prst="rect">
+            <a:avLst/>
+          </a:prstGeom>
+          <a:noFill/>
+        </p:spPr>
+        <p:txBody>
+          <a:bodyPr wrap="square" rtlCol="0">
+            <a:spAutoFit/>
+          </a:bodyPr>
+          <a:lstStyle/>
+          <a:p>
+            <a:r>
+              <a:rPr lang="en-IN" dirty="0">
+                <a:solidFill>
+                  <a:srgbClr val="FF0000"/>
+                </a:solidFill>
+              </a:rPr>
+              <a:t>Priority Thread</a:t>
+            </a:r>
+            <a:endParaRPr lang="en-US" dirty="0">
+              <a:solidFill>
+                <a:srgbClr val="FF0000"/>
+              </a:solidFill>
+            </a:endParaRPr>
+          </a:p>
+        </p:txBody>
+      </p:sp>
+      <p:sp>
+        <p:nvSpPr>
+          <p:cNvPr id="31" name="TextBox 30">
+            <a:extLst>
+              <a:ext uri="{FF2B5EF4-FFF2-40B4-BE49-F238E27FC236}">
+                <a16:creationId xmlns:a16="http://schemas.microsoft.com/office/drawing/2014/main" id="{4FF19720-969A-5844-45F0-35384E64A333}"/>
+              </a:ext>
+            </a:extLst>
+          </p:cNvPr>
+          <p:cNvSpPr txBox="1"/>
+          <p:nvPr/>
+        </p:nvSpPr>
+        <p:spPr>
+          <a:xfrm>
+            <a:off x="4700296" y="2948473"/>
+            <a:ext cx="1483568" cy="646331"/>
+          </a:xfrm>
+          <a:prstGeom prst="rect">
+            <a:avLst/>
+          </a:prstGeom>
+          <a:noFill/>
+        </p:spPr>
+        <p:txBody>
+          <a:bodyPr wrap="square" rtlCol="0">
+            <a:spAutoFit/>
+          </a:bodyPr>
+          <a:lstStyle/>
+          <a:p>
+            <a:r>
+              <a:rPr lang="en-IN" dirty="0">
+                <a:solidFill>
+                  <a:srgbClr val="FF0000"/>
+                </a:solidFill>
+              </a:rPr>
+              <a:t>Abort Conditionally</a:t>
+            </a:r>
+            <a:endParaRPr lang="en-US" dirty="0">
+              <a:solidFill>
+                <a:srgbClr val="FF0000"/>
+              </a:solidFill>
+            </a:endParaRPr>
+          </a:p>
+        </p:txBody>
+      </p:sp>
+    </p:spTree>
+    <p:extLst>
+      <p:ext uri="{BB962C8B-B14F-4D97-AF65-F5344CB8AC3E}">
+        <p14:creationId xmlns:p14="http://schemas.microsoft.com/office/powerpoint/2010/main" val="2702437303"/>
+      </p:ext>
+    </p:extLst>
+  </p:cSld>
+  <p:clrMapOvr>
+    <a:masterClrMapping/>
+  </p:clrMapOvr>
+</p:sld>
+</file>
+
+<file path=ppt/slides/slide18.xml><?xml version="1.0" encoding="utf-8"?>
+<p:sld xmlns:a="http://schemas.openxmlformats.org/drawingml/2006/main" xmlns:r="http://schemas.openxmlformats.org/officeDocument/2006/relationships" xmlns:p="http://schemas.openxmlformats.org/presentationml/2006/main">
+  <p:cSld>
+    <p:spTree>
+      <p:nvGrpSpPr>
+        <p:cNvPr id="1" name=""/>
+        <p:cNvGrpSpPr/>
+        <p:nvPr/>
+      </p:nvGrpSpPr>
+      <p:grpSpPr>
+        <a:xfrm>
+          <a:off x="0" y="0"/>
+          <a:ext cx="0" cy="0"/>
+          <a:chOff x="0" y="0"/>
+          <a:chExt cx="0" cy="0"/>
+        </a:xfrm>
+      </p:grpSpPr>
+      <p:sp>
+        <p:nvSpPr>
+          <p:cNvPr id="2" name="TextBox 1">
+            <a:extLst>
+              <a:ext uri="{FF2B5EF4-FFF2-40B4-BE49-F238E27FC236}">
+                <a16:creationId xmlns:a16="http://schemas.microsoft.com/office/drawing/2014/main" id="{F86D8008-9601-4337-E222-22D96529C63E}"/>
+              </a:ext>
+            </a:extLst>
+          </p:cNvPr>
+          <p:cNvSpPr txBox="1"/>
+          <p:nvPr/>
+        </p:nvSpPr>
+        <p:spPr>
+          <a:xfrm>
+            <a:off x="167951" y="130629"/>
+            <a:ext cx="2845837" cy="369332"/>
+          </a:xfrm>
+          <a:prstGeom prst="rect">
+            <a:avLst/>
+          </a:prstGeom>
+          <a:noFill/>
+        </p:spPr>
+        <p:txBody>
+          <a:bodyPr wrap="square" rtlCol="0">
+            <a:spAutoFit/>
+          </a:bodyPr>
+          <a:lstStyle/>
+          <a:p>
+            <a:r>
+              <a:rPr lang="en-IN" dirty="0" err="1"/>
+              <a:t>MultipleTasks</a:t>
+            </a:r>
+            <a:endParaRPr lang="en-US" dirty="0"/>
+          </a:p>
+        </p:txBody>
+      </p:sp>
+      <p:sp>
+        <p:nvSpPr>
+          <p:cNvPr id="8" name="Rectangle 7">
+            <a:extLst>
+              <a:ext uri="{FF2B5EF4-FFF2-40B4-BE49-F238E27FC236}">
+                <a16:creationId xmlns:a16="http://schemas.microsoft.com/office/drawing/2014/main" id="{F3A74494-3BE9-78AC-3779-FC685505AB1C}"/>
+              </a:ext>
+            </a:extLst>
+          </p:cNvPr>
+          <p:cNvSpPr/>
+          <p:nvPr/>
+        </p:nvSpPr>
+        <p:spPr>
+          <a:xfrm>
+            <a:off x="1035698" y="765110"/>
+            <a:ext cx="10916816" cy="5878286"/>
+          </a:xfrm>
+          <a:prstGeom prst="rect">
+            <a:avLst/>
+          </a:prstGeom>
+        </p:spPr>
+        <p:style>
+          <a:lnRef idx="2">
+            <a:schemeClr val="accent3"/>
+          </a:lnRef>
+          <a:fillRef idx="1">
+            <a:schemeClr val="lt1"/>
+          </a:fillRef>
+          <a:effectRef idx="0">
+            <a:schemeClr val="accent3"/>
+          </a:effectRef>
+          <a:fontRef idx="minor">
+            <a:schemeClr val="dk1"/>
+          </a:fontRef>
+        </p:style>
+        <p:txBody>
+          <a:bodyPr rtlCol="0" anchor="ctr"/>
+          <a:lstStyle/>
+          <a:p>
+            <a:pPr algn="ctr"/>
+            <a:endParaRPr lang="en-US"/>
+          </a:p>
+        </p:txBody>
+      </p:sp>
+      <p:sp>
+        <p:nvSpPr>
+          <p:cNvPr id="9" name="TextBox 8">
+            <a:extLst>
+              <a:ext uri="{FF2B5EF4-FFF2-40B4-BE49-F238E27FC236}">
+                <a16:creationId xmlns:a16="http://schemas.microsoft.com/office/drawing/2014/main" id="{52B3E878-6568-AAC8-7361-F04B8F5A8287}"/>
+              </a:ext>
+            </a:extLst>
+          </p:cNvPr>
+          <p:cNvSpPr txBox="1"/>
+          <p:nvPr/>
+        </p:nvSpPr>
+        <p:spPr>
+          <a:xfrm>
+            <a:off x="8164286" y="867747"/>
+            <a:ext cx="3701143" cy="646331"/>
+          </a:xfrm>
+          <a:prstGeom prst="rect">
+            <a:avLst/>
+          </a:prstGeom>
+          <a:noFill/>
+        </p:spPr>
+        <p:txBody>
+          <a:bodyPr wrap="square" rtlCol="0">
+            <a:spAutoFit/>
+          </a:bodyPr>
+          <a:lstStyle/>
+          <a:p>
+            <a:r>
+              <a:rPr lang="en-IN" dirty="0"/>
+              <a:t>.NET App Executing Process i.e. CLR or dotnet.exe</a:t>
+            </a:r>
+            <a:endParaRPr lang="en-US" dirty="0"/>
+          </a:p>
+        </p:txBody>
+      </p:sp>
+      <p:sp>
+        <p:nvSpPr>
+          <p:cNvPr id="10" name="Arrow: Down 9">
+            <a:extLst>
+              <a:ext uri="{FF2B5EF4-FFF2-40B4-BE49-F238E27FC236}">
+                <a16:creationId xmlns:a16="http://schemas.microsoft.com/office/drawing/2014/main" id="{03AF230C-FE1B-D495-1AA4-28FDC93603CE}"/>
+              </a:ext>
+            </a:extLst>
+          </p:cNvPr>
+          <p:cNvSpPr/>
+          <p:nvPr/>
+        </p:nvSpPr>
+        <p:spPr>
+          <a:xfrm>
+            <a:off x="326571" y="709127"/>
+            <a:ext cx="709127" cy="5896946"/>
+          </a:xfrm>
+          <a:prstGeom prst="downArrow">
+            <a:avLst/>
+          </a:prstGeom>
+        </p:spPr>
+        <p:style>
+          <a:lnRef idx="2">
+            <a:schemeClr val="accent1">
+              <a:shade val="50000"/>
+            </a:schemeClr>
+          </a:lnRef>
+          <a:fillRef idx="1">
+            <a:schemeClr val="accent1"/>
+          </a:fillRef>
+          <a:effectRef idx="0">
+            <a:schemeClr val="accent1"/>
+          </a:effectRef>
+          <a:fontRef idx="minor">
+            <a:schemeClr val="lt1"/>
+          </a:fontRef>
+        </p:style>
+        <p:txBody>
+          <a:bodyPr rtlCol="0" anchor="ctr"/>
+          <a:lstStyle/>
+          <a:p>
+            <a:pPr algn="ctr"/>
+            <a:r>
+              <a:rPr lang="en-IN" dirty="0"/>
+              <a:t>M</a:t>
+            </a:r>
+          </a:p>
+          <a:p>
+            <a:pPr algn="ctr"/>
+            <a:r>
+              <a:rPr lang="en-IN" dirty="0"/>
+              <a:t>A</a:t>
+            </a:r>
+          </a:p>
+          <a:p>
+            <a:pPr algn="ctr"/>
+            <a:r>
+              <a:rPr lang="en-IN" dirty="0"/>
+              <a:t>I</a:t>
+            </a:r>
+          </a:p>
+          <a:p>
+            <a:pPr algn="ctr"/>
+            <a:r>
+              <a:rPr lang="en-IN" dirty="0"/>
+              <a:t>N</a:t>
+            </a:r>
+          </a:p>
+          <a:p>
+            <a:pPr algn="ctr"/>
+            <a:endParaRPr lang="en-IN" dirty="0"/>
+          </a:p>
+          <a:p>
+            <a:pPr algn="ctr"/>
+            <a:r>
+              <a:rPr lang="en-IN" dirty="0"/>
+              <a:t>T</a:t>
+            </a:r>
+          </a:p>
+          <a:p>
+            <a:pPr algn="ctr"/>
+            <a:r>
+              <a:rPr lang="en-IN" dirty="0"/>
+              <a:t>H</a:t>
+            </a:r>
+          </a:p>
+          <a:p>
+            <a:pPr algn="ctr"/>
+            <a:r>
+              <a:rPr lang="en-IN" dirty="0"/>
+              <a:t>R</a:t>
+            </a:r>
+          </a:p>
+          <a:p>
+            <a:pPr algn="ctr"/>
+            <a:r>
+              <a:rPr lang="en-IN" dirty="0"/>
+              <a:t>E</a:t>
+            </a:r>
+          </a:p>
+          <a:p>
+            <a:pPr algn="ctr"/>
+            <a:r>
+              <a:rPr lang="en-IN" dirty="0"/>
+              <a:t>A</a:t>
+            </a:r>
+          </a:p>
+          <a:p>
+            <a:pPr algn="ctr"/>
+            <a:r>
+              <a:rPr lang="en-IN" dirty="0"/>
+              <a:t>D</a:t>
+            </a:r>
+            <a:endParaRPr lang="en-US" dirty="0"/>
+          </a:p>
+        </p:txBody>
+      </p:sp>
+      <p:sp>
+        <p:nvSpPr>
+          <p:cNvPr id="11" name="Rectangle 10">
+            <a:extLst>
+              <a:ext uri="{FF2B5EF4-FFF2-40B4-BE49-F238E27FC236}">
+                <a16:creationId xmlns:a16="http://schemas.microsoft.com/office/drawing/2014/main" id="{F8DD9417-485E-2691-F08F-5CD148A94B98}"/>
+              </a:ext>
+            </a:extLst>
+          </p:cNvPr>
+          <p:cNvSpPr/>
+          <p:nvPr/>
+        </p:nvSpPr>
+        <p:spPr>
+          <a:xfrm>
+            <a:off x="1287623" y="1134442"/>
+            <a:ext cx="5589037" cy="4697191"/>
+          </a:xfrm>
+          <a:prstGeom prst="rect">
+            <a:avLst/>
+          </a:prstGeom>
+          <a:solidFill>
+            <a:schemeClr val="accent2">
+              <a:lumMod val="60000"/>
+              <a:lumOff val="40000"/>
+            </a:schemeClr>
+          </a:solidFill>
+        </p:spPr>
+        <p:style>
+          <a:lnRef idx="2">
+            <a:schemeClr val="accent1">
+              <a:shade val="50000"/>
+            </a:schemeClr>
+          </a:lnRef>
+          <a:fillRef idx="1">
+            <a:schemeClr val="accent1"/>
+          </a:fillRef>
+          <a:effectRef idx="0">
+            <a:schemeClr val="accent1"/>
+          </a:effectRef>
+          <a:fontRef idx="minor">
+            <a:schemeClr val="lt1"/>
+          </a:fontRef>
+        </p:style>
+        <p:txBody>
+          <a:bodyPr rtlCol="0" anchor="ctr"/>
+          <a:lstStyle/>
+          <a:p>
+            <a:pPr algn="ctr"/>
+            <a:endParaRPr lang="en-US"/>
+          </a:p>
+        </p:txBody>
+      </p:sp>
+      <p:sp>
+        <p:nvSpPr>
+          <p:cNvPr id="12" name="TextBox 11">
+            <a:extLst>
+              <a:ext uri="{FF2B5EF4-FFF2-40B4-BE49-F238E27FC236}">
+                <a16:creationId xmlns:a16="http://schemas.microsoft.com/office/drawing/2014/main" id="{776CF0E3-171C-DC0B-DA18-F04D46ED7ECD}"/>
+              </a:ext>
+            </a:extLst>
+          </p:cNvPr>
+          <p:cNvSpPr txBox="1"/>
+          <p:nvPr/>
+        </p:nvSpPr>
+        <p:spPr>
+          <a:xfrm>
+            <a:off x="1287624" y="1212980"/>
+            <a:ext cx="3442996" cy="369332"/>
+          </a:xfrm>
+          <a:prstGeom prst="rect">
+            <a:avLst/>
+          </a:prstGeom>
+          <a:noFill/>
+        </p:spPr>
+        <p:txBody>
+          <a:bodyPr wrap="square" rtlCol="0">
+            <a:spAutoFit/>
+          </a:bodyPr>
+          <a:lstStyle/>
+          <a:p>
+            <a:pPr algn="ctr"/>
+            <a:r>
+              <a:rPr lang="en-IN" b="1" dirty="0" err="1"/>
+              <a:t>AddDomain</a:t>
+            </a:r>
+            <a:endParaRPr lang="en-US" b="1" dirty="0"/>
+          </a:p>
+        </p:txBody>
+      </p:sp>
+      <p:sp>
+        <p:nvSpPr>
+          <p:cNvPr id="13" name="Rectangle 12">
+            <a:extLst>
+              <a:ext uri="{FF2B5EF4-FFF2-40B4-BE49-F238E27FC236}">
+                <a16:creationId xmlns:a16="http://schemas.microsoft.com/office/drawing/2014/main" id="{C1C91A8B-1227-485D-83BA-7A0C6010DD5B}"/>
+              </a:ext>
+            </a:extLst>
+          </p:cNvPr>
+          <p:cNvSpPr/>
+          <p:nvPr/>
+        </p:nvSpPr>
+        <p:spPr>
+          <a:xfrm>
+            <a:off x="1707503" y="2256062"/>
+            <a:ext cx="1222310" cy="3004457"/>
+          </a:xfrm>
+          <a:prstGeom prst="rect">
+            <a:avLst/>
+          </a:prstGeom>
+        </p:spPr>
+        <p:style>
+          <a:lnRef idx="2">
+            <a:schemeClr val="accent1">
+              <a:shade val="50000"/>
+            </a:schemeClr>
+          </a:lnRef>
+          <a:fillRef idx="1">
+            <a:schemeClr val="accent1"/>
+          </a:fillRef>
+          <a:effectRef idx="0">
+            <a:schemeClr val="accent1"/>
+          </a:effectRef>
+          <a:fontRef idx="minor">
+            <a:schemeClr val="lt1"/>
+          </a:fontRef>
+        </p:style>
+        <p:txBody>
+          <a:bodyPr rtlCol="0" anchor="ctr"/>
+          <a:lstStyle/>
+          <a:p>
+            <a:pPr algn="ctr"/>
+            <a:r>
+              <a:rPr lang="en-IN" dirty="0"/>
+              <a:t>E</a:t>
+            </a:r>
+          </a:p>
+          <a:p>
+            <a:pPr algn="ctr"/>
+            <a:r>
+              <a:rPr lang="en-IN" dirty="0"/>
+              <a:t>X</a:t>
+            </a:r>
+          </a:p>
+          <a:p>
+            <a:pPr algn="ctr"/>
+            <a:r>
+              <a:rPr lang="en-IN" dirty="0"/>
+              <a:t>E</a:t>
+            </a:r>
+            <a:endParaRPr lang="en-US" dirty="0"/>
+          </a:p>
+        </p:txBody>
+      </p:sp>
+      <p:sp>
+        <p:nvSpPr>
+          <p:cNvPr id="14" name="Rectangle: Rounded Corners 13">
+            <a:extLst>
+              <a:ext uri="{FF2B5EF4-FFF2-40B4-BE49-F238E27FC236}">
+                <a16:creationId xmlns:a16="http://schemas.microsoft.com/office/drawing/2014/main" id="{AA638312-B866-A1E4-A03C-05985780031E}"/>
+              </a:ext>
+            </a:extLst>
+          </p:cNvPr>
+          <p:cNvSpPr/>
+          <p:nvPr/>
+        </p:nvSpPr>
+        <p:spPr>
+          <a:xfrm>
+            <a:off x="3601616" y="2230016"/>
+            <a:ext cx="3041780" cy="1502229"/>
+          </a:xfrm>
+          <a:prstGeom prst="roundRect">
+            <a:avLst/>
+          </a:prstGeom>
+        </p:spPr>
+        <p:style>
+          <a:lnRef idx="3">
+            <a:schemeClr val="lt1"/>
+          </a:lnRef>
+          <a:fillRef idx="1">
+            <a:schemeClr val="accent3"/>
+          </a:fillRef>
+          <a:effectRef idx="1">
+            <a:schemeClr val="accent3"/>
+          </a:effectRef>
+          <a:fontRef idx="minor">
+            <a:schemeClr val="lt1"/>
+          </a:fontRef>
+        </p:style>
+        <p:txBody>
+          <a:bodyPr rtlCol="0" anchor="ctr"/>
+          <a:lstStyle/>
+          <a:p>
+            <a:pPr algn="ctr"/>
+            <a:endParaRPr lang="en-US"/>
+          </a:p>
+        </p:txBody>
+      </p:sp>
+      <p:sp>
+        <p:nvSpPr>
+          <p:cNvPr id="15" name="TextBox 14">
+            <a:extLst>
+              <a:ext uri="{FF2B5EF4-FFF2-40B4-BE49-F238E27FC236}">
+                <a16:creationId xmlns:a16="http://schemas.microsoft.com/office/drawing/2014/main" id="{D02F28CA-3E5C-0F56-0D81-B36985F68BC7}"/>
+              </a:ext>
+            </a:extLst>
+          </p:cNvPr>
+          <p:cNvSpPr txBox="1"/>
+          <p:nvPr/>
+        </p:nvSpPr>
+        <p:spPr>
+          <a:xfrm>
+            <a:off x="3928188" y="2332653"/>
+            <a:ext cx="2472612" cy="369332"/>
+          </a:xfrm>
+          <a:prstGeom prst="rect">
+            <a:avLst/>
+          </a:prstGeom>
+          <a:noFill/>
+        </p:spPr>
+        <p:txBody>
+          <a:bodyPr wrap="square" rtlCol="0">
+            <a:spAutoFit/>
+          </a:bodyPr>
+          <a:lstStyle/>
+          <a:p>
+            <a:pPr algn="ctr"/>
+            <a:r>
+              <a:rPr lang="en-IN" b="1" dirty="0" err="1"/>
+              <a:t>dll</a:t>
+            </a:r>
+            <a:endParaRPr lang="en-US" b="1" dirty="0"/>
+          </a:p>
+        </p:txBody>
+      </p:sp>
+      <p:sp>
+        <p:nvSpPr>
+          <p:cNvPr id="16" name="Rectangle: Rounded Corners 15">
+            <a:extLst>
+              <a:ext uri="{FF2B5EF4-FFF2-40B4-BE49-F238E27FC236}">
+                <a16:creationId xmlns:a16="http://schemas.microsoft.com/office/drawing/2014/main" id="{46FDEE1B-8D10-3FF8-4127-F78DD89C9498}"/>
+              </a:ext>
+            </a:extLst>
+          </p:cNvPr>
+          <p:cNvSpPr/>
+          <p:nvPr/>
+        </p:nvSpPr>
+        <p:spPr>
+          <a:xfrm>
+            <a:off x="3806890" y="2864498"/>
+            <a:ext cx="718457" cy="485191"/>
+          </a:xfrm>
+          <a:prstGeom prst="roundRect">
+            <a:avLst/>
+          </a:prstGeom>
+        </p:spPr>
+        <p:style>
+          <a:lnRef idx="2">
+            <a:schemeClr val="accent1">
+              <a:shade val="50000"/>
+            </a:schemeClr>
+          </a:lnRef>
+          <a:fillRef idx="1">
+            <a:schemeClr val="accent1"/>
+          </a:fillRef>
+          <a:effectRef idx="0">
+            <a:schemeClr val="accent1"/>
+          </a:effectRef>
+          <a:fontRef idx="minor">
+            <a:schemeClr val="lt1"/>
+          </a:fontRef>
+        </p:style>
+        <p:txBody>
+          <a:bodyPr rtlCol="0" anchor="ctr"/>
+          <a:lstStyle/>
+          <a:p>
+            <a:pPr algn="ctr"/>
+            <a:r>
+              <a:rPr lang="en-IN" sz="1200" dirty="0"/>
+              <a:t>Task 1</a:t>
+            </a:r>
+            <a:endParaRPr lang="en-US" sz="1200" dirty="0"/>
+          </a:p>
+        </p:txBody>
+      </p:sp>
+      <p:sp>
+        <p:nvSpPr>
+          <p:cNvPr id="17" name="Rectangle: Rounded Corners 16">
+            <a:extLst>
+              <a:ext uri="{FF2B5EF4-FFF2-40B4-BE49-F238E27FC236}">
+                <a16:creationId xmlns:a16="http://schemas.microsoft.com/office/drawing/2014/main" id="{493E10F2-CD96-67A4-D88D-52289632B185}"/>
+              </a:ext>
+            </a:extLst>
+          </p:cNvPr>
+          <p:cNvSpPr/>
+          <p:nvPr/>
+        </p:nvSpPr>
+        <p:spPr>
+          <a:xfrm>
+            <a:off x="4683967" y="2864498"/>
+            <a:ext cx="718457" cy="485191"/>
+          </a:xfrm>
+          <a:prstGeom prst="roundRect">
+            <a:avLst/>
+          </a:prstGeom>
+        </p:spPr>
+        <p:style>
+          <a:lnRef idx="2">
+            <a:schemeClr val="accent1">
+              <a:shade val="50000"/>
+            </a:schemeClr>
+          </a:lnRef>
+          <a:fillRef idx="1">
+            <a:schemeClr val="accent1"/>
+          </a:fillRef>
+          <a:effectRef idx="0">
+            <a:schemeClr val="accent1"/>
+          </a:effectRef>
+          <a:fontRef idx="minor">
+            <a:schemeClr val="lt1"/>
+          </a:fontRef>
+        </p:style>
+        <p:txBody>
+          <a:bodyPr rtlCol="0" anchor="ctr"/>
+          <a:lstStyle/>
+          <a:p>
+            <a:pPr algn="ctr"/>
+            <a:r>
+              <a:rPr lang="en-IN" sz="1200" dirty="0"/>
+              <a:t>Task 2</a:t>
+            </a:r>
+            <a:endParaRPr lang="en-US" sz="1200" dirty="0"/>
+          </a:p>
+        </p:txBody>
+      </p:sp>
+      <p:sp>
+        <p:nvSpPr>
+          <p:cNvPr id="18" name="Rectangle: Rounded Corners 17">
+            <a:extLst>
+              <a:ext uri="{FF2B5EF4-FFF2-40B4-BE49-F238E27FC236}">
+                <a16:creationId xmlns:a16="http://schemas.microsoft.com/office/drawing/2014/main" id="{C11F37BB-DFBE-4104-E812-F60D22727CD6}"/>
+              </a:ext>
+            </a:extLst>
+          </p:cNvPr>
+          <p:cNvSpPr/>
+          <p:nvPr/>
+        </p:nvSpPr>
+        <p:spPr>
+          <a:xfrm>
+            <a:off x="5570374" y="2864497"/>
+            <a:ext cx="718457" cy="485191"/>
+          </a:xfrm>
+          <a:prstGeom prst="roundRect">
+            <a:avLst/>
+          </a:prstGeom>
+        </p:spPr>
+        <p:style>
+          <a:lnRef idx="2">
+            <a:schemeClr val="accent1">
+              <a:shade val="50000"/>
+            </a:schemeClr>
+          </a:lnRef>
+          <a:fillRef idx="1">
+            <a:schemeClr val="accent1"/>
+          </a:fillRef>
+          <a:effectRef idx="0">
+            <a:schemeClr val="accent1"/>
+          </a:effectRef>
+          <a:fontRef idx="minor">
+            <a:schemeClr val="lt1"/>
+          </a:fontRef>
+        </p:style>
+        <p:txBody>
+          <a:bodyPr rtlCol="0" anchor="ctr"/>
+          <a:lstStyle/>
+          <a:p>
+            <a:pPr algn="ctr"/>
+            <a:r>
+              <a:rPr lang="en-IN" sz="1200" dirty="0"/>
+              <a:t>Task 3</a:t>
+            </a:r>
+            <a:endParaRPr lang="en-US" sz="1200" dirty="0"/>
+          </a:p>
+        </p:txBody>
+      </p:sp>
+      <p:cxnSp>
+        <p:nvCxnSpPr>
+          <p:cNvPr id="21" name="Connector: Elbow 20">
+            <a:extLst>
+              <a:ext uri="{FF2B5EF4-FFF2-40B4-BE49-F238E27FC236}">
+                <a16:creationId xmlns:a16="http://schemas.microsoft.com/office/drawing/2014/main" id="{0CE34395-AD2F-62BB-E5A4-711EC3B750F4}"/>
+              </a:ext>
+            </a:extLst>
+          </p:cNvPr>
+          <p:cNvCxnSpPr>
+            <a:cxnSpLocks/>
+            <a:stCxn id="13" idx="3"/>
+            <a:endCxn id="14" idx="1"/>
+          </p:cNvCxnSpPr>
+          <p:nvPr/>
+        </p:nvCxnSpPr>
+        <p:spPr>
+          <a:xfrm flipV="1">
+            <a:off x="2929813" y="2981131"/>
+            <a:ext cx="671803" cy="777160"/>
+          </a:xfrm>
+          <a:prstGeom prst="bentConnector3">
+            <a:avLst/>
+          </a:prstGeom>
+          <a:ln>
+            <a:tailEnd type="triangle"/>
+          </a:ln>
+        </p:spPr>
+        <p:style>
+          <a:lnRef idx="1">
+            <a:schemeClr val="accent1"/>
+          </a:lnRef>
+          <a:fillRef idx="0">
+            <a:schemeClr val="accent1"/>
+          </a:fillRef>
+          <a:effectRef idx="0">
+            <a:schemeClr val="accent1"/>
+          </a:effectRef>
+          <a:fontRef idx="minor">
+            <a:schemeClr val="tx1"/>
+          </a:fontRef>
+        </p:style>
+      </p:cxnSp>
+      <p:sp>
+        <p:nvSpPr>
+          <p:cNvPr id="22" name="TextBox 21">
+            <a:extLst>
+              <a:ext uri="{FF2B5EF4-FFF2-40B4-BE49-F238E27FC236}">
+                <a16:creationId xmlns:a16="http://schemas.microsoft.com/office/drawing/2014/main" id="{BED8E834-C921-8897-5EE1-F2879555D1E3}"/>
+              </a:ext>
+            </a:extLst>
+          </p:cNvPr>
+          <p:cNvSpPr txBox="1"/>
+          <p:nvPr/>
+        </p:nvSpPr>
+        <p:spPr>
+          <a:xfrm>
+            <a:off x="7744408" y="1819469"/>
+            <a:ext cx="4012163" cy="646331"/>
+          </a:xfrm>
+          <a:prstGeom prst="rect">
+            <a:avLst/>
+          </a:prstGeom>
+          <a:noFill/>
+        </p:spPr>
+        <p:txBody>
+          <a:bodyPr wrap="square" rtlCol="0">
+            <a:spAutoFit/>
+          </a:bodyPr>
+          <a:lstStyle/>
+          <a:p>
+            <a:r>
+              <a:rPr lang="en-IN" dirty="0"/>
+              <a:t>Exe wants to execute a method that contains 3 tasks</a:t>
+            </a:r>
+            <a:endParaRPr lang="en-US" dirty="0"/>
+          </a:p>
+        </p:txBody>
+      </p:sp>
+      <p:cxnSp>
+        <p:nvCxnSpPr>
+          <p:cNvPr id="24" name="Connector: Elbow 23">
+            <a:extLst>
+              <a:ext uri="{FF2B5EF4-FFF2-40B4-BE49-F238E27FC236}">
+                <a16:creationId xmlns:a16="http://schemas.microsoft.com/office/drawing/2014/main" id="{F4F2C383-0614-6419-4A1F-E1D71E06874F}"/>
+              </a:ext>
+            </a:extLst>
+          </p:cNvPr>
+          <p:cNvCxnSpPr>
+            <a:stCxn id="22" idx="1"/>
+            <a:endCxn id="14" idx="3"/>
+          </p:cNvCxnSpPr>
+          <p:nvPr/>
+        </p:nvCxnSpPr>
+        <p:spPr>
+          <a:xfrm rot="10800000" flipV="1">
+            <a:off x="6643396" y="2142635"/>
+            <a:ext cx="1101012" cy="838496"/>
+          </a:xfrm>
+          <a:prstGeom prst="bentConnector3">
+            <a:avLst/>
+          </a:prstGeom>
+          <a:ln>
+            <a:tailEnd type="triangle"/>
+          </a:ln>
+        </p:spPr>
+        <p:style>
+          <a:lnRef idx="1">
+            <a:schemeClr val="accent1"/>
+          </a:lnRef>
+          <a:fillRef idx="0">
+            <a:schemeClr val="accent1"/>
+          </a:fillRef>
+          <a:effectRef idx="0">
+            <a:schemeClr val="accent1"/>
+          </a:effectRef>
+          <a:fontRef idx="minor">
+            <a:schemeClr val="tx1"/>
+          </a:fontRef>
+        </p:style>
+      </p:cxnSp>
+      <p:sp>
+        <p:nvSpPr>
+          <p:cNvPr id="26" name="Arrow: Down 25">
+            <a:extLst>
+              <a:ext uri="{FF2B5EF4-FFF2-40B4-BE49-F238E27FC236}">
+                <a16:creationId xmlns:a16="http://schemas.microsoft.com/office/drawing/2014/main" id="{842AFBDB-DF5A-CFED-846A-D1241815117E}"/>
+              </a:ext>
+            </a:extLst>
+          </p:cNvPr>
+          <p:cNvSpPr/>
+          <p:nvPr/>
+        </p:nvSpPr>
+        <p:spPr>
+          <a:xfrm>
+            <a:off x="1287623" y="2230016"/>
+            <a:ext cx="354564" cy="3030503"/>
+          </a:xfrm>
+          <a:prstGeom prst="downArrow">
+            <a:avLst/>
+          </a:prstGeom>
+          <a:solidFill>
+            <a:schemeClr val="accent4">
+              <a:lumMod val="40000"/>
+              <a:lumOff val="60000"/>
+            </a:schemeClr>
+          </a:solidFill>
+        </p:spPr>
+        <p:style>
+          <a:lnRef idx="2">
+            <a:schemeClr val="accent1">
+              <a:shade val="50000"/>
+            </a:schemeClr>
+          </a:lnRef>
+          <a:fillRef idx="1">
+            <a:schemeClr val="accent1"/>
+          </a:fillRef>
+          <a:effectRef idx="0">
+            <a:schemeClr val="accent1"/>
+          </a:effectRef>
+          <a:fontRef idx="minor">
+            <a:schemeClr val="lt1"/>
+          </a:fontRef>
+        </p:style>
+        <p:txBody>
+          <a:bodyPr rtlCol="0" anchor="ctr"/>
+          <a:lstStyle/>
+          <a:p>
+            <a:pPr algn="ctr"/>
+            <a:r>
+              <a:rPr lang="en-IN" b="1" dirty="0">
+                <a:ln w="22225">
+                  <a:solidFill>
+                    <a:schemeClr val="accent2"/>
+                  </a:solidFill>
+                  <a:prstDash val="solid"/>
+                </a:ln>
+                <a:solidFill>
+                  <a:schemeClr val="accent2">
+                    <a:lumMod val="40000"/>
+                    <a:lumOff val="60000"/>
+                  </a:schemeClr>
+                </a:solidFill>
+              </a:rPr>
+              <a:t>T</a:t>
+            </a:r>
+          </a:p>
+          <a:p>
+            <a:pPr algn="ctr"/>
+            <a:r>
+              <a:rPr lang="en-IN" b="1" dirty="0">
+                <a:ln w="22225">
+                  <a:solidFill>
+                    <a:schemeClr val="accent2"/>
+                  </a:solidFill>
+                  <a:prstDash val="solid"/>
+                </a:ln>
+                <a:solidFill>
+                  <a:schemeClr val="accent2">
+                    <a:lumMod val="40000"/>
+                    <a:lumOff val="60000"/>
+                  </a:schemeClr>
+                </a:solidFill>
+              </a:rPr>
+              <a:t>H</a:t>
+            </a:r>
+          </a:p>
+          <a:p>
+            <a:pPr algn="ctr"/>
+            <a:r>
+              <a:rPr lang="en-IN" b="1" dirty="0">
+                <a:ln w="22225">
+                  <a:solidFill>
+                    <a:schemeClr val="accent2"/>
+                  </a:solidFill>
+                  <a:prstDash val="solid"/>
+                </a:ln>
+                <a:solidFill>
+                  <a:schemeClr val="accent2">
+                    <a:lumMod val="40000"/>
+                    <a:lumOff val="60000"/>
+                  </a:schemeClr>
+                </a:solidFill>
+              </a:rPr>
+              <a:t>R</a:t>
+            </a:r>
+          </a:p>
+          <a:p>
+            <a:pPr algn="ctr"/>
+            <a:r>
+              <a:rPr lang="en-IN" b="1" dirty="0">
+                <a:ln w="22225">
+                  <a:solidFill>
+                    <a:schemeClr val="accent2"/>
+                  </a:solidFill>
+                  <a:prstDash val="solid"/>
+                </a:ln>
+                <a:solidFill>
+                  <a:schemeClr val="accent2">
+                    <a:lumMod val="40000"/>
+                    <a:lumOff val="60000"/>
+                  </a:schemeClr>
+                </a:solidFill>
+              </a:rPr>
+              <a:t>E</a:t>
+            </a:r>
+          </a:p>
+          <a:p>
+            <a:pPr algn="ctr"/>
+            <a:r>
+              <a:rPr lang="en-IN" b="1" dirty="0">
+                <a:ln w="22225">
+                  <a:solidFill>
+                    <a:schemeClr val="accent2"/>
+                  </a:solidFill>
+                  <a:prstDash val="solid"/>
+                </a:ln>
+                <a:solidFill>
+                  <a:schemeClr val="accent2">
+                    <a:lumMod val="40000"/>
+                    <a:lumOff val="60000"/>
+                  </a:schemeClr>
+                </a:solidFill>
+              </a:rPr>
+              <a:t>A</a:t>
+            </a:r>
+          </a:p>
+          <a:p>
+            <a:pPr algn="ctr"/>
+            <a:r>
+              <a:rPr lang="en-IN" b="1" dirty="0">
+                <a:ln w="22225">
+                  <a:solidFill>
+                    <a:schemeClr val="accent2"/>
+                  </a:solidFill>
+                  <a:prstDash val="solid"/>
+                </a:ln>
+                <a:solidFill>
+                  <a:schemeClr val="accent2">
+                    <a:lumMod val="40000"/>
+                    <a:lumOff val="60000"/>
+                  </a:schemeClr>
+                </a:solidFill>
+              </a:rPr>
+              <a:t>D</a:t>
+            </a:r>
+            <a:endParaRPr lang="en-US" b="1" dirty="0">
+              <a:ln w="22225">
+                <a:solidFill>
+                  <a:schemeClr val="accent2"/>
+                </a:solidFill>
+                <a:prstDash val="solid"/>
+              </a:ln>
+              <a:solidFill>
+                <a:schemeClr val="accent2">
+                  <a:lumMod val="40000"/>
+                  <a:lumOff val="60000"/>
+                </a:schemeClr>
+              </a:solidFill>
+            </a:endParaRPr>
+          </a:p>
+        </p:txBody>
+      </p:sp>
+      <p:cxnSp>
+        <p:nvCxnSpPr>
+          <p:cNvPr id="29" name="Connector: Elbow 28">
+            <a:extLst>
+              <a:ext uri="{FF2B5EF4-FFF2-40B4-BE49-F238E27FC236}">
+                <a16:creationId xmlns:a16="http://schemas.microsoft.com/office/drawing/2014/main" id="{E344B23B-1C90-C427-4771-3DC39B14C792}"/>
+              </a:ext>
+            </a:extLst>
+          </p:cNvPr>
+          <p:cNvCxnSpPr>
+            <a:cxnSpLocks/>
+          </p:cNvCxnSpPr>
+          <p:nvPr/>
+        </p:nvCxnSpPr>
+        <p:spPr>
+          <a:xfrm>
+            <a:off x="2929813" y="4441371"/>
+            <a:ext cx="6419460" cy="942563"/>
+          </a:xfrm>
+          <a:prstGeom prst="bentConnector3">
+            <a:avLst/>
+          </a:prstGeom>
+          <a:ln>
+            <a:tailEnd type="triangle"/>
+          </a:ln>
+        </p:spPr>
+        <p:style>
+          <a:lnRef idx="1">
+            <a:schemeClr val="accent1"/>
+          </a:lnRef>
+          <a:fillRef idx="0">
+            <a:schemeClr val="accent1"/>
+          </a:fillRef>
+          <a:effectRef idx="0">
+            <a:schemeClr val="accent1"/>
+          </a:effectRef>
+          <a:fontRef idx="minor">
+            <a:schemeClr val="tx1"/>
+          </a:fontRef>
+        </p:style>
+      </p:cxnSp>
+      <p:sp>
+        <p:nvSpPr>
+          <p:cNvPr id="30" name="TextBox 29">
+            <a:extLst>
+              <a:ext uri="{FF2B5EF4-FFF2-40B4-BE49-F238E27FC236}">
+                <a16:creationId xmlns:a16="http://schemas.microsoft.com/office/drawing/2014/main" id="{3FBB8FA0-10B7-90A5-529E-18E47585D4C8}"/>
+              </a:ext>
+            </a:extLst>
+          </p:cNvPr>
+          <p:cNvSpPr txBox="1"/>
+          <p:nvPr/>
+        </p:nvSpPr>
+        <p:spPr>
+          <a:xfrm>
+            <a:off x="8164286" y="4127623"/>
+            <a:ext cx="3592285" cy="1200329"/>
+          </a:xfrm>
+          <a:prstGeom prst="rect">
+            <a:avLst/>
+          </a:prstGeom>
+          <a:noFill/>
+        </p:spPr>
+        <p:txBody>
+          <a:bodyPr wrap="square" rtlCol="0">
+            <a:spAutoFit/>
+          </a:bodyPr>
+          <a:lstStyle/>
+          <a:p>
+            <a:r>
+              <a:rPr lang="en-IN" dirty="0"/>
+              <a:t>The Request Made to CLR to Allocate 3 Threads to execute Task1, Task2, Task3, Asynchronously and return data from it</a:t>
+            </a:r>
+            <a:endParaRPr lang="en-US" dirty="0"/>
+          </a:p>
+        </p:txBody>
+      </p:sp>
+      <p:sp>
+        <p:nvSpPr>
+          <p:cNvPr id="31" name="Rectangle: Rounded Corners 30">
+            <a:extLst>
+              <a:ext uri="{FF2B5EF4-FFF2-40B4-BE49-F238E27FC236}">
+                <a16:creationId xmlns:a16="http://schemas.microsoft.com/office/drawing/2014/main" id="{6EAC9774-1A53-C942-E306-DE0D410B3561}"/>
+              </a:ext>
+            </a:extLst>
+          </p:cNvPr>
+          <p:cNvSpPr/>
+          <p:nvPr/>
+        </p:nvSpPr>
+        <p:spPr>
+          <a:xfrm>
+            <a:off x="7305869" y="5383936"/>
+            <a:ext cx="4329404" cy="998204"/>
+          </a:xfrm>
+          <a:prstGeom prst="roundRect">
+            <a:avLst/>
+          </a:prstGeom>
+          <a:solidFill>
+            <a:srgbClr val="00B0F0"/>
+          </a:solidFill>
+        </p:spPr>
+        <p:style>
+          <a:lnRef idx="2">
+            <a:schemeClr val="accent1">
+              <a:shade val="50000"/>
+            </a:schemeClr>
+          </a:lnRef>
+          <a:fillRef idx="1">
+            <a:schemeClr val="accent1"/>
+          </a:fillRef>
+          <a:effectRef idx="0">
+            <a:schemeClr val="accent1"/>
+          </a:effectRef>
+          <a:fontRef idx="minor">
+            <a:schemeClr val="lt1"/>
+          </a:fontRef>
+        </p:style>
+        <p:txBody>
+          <a:bodyPr rtlCol="0" anchor="ctr"/>
+          <a:lstStyle/>
+          <a:p>
+            <a:pPr algn="ctr"/>
+            <a:r>
+              <a:rPr lang="en-IN" b="1" dirty="0"/>
+              <a:t>CLR resource Manager</a:t>
+            </a:r>
+            <a:endParaRPr lang="en-US" b="1" dirty="0"/>
+          </a:p>
+        </p:txBody>
+      </p:sp>
+      <p:cxnSp>
+        <p:nvCxnSpPr>
+          <p:cNvPr id="33" name="Connector: Elbow 32">
+            <a:extLst>
+              <a:ext uri="{FF2B5EF4-FFF2-40B4-BE49-F238E27FC236}">
+                <a16:creationId xmlns:a16="http://schemas.microsoft.com/office/drawing/2014/main" id="{106E8DF5-DC8A-522E-FAB5-178DCFFAFEFB}"/>
+              </a:ext>
+            </a:extLst>
+          </p:cNvPr>
+          <p:cNvCxnSpPr>
+            <a:stCxn id="31" idx="1"/>
+            <a:endCxn id="18" idx="2"/>
+          </p:cNvCxnSpPr>
+          <p:nvPr/>
+        </p:nvCxnSpPr>
+        <p:spPr>
+          <a:xfrm rot="10800000">
+            <a:off x="5929603" y="3349688"/>
+            <a:ext cx="1376266" cy="2533350"/>
+          </a:xfrm>
+          <a:prstGeom prst="bentConnector2">
+            <a:avLst/>
+          </a:prstGeom>
+          <a:ln w="57150">
+            <a:solidFill>
+              <a:srgbClr val="7030A0"/>
+            </a:solidFill>
+            <a:tailEnd type="triangle"/>
+          </a:ln>
+        </p:spPr>
+        <p:style>
+          <a:lnRef idx="1">
+            <a:schemeClr val="accent1"/>
+          </a:lnRef>
+          <a:fillRef idx="0">
+            <a:schemeClr val="accent1"/>
+          </a:fillRef>
+          <a:effectRef idx="0">
+            <a:schemeClr val="accent1"/>
+          </a:effectRef>
+          <a:fontRef idx="minor">
+            <a:schemeClr val="tx1"/>
+          </a:fontRef>
+        </p:style>
+      </p:cxnSp>
+      <p:cxnSp>
+        <p:nvCxnSpPr>
+          <p:cNvPr id="35" name="Connector: Elbow 34">
+            <a:extLst>
+              <a:ext uri="{FF2B5EF4-FFF2-40B4-BE49-F238E27FC236}">
+                <a16:creationId xmlns:a16="http://schemas.microsoft.com/office/drawing/2014/main" id="{3055975A-B5F9-15BE-FA77-9BB70D72552B}"/>
+              </a:ext>
+            </a:extLst>
+          </p:cNvPr>
+          <p:cNvCxnSpPr>
+            <a:stCxn id="31" idx="1"/>
+            <a:endCxn id="17" idx="2"/>
+          </p:cNvCxnSpPr>
+          <p:nvPr/>
+        </p:nvCxnSpPr>
+        <p:spPr>
+          <a:xfrm rot="10800000">
+            <a:off x="5043197" y="3349690"/>
+            <a:ext cx="2262673" cy="2533349"/>
+          </a:xfrm>
+          <a:prstGeom prst="bentConnector2">
+            <a:avLst/>
+          </a:prstGeom>
+          <a:ln w="76200">
+            <a:solidFill>
+              <a:srgbClr val="7030A0"/>
+            </a:solidFill>
+            <a:tailEnd type="triangle"/>
+          </a:ln>
+        </p:spPr>
+        <p:style>
+          <a:lnRef idx="1">
+            <a:schemeClr val="accent1"/>
+          </a:lnRef>
+          <a:fillRef idx="0">
+            <a:schemeClr val="accent1"/>
+          </a:fillRef>
+          <a:effectRef idx="0">
+            <a:schemeClr val="accent1"/>
+          </a:effectRef>
+          <a:fontRef idx="minor">
+            <a:schemeClr val="tx1"/>
+          </a:fontRef>
+        </p:style>
+      </p:cxnSp>
+      <p:cxnSp>
+        <p:nvCxnSpPr>
+          <p:cNvPr id="37" name="Connector: Elbow 36">
+            <a:extLst>
+              <a:ext uri="{FF2B5EF4-FFF2-40B4-BE49-F238E27FC236}">
+                <a16:creationId xmlns:a16="http://schemas.microsoft.com/office/drawing/2014/main" id="{5A02452A-AF38-80A8-39F6-DB064A4B913A}"/>
+              </a:ext>
+            </a:extLst>
+          </p:cNvPr>
+          <p:cNvCxnSpPr>
+            <a:stCxn id="31" idx="1"/>
+            <a:endCxn id="16" idx="2"/>
+          </p:cNvCxnSpPr>
+          <p:nvPr/>
+        </p:nvCxnSpPr>
+        <p:spPr>
+          <a:xfrm rot="10800000">
+            <a:off x="4166119" y="3349690"/>
+            <a:ext cx="3139750" cy="2533349"/>
+          </a:xfrm>
+          <a:prstGeom prst="bentConnector2">
+            <a:avLst/>
+          </a:prstGeom>
+          <a:ln w="57150">
+            <a:solidFill>
+              <a:srgbClr val="7030A0"/>
+            </a:solidFill>
+            <a:tailEnd type="triangle"/>
+          </a:ln>
+        </p:spPr>
+        <p:style>
+          <a:lnRef idx="1">
+            <a:schemeClr val="accent1"/>
+          </a:lnRef>
+          <a:fillRef idx="0">
+            <a:schemeClr val="accent1"/>
+          </a:fillRef>
+          <a:effectRef idx="0">
+            <a:schemeClr val="accent1"/>
+          </a:effectRef>
+          <a:fontRef idx="minor">
+            <a:schemeClr val="tx1"/>
+          </a:fontRef>
+        </p:style>
+      </p:cxnSp>
+      <p:sp>
+        <p:nvSpPr>
+          <p:cNvPr id="39" name="TextBox 38">
+            <a:extLst>
+              <a:ext uri="{FF2B5EF4-FFF2-40B4-BE49-F238E27FC236}">
+                <a16:creationId xmlns:a16="http://schemas.microsoft.com/office/drawing/2014/main" id="{5F65E99C-D5E5-DE54-38F4-C3E249F42E0A}"/>
+              </a:ext>
+            </a:extLst>
+          </p:cNvPr>
+          <p:cNvSpPr txBox="1"/>
+          <p:nvPr/>
+        </p:nvSpPr>
+        <p:spPr>
+          <a:xfrm>
+            <a:off x="7744408" y="3037114"/>
+            <a:ext cx="3788229" cy="369332"/>
+          </a:xfrm>
+          <a:prstGeom prst="rect">
+            <a:avLst/>
+          </a:prstGeom>
+          <a:noFill/>
+        </p:spPr>
+        <p:txBody>
+          <a:bodyPr wrap="square" rtlCol="0">
+            <a:spAutoFit/>
+          </a:bodyPr>
+          <a:lstStyle/>
+          <a:p>
+            <a:r>
+              <a:rPr lang="en-IN" dirty="0" err="1"/>
+              <a:t>Task.Factory.StartNew</a:t>
+            </a:r>
+            <a:r>
+              <a:rPr lang="en-IN" dirty="0"/>
+              <a:t>()</a:t>
+            </a:r>
+            <a:endParaRPr lang="en-US" dirty="0"/>
+          </a:p>
+        </p:txBody>
+      </p:sp>
+      <p:sp>
+        <p:nvSpPr>
+          <p:cNvPr id="40" name="Rectangle 39">
+            <a:extLst>
+              <a:ext uri="{FF2B5EF4-FFF2-40B4-BE49-F238E27FC236}">
+                <a16:creationId xmlns:a16="http://schemas.microsoft.com/office/drawing/2014/main" id="{C478CFCB-631D-D9B9-A5FD-781AB3F4FE59}"/>
+              </a:ext>
+            </a:extLst>
+          </p:cNvPr>
+          <p:cNvSpPr/>
+          <p:nvPr/>
+        </p:nvSpPr>
+        <p:spPr>
+          <a:xfrm>
+            <a:off x="3452325" y="3926040"/>
+            <a:ext cx="3041780" cy="317442"/>
+          </a:xfrm>
+          <a:prstGeom prst="rect">
+            <a:avLst/>
+          </a:prstGeom>
+        </p:spPr>
+        <p:style>
+          <a:lnRef idx="2">
+            <a:schemeClr val="accent1">
+              <a:shade val="50000"/>
+            </a:schemeClr>
+          </a:lnRef>
+          <a:fillRef idx="1">
+            <a:schemeClr val="accent1"/>
+          </a:fillRef>
+          <a:effectRef idx="0">
+            <a:schemeClr val="accent1"/>
+          </a:effectRef>
+          <a:fontRef idx="minor">
+            <a:schemeClr val="lt1"/>
+          </a:fontRef>
+        </p:style>
+        <p:txBody>
+          <a:bodyPr rtlCol="0" anchor="ctr"/>
+          <a:lstStyle/>
+          <a:p>
+            <a:pPr algn="ctr"/>
+            <a:r>
+              <a:rPr lang="en-IN" sz="1400" b="1" dirty="0"/>
+              <a:t>Task Schedular aka Task Factory</a:t>
+            </a:r>
+            <a:endParaRPr lang="en-US" sz="1400" b="1" dirty="0"/>
+          </a:p>
+        </p:txBody>
+      </p:sp>
+      <p:cxnSp>
+        <p:nvCxnSpPr>
+          <p:cNvPr id="42" name="Connector: Elbow 41">
+            <a:extLst>
+              <a:ext uri="{FF2B5EF4-FFF2-40B4-BE49-F238E27FC236}">
+                <a16:creationId xmlns:a16="http://schemas.microsoft.com/office/drawing/2014/main" id="{C43E85E6-2E9A-45BA-F84B-4F1EA1ABEC38}"/>
+              </a:ext>
+            </a:extLst>
+          </p:cNvPr>
+          <p:cNvCxnSpPr>
+            <a:stCxn id="17" idx="1"/>
+            <a:endCxn id="13" idx="2"/>
+          </p:cNvCxnSpPr>
+          <p:nvPr/>
+        </p:nvCxnSpPr>
+        <p:spPr>
+          <a:xfrm rot="10800000" flipV="1">
+            <a:off x="2318659" y="3107093"/>
+            <a:ext cx="2365309" cy="2153425"/>
+          </a:xfrm>
+          <a:prstGeom prst="bentConnector4">
+            <a:avLst>
+              <a:gd name="adj1" fmla="val 37081"/>
+              <a:gd name="adj2" fmla="val 110616"/>
+            </a:avLst>
+          </a:prstGeom>
+          <a:ln w="76200">
+            <a:solidFill>
+              <a:srgbClr val="FFFF00"/>
+            </a:solidFill>
+            <a:tailEnd type="triangle"/>
+          </a:ln>
+        </p:spPr>
+        <p:style>
+          <a:lnRef idx="1">
+            <a:schemeClr val="accent1"/>
+          </a:lnRef>
+          <a:fillRef idx="0">
+            <a:schemeClr val="accent1"/>
+          </a:fillRef>
+          <a:effectRef idx="0">
+            <a:schemeClr val="accent1"/>
+          </a:effectRef>
+          <a:fontRef idx="minor">
+            <a:schemeClr val="tx1"/>
+          </a:fontRef>
+        </p:style>
+      </p:cxnSp>
+      <p:sp>
+        <p:nvSpPr>
+          <p:cNvPr id="43" name="TextBox 42">
+            <a:extLst>
+              <a:ext uri="{FF2B5EF4-FFF2-40B4-BE49-F238E27FC236}">
+                <a16:creationId xmlns:a16="http://schemas.microsoft.com/office/drawing/2014/main" id="{2E8AC7CB-E8D3-247F-C91B-582CBF4EC2B7}"/>
+              </a:ext>
+            </a:extLst>
+          </p:cNvPr>
+          <p:cNvSpPr txBox="1"/>
+          <p:nvPr/>
+        </p:nvSpPr>
+        <p:spPr>
+          <a:xfrm>
+            <a:off x="1810137" y="5665626"/>
+            <a:ext cx="2262674" cy="646331"/>
+          </a:xfrm>
+          <a:prstGeom prst="rect">
+            <a:avLst/>
+          </a:prstGeom>
+          <a:noFill/>
+        </p:spPr>
+        <p:txBody>
+          <a:bodyPr wrap="square" rtlCol="0">
+            <a:spAutoFit/>
+          </a:bodyPr>
+          <a:lstStyle/>
+          <a:p>
+            <a:pPr algn="ctr"/>
+            <a:r>
+              <a:rPr lang="en-IN" dirty="0"/>
+              <a:t>Returning value to Main Thread</a:t>
+            </a:r>
+            <a:endParaRPr lang="en-US" dirty="0"/>
+          </a:p>
+        </p:txBody>
+      </p:sp>
+    </p:spTree>
+    <p:extLst>
+      <p:ext uri="{BB962C8B-B14F-4D97-AF65-F5344CB8AC3E}">
+        <p14:creationId xmlns:p14="http://schemas.microsoft.com/office/powerpoint/2010/main" val="1663141948"/>
+      </p:ext>
+    </p:extLst>
+  </p:cSld>
+  <p:clrMapOvr>
+    <a:masterClrMapping/>
+  </p:clrMapOvr>
+</p:sld>
+</file>
+
+<file path=ppt/slides/slide19.xml><?xml version="1.0" encoding="utf-8"?>
+<p:sld xmlns:a="http://schemas.openxmlformats.org/drawingml/2006/main" xmlns:r="http://schemas.openxmlformats.org/officeDocument/2006/relationships" xmlns:p="http://schemas.openxmlformats.org/presentationml/2006/main">
+  <p:cSld>
+    <p:spTree>
+      <p:nvGrpSpPr>
+        <p:cNvPr id="1" name=""/>
+        <p:cNvGrpSpPr/>
+        <p:nvPr/>
+      </p:nvGrpSpPr>
+      <p:grpSpPr>
+        <a:xfrm>
+          <a:off x="0" y="0"/>
+          <a:ext cx="0" cy="0"/>
+          <a:chOff x="0" y="0"/>
+          <a:chExt cx="0" cy="0"/>
+        </a:xfrm>
+      </p:grpSpPr>
+      <p:sp>
+        <p:nvSpPr>
+          <p:cNvPr id="2" name="Arrow: Right 1">
+            <a:extLst>
+              <a:ext uri="{FF2B5EF4-FFF2-40B4-BE49-F238E27FC236}">
+                <a16:creationId xmlns:a16="http://schemas.microsoft.com/office/drawing/2014/main" id="{FB11DFB0-5851-C3D2-5D28-8967017C3D3C}"/>
+              </a:ext>
+            </a:extLst>
+          </p:cNvPr>
+          <p:cNvSpPr/>
+          <p:nvPr/>
+        </p:nvSpPr>
+        <p:spPr>
+          <a:xfrm>
+            <a:off x="746449" y="606490"/>
+            <a:ext cx="2892490" cy="914400"/>
+          </a:xfrm>
+          <a:prstGeom prst="rightArrow">
+            <a:avLst/>
+          </a:prstGeom>
+        </p:spPr>
+        <p:style>
+          <a:lnRef idx="2">
+            <a:schemeClr val="accent1">
+              <a:shade val="50000"/>
+            </a:schemeClr>
+          </a:lnRef>
+          <a:fillRef idx="1">
+            <a:schemeClr val="accent1"/>
+          </a:fillRef>
+          <a:effectRef idx="0">
+            <a:schemeClr val="accent1"/>
+          </a:effectRef>
+          <a:fontRef idx="minor">
+            <a:schemeClr val="lt1"/>
+          </a:fontRef>
+        </p:style>
+        <p:txBody>
+          <a:bodyPr rtlCol="0" anchor="ctr"/>
+          <a:lstStyle/>
+          <a:p>
+            <a:pPr algn="ctr"/>
+            <a:r>
+              <a:rPr lang="en-IN" sz="1600" b="1" dirty="0"/>
+              <a:t>Read Employees for Specific Dept</a:t>
+            </a:r>
+            <a:endParaRPr lang="en-US" sz="1600" b="1" dirty="0"/>
+          </a:p>
+        </p:txBody>
+      </p:sp>
+      <p:sp>
+        <p:nvSpPr>
+          <p:cNvPr id="3" name="Arrow: Right 2">
+            <a:extLst>
+              <a:ext uri="{FF2B5EF4-FFF2-40B4-BE49-F238E27FC236}">
+                <a16:creationId xmlns:a16="http://schemas.microsoft.com/office/drawing/2014/main" id="{4AAEABAF-59F4-14C6-2C45-05852CA428C2}"/>
+              </a:ext>
+            </a:extLst>
+          </p:cNvPr>
+          <p:cNvSpPr/>
+          <p:nvPr/>
+        </p:nvSpPr>
+        <p:spPr>
+          <a:xfrm>
+            <a:off x="4226768" y="2239346"/>
+            <a:ext cx="2537926" cy="1189653"/>
+          </a:xfrm>
+          <a:prstGeom prst="rightArrow">
+            <a:avLst/>
+          </a:prstGeom>
+        </p:spPr>
+        <p:style>
+          <a:lnRef idx="2">
+            <a:schemeClr val="accent1">
+              <a:shade val="50000"/>
+            </a:schemeClr>
+          </a:lnRef>
+          <a:fillRef idx="1">
+            <a:schemeClr val="accent1"/>
+          </a:fillRef>
+          <a:effectRef idx="0">
+            <a:schemeClr val="accent1"/>
+          </a:effectRef>
+          <a:fontRef idx="minor">
+            <a:schemeClr val="lt1"/>
+          </a:fontRef>
+        </p:style>
+        <p:txBody>
+          <a:bodyPr rtlCol="0" anchor="ctr"/>
+          <a:lstStyle/>
+          <a:p>
+            <a:pPr algn="ctr"/>
+            <a:r>
+              <a:rPr lang="en-IN" b="1" dirty="0"/>
+              <a:t>Calculate Salary</a:t>
+            </a:r>
+            <a:endParaRPr lang="en-US" b="1" dirty="0"/>
+          </a:p>
+        </p:txBody>
+      </p:sp>
+      <p:cxnSp>
+        <p:nvCxnSpPr>
+          <p:cNvPr id="5" name="Connector: Elbow 4">
+            <a:extLst>
+              <a:ext uri="{FF2B5EF4-FFF2-40B4-BE49-F238E27FC236}">
+                <a16:creationId xmlns:a16="http://schemas.microsoft.com/office/drawing/2014/main" id="{0E67A50A-C55D-0EE7-57C3-620701B433B4}"/>
+              </a:ext>
+            </a:extLst>
+          </p:cNvPr>
+          <p:cNvCxnSpPr>
+            <a:stCxn id="2" idx="3"/>
+            <a:endCxn id="3" idx="1"/>
+          </p:cNvCxnSpPr>
+          <p:nvPr/>
+        </p:nvCxnSpPr>
+        <p:spPr>
+          <a:xfrm>
+            <a:off x="3638939" y="1063690"/>
+            <a:ext cx="587829" cy="1770483"/>
+          </a:xfrm>
+          <a:prstGeom prst="bentConnector3">
+            <a:avLst/>
+          </a:prstGeom>
+          <a:ln>
+            <a:tailEnd type="triangle"/>
+          </a:ln>
+        </p:spPr>
+        <p:style>
+          <a:lnRef idx="1">
+            <a:schemeClr val="accent1"/>
+          </a:lnRef>
+          <a:fillRef idx="0">
+            <a:schemeClr val="accent1"/>
+          </a:fillRef>
+          <a:effectRef idx="0">
+            <a:schemeClr val="accent1"/>
+          </a:effectRef>
+          <a:fontRef idx="minor">
+            <a:schemeClr val="tx1"/>
+          </a:fontRef>
+        </p:style>
+      </p:cxnSp>
+      <p:sp>
+        <p:nvSpPr>
+          <p:cNvPr id="7" name="Arrow: Right 6">
+            <a:extLst>
+              <a:ext uri="{FF2B5EF4-FFF2-40B4-BE49-F238E27FC236}">
+                <a16:creationId xmlns:a16="http://schemas.microsoft.com/office/drawing/2014/main" id="{9766EF45-372C-E481-002C-3E6D5BBEFE17}"/>
+              </a:ext>
+            </a:extLst>
+          </p:cNvPr>
+          <p:cNvSpPr/>
+          <p:nvPr/>
+        </p:nvSpPr>
+        <p:spPr>
+          <a:xfrm>
+            <a:off x="7336972" y="3744685"/>
+            <a:ext cx="2537926" cy="1189653"/>
+          </a:xfrm>
+          <a:prstGeom prst="rightArrow">
+            <a:avLst/>
+          </a:prstGeom>
+        </p:spPr>
+        <p:style>
+          <a:lnRef idx="2">
+            <a:schemeClr val="accent1">
+              <a:shade val="50000"/>
+            </a:schemeClr>
+          </a:lnRef>
+          <a:fillRef idx="1">
+            <a:schemeClr val="accent1"/>
+          </a:fillRef>
+          <a:effectRef idx="0">
+            <a:schemeClr val="accent1"/>
+          </a:effectRef>
+          <a:fontRef idx="minor">
+            <a:schemeClr val="lt1"/>
+          </a:fontRef>
+        </p:style>
+        <p:txBody>
+          <a:bodyPr rtlCol="0" anchor="ctr"/>
+          <a:lstStyle/>
+          <a:p>
+            <a:pPr algn="ctr"/>
+            <a:r>
+              <a:rPr lang="en-IN" b="1" dirty="0"/>
+              <a:t>Calculate Tax</a:t>
+            </a:r>
+            <a:endParaRPr lang="en-US" b="1" dirty="0"/>
+          </a:p>
+        </p:txBody>
+      </p:sp>
+      <p:cxnSp>
+        <p:nvCxnSpPr>
+          <p:cNvPr id="9" name="Connector: Elbow 8">
+            <a:extLst>
+              <a:ext uri="{FF2B5EF4-FFF2-40B4-BE49-F238E27FC236}">
+                <a16:creationId xmlns:a16="http://schemas.microsoft.com/office/drawing/2014/main" id="{89D6D5A3-2B43-97A7-12EB-28F7ED40D8B1}"/>
+              </a:ext>
+            </a:extLst>
+          </p:cNvPr>
+          <p:cNvCxnSpPr>
+            <a:stCxn id="3" idx="3"/>
+            <a:endCxn id="7" idx="1"/>
+          </p:cNvCxnSpPr>
+          <p:nvPr/>
+        </p:nvCxnSpPr>
+        <p:spPr>
+          <a:xfrm>
+            <a:off x="6764694" y="2834173"/>
+            <a:ext cx="572278" cy="1505339"/>
+          </a:xfrm>
+          <a:prstGeom prst="bentConnector3">
+            <a:avLst/>
+          </a:prstGeom>
+          <a:ln>
+            <a:tailEnd type="triangle"/>
+          </a:ln>
+        </p:spPr>
+        <p:style>
+          <a:lnRef idx="1">
+            <a:schemeClr val="accent1"/>
+          </a:lnRef>
+          <a:fillRef idx="0">
+            <a:schemeClr val="accent1"/>
+          </a:fillRef>
+          <a:effectRef idx="0">
+            <a:schemeClr val="accent1"/>
+          </a:effectRef>
+          <a:fontRef idx="minor">
+            <a:schemeClr val="tx1"/>
+          </a:fontRef>
+        </p:style>
+      </p:cxnSp>
+      <p:sp>
+        <p:nvSpPr>
+          <p:cNvPr id="10" name="TextBox 9">
+            <a:extLst>
+              <a:ext uri="{FF2B5EF4-FFF2-40B4-BE49-F238E27FC236}">
+                <a16:creationId xmlns:a16="http://schemas.microsoft.com/office/drawing/2014/main" id="{C47DAB11-7C5A-2963-AFA5-35E452BDF8D2}"/>
+              </a:ext>
+            </a:extLst>
+          </p:cNvPr>
+          <p:cNvSpPr txBox="1"/>
+          <p:nvPr/>
+        </p:nvSpPr>
+        <p:spPr>
+          <a:xfrm>
+            <a:off x="4114800" y="2054680"/>
+            <a:ext cx="2323322" cy="369332"/>
+          </a:xfrm>
+          <a:prstGeom prst="rect">
+            <a:avLst/>
+          </a:prstGeom>
+          <a:noFill/>
+        </p:spPr>
+        <p:txBody>
+          <a:bodyPr wrap="square" rtlCol="0">
+            <a:spAutoFit/>
+          </a:bodyPr>
+          <a:lstStyle/>
+          <a:p>
+            <a:r>
+              <a:rPr lang="en-IN" dirty="0"/>
+              <a:t>Task 2</a:t>
+            </a:r>
+            <a:endParaRPr lang="en-US" dirty="0"/>
+          </a:p>
+        </p:txBody>
+      </p:sp>
+      <p:sp>
+        <p:nvSpPr>
+          <p:cNvPr id="11" name="TextBox 10">
+            <a:extLst>
+              <a:ext uri="{FF2B5EF4-FFF2-40B4-BE49-F238E27FC236}">
+                <a16:creationId xmlns:a16="http://schemas.microsoft.com/office/drawing/2014/main" id="{1860DF68-1398-4B7F-9960-C9C01508E782}"/>
+              </a:ext>
+            </a:extLst>
+          </p:cNvPr>
+          <p:cNvSpPr txBox="1"/>
+          <p:nvPr/>
+        </p:nvSpPr>
+        <p:spPr>
+          <a:xfrm>
+            <a:off x="646922" y="421824"/>
+            <a:ext cx="2323322" cy="369332"/>
+          </a:xfrm>
+          <a:prstGeom prst="rect">
+            <a:avLst/>
+          </a:prstGeom>
+          <a:noFill/>
+        </p:spPr>
+        <p:txBody>
+          <a:bodyPr wrap="square" rtlCol="0">
+            <a:spAutoFit/>
+          </a:bodyPr>
+          <a:lstStyle/>
+          <a:p>
+            <a:r>
+              <a:rPr lang="en-IN" dirty="0"/>
+              <a:t>Task 1</a:t>
+            </a:r>
+            <a:endParaRPr lang="en-US" dirty="0"/>
+          </a:p>
+        </p:txBody>
+      </p:sp>
+      <p:sp>
+        <p:nvSpPr>
+          <p:cNvPr id="12" name="TextBox 11">
+            <a:extLst>
+              <a:ext uri="{FF2B5EF4-FFF2-40B4-BE49-F238E27FC236}">
+                <a16:creationId xmlns:a16="http://schemas.microsoft.com/office/drawing/2014/main" id="{D4131EFE-D7DF-6D35-1B28-557E0D0C7AA6}"/>
+              </a:ext>
+            </a:extLst>
+          </p:cNvPr>
+          <p:cNvSpPr txBox="1"/>
+          <p:nvPr/>
+        </p:nvSpPr>
+        <p:spPr>
+          <a:xfrm>
+            <a:off x="7277879" y="3560019"/>
+            <a:ext cx="2323322" cy="369332"/>
+          </a:xfrm>
+          <a:prstGeom prst="rect">
+            <a:avLst/>
+          </a:prstGeom>
+          <a:noFill/>
+        </p:spPr>
+        <p:txBody>
+          <a:bodyPr wrap="square" rtlCol="0">
+            <a:spAutoFit/>
+          </a:bodyPr>
+          <a:lstStyle/>
+          <a:p>
+            <a:r>
+              <a:rPr lang="en-IN" dirty="0"/>
+              <a:t>Task 3</a:t>
+            </a:r>
+            <a:endParaRPr lang="en-US" dirty="0"/>
+          </a:p>
+        </p:txBody>
+      </p:sp>
+      <p:cxnSp>
+        <p:nvCxnSpPr>
+          <p:cNvPr id="14" name="Connector: Elbow 13">
+            <a:extLst>
+              <a:ext uri="{FF2B5EF4-FFF2-40B4-BE49-F238E27FC236}">
+                <a16:creationId xmlns:a16="http://schemas.microsoft.com/office/drawing/2014/main" id="{2C1D7FC4-50A3-7083-F3B7-2DC93F12770D}"/>
+              </a:ext>
+            </a:extLst>
+          </p:cNvPr>
+          <p:cNvCxnSpPr>
+            <a:cxnSpLocks/>
+            <a:stCxn id="11" idx="0"/>
+            <a:endCxn id="10" idx="0"/>
+          </p:cNvCxnSpPr>
+          <p:nvPr/>
+        </p:nvCxnSpPr>
+        <p:spPr>
+          <a:xfrm rot="16200000" flipH="1">
+            <a:off x="2726094" y="-495687"/>
+            <a:ext cx="1632856" cy="3467878"/>
+          </a:xfrm>
+          <a:prstGeom prst="bentConnector3">
+            <a:avLst>
+              <a:gd name="adj1" fmla="val -14000"/>
+            </a:avLst>
+          </a:prstGeom>
+          <a:ln>
+            <a:tailEnd type="triangle"/>
+          </a:ln>
+        </p:spPr>
+        <p:style>
+          <a:lnRef idx="1">
+            <a:schemeClr val="accent1"/>
+          </a:lnRef>
+          <a:fillRef idx="0">
+            <a:schemeClr val="accent1"/>
+          </a:fillRef>
+          <a:effectRef idx="0">
+            <a:schemeClr val="accent1"/>
+          </a:effectRef>
+          <a:fontRef idx="minor">
+            <a:schemeClr val="tx1"/>
+          </a:fontRef>
+        </p:style>
+      </p:cxnSp>
+      <p:cxnSp>
+        <p:nvCxnSpPr>
+          <p:cNvPr id="16" name="Connector: Elbow 15">
+            <a:extLst>
+              <a:ext uri="{FF2B5EF4-FFF2-40B4-BE49-F238E27FC236}">
+                <a16:creationId xmlns:a16="http://schemas.microsoft.com/office/drawing/2014/main" id="{E93CE6B3-EDFB-8D5D-A471-36E7882549CF}"/>
+              </a:ext>
+            </a:extLst>
+          </p:cNvPr>
+          <p:cNvCxnSpPr>
+            <a:stCxn id="10" idx="0"/>
+            <a:endCxn id="12" idx="0"/>
+          </p:cNvCxnSpPr>
+          <p:nvPr/>
+        </p:nvCxnSpPr>
+        <p:spPr>
+          <a:xfrm rot="16200000" flipH="1">
+            <a:off x="6105330" y="1225810"/>
+            <a:ext cx="1505339" cy="3163079"/>
+          </a:xfrm>
+          <a:prstGeom prst="bentConnector3">
+            <a:avLst>
+              <a:gd name="adj1" fmla="val -15186"/>
+            </a:avLst>
+          </a:prstGeom>
+          <a:ln>
+            <a:tailEnd type="triangle"/>
+          </a:ln>
+        </p:spPr>
+        <p:style>
+          <a:lnRef idx="1">
+            <a:schemeClr val="accent1"/>
+          </a:lnRef>
+          <a:fillRef idx="0">
+            <a:schemeClr val="accent1"/>
+          </a:fillRef>
+          <a:effectRef idx="0">
+            <a:schemeClr val="accent1"/>
+          </a:effectRef>
+          <a:fontRef idx="minor">
+            <a:schemeClr val="tx1"/>
+          </a:fontRef>
+        </p:style>
+      </p:cxnSp>
+      <p:sp>
+        <p:nvSpPr>
+          <p:cNvPr id="18" name="TextBox 17">
+            <a:extLst>
+              <a:ext uri="{FF2B5EF4-FFF2-40B4-BE49-F238E27FC236}">
+                <a16:creationId xmlns:a16="http://schemas.microsoft.com/office/drawing/2014/main" id="{BB45349A-BD38-CACF-4D06-A3EA965BB26E}"/>
+              </a:ext>
+            </a:extLst>
+          </p:cNvPr>
+          <p:cNvSpPr txBox="1"/>
+          <p:nvPr/>
+        </p:nvSpPr>
+        <p:spPr>
+          <a:xfrm>
+            <a:off x="6232849" y="606490"/>
+            <a:ext cx="3642049" cy="369332"/>
+          </a:xfrm>
+          <a:prstGeom prst="rect">
+            <a:avLst/>
+          </a:prstGeom>
+          <a:noFill/>
+        </p:spPr>
+        <p:txBody>
+          <a:bodyPr wrap="square" rtlCol="0">
+            <a:spAutoFit/>
+          </a:bodyPr>
+          <a:lstStyle/>
+          <a:p>
+            <a:r>
+              <a:rPr lang="en-IN"/>
+              <a:t>Continue From first to second</a:t>
+            </a:r>
+            <a:endParaRPr lang="en-US"/>
+          </a:p>
+        </p:txBody>
+      </p:sp>
+    </p:spTree>
+    <p:extLst>
+      <p:ext uri="{BB962C8B-B14F-4D97-AF65-F5344CB8AC3E}">
+        <p14:creationId xmlns:p14="http://schemas.microsoft.com/office/powerpoint/2010/main" val="3329672116"/>
+      </p:ext>
+    </p:extLst>
+  </p:cSld>
+  <p:clrMapOvr>
+    <a:masterClrMapping/>
+  </p:clrMapOvr>
+</p:sld>
+</file>
+
 <file path=ppt/slides/slide2.xml><?xml version="1.0" encoding="utf-8"?>
 <p:sld xmlns:a="http://schemas.openxmlformats.org/drawingml/2006/main" xmlns:r="http://schemas.openxmlformats.org/officeDocument/2006/relationships" xmlns:p="http://schemas.openxmlformats.org/presentationml/2006/main">
   <p:cSld>

--- a/MB_Training_Images.pptx
+++ b/MB_Training_Images.pptx
@@ -24,6 +24,7 @@
     <p:sldId id="272" r:id="rId18"/>
     <p:sldId id="273" r:id="rId19"/>
     <p:sldId id="274" r:id="rId20"/>
+    <p:sldId id="275" r:id="rId21"/>
   </p:sldIdLst>
   <p:sldSz cx="12192000" cy="6858000"/>
   <p:notesSz cx="6858000" cy="9144000"/>
@@ -16099,10 +16100,10 @@
           <a:lstStyle/>
           <a:p>
             <a:r>
-              <a:rPr lang="en-IN"/>
+              <a:rPr lang="en-IN" dirty="0"/>
               <a:t>Continue From first to second</a:t>
             </a:r>
-            <a:endParaRPr lang="en-US"/>
+            <a:endParaRPr lang="en-US" dirty="0"/>
           </a:p>
         </p:txBody>
       </p:sp>
@@ -17185,6 +17186,236 @@
     <p:extLst>
       <p:ext uri="{BB962C8B-B14F-4D97-AF65-F5344CB8AC3E}">
         <p14:creationId xmlns:p14="http://schemas.microsoft.com/office/powerpoint/2010/main" val="156400967"/>
+      </p:ext>
+    </p:extLst>
+  </p:cSld>
+  <p:clrMapOvr>
+    <a:masterClrMapping/>
+  </p:clrMapOvr>
+</p:sld>
+</file>
+
+<file path=ppt/slides/slide20.xml><?xml version="1.0" encoding="utf-8"?>
+<p:sld xmlns:a="http://schemas.openxmlformats.org/drawingml/2006/main" xmlns:r="http://schemas.openxmlformats.org/officeDocument/2006/relationships" xmlns:p="http://schemas.openxmlformats.org/presentationml/2006/main">
+  <p:cSld>
+    <p:spTree>
+      <p:nvGrpSpPr>
+        <p:cNvPr id="1" name=""/>
+        <p:cNvGrpSpPr/>
+        <p:nvPr/>
+      </p:nvGrpSpPr>
+      <p:grpSpPr>
+        <a:xfrm>
+          <a:off x="0" y="0"/>
+          <a:ext cx="0" cy="0"/>
+          <a:chOff x="0" y="0"/>
+          <a:chExt cx="0" cy="0"/>
+        </a:xfrm>
+      </p:grpSpPr>
+      <p:sp>
+        <p:nvSpPr>
+          <p:cNvPr id="2" name="Rectangle 1">
+            <a:extLst>
+              <a:ext uri="{FF2B5EF4-FFF2-40B4-BE49-F238E27FC236}">
+                <a16:creationId xmlns:a16="http://schemas.microsoft.com/office/drawing/2014/main" id="{C70DE7A9-AAB5-B97E-4758-3A0BF5A1E177}"/>
+              </a:ext>
+            </a:extLst>
+          </p:cNvPr>
+          <p:cNvSpPr/>
+          <p:nvPr/>
+        </p:nvSpPr>
+        <p:spPr>
+          <a:xfrm>
+            <a:off x="709127" y="4917233"/>
+            <a:ext cx="10282334" cy="1576873"/>
+          </a:xfrm>
+          <a:prstGeom prst="rect">
+            <a:avLst/>
+          </a:prstGeom>
+        </p:spPr>
+        <p:style>
+          <a:lnRef idx="2">
+            <a:schemeClr val="accent1">
+              <a:shade val="50000"/>
+            </a:schemeClr>
+          </a:lnRef>
+          <a:fillRef idx="1">
+            <a:schemeClr val="accent1"/>
+          </a:fillRef>
+          <a:effectRef idx="0">
+            <a:schemeClr val="accent1"/>
+          </a:effectRef>
+          <a:fontRef idx="minor">
+            <a:schemeClr val="lt1"/>
+          </a:fontRef>
+        </p:style>
+        <p:txBody>
+          <a:bodyPr rtlCol="0" anchor="ctr"/>
+          <a:lstStyle/>
+          <a:p>
+            <a:pPr algn="ctr"/>
+            <a:r>
+              <a:rPr lang="en-IN" sz="2800" b="1" dirty="0"/>
+              <a:t>Operating System (OS)</a:t>
+            </a:r>
+            <a:endParaRPr lang="en-US" sz="2800" b="1" dirty="0"/>
+          </a:p>
+        </p:txBody>
+      </p:sp>
+      <p:sp>
+        <p:nvSpPr>
+          <p:cNvPr id="3" name="Rectangle: Rounded Corners 2">
+            <a:extLst>
+              <a:ext uri="{FF2B5EF4-FFF2-40B4-BE49-F238E27FC236}">
+                <a16:creationId xmlns:a16="http://schemas.microsoft.com/office/drawing/2014/main" id="{5B435721-0A4C-5D24-B315-8BCF0F7FAE75}"/>
+              </a:ext>
+            </a:extLst>
+          </p:cNvPr>
+          <p:cNvSpPr/>
+          <p:nvPr/>
+        </p:nvSpPr>
+        <p:spPr>
+          <a:xfrm>
+            <a:off x="1110343" y="550506"/>
+            <a:ext cx="4376057" cy="3676261"/>
+          </a:xfrm>
+          <a:prstGeom prst="roundRect">
+            <a:avLst/>
+          </a:prstGeom>
+        </p:spPr>
+        <p:style>
+          <a:lnRef idx="2">
+            <a:schemeClr val="accent1">
+              <a:shade val="50000"/>
+            </a:schemeClr>
+          </a:lnRef>
+          <a:fillRef idx="1">
+            <a:schemeClr val="accent1"/>
+          </a:fillRef>
+          <a:effectRef idx="0">
+            <a:schemeClr val="accent1"/>
+          </a:effectRef>
+          <a:fontRef idx="minor">
+            <a:schemeClr val="lt1"/>
+          </a:fontRef>
+        </p:style>
+        <p:txBody>
+          <a:bodyPr rtlCol="0" anchor="ctr"/>
+          <a:lstStyle/>
+          <a:p>
+            <a:pPr algn="ctr"/>
+            <a:r>
+              <a:rPr lang="en-IN" sz="3200" b="1" dirty="0"/>
+              <a:t>.NET Application</a:t>
+            </a:r>
+            <a:endParaRPr lang="en-US" sz="3200" b="1" dirty="0"/>
+          </a:p>
+        </p:txBody>
+      </p:sp>
+      <p:sp>
+        <p:nvSpPr>
+          <p:cNvPr id="4" name="Cylinder 3">
+            <a:extLst>
+              <a:ext uri="{FF2B5EF4-FFF2-40B4-BE49-F238E27FC236}">
+                <a16:creationId xmlns:a16="http://schemas.microsoft.com/office/drawing/2014/main" id="{025883F2-E09B-5049-AC72-60B4AFC6D2AB}"/>
+              </a:ext>
+            </a:extLst>
+          </p:cNvPr>
+          <p:cNvSpPr/>
+          <p:nvPr/>
+        </p:nvSpPr>
+        <p:spPr>
+          <a:xfrm>
+            <a:off x="8658807" y="550506"/>
+            <a:ext cx="2537927" cy="1502228"/>
+          </a:xfrm>
+          <a:prstGeom prst="can">
+            <a:avLst/>
+          </a:prstGeom>
+        </p:spPr>
+        <p:style>
+          <a:lnRef idx="2">
+            <a:schemeClr val="accent1">
+              <a:shade val="50000"/>
+            </a:schemeClr>
+          </a:lnRef>
+          <a:fillRef idx="1">
+            <a:schemeClr val="accent1"/>
+          </a:fillRef>
+          <a:effectRef idx="0">
+            <a:schemeClr val="accent1"/>
+          </a:effectRef>
+          <a:fontRef idx="minor">
+            <a:schemeClr val="lt1"/>
+          </a:fontRef>
+        </p:style>
+        <p:txBody>
+          <a:bodyPr rtlCol="0" anchor="ctr"/>
+          <a:lstStyle/>
+          <a:p>
+            <a:pPr algn="ctr"/>
+            <a:r>
+              <a:rPr lang="en-IN" sz="2400" b="1" dirty="0"/>
+              <a:t>DB</a:t>
+            </a:r>
+            <a:endParaRPr lang="en-US" sz="2400" b="1" dirty="0"/>
+          </a:p>
+        </p:txBody>
+      </p:sp>
+      <p:sp>
+        <p:nvSpPr>
+          <p:cNvPr id="5" name="Flowchart: Multidocument 4">
+            <a:extLst>
+              <a:ext uri="{FF2B5EF4-FFF2-40B4-BE49-F238E27FC236}">
+                <a16:creationId xmlns:a16="http://schemas.microsoft.com/office/drawing/2014/main" id="{94098C70-11DE-7AF0-A2E8-AE7695767A79}"/>
+              </a:ext>
+            </a:extLst>
+          </p:cNvPr>
+          <p:cNvSpPr/>
+          <p:nvPr/>
+        </p:nvSpPr>
+        <p:spPr>
+          <a:xfrm>
+            <a:off x="8966718" y="2668555"/>
+            <a:ext cx="1726164" cy="1296955"/>
+          </a:xfrm>
+          <a:prstGeom prst="flowChartMultidocument">
+            <a:avLst/>
+          </a:prstGeom>
+        </p:spPr>
+        <p:style>
+          <a:lnRef idx="2">
+            <a:schemeClr val="accent1">
+              <a:shade val="50000"/>
+            </a:schemeClr>
+          </a:lnRef>
+          <a:fillRef idx="1">
+            <a:schemeClr val="accent1"/>
+          </a:fillRef>
+          <a:effectRef idx="0">
+            <a:schemeClr val="accent1"/>
+          </a:effectRef>
+          <a:fontRef idx="minor">
+            <a:schemeClr val="lt1"/>
+          </a:fontRef>
+        </p:style>
+        <p:txBody>
+          <a:bodyPr rtlCol="0" anchor="ctr"/>
+          <a:lstStyle/>
+          <a:p>
+            <a:pPr algn="ctr"/>
+            <a:r>
+              <a:rPr lang="en-IN" b="1"/>
+              <a:t>File System</a:t>
+            </a:r>
+            <a:endParaRPr lang="en-US" b="1"/>
+          </a:p>
+        </p:txBody>
+      </p:sp>
+    </p:spTree>
+    <p:extLst>
+      <p:ext uri="{BB962C8B-B14F-4D97-AF65-F5344CB8AC3E}">
+        <p14:creationId xmlns:p14="http://schemas.microsoft.com/office/powerpoint/2010/main" val="4059539445"/>
       </p:ext>
     </p:extLst>
   </p:cSld>
